--- a/ppt/54_Java 專案：NBT.pptx
+++ b/ppt/54_Java 專案：NBT.pptx
@@ -8,6 +8,10 @@
     <p:sldId id="256" r:id="rId2"/>
     <p:sldId id="257" r:id="rId3"/>
     <p:sldId id="258" r:id="rId4"/>
+    <p:sldId id="259" r:id="rId5"/>
+    <p:sldId id="261" r:id="rId6"/>
+    <p:sldId id="262" r:id="rId7"/>
+    <p:sldId id="260" r:id="rId8"/>
   </p:sldIdLst>
   <p:sldSz cx="12192000" cy="6858000"/>
   <p:notesSz cx="6858000" cy="9144000"/>
@@ -1926,7 +1930,12 @@
             <p:ph type="title"/>
           </p:nvPr>
         </p:nvSpPr>
-        <p:spPr/>
+        <p:spPr>
+          <a:xfrm>
+            <a:off x="838200" y="365125"/>
+            <a:ext cx="10515600" cy="1325563"/>
+          </a:xfrm>
+        </p:spPr>
         <p:txBody>
           <a:bodyPr/>
           <a:lstStyle/>
@@ -1941,10 +1950,10 @@
       </p:sp>
       <p:sp>
         <p:nvSpPr>
-          <p:cNvPr id="3" name="內容版面配置區 2">
+          <p:cNvPr id="5" name="內容版面配置區 4">
             <a:extLst>
               <a:ext uri="{FF2B5EF4-FFF2-40B4-BE49-F238E27FC236}">
-                <a16:creationId xmlns:a16="http://schemas.microsoft.com/office/drawing/2014/main" id="{1E85D21C-A6BE-47FB-8B0F-9AFB51EB3DFB}"/>
+                <a16:creationId xmlns:a16="http://schemas.microsoft.com/office/drawing/2014/main" id="{F08F68F4-C9B2-4E0B-BDA9-8040D499A2CB}"/>
               </a:ext>
             </a:extLst>
           </p:cNvPr>
@@ -1955,12 +1964,7 @@
             <p:ph idx="1"/>
           </p:nvPr>
         </p:nvSpPr>
-        <p:spPr>
-          <a:xfrm>
-            <a:off x="762000" y="1996235"/>
-            <a:ext cx="10668000" cy="3651530"/>
-          </a:xfrm>
-        </p:spPr>
+        <p:spPr/>
         <p:txBody>
           <a:bodyPr/>
           <a:lstStyle/>
@@ -2024,11 +2028,80 @@
             </a:r>
           </a:p>
           <a:p>
-            <a:endParaRPr lang="zh-TW" altLang="en-US">
+            <a:r>
+              <a:rPr lang="zh-TW" altLang="en-US"/>
+              <a:t>兩者可以互相轉換</a:t>
+            </a:r>
+            <a:endParaRPr lang="en-US" altLang="zh-TW"/>
+          </a:p>
+          <a:p>
+            <a:endParaRPr lang="en-US" altLang="zh-TW"/>
+          </a:p>
+          <a:p>
+            <a:r>
+              <a:rPr lang="en-US" altLang="zh-TW">
+                <a:solidFill>
+                  <a:srgbClr val="00B0F0"/>
+                </a:solidFill>
+              </a:rPr>
+              <a:t>SNBT</a:t>
+            </a:r>
+            <a:r>
+              <a:rPr lang="en-US" altLang="zh-TW"/>
+              <a:t> </a:t>
+            </a:r>
+            <a:r>
+              <a:rPr lang="zh-TW" altLang="en-US"/>
+              <a:t>共有 </a:t>
+            </a:r>
+            <a:r>
+              <a:rPr lang="en-US" altLang="zh-TW"/>
+              <a:t>13 </a:t>
+            </a:r>
+            <a:r>
+              <a:rPr lang="zh-TW" altLang="en-US"/>
+              <a:t>種</a:t>
+            </a:r>
+            <a:r>
+              <a:rPr lang="zh-TW" altLang="en-US">
+                <a:solidFill>
+                  <a:srgbClr val="00B0F0"/>
+                </a:solidFill>
+              </a:rPr>
+              <a:t>資料型別</a:t>
+            </a:r>
+            <a:endParaRPr lang="en-US" altLang="zh-TW">
               <a:solidFill>
                 <a:srgbClr val="00B0F0"/>
               </a:solidFill>
             </a:endParaRPr>
+          </a:p>
+          <a:p>
+            <a:r>
+              <a:rPr lang="zh-TW" altLang="en-US"/>
+              <a:t>幾乎可以與 </a:t>
+            </a:r>
+            <a:r>
+              <a:rPr lang="en-US" altLang="zh-TW"/>
+              <a:t>Java </a:t>
+            </a:r>
+            <a:r>
+              <a:rPr lang="zh-TW" altLang="en-US"/>
+              <a:t>中的</a:t>
+            </a:r>
+            <a:r>
+              <a:rPr lang="zh-TW" altLang="en-US">
+                <a:solidFill>
+                  <a:srgbClr val="00B0F0"/>
+                </a:solidFill>
+              </a:rPr>
+              <a:t>資料型別</a:t>
+            </a:r>
+            <a:r>
+              <a:rPr lang="zh-TW" altLang="en-US"/>
+              <a:t>對應</a:t>
+            </a:r>
+            <a:endParaRPr lang="en-US" altLang="zh-TW"/>
           </a:p>
         </p:txBody>
       </p:sp>
@@ -2081,11 +2154,5241 @@
             <p:ph type="title"/>
           </p:nvPr>
         </p:nvSpPr>
+        <p:spPr>
+          <a:xfrm>
+            <a:off x="838200" y="0"/>
+            <a:ext cx="10515600" cy="1325563"/>
+          </a:xfrm>
+        </p:spPr>
+        <p:txBody>
+          <a:bodyPr/>
+          <a:lstStyle/>
+          <a:p>
+            <a:r>
+              <a:rPr lang="en-US" altLang="zh-TW"/>
+              <a:t>SNBT</a:t>
+            </a:r>
+            <a:endParaRPr lang="zh-TW" altLang="en-US"/>
+          </a:p>
+        </p:txBody>
+      </p:sp>
+      <p:graphicFrame>
+        <p:nvGraphicFramePr>
+          <p:cNvPr id="4" name="表格 4">
+            <a:extLst>
+              <a:ext uri="{FF2B5EF4-FFF2-40B4-BE49-F238E27FC236}">
+                <a16:creationId xmlns:a16="http://schemas.microsoft.com/office/drawing/2014/main" id="{6274AE42-9B04-4485-A0CA-5A0C1D957EC3}"/>
+              </a:ext>
+            </a:extLst>
+          </p:cNvPr>
+          <p:cNvGraphicFramePr>
+            <a:graphicFrameLocks noGrp="1"/>
+          </p:cNvGraphicFramePr>
+          <p:nvPr>
+            <p:ph idx="1"/>
+            <p:extLst>
+              <p:ext uri="{D42A27DB-BD31-4B8C-83A1-F6EECF244321}">
+                <p14:modId xmlns:p14="http://schemas.microsoft.com/office/powerpoint/2010/main" val="3953331489"/>
+              </p:ext>
+            </p:extLst>
+          </p:nvPr>
+        </p:nvGraphicFramePr>
+        <p:xfrm>
+          <a:off x="1345883" y="1259281"/>
+          <a:ext cx="9500235" cy="4937760"/>
+        </p:xfrm>
+        <a:graphic>
+          <a:graphicData uri="http://schemas.openxmlformats.org/drawingml/2006/table">
+            <a:tbl>
+              <a:tblPr firstRow="1" bandRow="1">
+                <a:tableStyleId>{5C22544A-7EE6-4342-B048-85BDC9FD1C3A}</a:tableStyleId>
+              </a:tblPr>
+              <a:tblGrid>
+                <a:gridCol w="3218180">
+                  <a:extLst>
+                    <a:ext uri="{9D8B030D-6E8A-4147-A177-3AD203B41FA5}">
+                      <a16:colId xmlns:a16="http://schemas.microsoft.com/office/drawing/2014/main" val="3261269498"/>
+                    </a:ext>
+                  </a:extLst>
+                </a:gridCol>
+                <a:gridCol w="2776855">
+                  <a:extLst>
+                    <a:ext uri="{9D8B030D-6E8A-4147-A177-3AD203B41FA5}">
+                      <a16:colId xmlns:a16="http://schemas.microsoft.com/office/drawing/2014/main" val="2760472313"/>
+                    </a:ext>
+                  </a:extLst>
+                </a:gridCol>
+                <a:gridCol w="3505200">
+                  <a:extLst>
+                    <a:ext uri="{9D8B030D-6E8A-4147-A177-3AD203B41FA5}">
+                      <a16:colId xmlns:a16="http://schemas.microsoft.com/office/drawing/2014/main" val="2846083670"/>
+                    </a:ext>
+                  </a:extLst>
+                </a:gridCol>
+              </a:tblGrid>
+              <a:tr h="370840">
+                <a:tc>
+                  <a:txBody>
+                    <a:bodyPr/>
+                    <a:lstStyle/>
+                    <a:p>
+                      <a:pPr algn="ctr"/>
+                      <a:r>
+                        <a:rPr lang="en-US" altLang="zh-TW" sz="2800" b="0">
+                          <a:solidFill>
+                            <a:schemeClr val="tx1"/>
+                          </a:solidFill>
+                        </a:rPr>
+                        <a:t>SNBT</a:t>
+                      </a:r>
+                      <a:r>
+                        <a:rPr lang="zh-TW" altLang="en-US" sz="2800" b="0">
+                          <a:solidFill>
+                            <a:schemeClr val="tx1"/>
+                          </a:solidFill>
+                        </a:rPr>
+                        <a:t> 資料型別</a:t>
+                      </a:r>
+                    </a:p>
+                  </a:txBody>
+                  <a:tcPr anchor="ctr">
+                    <a:lnL w="12700" cap="flat" cmpd="sng" algn="ctr">
+                      <a:solidFill>
+                        <a:schemeClr val="tx1"/>
+                      </a:solidFill>
+                      <a:prstDash val="solid"/>
+                      <a:round/>
+                      <a:headEnd type="none" w="med" len="med"/>
+                      <a:tailEnd type="none" w="med" len="med"/>
+                    </a:lnL>
+                    <a:lnR w="12700" cap="flat" cmpd="sng" algn="ctr">
+                      <a:solidFill>
+                        <a:schemeClr val="tx1"/>
+                      </a:solidFill>
+                      <a:prstDash val="solid"/>
+                      <a:round/>
+                      <a:headEnd type="none" w="med" len="med"/>
+                      <a:tailEnd type="none" w="med" len="med"/>
+                    </a:lnR>
+                    <a:lnT w="12700" cap="flat" cmpd="sng" algn="ctr">
+                      <a:solidFill>
+                        <a:schemeClr val="tx1"/>
+                      </a:solidFill>
+                      <a:prstDash val="solid"/>
+                      <a:round/>
+                      <a:headEnd type="none" w="med" len="med"/>
+                      <a:tailEnd type="none" w="med" len="med"/>
+                    </a:lnT>
+                    <a:lnB w="12700" cap="flat" cmpd="sng" algn="ctr">
+                      <a:solidFill>
+                        <a:schemeClr val="tx1"/>
+                      </a:solidFill>
+                      <a:prstDash val="solid"/>
+                      <a:round/>
+                      <a:headEnd type="none" w="med" len="med"/>
+                      <a:tailEnd type="none" w="med" len="med"/>
+                    </a:lnB>
+                    <a:lnTlToBr w="12700" cmpd="sng">
+                      <a:noFill/>
+                      <a:prstDash val="solid"/>
+                    </a:lnTlToBr>
+                    <a:lnBlToTr w="12700" cmpd="sng">
+                      <a:noFill/>
+                      <a:prstDash val="solid"/>
+                    </a:lnBlToTr>
+                    <a:noFill/>
+                  </a:tcPr>
+                </a:tc>
+                <a:tc>
+                  <a:txBody>
+                    <a:bodyPr/>
+                    <a:lstStyle/>
+                    <a:p>
+                      <a:pPr algn="ctr"/>
+                      <a:r>
+                        <a:rPr lang="en-US" altLang="zh-TW" sz="2800" b="0">
+                          <a:solidFill>
+                            <a:schemeClr val="tx1"/>
+                          </a:solidFill>
+                        </a:rPr>
+                        <a:t>Java </a:t>
+                      </a:r>
+                      <a:r>
+                        <a:rPr lang="zh-TW" altLang="en-US" sz="2800" b="0">
+                          <a:solidFill>
+                            <a:schemeClr val="tx1"/>
+                          </a:solidFill>
+                        </a:rPr>
+                        <a:t>資料型別</a:t>
+                      </a:r>
+                    </a:p>
+                  </a:txBody>
+                  <a:tcPr anchor="ctr">
+                    <a:lnL w="12700" cap="flat" cmpd="sng" algn="ctr">
+                      <a:solidFill>
+                        <a:schemeClr val="tx1"/>
+                      </a:solidFill>
+                      <a:prstDash val="solid"/>
+                      <a:round/>
+                      <a:headEnd type="none" w="med" len="med"/>
+                      <a:tailEnd type="none" w="med" len="med"/>
+                    </a:lnL>
+                    <a:lnR w="12700" cap="flat" cmpd="sng" algn="ctr">
+                      <a:solidFill>
+                        <a:schemeClr val="tx1"/>
+                      </a:solidFill>
+                      <a:prstDash val="solid"/>
+                      <a:round/>
+                      <a:headEnd type="none" w="med" len="med"/>
+                      <a:tailEnd type="none" w="med" len="med"/>
+                    </a:lnR>
+                    <a:lnT w="12700" cap="flat" cmpd="sng" algn="ctr">
+                      <a:solidFill>
+                        <a:schemeClr val="tx1"/>
+                      </a:solidFill>
+                      <a:prstDash val="solid"/>
+                      <a:round/>
+                      <a:headEnd type="none" w="med" len="med"/>
+                      <a:tailEnd type="none" w="med" len="med"/>
+                    </a:lnT>
+                    <a:lnB w="12700" cap="flat" cmpd="sng" algn="ctr">
+                      <a:solidFill>
+                        <a:schemeClr val="tx1"/>
+                      </a:solidFill>
+                      <a:prstDash val="solid"/>
+                      <a:round/>
+                      <a:headEnd type="none" w="med" len="med"/>
+                      <a:tailEnd type="none" w="med" len="med"/>
+                    </a:lnB>
+                    <a:lnTlToBr w="12700" cmpd="sng">
+                      <a:noFill/>
+                      <a:prstDash val="solid"/>
+                    </a:lnTlToBr>
+                    <a:lnBlToTr w="12700" cmpd="sng">
+                      <a:noFill/>
+                      <a:prstDash val="solid"/>
+                    </a:lnBlToTr>
+                    <a:noFill/>
+                  </a:tcPr>
+                </a:tc>
+                <a:tc>
+                  <a:txBody>
+                    <a:bodyPr/>
+                    <a:lstStyle/>
+                    <a:p>
+                      <a:pPr algn="ctr"/>
+                      <a:r>
+                        <a:rPr lang="zh-TW" altLang="en-US" sz="2800" b="0">
+                          <a:solidFill>
+                            <a:schemeClr val="tx1"/>
+                          </a:solidFill>
+                        </a:rPr>
+                        <a:t>備註</a:t>
+                      </a:r>
+                    </a:p>
+                  </a:txBody>
+                  <a:tcPr anchor="ctr">
+                    <a:lnL w="12700" cap="flat" cmpd="sng" algn="ctr">
+                      <a:solidFill>
+                        <a:schemeClr val="tx1"/>
+                      </a:solidFill>
+                      <a:prstDash val="solid"/>
+                      <a:round/>
+                      <a:headEnd type="none" w="med" len="med"/>
+                      <a:tailEnd type="none" w="med" len="med"/>
+                    </a:lnL>
+                    <a:lnR w="12700" cap="flat" cmpd="sng" algn="ctr">
+                      <a:solidFill>
+                        <a:schemeClr val="tx1"/>
+                      </a:solidFill>
+                      <a:prstDash val="solid"/>
+                      <a:round/>
+                      <a:headEnd type="none" w="med" len="med"/>
+                      <a:tailEnd type="none" w="med" len="med"/>
+                    </a:lnR>
+                    <a:lnT w="12700" cap="flat" cmpd="sng" algn="ctr">
+                      <a:solidFill>
+                        <a:schemeClr val="tx1"/>
+                      </a:solidFill>
+                      <a:prstDash val="solid"/>
+                      <a:round/>
+                      <a:headEnd type="none" w="med" len="med"/>
+                      <a:tailEnd type="none" w="med" len="med"/>
+                    </a:lnT>
+                    <a:lnB w="12700" cap="flat" cmpd="sng" algn="ctr">
+                      <a:solidFill>
+                        <a:schemeClr val="tx1"/>
+                      </a:solidFill>
+                      <a:prstDash val="solid"/>
+                      <a:round/>
+                      <a:headEnd type="none" w="med" len="med"/>
+                      <a:tailEnd type="none" w="med" len="med"/>
+                    </a:lnB>
+                    <a:lnTlToBr w="12700" cmpd="sng">
+                      <a:noFill/>
+                      <a:prstDash val="solid"/>
+                    </a:lnTlToBr>
+                    <a:lnBlToTr w="12700" cmpd="sng">
+                      <a:noFill/>
+                      <a:prstDash val="solid"/>
+                    </a:lnBlToTr>
+                    <a:noFill/>
+                  </a:tcPr>
+                </a:tc>
+                <a:extLst>
+                  <a:ext uri="{0D108BD9-81ED-4DB2-BD59-A6C34878D82A}">
+                    <a16:rowId xmlns:a16="http://schemas.microsoft.com/office/drawing/2014/main" val="1286350561"/>
+                  </a:ext>
+                </a:extLst>
+              </a:tr>
+              <a:tr h="370840">
+                <a:tc>
+                  <a:txBody>
+                    <a:bodyPr/>
+                    <a:lstStyle/>
+                    <a:p>
+                      <a:pPr algn="ctr"/>
+                      <a:r>
+                        <a:rPr lang="zh-TW" altLang="en-US" sz="2000" b="0">
+                          <a:solidFill>
+                            <a:schemeClr val="tx1"/>
+                          </a:solidFill>
+                        </a:rPr>
+                        <a:t>位元組</a:t>
+                      </a:r>
+                      <a:r>
+                        <a:rPr lang="en-US" altLang="zh-TW" sz="2000" b="0">
+                          <a:solidFill>
+                            <a:schemeClr val="tx1"/>
+                          </a:solidFill>
+                        </a:rPr>
+                        <a:t>(byte)</a:t>
+                      </a:r>
+                      <a:endParaRPr lang="zh-TW" altLang="en-US" sz="2000" b="0">
+                        <a:solidFill>
+                          <a:schemeClr val="tx1"/>
+                        </a:solidFill>
+                      </a:endParaRPr>
+                    </a:p>
+                  </a:txBody>
+                  <a:tcPr anchor="ctr">
+                    <a:lnL w="12700" cap="flat" cmpd="sng" algn="ctr">
+                      <a:solidFill>
+                        <a:schemeClr val="tx1"/>
+                      </a:solidFill>
+                      <a:prstDash val="solid"/>
+                      <a:round/>
+                      <a:headEnd type="none" w="med" len="med"/>
+                      <a:tailEnd type="none" w="med" len="med"/>
+                    </a:lnL>
+                    <a:lnR w="12700" cap="flat" cmpd="sng" algn="ctr">
+                      <a:solidFill>
+                        <a:schemeClr val="tx1"/>
+                      </a:solidFill>
+                      <a:prstDash val="solid"/>
+                      <a:round/>
+                      <a:headEnd type="none" w="med" len="med"/>
+                      <a:tailEnd type="none" w="med" len="med"/>
+                    </a:lnR>
+                    <a:lnT w="12700" cap="flat" cmpd="sng" algn="ctr">
+                      <a:solidFill>
+                        <a:schemeClr val="tx1"/>
+                      </a:solidFill>
+                      <a:prstDash val="solid"/>
+                      <a:round/>
+                      <a:headEnd type="none" w="med" len="med"/>
+                      <a:tailEnd type="none" w="med" len="med"/>
+                    </a:lnT>
+                    <a:lnB w="12700" cap="flat" cmpd="sng" algn="ctr">
+                      <a:solidFill>
+                        <a:schemeClr val="tx1"/>
+                      </a:solidFill>
+                      <a:prstDash val="solid"/>
+                      <a:round/>
+                      <a:headEnd type="none" w="med" len="med"/>
+                      <a:tailEnd type="none" w="med" len="med"/>
+                    </a:lnB>
+                    <a:lnTlToBr w="12700" cmpd="sng">
+                      <a:noFill/>
+                      <a:prstDash val="solid"/>
+                    </a:lnTlToBr>
+                    <a:lnBlToTr w="12700" cmpd="sng">
+                      <a:noFill/>
+                      <a:prstDash val="solid"/>
+                    </a:lnBlToTr>
+                    <a:noFill/>
+                  </a:tcPr>
+                </a:tc>
+                <a:tc>
+                  <a:txBody>
+                    <a:bodyPr/>
+                    <a:lstStyle/>
+                    <a:p>
+                      <a:pPr algn="ctr"/>
+                      <a:r>
+                        <a:rPr lang="en-US" altLang="zh-TW" sz="2000" b="0">
+                          <a:solidFill>
+                            <a:srgbClr val="CF8E6D"/>
+                          </a:solidFill>
+                        </a:rPr>
+                        <a:t>byte</a:t>
+                      </a:r>
+                      <a:endParaRPr lang="zh-TW" altLang="en-US" sz="2000" b="0">
+                        <a:solidFill>
+                          <a:srgbClr val="CF8E6D"/>
+                        </a:solidFill>
+                      </a:endParaRPr>
+                    </a:p>
+                  </a:txBody>
+                  <a:tcPr anchor="ctr">
+                    <a:lnL w="12700" cap="flat" cmpd="sng" algn="ctr">
+                      <a:solidFill>
+                        <a:schemeClr val="tx1"/>
+                      </a:solidFill>
+                      <a:prstDash val="solid"/>
+                      <a:round/>
+                      <a:headEnd type="none" w="med" len="med"/>
+                      <a:tailEnd type="none" w="med" len="med"/>
+                    </a:lnL>
+                    <a:lnR w="12700" cap="flat" cmpd="sng" algn="ctr">
+                      <a:solidFill>
+                        <a:schemeClr val="tx1"/>
+                      </a:solidFill>
+                      <a:prstDash val="solid"/>
+                      <a:round/>
+                      <a:headEnd type="none" w="med" len="med"/>
+                      <a:tailEnd type="none" w="med" len="med"/>
+                    </a:lnR>
+                    <a:lnT w="12700" cap="flat" cmpd="sng" algn="ctr">
+                      <a:solidFill>
+                        <a:schemeClr val="tx1"/>
+                      </a:solidFill>
+                      <a:prstDash val="solid"/>
+                      <a:round/>
+                      <a:headEnd type="none" w="med" len="med"/>
+                      <a:tailEnd type="none" w="med" len="med"/>
+                    </a:lnT>
+                    <a:lnB w="12700" cap="flat" cmpd="sng" algn="ctr">
+                      <a:solidFill>
+                        <a:schemeClr val="tx1"/>
+                      </a:solidFill>
+                      <a:prstDash val="solid"/>
+                      <a:round/>
+                      <a:headEnd type="none" w="med" len="med"/>
+                      <a:tailEnd type="none" w="med" len="med"/>
+                    </a:lnB>
+                    <a:lnTlToBr w="12700" cmpd="sng">
+                      <a:noFill/>
+                      <a:prstDash val="solid"/>
+                    </a:lnTlToBr>
+                    <a:lnBlToTr w="12700" cmpd="sng">
+                      <a:noFill/>
+                      <a:prstDash val="solid"/>
+                    </a:lnBlToTr>
+                    <a:noFill/>
+                  </a:tcPr>
+                </a:tc>
+                <a:tc>
+                  <a:txBody>
+                    <a:bodyPr/>
+                    <a:lstStyle/>
+                    <a:p>
+                      <a:pPr algn="ctr"/>
+                      <a:r>
+                        <a:rPr lang="en-US" altLang="zh-TW" b="0">
+                          <a:solidFill>
+                            <a:schemeClr val="tx1"/>
+                          </a:solidFill>
+                        </a:rPr>
+                        <a:t>SNBT </a:t>
+                      </a:r>
+                      <a:r>
+                        <a:rPr lang="zh-TW" altLang="en-US" b="0">
+                          <a:solidFill>
+                            <a:schemeClr val="tx1"/>
+                          </a:solidFill>
+                        </a:rPr>
+                        <a:t>中使用</a:t>
+                      </a:r>
+                      <a:endParaRPr lang="en-US" altLang="zh-TW" b="0">
+                        <a:solidFill>
+                          <a:schemeClr val="tx1"/>
+                        </a:solidFill>
+                      </a:endParaRPr>
+                    </a:p>
+                    <a:p>
+                      <a:pPr algn="ctr"/>
+                      <a:r>
+                        <a:rPr lang="en-US" altLang="zh-TW" b="0">
+                          <a:solidFill>
+                            <a:schemeClr val="tx1"/>
+                          </a:solidFill>
+                        </a:rPr>
+                        <a:t>"</a:t>
+                      </a:r>
+                      <a:r>
+                        <a:rPr lang="en-US" altLang="zh-TW" sz="1800" b="0" i="0" kern="1200">
+                          <a:solidFill>
+                            <a:srgbClr val="FFC000"/>
+                          </a:solidFill>
+                          <a:effectLst/>
+                          <a:latin typeface="+mn-lt"/>
+                          <a:ea typeface="+mn-ea"/>
+                          <a:cs typeface="+mn-cs"/>
+                        </a:rPr>
+                        <a:t>&lt;number&gt;</a:t>
+                      </a:r>
+                      <a:r>
+                        <a:rPr lang="en-US" altLang="zh-TW" sz="1800" b="0" i="0" kern="1200">
+                          <a:solidFill>
+                            <a:srgbClr val="FF5D5D"/>
+                          </a:solidFill>
+                          <a:effectLst/>
+                          <a:latin typeface="+mn-lt"/>
+                          <a:ea typeface="+mn-ea"/>
+                          <a:cs typeface="+mn-cs"/>
+                        </a:rPr>
+                        <a:t>b</a:t>
+                      </a:r>
+                      <a:r>
+                        <a:rPr lang="en-US" altLang="zh-TW" sz="1800" b="0" i="0" kern="1200">
+                          <a:solidFill>
+                            <a:schemeClr val="tx1"/>
+                          </a:solidFill>
+                          <a:effectLst/>
+                          <a:latin typeface="+mn-lt"/>
+                          <a:ea typeface="+mn-ea"/>
+                          <a:cs typeface="+mn-cs"/>
+                        </a:rPr>
+                        <a:t>"</a:t>
+                      </a:r>
+                      <a:r>
+                        <a:rPr lang="zh-TW" altLang="en-US" sz="1800" b="0" i="0" kern="1200">
+                          <a:solidFill>
+                            <a:schemeClr val="tx1"/>
+                          </a:solidFill>
+                          <a:effectLst/>
+                          <a:latin typeface="+mn-lt"/>
+                          <a:ea typeface="+mn-ea"/>
+                          <a:cs typeface="+mn-cs"/>
+                        </a:rPr>
+                        <a:t> 表示，如 </a:t>
+                      </a:r>
+                      <a:r>
+                        <a:rPr lang="en-US" altLang="zh-TW" sz="1800" b="0" i="0" kern="1200">
+                          <a:solidFill>
+                            <a:srgbClr val="FFC000"/>
+                          </a:solidFill>
+                          <a:effectLst/>
+                          <a:latin typeface="+mn-lt"/>
+                          <a:ea typeface="+mn-ea"/>
+                          <a:cs typeface="+mn-cs"/>
+                        </a:rPr>
+                        <a:t>1</a:t>
+                      </a:r>
+                      <a:r>
+                        <a:rPr lang="en-US" altLang="zh-TW" sz="1800" b="0" i="0" kern="1200">
+                          <a:solidFill>
+                            <a:srgbClr val="FF5D5D"/>
+                          </a:solidFill>
+                          <a:effectLst/>
+                          <a:latin typeface="+mn-lt"/>
+                          <a:ea typeface="+mn-ea"/>
+                          <a:cs typeface="+mn-cs"/>
+                        </a:rPr>
+                        <a:t>b</a:t>
+                      </a:r>
+                      <a:endParaRPr lang="zh-TW" altLang="en-US" b="0">
+                        <a:solidFill>
+                          <a:srgbClr val="FF5D5D"/>
+                        </a:solidFill>
+                      </a:endParaRPr>
+                    </a:p>
+                  </a:txBody>
+                  <a:tcPr anchor="ctr">
+                    <a:lnL w="12700" cap="flat" cmpd="sng" algn="ctr">
+                      <a:solidFill>
+                        <a:schemeClr val="tx1"/>
+                      </a:solidFill>
+                      <a:prstDash val="solid"/>
+                      <a:round/>
+                      <a:headEnd type="none" w="med" len="med"/>
+                      <a:tailEnd type="none" w="med" len="med"/>
+                    </a:lnL>
+                    <a:lnR w="12700" cap="flat" cmpd="sng" algn="ctr">
+                      <a:solidFill>
+                        <a:schemeClr val="tx1"/>
+                      </a:solidFill>
+                      <a:prstDash val="solid"/>
+                      <a:round/>
+                      <a:headEnd type="none" w="med" len="med"/>
+                      <a:tailEnd type="none" w="med" len="med"/>
+                    </a:lnR>
+                    <a:lnT w="12700" cap="flat" cmpd="sng" algn="ctr">
+                      <a:solidFill>
+                        <a:schemeClr val="tx1"/>
+                      </a:solidFill>
+                      <a:prstDash val="solid"/>
+                      <a:round/>
+                      <a:headEnd type="none" w="med" len="med"/>
+                      <a:tailEnd type="none" w="med" len="med"/>
+                    </a:lnT>
+                    <a:lnB w="12700" cap="flat" cmpd="sng" algn="ctr">
+                      <a:solidFill>
+                        <a:schemeClr val="tx1"/>
+                      </a:solidFill>
+                      <a:prstDash val="solid"/>
+                      <a:round/>
+                      <a:headEnd type="none" w="med" len="med"/>
+                      <a:tailEnd type="none" w="med" len="med"/>
+                    </a:lnB>
+                    <a:lnTlToBr w="12700" cmpd="sng">
+                      <a:noFill/>
+                      <a:prstDash val="solid"/>
+                    </a:lnTlToBr>
+                    <a:lnBlToTr w="12700" cmpd="sng">
+                      <a:noFill/>
+                      <a:prstDash val="solid"/>
+                    </a:lnBlToTr>
+                    <a:noFill/>
+                  </a:tcPr>
+                </a:tc>
+                <a:extLst>
+                  <a:ext uri="{0D108BD9-81ED-4DB2-BD59-A6C34878D82A}">
+                    <a16:rowId xmlns:a16="http://schemas.microsoft.com/office/drawing/2014/main" val="1487405516"/>
+                  </a:ext>
+                </a:extLst>
+              </a:tr>
+              <a:tr h="370840">
+                <a:tc>
+                  <a:txBody>
+                    <a:bodyPr/>
+                    <a:lstStyle/>
+                    <a:p>
+                      <a:pPr algn="ctr"/>
+                      <a:r>
+                        <a:rPr lang="zh-TW" altLang="en-US" sz="2000" b="0">
+                          <a:solidFill>
+                            <a:schemeClr val="tx1"/>
+                          </a:solidFill>
+                        </a:rPr>
+                        <a:t>布林</a:t>
+                      </a:r>
+                      <a:r>
+                        <a:rPr lang="en-US" altLang="zh-TW" sz="2000" b="0">
+                          <a:solidFill>
+                            <a:schemeClr val="tx1"/>
+                          </a:solidFill>
+                        </a:rPr>
+                        <a:t>(boolean)</a:t>
+                      </a:r>
+                      <a:endParaRPr lang="zh-TW" altLang="en-US" sz="2000" b="0">
+                        <a:solidFill>
+                          <a:schemeClr val="tx1"/>
+                        </a:solidFill>
+                      </a:endParaRPr>
+                    </a:p>
+                  </a:txBody>
+                  <a:tcPr anchor="ctr">
+                    <a:lnL w="12700" cap="flat" cmpd="sng" algn="ctr">
+                      <a:solidFill>
+                        <a:schemeClr val="tx1"/>
+                      </a:solidFill>
+                      <a:prstDash val="solid"/>
+                      <a:round/>
+                      <a:headEnd type="none" w="med" len="med"/>
+                      <a:tailEnd type="none" w="med" len="med"/>
+                    </a:lnL>
+                    <a:lnR w="12700" cap="flat" cmpd="sng" algn="ctr">
+                      <a:solidFill>
+                        <a:schemeClr val="tx1"/>
+                      </a:solidFill>
+                      <a:prstDash val="solid"/>
+                      <a:round/>
+                      <a:headEnd type="none" w="med" len="med"/>
+                      <a:tailEnd type="none" w="med" len="med"/>
+                    </a:lnR>
+                    <a:lnT w="12700" cap="flat" cmpd="sng" algn="ctr">
+                      <a:solidFill>
+                        <a:schemeClr val="tx1"/>
+                      </a:solidFill>
+                      <a:prstDash val="solid"/>
+                      <a:round/>
+                      <a:headEnd type="none" w="med" len="med"/>
+                      <a:tailEnd type="none" w="med" len="med"/>
+                    </a:lnT>
+                    <a:lnB w="12700" cap="flat" cmpd="sng" algn="ctr">
+                      <a:solidFill>
+                        <a:schemeClr val="tx1"/>
+                      </a:solidFill>
+                      <a:prstDash val="solid"/>
+                      <a:round/>
+                      <a:headEnd type="none" w="med" len="med"/>
+                      <a:tailEnd type="none" w="med" len="med"/>
+                    </a:lnB>
+                    <a:lnTlToBr w="12700" cmpd="sng">
+                      <a:noFill/>
+                      <a:prstDash val="solid"/>
+                    </a:lnTlToBr>
+                    <a:lnBlToTr w="12700" cmpd="sng">
+                      <a:noFill/>
+                      <a:prstDash val="solid"/>
+                    </a:lnBlToTr>
+                    <a:noFill/>
+                  </a:tcPr>
+                </a:tc>
+                <a:tc>
+                  <a:txBody>
+                    <a:bodyPr/>
+                    <a:lstStyle/>
+                    <a:p>
+                      <a:pPr algn="ctr"/>
+                      <a:r>
+                        <a:rPr lang="en-US" altLang="zh-TW" sz="2000" b="0">
+                          <a:solidFill>
+                            <a:srgbClr val="CF8E6D"/>
+                          </a:solidFill>
+                        </a:rPr>
+                        <a:t>boolean</a:t>
+                      </a:r>
+                      <a:endParaRPr lang="zh-TW" altLang="en-US" sz="2000" b="0">
+                        <a:solidFill>
+                          <a:srgbClr val="CF8E6D"/>
+                        </a:solidFill>
+                      </a:endParaRPr>
+                    </a:p>
+                  </a:txBody>
+                  <a:tcPr anchor="ctr">
+                    <a:lnL w="12700" cap="flat" cmpd="sng" algn="ctr">
+                      <a:solidFill>
+                        <a:schemeClr val="tx1"/>
+                      </a:solidFill>
+                      <a:prstDash val="solid"/>
+                      <a:round/>
+                      <a:headEnd type="none" w="med" len="med"/>
+                      <a:tailEnd type="none" w="med" len="med"/>
+                    </a:lnL>
+                    <a:lnR w="12700" cap="flat" cmpd="sng" algn="ctr">
+                      <a:solidFill>
+                        <a:schemeClr val="tx1"/>
+                      </a:solidFill>
+                      <a:prstDash val="solid"/>
+                      <a:round/>
+                      <a:headEnd type="none" w="med" len="med"/>
+                      <a:tailEnd type="none" w="med" len="med"/>
+                    </a:lnR>
+                    <a:lnT w="12700" cap="flat" cmpd="sng" algn="ctr">
+                      <a:solidFill>
+                        <a:schemeClr val="tx1"/>
+                      </a:solidFill>
+                      <a:prstDash val="solid"/>
+                      <a:round/>
+                      <a:headEnd type="none" w="med" len="med"/>
+                      <a:tailEnd type="none" w="med" len="med"/>
+                    </a:lnT>
+                    <a:lnB w="12700" cap="flat" cmpd="sng" algn="ctr">
+                      <a:solidFill>
+                        <a:schemeClr val="tx1"/>
+                      </a:solidFill>
+                      <a:prstDash val="solid"/>
+                      <a:round/>
+                      <a:headEnd type="none" w="med" len="med"/>
+                      <a:tailEnd type="none" w="med" len="med"/>
+                    </a:lnB>
+                    <a:lnTlToBr w="12700" cmpd="sng">
+                      <a:noFill/>
+                      <a:prstDash val="solid"/>
+                    </a:lnTlToBr>
+                    <a:lnBlToTr w="12700" cmpd="sng">
+                      <a:noFill/>
+                      <a:prstDash val="solid"/>
+                    </a:lnBlToTr>
+                    <a:noFill/>
+                  </a:tcPr>
+                </a:tc>
+                <a:tc>
+                  <a:txBody>
+                    <a:bodyPr/>
+                    <a:lstStyle/>
+                    <a:p>
+                      <a:pPr algn="ctr"/>
+                      <a:r>
+                        <a:rPr lang="en-US" altLang="zh-TW" b="0">
+                          <a:solidFill>
+                            <a:schemeClr val="tx1"/>
+                          </a:solidFill>
+                        </a:rPr>
+                        <a:t>SNBT </a:t>
+                      </a:r>
+                      <a:r>
+                        <a:rPr lang="zh-TW" altLang="en-US" b="0">
+                          <a:solidFill>
+                            <a:schemeClr val="tx1"/>
+                          </a:solidFill>
+                        </a:rPr>
+                        <a:t>中的 </a:t>
+                      </a:r>
+                      <a:r>
+                        <a:rPr lang="en-US" altLang="zh-TW" b="0">
+                          <a:solidFill>
+                            <a:srgbClr val="FFC000"/>
+                          </a:solidFill>
+                        </a:rPr>
+                        <a:t>false</a:t>
+                      </a:r>
+                      <a:r>
+                        <a:rPr lang="zh-TW" altLang="en-US" b="0">
+                          <a:solidFill>
+                            <a:schemeClr val="tx1"/>
+                          </a:solidFill>
+                        </a:rPr>
+                        <a:t>、</a:t>
+                      </a:r>
+                      <a:r>
+                        <a:rPr lang="en-US" altLang="zh-TW" b="0">
+                          <a:solidFill>
+                            <a:srgbClr val="FFC000"/>
+                          </a:solidFill>
+                        </a:rPr>
+                        <a:t>true</a:t>
+                      </a:r>
+                    </a:p>
+                    <a:p>
+                      <a:pPr algn="ctr"/>
+                      <a:r>
+                        <a:rPr lang="zh-TW" altLang="en-US" b="0">
+                          <a:solidFill>
+                            <a:schemeClr val="tx1"/>
+                          </a:solidFill>
+                        </a:rPr>
+                        <a:t>可以分別與位元組 </a:t>
+                      </a:r>
+                      <a:r>
+                        <a:rPr lang="en-US" altLang="zh-TW" b="0">
+                          <a:solidFill>
+                            <a:srgbClr val="FFC000"/>
+                          </a:solidFill>
+                        </a:rPr>
+                        <a:t>0</a:t>
+                      </a:r>
+                      <a:r>
+                        <a:rPr lang="en-US" altLang="zh-TW" b="0">
+                          <a:solidFill>
+                            <a:srgbClr val="FF5D5D"/>
+                          </a:solidFill>
+                        </a:rPr>
+                        <a:t>b</a:t>
+                      </a:r>
+                      <a:r>
+                        <a:rPr lang="zh-TW" altLang="en-US" b="0">
+                          <a:solidFill>
+                            <a:schemeClr val="tx1"/>
+                          </a:solidFill>
+                        </a:rPr>
+                        <a:t>、</a:t>
+                      </a:r>
+                      <a:r>
+                        <a:rPr lang="en-US" altLang="zh-TW" b="0">
+                          <a:solidFill>
+                            <a:srgbClr val="FFC000"/>
+                          </a:solidFill>
+                        </a:rPr>
+                        <a:t>1</a:t>
+                      </a:r>
+                      <a:r>
+                        <a:rPr lang="en-US" altLang="zh-TW" b="0">
+                          <a:solidFill>
+                            <a:srgbClr val="FF5D5D"/>
+                          </a:solidFill>
+                        </a:rPr>
+                        <a:t>b</a:t>
+                      </a:r>
+                      <a:r>
+                        <a:rPr lang="en-US" altLang="zh-TW" b="0">
+                          <a:solidFill>
+                            <a:schemeClr val="tx1"/>
+                          </a:solidFill>
+                        </a:rPr>
+                        <a:t> </a:t>
+                      </a:r>
+                      <a:r>
+                        <a:rPr lang="zh-TW" altLang="en-US" b="0">
+                          <a:solidFill>
+                            <a:schemeClr val="tx1"/>
+                          </a:solidFill>
+                        </a:rPr>
+                        <a:t>互通</a:t>
+                      </a:r>
+                    </a:p>
+                  </a:txBody>
+                  <a:tcPr anchor="ctr">
+                    <a:lnL w="12700" cap="flat" cmpd="sng" algn="ctr">
+                      <a:solidFill>
+                        <a:schemeClr val="tx1"/>
+                      </a:solidFill>
+                      <a:prstDash val="solid"/>
+                      <a:round/>
+                      <a:headEnd type="none" w="med" len="med"/>
+                      <a:tailEnd type="none" w="med" len="med"/>
+                    </a:lnL>
+                    <a:lnR w="12700" cap="flat" cmpd="sng" algn="ctr">
+                      <a:solidFill>
+                        <a:schemeClr val="tx1"/>
+                      </a:solidFill>
+                      <a:prstDash val="solid"/>
+                      <a:round/>
+                      <a:headEnd type="none" w="med" len="med"/>
+                      <a:tailEnd type="none" w="med" len="med"/>
+                    </a:lnR>
+                    <a:lnT w="12700" cap="flat" cmpd="sng" algn="ctr">
+                      <a:solidFill>
+                        <a:schemeClr val="tx1"/>
+                      </a:solidFill>
+                      <a:prstDash val="solid"/>
+                      <a:round/>
+                      <a:headEnd type="none" w="med" len="med"/>
+                      <a:tailEnd type="none" w="med" len="med"/>
+                    </a:lnT>
+                    <a:lnB w="12700" cap="flat" cmpd="sng" algn="ctr">
+                      <a:solidFill>
+                        <a:schemeClr val="tx1"/>
+                      </a:solidFill>
+                      <a:prstDash val="solid"/>
+                      <a:round/>
+                      <a:headEnd type="none" w="med" len="med"/>
+                      <a:tailEnd type="none" w="med" len="med"/>
+                    </a:lnB>
+                    <a:lnTlToBr w="12700" cmpd="sng">
+                      <a:noFill/>
+                      <a:prstDash val="solid"/>
+                    </a:lnTlToBr>
+                    <a:lnBlToTr w="12700" cmpd="sng">
+                      <a:noFill/>
+                      <a:prstDash val="solid"/>
+                    </a:lnBlToTr>
+                    <a:noFill/>
+                  </a:tcPr>
+                </a:tc>
+                <a:extLst>
+                  <a:ext uri="{0D108BD9-81ED-4DB2-BD59-A6C34878D82A}">
+                    <a16:rowId xmlns:a16="http://schemas.microsoft.com/office/drawing/2014/main" val="3497456409"/>
+                  </a:ext>
+                </a:extLst>
+              </a:tr>
+              <a:tr h="370840">
+                <a:tc>
+                  <a:txBody>
+                    <a:bodyPr/>
+                    <a:lstStyle/>
+                    <a:p>
+                      <a:pPr algn="ctr"/>
+                      <a:r>
+                        <a:rPr lang="zh-TW" altLang="en-US" sz="2000" b="0">
+                          <a:solidFill>
+                            <a:schemeClr val="tx1"/>
+                          </a:solidFill>
+                        </a:rPr>
+                        <a:t>短整數</a:t>
+                      </a:r>
+                      <a:r>
+                        <a:rPr lang="en-US" altLang="zh-TW" sz="2000" b="0">
+                          <a:solidFill>
+                            <a:schemeClr val="tx1"/>
+                          </a:solidFill>
+                        </a:rPr>
+                        <a:t>(short)</a:t>
+                      </a:r>
+                      <a:endParaRPr lang="zh-TW" altLang="en-US" sz="2000" b="0">
+                        <a:solidFill>
+                          <a:schemeClr val="tx1"/>
+                        </a:solidFill>
+                      </a:endParaRPr>
+                    </a:p>
+                  </a:txBody>
+                  <a:tcPr anchor="ctr">
+                    <a:lnL w="12700" cap="flat" cmpd="sng" algn="ctr">
+                      <a:solidFill>
+                        <a:schemeClr val="tx1"/>
+                      </a:solidFill>
+                      <a:prstDash val="solid"/>
+                      <a:round/>
+                      <a:headEnd type="none" w="med" len="med"/>
+                      <a:tailEnd type="none" w="med" len="med"/>
+                    </a:lnL>
+                    <a:lnR w="12700" cap="flat" cmpd="sng" algn="ctr">
+                      <a:solidFill>
+                        <a:schemeClr val="tx1"/>
+                      </a:solidFill>
+                      <a:prstDash val="solid"/>
+                      <a:round/>
+                      <a:headEnd type="none" w="med" len="med"/>
+                      <a:tailEnd type="none" w="med" len="med"/>
+                    </a:lnR>
+                    <a:lnT w="12700" cap="flat" cmpd="sng" algn="ctr">
+                      <a:solidFill>
+                        <a:schemeClr val="tx1"/>
+                      </a:solidFill>
+                      <a:prstDash val="solid"/>
+                      <a:round/>
+                      <a:headEnd type="none" w="med" len="med"/>
+                      <a:tailEnd type="none" w="med" len="med"/>
+                    </a:lnT>
+                    <a:lnB w="12700" cap="flat" cmpd="sng" algn="ctr">
+                      <a:solidFill>
+                        <a:schemeClr val="tx1"/>
+                      </a:solidFill>
+                      <a:prstDash val="solid"/>
+                      <a:round/>
+                      <a:headEnd type="none" w="med" len="med"/>
+                      <a:tailEnd type="none" w="med" len="med"/>
+                    </a:lnB>
+                    <a:lnTlToBr w="12700" cmpd="sng">
+                      <a:noFill/>
+                      <a:prstDash val="solid"/>
+                    </a:lnTlToBr>
+                    <a:lnBlToTr w="12700" cmpd="sng">
+                      <a:noFill/>
+                      <a:prstDash val="solid"/>
+                    </a:lnBlToTr>
+                    <a:noFill/>
+                  </a:tcPr>
+                </a:tc>
+                <a:tc>
+                  <a:txBody>
+                    <a:bodyPr/>
+                    <a:lstStyle/>
+                    <a:p>
+                      <a:pPr algn="ctr"/>
+                      <a:r>
+                        <a:rPr lang="en-US" altLang="zh-TW" sz="2000" b="0">
+                          <a:solidFill>
+                            <a:srgbClr val="CF8E6D"/>
+                          </a:solidFill>
+                        </a:rPr>
+                        <a:t>short</a:t>
+                      </a:r>
+                      <a:endParaRPr lang="zh-TW" altLang="en-US" sz="2000" b="0">
+                        <a:solidFill>
+                          <a:srgbClr val="CF8E6D"/>
+                        </a:solidFill>
+                      </a:endParaRPr>
+                    </a:p>
+                  </a:txBody>
+                  <a:tcPr anchor="ctr">
+                    <a:lnL w="12700" cap="flat" cmpd="sng" algn="ctr">
+                      <a:solidFill>
+                        <a:schemeClr val="tx1"/>
+                      </a:solidFill>
+                      <a:prstDash val="solid"/>
+                      <a:round/>
+                      <a:headEnd type="none" w="med" len="med"/>
+                      <a:tailEnd type="none" w="med" len="med"/>
+                    </a:lnL>
+                    <a:lnR w="12700" cap="flat" cmpd="sng" algn="ctr">
+                      <a:solidFill>
+                        <a:schemeClr val="tx1"/>
+                      </a:solidFill>
+                      <a:prstDash val="solid"/>
+                      <a:round/>
+                      <a:headEnd type="none" w="med" len="med"/>
+                      <a:tailEnd type="none" w="med" len="med"/>
+                    </a:lnR>
+                    <a:lnT w="12700" cap="flat" cmpd="sng" algn="ctr">
+                      <a:solidFill>
+                        <a:schemeClr val="tx1"/>
+                      </a:solidFill>
+                      <a:prstDash val="solid"/>
+                      <a:round/>
+                      <a:headEnd type="none" w="med" len="med"/>
+                      <a:tailEnd type="none" w="med" len="med"/>
+                    </a:lnT>
+                    <a:lnB w="12700" cap="flat" cmpd="sng" algn="ctr">
+                      <a:solidFill>
+                        <a:schemeClr val="tx1"/>
+                      </a:solidFill>
+                      <a:prstDash val="solid"/>
+                      <a:round/>
+                      <a:headEnd type="none" w="med" len="med"/>
+                      <a:tailEnd type="none" w="med" len="med"/>
+                    </a:lnB>
+                    <a:lnTlToBr w="12700" cmpd="sng">
+                      <a:noFill/>
+                      <a:prstDash val="solid"/>
+                    </a:lnTlToBr>
+                    <a:lnBlToTr w="12700" cmpd="sng">
+                      <a:noFill/>
+                      <a:prstDash val="solid"/>
+                    </a:lnBlToTr>
+                    <a:noFill/>
+                  </a:tcPr>
+                </a:tc>
+                <a:tc>
+                  <a:txBody>
+                    <a:bodyPr/>
+                    <a:lstStyle/>
+                    <a:p>
+                      <a:pPr algn="ctr"/>
+                      <a:r>
+                        <a:rPr lang="en-US" altLang="zh-TW" b="0">
+                          <a:solidFill>
+                            <a:schemeClr val="tx1"/>
+                          </a:solidFill>
+                        </a:rPr>
+                        <a:t>SNBT </a:t>
+                      </a:r>
+                      <a:r>
+                        <a:rPr lang="zh-TW" altLang="en-US" b="0">
+                          <a:solidFill>
+                            <a:schemeClr val="tx1"/>
+                          </a:solidFill>
+                        </a:rPr>
+                        <a:t>中使用</a:t>
+                      </a:r>
+                      <a:endParaRPr lang="en-US" altLang="zh-TW" b="0">
+                        <a:solidFill>
+                          <a:schemeClr val="tx1"/>
+                        </a:solidFill>
+                      </a:endParaRPr>
+                    </a:p>
+                    <a:p>
+                      <a:pPr algn="ctr"/>
+                      <a:r>
+                        <a:rPr lang="en-US" altLang="zh-TW" b="0">
+                          <a:solidFill>
+                            <a:schemeClr val="tx1"/>
+                          </a:solidFill>
+                        </a:rPr>
+                        <a:t>"</a:t>
+                      </a:r>
+                      <a:r>
+                        <a:rPr lang="en-US" altLang="zh-TW" sz="1800" b="0" i="0" kern="1200">
+                          <a:solidFill>
+                            <a:srgbClr val="FFC000"/>
+                          </a:solidFill>
+                          <a:effectLst/>
+                          <a:latin typeface="+mn-lt"/>
+                          <a:ea typeface="+mn-ea"/>
+                          <a:cs typeface="+mn-cs"/>
+                        </a:rPr>
+                        <a:t>&lt;number&gt;</a:t>
+                      </a:r>
+                      <a:r>
+                        <a:rPr lang="en-US" altLang="zh-TW" sz="1800" b="0" i="0" kern="1200">
+                          <a:solidFill>
+                            <a:srgbClr val="FF5D5D"/>
+                          </a:solidFill>
+                          <a:effectLst/>
+                          <a:latin typeface="+mn-lt"/>
+                          <a:ea typeface="+mn-ea"/>
+                          <a:cs typeface="+mn-cs"/>
+                        </a:rPr>
+                        <a:t>s</a:t>
+                      </a:r>
+                      <a:r>
+                        <a:rPr lang="en-US" altLang="zh-TW" sz="1800" b="0" i="0" kern="1200">
+                          <a:solidFill>
+                            <a:schemeClr val="tx1"/>
+                          </a:solidFill>
+                          <a:effectLst/>
+                          <a:latin typeface="+mn-lt"/>
+                          <a:ea typeface="+mn-ea"/>
+                          <a:cs typeface="+mn-cs"/>
+                        </a:rPr>
+                        <a:t>"</a:t>
+                      </a:r>
+                      <a:r>
+                        <a:rPr lang="zh-TW" altLang="en-US" sz="1800" b="0" i="0" kern="1200">
+                          <a:solidFill>
+                            <a:schemeClr val="tx1"/>
+                          </a:solidFill>
+                          <a:effectLst/>
+                          <a:latin typeface="+mn-lt"/>
+                          <a:ea typeface="+mn-ea"/>
+                          <a:cs typeface="+mn-cs"/>
+                        </a:rPr>
+                        <a:t> 表示，如 </a:t>
+                      </a:r>
+                      <a:r>
+                        <a:rPr lang="en-US" altLang="zh-TW" sz="1800" b="0" i="0" kern="1200">
+                          <a:solidFill>
+                            <a:srgbClr val="FFC000"/>
+                          </a:solidFill>
+                          <a:effectLst/>
+                          <a:latin typeface="+mn-lt"/>
+                          <a:ea typeface="+mn-ea"/>
+                          <a:cs typeface="+mn-cs"/>
+                        </a:rPr>
+                        <a:t>5</a:t>
+                      </a:r>
+                      <a:r>
+                        <a:rPr lang="en-US" altLang="zh-TW" sz="1800" b="0" i="0" kern="1200">
+                          <a:solidFill>
+                            <a:srgbClr val="FF5D5D"/>
+                          </a:solidFill>
+                          <a:effectLst/>
+                          <a:latin typeface="+mn-lt"/>
+                          <a:ea typeface="+mn-ea"/>
+                          <a:cs typeface="+mn-cs"/>
+                        </a:rPr>
+                        <a:t>s</a:t>
+                      </a:r>
+                      <a:endParaRPr lang="zh-TW" altLang="en-US" b="0">
+                        <a:solidFill>
+                          <a:srgbClr val="FF5D5D"/>
+                        </a:solidFill>
+                      </a:endParaRPr>
+                    </a:p>
+                  </a:txBody>
+                  <a:tcPr anchor="ctr">
+                    <a:lnL w="12700" cap="flat" cmpd="sng" algn="ctr">
+                      <a:solidFill>
+                        <a:schemeClr val="tx1"/>
+                      </a:solidFill>
+                      <a:prstDash val="solid"/>
+                      <a:round/>
+                      <a:headEnd type="none" w="med" len="med"/>
+                      <a:tailEnd type="none" w="med" len="med"/>
+                    </a:lnL>
+                    <a:lnR w="12700" cap="flat" cmpd="sng" algn="ctr">
+                      <a:solidFill>
+                        <a:schemeClr val="tx1"/>
+                      </a:solidFill>
+                      <a:prstDash val="solid"/>
+                      <a:round/>
+                      <a:headEnd type="none" w="med" len="med"/>
+                      <a:tailEnd type="none" w="med" len="med"/>
+                    </a:lnR>
+                    <a:lnT w="12700" cap="flat" cmpd="sng" algn="ctr">
+                      <a:solidFill>
+                        <a:schemeClr val="tx1"/>
+                      </a:solidFill>
+                      <a:prstDash val="solid"/>
+                      <a:round/>
+                      <a:headEnd type="none" w="med" len="med"/>
+                      <a:tailEnd type="none" w="med" len="med"/>
+                    </a:lnT>
+                    <a:lnB w="12700" cap="flat" cmpd="sng" algn="ctr">
+                      <a:solidFill>
+                        <a:schemeClr val="tx1"/>
+                      </a:solidFill>
+                      <a:prstDash val="solid"/>
+                      <a:round/>
+                      <a:headEnd type="none" w="med" len="med"/>
+                      <a:tailEnd type="none" w="med" len="med"/>
+                    </a:lnB>
+                    <a:lnTlToBr w="12700" cmpd="sng">
+                      <a:noFill/>
+                      <a:prstDash val="solid"/>
+                    </a:lnTlToBr>
+                    <a:lnBlToTr w="12700" cmpd="sng">
+                      <a:noFill/>
+                      <a:prstDash val="solid"/>
+                    </a:lnBlToTr>
+                    <a:noFill/>
+                  </a:tcPr>
+                </a:tc>
+                <a:extLst>
+                  <a:ext uri="{0D108BD9-81ED-4DB2-BD59-A6C34878D82A}">
+                    <a16:rowId xmlns:a16="http://schemas.microsoft.com/office/drawing/2014/main" val="3199393575"/>
+                  </a:ext>
+                </a:extLst>
+              </a:tr>
+              <a:tr h="370840">
+                <a:tc>
+                  <a:txBody>
+                    <a:bodyPr/>
+                    <a:lstStyle/>
+                    <a:p>
+                      <a:pPr algn="ctr"/>
+                      <a:r>
+                        <a:rPr lang="zh-TW" altLang="en-US" sz="2000" b="0">
+                          <a:solidFill>
+                            <a:schemeClr val="tx1"/>
+                          </a:solidFill>
+                        </a:rPr>
+                        <a:t>整數</a:t>
+                      </a:r>
+                      <a:r>
+                        <a:rPr lang="en-US" altLang="zh-TW" sz="2000" b="0">
+                          <a:solidFill>
+                            <a:schemeClr val="tx1"/>
+                          </a:solidFill>
+                        </a:rPr>
+                        <a:t>(int)</a:t>
+                      </a:r>
+                      <a:endParaRPr lang="zh-TW" altLang="en-US" sz="2000" b="0">
+                        <a:solidFill>
+                          <a:schemeClr val="tx1"/>
+                        </a:solidFill>
+                      </a:endParaRPr>
+                    </a:p>
+                  </a:txBody>
+                  <a:tcPr anchor="ctr">
+                    <a:lnL w="12700" cap="flat" cmpd="sng" algn="ctr">
+                      <a:solidFill>
+                        <a:schemeClr val="tx1"/>
+                      </a:solidFill>
+                      <a:prstDash val="solid"/>
+                      <a:round/>
+                      <a:headEnd type="none" w="med" len="med"/>
+                      <a:tailEnd type="none" w="med" len="med"/>
+                    </a:lnL>
+                    <a:lnR w="12700" cap="flat" cmpd="sng" algn="ctr">
+                      <a:solidFill>
+                        <a:schemeClr val="tx1"/>
+                      </a:solidFill>
+                      <a:prstDash val="solid"/>
+                      <a:round/>
+                      <a:headEnd type="none" w="med" len="med"/>
+                      <a:tailEnd type="none" w="med" len="med"/>
+                    </a:lnR>
+                    <a:lnT w="12700" cap="flat" cmpd="sng" algn="ctr">
+                      <a:solidFill>
+                        <a:schemeClr val="tx1"/>
+                      </a:solidFill>
+                      <a:prstDash val="solid"/>
+                      <a:round/>
+                      <a:headEnd type="none" w="med" len="med"/>
+                      <a:tailEnd type="none" w="med" len="med"/>
+                    </a:lnT>
+                    <a:lnB w="12700" cap="flat" cmpd="sng" algn="ctr">
+                      <a:solidFill>
+                        <a:schemeClr val="tx1"/>
+                      </a:solidFill>
+                      <a:prstDash val="solid"/>
+                      <a:round/>
+                      <a:headEnd type="none" w="med" len="med"/>
+                      <a:tailEnd type="none" w="med" len="med"/>
+                    </a:lnB>
+                    <a:lnTlToBr w="12700" cmpd="sng">
+                      <a:noFill/>
+                      <a:prstDash val="solid"/>
+                    </a:lnTlToBr>
+                    <a:lnBlToTr w="12700" cmpd="sng">
+                      <a:noFill/>
+                      <a:prstDash val="solid"/>
+                    </a:lnBlToTr>
+                    <a:noFill/>
+                  </a:tcPr>
+                </a:tc>
+                <a:tc>
+                  <a:txBody>
+                    <a:bodyPr/>
+                    <a:lstStyle/>
+                    <a:p>
+                      <a:pPr algn="ctr"/>
+                      <a:r>
+                        <a:rPr lang="en-US" altLang="zh-TW" sz="2000" b="0">
+                          <a:solidFill>
+                            <a:srgbClr val="CF8E6D"/>
+                          </a:solidFill>
+                        </a:rPr>
+                        <a:t>int</a:t>
+                      </a:r>
+                      <a:endParaRPr lang="zh-TW" altLang="en-US" sz="2000" b="0">
+                        <a:solidFill>
+                          <a:srgbClr val="CF8E6D"/>
+                        </a:solidFill>
+                      </a:endParaRPr>
+                    </a:p>
+                  </a:txBody>
+                  <a:tcPr anchor="ctr">
+                    <a:lnL w="12700" cap="flat" cmpd="sng" algn="ctr">
+                      <a:solidFill>
+                        <a:schemeClr val="tx1"/>
+                      </a:solidFill>
+                      <a:prstDash val="solid"/>
+                      <a:round/>
+                      <a:headEnd type="none" w="med" len="med"/>
+                      <a:tailEnd type="none" w="med" len="med"/>
+                    </a:lnL>
+                    <a:lnR w="12700" cap="flat" cmpd="sng" algn="ctr">
+                      <a:solidFill>
+                        <a:schemeClr val="tx1"/>
+                      </a:solidFill>
+                      <a:prstDash val="solid"/>
+                      <a:round/>
+                      <a:headEnd type="none" w="med" len="med"/>
+                      <a:tailEnd type="none" w="med" len="med"/>
+                    </a:lnR>
+                    <a:lnT w="12700" cap="flat" cmpd="sng" algn="ctr">
+                      <a:solidFill>
+                        <a:schemeClr val="tx1"/>
+                      </a:solidFill>
+                      <a:prstDash val="solid"/>
+                      <a:round/>
+                      <a:headEnd type="none" w="med" len="med"/>
+                      <a:tailEnd type="none" w="med" len="med"/>
+                    </a:lnT>
+                    <a:lnB w="12700" cap="flat" cmpd="sng" algn="ctr">
+                      <a:solidFill>
+                        <a:schemeClr val="tx1"/>
+                      </a:solidFill>
+                      <a:prstDash val="solid"/>
+                      <a:round/>
+                      <a:headEnd type="none" w="med" len="med"/>
+                      <a:tailEnd type="none" w="med" len="med"/>
+                    </a:lnB>
+                    <a:lnTlToBr w="12700" cmpd="sng">
+                      <a:noFill/>
+                      <a:prstDash val="solid"/>
+                    </a:lnTlToBr>
+                    <a:lnBlToTr w="12700" cmpd="sng">
+                      <a:noFill/>
+                      <a:prstDash val="solid"/>
+                    </a:lnBlToTr>
+                    <a:noFill/>
+                  </a:tcPr>
+                </a:tc>
+                <a:tc>
+                  <a:txBody>
+                    <a:bodyPr/>
+                    <a:lstStyle/>
+                    <a:p>
+                      <a:pPr algn="ctr"/>
+                      <a:r>
+                        <a:rPr lang="zh-TW" altLang="en-US" b="0">
+                          <a:solidFill>
+                            <a:schemeClr val="tx1"/>
+                          </a:solidFill>
+                        </a:rPr>
+                        <a:t>如 </a:t>
+                      </a:r>
+                      <a:r>
+                        <a:rPr lang="en-US" altLang="zh-TW" b="0">
+                          <a:solidFill>
+                            <a:srgbClr val="FFC000"/>
+                          </a:solidFill>
+                        </a:rPr>
+                        <a:t>666</a:t>
+                      </a:r>
+                      <a:endParaRPr lang="zh-TW" altLang="en-US" b="0">
+                        <a:solidFill>
+                          <a:srgbClr val="FFC000"/>
+                        </a:solidFill>
+                      </a:endParaRPr>
+                    </a:p>
+                  </a:txBody>
+                  <a:tcPr anchor="ctr">
+                    <a:lnL w="12700" cap="flat" cmpd="sng" algn="ctr">
+                      <a:solidFill>
+                        <a:schemeClr val="tx1"/>
+                      </a:solidFill>
+                      <a:prstDash val="solid"/>
+                      <a:round/>
+                      <a:headEnd type="none" w="med" len="med"/>
+                      <a:tailEnd type="none" w="med" len="med"/>
+                    </a:lnL>
+                    <a:lnR w="12700" cap="flat" cmpd="sng" algn="ctr">
+                      <a:solidFill>
+                        <a:schemeClr val="tx1"/>
+                      </a:solidFill>
+                      <a:prstDash val="solid"/>
+                      <a:round/>
+                      <a:headEnd type="none" w="med" len="med"/>
+                      <a:tailEnd type="none" w="med" len="med"/>
+                    </a:lnR>
+                    <a:lnT w="12700" cap="flat" cmpd="sng" algn="ctr">
+                      <a:solidFill>
+                        <a:schemeClr val="tx1"/>
+                      </a:solidFill>
+                      <a:prstDash val="solid"/>
+                      <a:round/>
+                      <a:headEnd type="none" w="med" len="med"/>
+                      <a:tailEnd type="none" w="med" len="med"/>
+                    </a:lnT>
+                    <a:lnB w="12700" cap="flat" cmpd="sng" algn="ctr">
+                      <a:solidFill>
+                        <a:schemeClr val="tx1"/>
+                      </a:solidFill>
+                      <a:prstDash val="solid"/>
+                      <a:round/>
+                      <a:headEnd type="none" w="med" len="med"/>
+                      <a:tailEnd type="none" w="med" len="med"/>
+                    </a:lnB>
+                    <a:lnTlToBr w="12700" cmpd="sng">
+                      <a:noFill/>
+                      <a:prstDash val="solid"/>
+                    </a:lnTlToBr>
+                    <a:lnBlToTr w="12700" cmpd="sng">
+                      <a:noFill/>
+                      <a:prstDash val="solid"/>
+                    </a:lnBlToTr>
+                    <a:noFill/>
+                  </a:tcPr>
+                </a:tc>
+                <a:extLst>
+                  <a:ext uri="{0D108BD9-81ED-4DB2-BD59-A6C34878D82A}">
+                    <a16:rowId xmlns:a16="http://schemas.microsoft.com/office/drawing/2014/main" val="1018441974"/>
+                  </a:ext>
+                </a:extLst>
+              </a:tr>
+              <a:tr h="370840">
+                <a:tc>
+                  <a:txBody>
+                    <a:bodyPr/>
+                    <a:lstStyle/>
+                    <a:p>
+                      <a:pPr algn="ctr"/>
+                      <a:r>
+                        <a:rPr lang="zh-TW" altLang="en-US" sz="2000" b="0">
+                          <a:solidFill>
+                            <a:schemeClr val="tx1"/>
+                          </a:solidFill>
+                        </a:rPr>
+                        <a:t>長整數</a:t>
+                      </a:r>
+                      <a:r>
+                        <a:rPr lang="en-US" altLang="zh-TW" sz="2000" b="0">
+                          <a:solidFill>
+                            <a:schemeClr val="tx1"/>
+                          </a:solidFill>
+                        </a:rPr>
+                        <a:t>(long)</a:t>
+                      </a:r>
+                      <a:endParaRPr lang="zh-TW" altLang="en-US" sz="2000" b="0">
+                        <a:solidFill>
+                          <a:schemeClr val="tx1"/>
+                        </a:solidFill>
+                      </a:endParaRPr>
+                    </a:p>
+                  </a:txBody>
+                  <a:tcPr anchor="ctr">
+                    <a:lnL w="12700" cap="flat" cmpd="sng" algn="ctr">
+                      <a:solidFill>
+                        <a:schemeClr val="tx1"/>
+                      </a:solidFill>
+                      <a:prstDash val="solid"/>
+                      <a:round/>
+                      <a:headEnd type="none" w="med" len="med"/>
+                      <a:tailEnd type="none" w="med" len="med"/>
+                    </a:lnL>
+                    <a:lnR w="12700" cap="flat" cmpd="sng" algn="ctr">
+                      <a:solidFill>
+                        <a:schemeClr val="tx1"/>
+                      </a:solidFill>
+                      <a:prstDash val="solid"/>
+                      <a:round/>
+                      <a:headEnd type="none" w="med" len="med"/>
+                      <a:tailEnd type="none" w="med" len="med"/>
+                    </a:lnR>
+                    <a:lnT w="12700" cap="flat" cmpd="sng" algn="ctr">
+                      <a:solidFill>
+                        <a:schemeClr val="tx1"/>
+                      </a:solidFill>
+                      <a:prstDash val="solid"/>
+                      <a:round/>
+                      <a:headEnd type="none" w="med" len="med"/>
+                      <a:tailEnd type="none" w="med" len="med"/>
+                    </a:lnT>
+                    <a:lnB w="12700" cap="flat" cmpd="sng" algn="ctr">
+                      <a:solidFill>
+                        <a:schemeClr val="tx1"/>
+                      </a:solidFill>
+                      <a:prstDash val="solid"/>
+                      <a:round/>
+                      <a:headEnd type="none" w="med" len="med"/>
+                      <a:tailEnd type="none" w="med" len="med"/>
+                    </a:lnB>
+                    <a:lnTlToBr w="12700" cmpd="sng">
+                      <a:noFill/>
+                      <a:prstDash val="solid"/>
+                    </a:lnTlToBr>
+                    <a:lnBlToTr w="12700" cmpd="sng">
+                      <a:noFill/>
+                      <a:prstDash val="solid"/>
+                    </a:lnBlToTr>
+                    <a:noFill/>
+                  </a:tcPr>
+                </a:tc>
+                <a:tc>
+                  <a:txBody>
+                    <a:bodyPr/>
+                    <a:lstStyle/>
+                    <a:p>
+                      <a:pPr algn="ctr"/>
+                      <a:r>
+                        <a:rPr lang="en-US" altLang="zh-TW" sz="2000" b="0">
+                          <a:solidFill>
+                            <a:srgbClr val="CF8E6D"/>
+                          </a:solidFill>
+                        </a:rPr>
+                        <a:t>long</a:t>
+                      </a:r>
+                      <a:endParaRPr lang="zh-TW" altLang="en-US" sz="2000" b="0">
+                        <a:solidFill>
+                          <a:srgbClr val="CF8E6D"/>
+                        </a:solidFill>
+                      </a:endParaRPr>
+                    </a:p>
+                  </a:txBody>
+                  <a:tcPr anchor="ctr">
+                    <a:lnL w="12700" cap="flat" cmpd="sng" algn="ctr">
+                      <a:solidFill>
+                        <a:schemeClr val="tx1"/>
+                      </a:solidFill>
+                      <a:prstDash val="solid"/>
+                      <a:round/>
+                      <a:headEnd type="none" w="med" len="med"/>
+                      <a:tailEnd type="none" w="med" len="med"/>
+                    </a:lnL>
+                    <a:lnR w="12700" cap="flat" cmpd="sng" algn="ctr">
+                      <a:solidFill>
+                        <a:schemeClr val="tx1"/>
+                      </a:solidFill>
+                      <a:prstDash val="solid"/>
+                      <a:round/>
+                      <a:headEnd type="none" w="med" len="med"/>
+                      <a:tailEnd type="none" w="med" len="med"/>
+                    </a:lnR>
+                    <a:lnT w="12700" cap="flat" cmpd="sng" algn="ctr">
+                      <a:solidFill>
+                        <a:schemeClr val="tx1"/>
+                      </a:solidFill>
+                      <a:prstDash val="solid"/>
+                      <a:round/>
+                      <a:headEnd type="none" w="med" len="med"/>
+                      <a:tailEnd type="none" w="med" len="med"/>
+                    </a:lnT>
+                    <a:lnB w="12700" cap="flat" cmpd="sng" algn="ctr">
+                      <a:solidFill>
+                        <a:schemeClr val="tx1"/>
+                      </a:solidFill>
+                      <a:prstDash val="solid"/>
+                      <a:round/>
+                      <a:headEnd type="none" w="med" len="med"/>
+                      <a:tailEnd type="none" w="med" len="med"/>
+                    </a:lnB>
+                    <a:lnTlToBr w="12700" cmpd="sng">
+                      <a:noFill/>
+                      <a:prstDash val="solid"/>
+                    </a:lnTlToBr>
+                    <a:lnBlToTr w="12700" cmpd="sng">
+                      <a:noFill/>
+                      <a:prstDash val="solid"/>
+                    </a:lnBlToTr>
+                    <a:noFill/>
+                  </a:tcPr>
+                </a:tc>
+                <a:tc>
+                  <a:txBody>
+                    <a:bodyPr/>
+                    <a:lstStyle/>
+                    <a:p>
+                      <a:pPr algn="ctr"/>
+                      <a:r>
+                        <a:rPr lang="zh-TW" altLang="en-US" b="0">
+                          <a:solidFill>
+                            <a:schemeClr val="tx1"/>
+                          </a:solidFill>
+                        </a:rPr>
+                        <a:t>如 </a:t>
+                      </a:r>
+                      <a:r>
+                        <a:rPr lang="en-US" altLang="zh-TW" b="0">
+                          <a:solidFill>
+                            <a:srgbClr val="FFC000"/>
+                          </a:solidFill>
+                        </a:rPr>
+                        <a:t>-98765</a:t>
+                      </a:r>
+                      <a:r>
+                        <a:rPr lang="en-US" altLang="zh-TW" b="0">
+                          <a:solidFill>
+                            <a:srgbClr val="FF5D5D"/>
+                          </a:solidFill>
+                        </a:rPr>
+                        <a:t>l</a:t>
+                      </a:r>
+                      <a:endParaRPr lang="zh-TW" altLang="en-US" b="0">
+                        <a:solidFill>
+                          <a:srgbClr val="FF5D5D"/>
+                        </a:solidFill>
+                      </a:endParaRPr>
+                    </a:p>
+                  </a:txBody>
+                  <a:tcPr anchor="ctr">
+                    <a:lnL w="12700" cap="flat" cmpd="sng" algn="ctr">
+                      <a:solidFill>
+                        <a:schemeClr val="tx1"/>
+                      </a:solidFill>
+                      <a:prstDash val="solid"/>
+                      <a:round/>
+                      <a:headEnd type="none" w="med" len="med"/>
+                      <a:tailEnd type="none" w="med" len="med"/>
+                    </a:lnL>
+                    <a:lnR w="12700" cap="flat" cmpd="sng" algn="ctr">
+                      <a:solidFill>
+                        <a:schemeClr val="tx1"/>
+                      </a:solidFill>
+                      <a:prstDash val="solid"/>
+                      <a:round/>
+                      <a:headEnd type="none" w="med" len="med"/>
+                      <a:tailEnd type="none" w="med" len="med"/>
+                    </a:lnR>
+                    <a:lnT w="12700" cap="flat" cmpd="sng" algn="ctr">
+                      <a:solidFill>
+                        <a:schemeClr val="tx1"/>
+                      </a:solidFill>
+                      <a:prstDash val="solid"/>
+                      <a:round/>
+                      <a:headEnd type="none" w="med" len="med"/>
+                      <a:tailEnd type="none" w="med" len="med"/>
+                    </a:lnT>
+                    <a:lnB w="12700" cap="flat" cmpd="sng" algn="ctr">
+                      <a:solidFill>
+                        <a:schemeClr val="tx1"/>
+                      </a:solidFill>
+                      <a:prstDash val="solid"/>
+                      <a:round/>
+                      <a:headEnd type="none" w="med" len="med"/>
+                      <a:tailEnd type="none" w="med" len="med"/>
+                    </a:lnB>
+                    <a:lnTlToBr w="12700" cmpd="sng">
+                      <a:noFill/>
+                      <a:prstDash val="solid"/>
+                    </a:lnTlToBr>
+                    <a:lnBlToTr w="12700" cmpd="sng">
+                      <a:noFill/>
+                      <a:prstDash val="solid"/>
+                    </a:lnBlToTr>
+                    <a:noFill/>
+                  </a:tcPr>
+                </a:tc>
+                <a:extLst>
+                  <a:ext uri="{0D108BD9-81ED-4DB2-BD59-A6C34878D82A}">
+                    <a16:rowId xmlns:a16="http://schemas.microsoft.com/office/drawing/2014/main" val="3246344066"/>
+                  </a:ext>
+                </a:extLst>
+              </a:tr>
+              <a:tr h="370840">
+                <a:tc>
+                  <a:txBody>
+                    <a:bodyPr/>
+                    <a:lstStyle/>
+                    <a:p>
+                      <a:pPr algn="ctr"/>
+                      <a:r>
+                        <a:rPr lang="zh-TW" altLang="en-US" sz="2000" b="0">
+                          <a:solidFill>
+                            <a:schemeClr val="tx1"/>
+                          </a:solidFill>
+                        </a:rPr>
+                        <a:t>單倍精度浮點數</a:t>
+                      </a:r>
+                      <a:r>
+                        <a:rPr lang="en-US" altLang="zh-TW" sz="2000" b="0">
+                          <a:solidFill>
+                            <a:schemeClr val="tx1"/>
+                          </a:solidFill>
+                        </a:rPr>
+                        <a:t>(float)</a:t>
+                      </a:r>
+                      <a:endParaRPr lang="zh-TW" altLang="en-US" sz="2000" b="0">
+                        <a:solidFill>
+                          <a:schemeClr val="tx1"/>
+                        </a:solidFill>
+                      </a:endParaRPr>
+                    </a:p>
+                  </a:txBody>
+                  <a:tcPr anchor="ctr">
+                    <a:lnL w="12700" cap="flat" cmpd="sng" algn="ctr">
+                      <a:solidFill>
+                        <a:schemeClr val="tx1"/>
+                      </a:solidFill>
+                      <a:prstDash val="solid"/>
+                      <a:round/>
+                      <a:headEnd type="none" w="med" len="med"/>
+                      <a:tailEnd type="none" w="med" len="med"/>
+                    </a:lnL>
+                    <a:lnR w="12700" cap="flat" cmpd="sng" algn="ctr">
+                      <a:solidFill>
+                        <a:schemeClr val="tx1"/>
+                      </a:solidFill>
+                      <a:prstDash val="solid"/>
+                      <a:round/>
+                      <a:headEnd type="none" w="med" len="med"/>
+                      <a:tailEnd type="none" w="med" len="med"/>
+                    </a:lnR>
+                    <a:lnT w="12700" cap="flat" cmpd="sng" algn="ctr">
+                      <a:solidFill>
+                        <a:schemeClr val="tx1"/>
+                      </a:solidFill>
+                      <a:prstDash val="solid"/>
+                      <a:round/>
+                      <a:headEnd type="none" w="med" len="med"/>
+                      <a:tailEnd type="none" w="med" len="med"/>
+                    </a:lnT>
+                    <a:lnB w="12700" cap="flat" cmpd="sng" algn="ctr">
+                      <a:solidFill>
+                        <a:schemeClr val="tx1"/>
+                      </a:solidFill>
+                      <a:prstDash val="solid"/>
+                      <a:round/>
+                      <a:headEnd type="none" w="med" len="med"/>
+                      <a:tailEnd type="none" w="med" len="med"/>
+                    </a:lnB>
+                    <a:lnTlToBr w="12700" cmpd="sng">
+                      <a:noFill/>
+                      <a:prstDash val="solid"/>
+                    </a:lnTlToBr>
+                    <a:lnBlToTr w="12700" cmpd="sng">
+                      <a:noFill/>
+                      <a:prstDash val="solid"/>
+                    </a:lnBlToTr>
+                    <a:noFill/>
+                  </a:tcPr>
+                </a:tc>
+                <a:tc>
+                  <a:txBody>
+                    <a:bodyPr/>
+                    <a:lstStyle/>
+                    <a:p>
+                      <a:pPr algn="ctr"/>
+                      <a:r>
+                        <a:rPr lang="en-US" altLang="zh-TW" sz="2000" b="0">
+                          <a:solidFill>
+                            <a:srgbClr val="CF8E6D"/>
+                          </a:solidFill>
+                        </a:rPr>
+                        <a:t>float</a:t>
+                      </a:r>
+                      <a:endParaRPr lang="zh-TW" altLang="en-US" sz="2000" b="0">
+                        <a:solidFill>
+                          <a:srgbClr val="CF8E6D"/>
+                        </a:solidFill>
+                      </a:endParaRPr>
+                    </a:p>
+                  </a:txBody>
+                  <a:tcPr anchor="ctr">
+                    <a:lnL w="12700" cap="flat" cmpd="sng" algn="ctr">
+                      <a:solidFill>
+                        <a:schemeClr val="tx1"/>
+                      </a:solidFill>
+                      <a:prstDash val="solid"/>
+                      <a:round/>
+                      <a:headEnd type="none" w="med" len="med"/>
+                      <a:tailEnd type="none" w="med" len="med"/>
+                    </a:lnL>
+                    <a:lnR w="12700" cap="flat" cmpd="sng" algn="ctr">
+                      <a:solidFill>
+                        <a:schemeClr val="tx1"/>
+                      </a:solidFill>
+                      <a:prstDash val="solid"/>
+                      <a:round/>
+                      <a:headEnd type="none" w="med" len="med"/>
+                      <a:tailEnd type="none" w="med" len="med"/>
+                    </a:lnR>
+                    <a:lnT w="12700" cap="flat" cmpd="sng" algn="ctr">
+                      <a:solidFill>
+                        <a:schemeClr val="tx1"/>
+                      </a:solidFill>
+                      <a:prstDash val="solid"/>
+                      <a:round/>
+                      <a:headEnd type="none" w="med" len="med"/>
+                      <a:tailEnd type="none" w="med" len="med"/>
+                    </a:lnT>
+                    <a:lnB w="12700" cap="flat" cmpd="sng" algn="ctr">
+                      <a:solidFill>
+                        <a:schemeClr val="tx1"/>
+                      </a:solidFill>
+                      <a:prstDash val="solid"/>
+                      <a:round/>
+                      <a:headEnd type="none" w="med" len="med"/>
+                      <a:tailEnd type="none" w="med" len="med"/>
+                    </a:lnB>
+                    <a:lnTlToBr w="12700" cmpd="sng">
+                      <a:noFill/>
+                      <a:prstDash val="solid"/>
+                    </a:lnTlToBr>
+                    <a:lnBlToTr w="12700" cmpd="sng">
+                      <a:noFill/>
+                      <a:prstDash val="solid"/>
+                    </a:lnBlToTr>
+                    <a:noFill/>
+                  </a:tcPr>
+                </a:tc>
+                <a:tc>
+                  <a:txBody>
+                    <a:bodyPr/>
+                    <a:lstStyle/>
+                    <a:p>
+                      <a:pPr algn="ctr"/>
+                      <a:r>
+                        <a:rPr lang="zh-TW" altLang="en-US" b="0">
+                          <a:solidFill>
+                            <a:schemeClr val="tx1"/>
+                          </a:solidFill>
+                        </a:rPr>
+                        <a:t>如 </a:t>
+                      </a:r>
+                      <a:r>
+                        <a:rPr lang="en-US" altLang="zh-TW" b="0">
+                          <a:solidFill>
+                            <a:srgbClr val="FFC000"/>
+                          </a:solidFill>
+                        </a:rPr>
+                        <a:t>2.718</a:t>
+                      </a:r>
+                      <a:r>
+                        <a:rPr lang="en-US" altLang="zh-TW" b="0">
+                          <a:solidFill>
+                            <a:srgbClr val="FF5D5D"/>
+                          </a:solidFill>
+                        </a:rPr>
+                        <a:t>f</a:t>
+                      </a:r>
+                      <a:endParaRPr lang="zh-TW" altLang="en-US" b="0">
+                        <a:solidFill>
+                          <a:srgbClr val="FF5D5D"/>
+                        </a:solidFill>
+                      </a:endParaRPr>
+                    </a:p>
+                  </a:txBody>
+                  <a:tcPr anchor="ctr">
+                    <a:lnL w="12700" cap="flat" cmpd="sng" algn="ctr">
+                      <a:solidFill>
+                        <a:schemeClr val="tx1"/>
+                      </a:solidFill>
+                      <a:prstDash val="solid"/>
+                      <a:round/>
+                      <a:headEnd type="none" w="med" len="med"/>
+                      <a:tailEnd type="none" w="med" len="med"/>
+                    </a:lnL>
+                    <a:lnR w="12700" cap="flat" cmpd="sng" algn="ctr">
+                      <a:solidFill>
+                        <a:schemeClr val="tx1"/>
+                      </a:solidFill>
+                      <a:prstDash val="solid"/>
+                      <a:round/>
+                      <a:headEnd type="none" w="med" len="med"/>
+                      <a:tailEnd type="none" w="med" len="med"/>
+                    </a:lnR>
+                    <a:lnT w="12700" cap="flat" cmpd="sng" algn="ctr">
+                      <a:solidFill>
+                        <a:schemeClr val="tx1"/>
+                      </a:solidFill>
+                      <a:prstDash val="solid"/>
+                      <a:round/>
+                      <a:headEnd type="none" w="med" len="med"/>
+                      <a:tailEnd type="none" w="med" len="med"/>
+                    </a:lnT>
+                    <a:lnB w="12700" cap="flat" cmpd="sng" algn="ctr">
+                      <a:solidFill>
+                        <a:schemeClr val="tx1"/>
+                      </a:solidFill>
+                      <a:prstDash val="solid"/>
+                      <a:round/>
+                      <a:headEnd type="none" w="med" len="med"/>
+                      <a:tailEnd type="none" w="med" len="med"/>
+                    </a:lnB>
+                    <a:lnTlToBr w="12700" cmpd="sng">
+                      <a:noFill/>
+                      <a:prstDash val="solid"/>
+                    </a:lnTlToBr>
+                    <a:lnBlToTr w="12700" cmpd="sng">
+                      <a:noFill/>
+                      <a:prstDash val="solid"/>
+                    </a:lnBlToTr>
+                    <a:noFill/>
+                  </a:tcPr>
+                </a:tc>
+                <a:extLst>
+                  <a:ext uri="{0D108BD9-81ED-4DB2-BD59-A6C34878D82A}">
+                    <a16:rowId xmlns:a16="http://schemas.microsoft.com/office/drawing/2014/main" val="760492764"/>
+                  </a:ext>
+                </a:extLst>
+              </a:tr>
+              <a:tr h="370840">
+                <a:tc>
+                  <a:txBody>
+                    <a:bodyPr/>
+                    <a:lstStyle/>
+                    <a:p>
+                      <a:pPr algn="ctr"/>
+                      <a:r>
+                        <a:rPr lang="zh-TW" altLang="en-US" sz="2000" b="0">
+                          <a:solidFill>
+                            <a:schemeClr val="tx1"/>
+                          </a:solidFill>
+                        </a:rPr>
+                        <a:t>雙倍精度浮點數</a:t>
+                      </a:r>
+                      <a:r>
+                        <a:rPr lang="en-US" altLang="zh-TW" sz="2000" b="0">
+                          <a:solidFill>
+                            <a:schemeClr val="tx1"/>
+                          </a:solidFill>
+                        </a:rPr>
+                        <a:t>(double)</a:t>
+                      </a:r>
+                      <a:endParaRPr lang="zh-TW" altLang="en-US" sz="2000" b="0">
+                        <a:solidFill>
+                          <a:schemeClr val="tx1"/>
+                        </a:solidFill>
+                      </a:endParaRPr>
+                    </a:p>
+                  </a:txBody>
+                  <a:tcPr anchor="ctr">
+                    <a:lnL w="12700" cap="flat" cmpd="sng" algn="ctr">
+                      <a:solidFill>
+                        <a:schemeClr val="tx1"/>
+                      </a:solidFill>
+                      <a:prstDash val="solid"/>
+                      <a:round/>
+                      <a:headEnd type="none" w="med" len="med"/>
+                      <a:tailEnd type="none" w="med" len="med"/>
+                    </a:lnL>
+                    <a:lnR w="12700" cap="flat" cmpd="sng" algn="ctr">
+                      <a:solidFill>
+                        <a:schemeClr val="tx1"/>
+                      </a:solidFill>
+                      <a:prstDash val="solid"/>
+                      <a:round/>
+                      <a:headEnd type="none" w="med" len="med"/>
+                      <a:tailEnd type="none" w="med" len="med"/>
+                    </a:lnR>
+                    <a:lnT w="12700" cap="flat" cmpd="sng" algn="ctr">
+                      <a:solidFill>
+                        <a:schemeClr val="tx1"/>
+                      </a:solidFill>
+                      <a:prstDash val="solid"/>
+                      <a:round/>
+                      <a:headEnd type="none" w="med" len="med"/>
+                      <a:tailEnd type="none" w="med" len="med"/>
+                    </a:lnT>
+                    <a:lnB w="12700" cap="flat" cmpd="sng" algn="ctr">
+                      <a:solidFill>
+                        <a:schemeClr val="tx1"/>
+                      </a:solidFill>
+                      <a:prstDash val="solid"/>
+                      <a:round/>
+                      <a:headEnd type="none" w="med" len="med"/>
+                      <a:tailEnd type="none" w="med" len="med"/>
+                    </a:lnB>
+                    <a:lnTlToBr w="12700" cmpd="sng">
+                      <a:noFill/>
+                      <a:prstDash val="solid"/>
+                    </a:lnTlToBr>
+                    <a:lnBlToTr w="12700" cmpd="sng">
+                      <a:noFill/>
+                      <a:prstDash val="solid"/>
+                    </a:lnBlToTr>
+                    <a:noFill/>
+                  </a:tcPr>
+                </a:tc>
+                <a:tc>
+                  <a:txBody>
+                    <a:bodyPr/>
+                    <a:lstStyle/>
+                    <a:p>
+                      <a:pPr algn="ctr"/>
+                      <a:r>
+                        <a:rPr lang="en-US" altLang="zh-TW" sz="2000" b="0">
+                          <a:solidFill>
+                            <a:srgbClr val="CF8E6D"/>
+                          </a:solidFill>
+                        </a:rPr>
+                        <a:t>double</a:t>
+                      </a:r>
+                      <a:endParaRPr lang="zh-TW" altLang="en-US" sz="2000" b="0">
+                        <a:solidFill>
+                          <a:srgbClr val="CF8E6D"/>
+                        </a:solidFill>
+                      </a:endParaRPr>
+                    </a:p>
+                  </a:txBody>
+                  <a:tcPr anchor="ctr">
+                    <a:lnL w="12700" cap="flat" cmpd="sng" algn="ctr">
+                      <a:solidFill>
+                        <a:schemeClr val="tx1"/>
+                      </a:solidFill>
+                      <a:prstDash val="solid"/>
+                      <a:round/>
+                      <a:headEnd type="none" w="med" len="med"/>
+                      <a:tailEnd type="none" w="med" len="med"/>
+                    </a:lnL>
+                    <a:lnR w="12700" cap="flat" cmpd="sng" algn="ctr">
+                      <a:solidFill>
+                        <a:schemeClr val="tx1"/>
+                      </a:solidFill>
+                      <a:prstDash val="solid"/>
+                      <a:round/>
+                      <a:headEnd type="none" w="med" len="med"/>
+                      <a:tailEnd type="none" w="med" len="med"/>
+                    </a:lnR>
+                    <a:lnT w="12700" cap="flat" cmpd="sng" algn="ctr">
+                      <a:solidFill>
+                        <a:schemeClr val="tx1"/>
+                      </a:solidFill>
+                      <a:prstDash val="solid"/>
+                      <a:round/>
+                      <a:headEnd type="none" w="med" len="med"/>
+                      <a:tailEnd type="none" w="med" len="med"/>
+                    </a:lnT>
+                    <a:lnB w="12700" cap="flat" cmpd="sng" algn="ctr">
+                      <a:solidFill>
+                        <a:schemeClr val="tx1"/>
+                      </a:solidFill>
+                      <a:prstDash val="solid"/>
+                      <a:round/>
+                      <a:headEnd type="none" w="med" len="med"/>
+                      <a:tailEnd type="none" w="med" len="med"/>
+                    </a:lnB>
+                    <a:lnTlToBr w="12700" cmpd="sng">
+                      <a:noFill/>
+                      <a:prstDash val="solid"/>
+                    </a:lnTlToBr>
+                    <a:lnBlToTr w="12700" cmpd="sng">
+                      <a:noFill/>
+                      <a:prstDash val="solid"/>
+                    </a:lnBlToTr>
+                    <a:noFill/>
+                  </a:tcPr>
+                </a:tc>
+                <a:tc>
+                  <a:txBody>
+                    <a:bodyPr/>
+                    <a:lstStyle/>
+                    <a:p>
+                      <a:pPr algn="ctr"/>
+                      <a:r>
+                        <a:rPr lang="zh-TW" altLang="en-US" b="0">
+                          <a:solidFill>
+                            <a:schemeClr val="tx1"/>
+                          </a:solidFill>
+                        </a:rPr>
+                        <a:t>如 </a:t>
+                      </a:r>
+                      <a:r>
+                        <a:rPr lang="en-US" altLang="zh-TW" b="0">
+                          <a:solidFill>
+                            <a:srgbClr val="FFC000"/>
+                          </a:solidFill>
+                        </a:rPr>
+                        <a:t>3.14159265358</a:t>
+                      </a:r>
+                      <a:endParaRPr lang="zh-TW" altLang="en-US" b="0">
+                        <a:solidFill>
+                          <a:srgbClr val="FFC000"/>
+                        </a:solidFill>
+                      </a:endParaRPr>
+                    </a:p>
+                  </a:txBody>
+                  <a:tcPr anchor="ctr">
+                    <a:lnL w="12700" cap="flat" cmpd="sng" algn="ctr">
+                      <a:solidFill>
+                        <a:schemeClr val="tx1"/>
+                      </a:solidFill>
+                      <a:prstDash val="solid"/>
+                      <a:round/>
+                      <a:headEnd type="none" w="med" len="med"/>
+                      <a:tailEnd type="none" w="med" len="med"/>
+                    </a:lnL>
+                    <a:lnR w="12700" cap="flat" cmpd="sng" algn="ctr">
+                      <a:solidFill>
+                        <a:schemeClr val="tx1"/>
+                      </a:solidFill>
+                      <a:prstDash val="solid"/>
+                      <a:round/>
+                      <a:headEnd type="none" w="med" len="med"/>
+                      <a:tailEnd type="none" w="med" len="med"/>
+                    </a:lnR>
+                    <a:lnT w="12700" cap="flat" cmpd="sng" algn="ctr">
+                      <a:solidFill>
+                        <a:schemeClr val="tx1"/>
+                      </a:solidFill>
+                      <a:prstDash val="solid"/>
+                      <a:round/>
+                      <a:headEnd type="none" w="med" len="med"/>
+                      <a:tailEnd type="none" w="med" len="med"/>
+                    </a:lnT>
+                    <a:lnB w="12700" cap="flat" cmpd="sng" algn="ctr">
+                      <a:solidFill>
+                        <a:schemeClr val="tx1"/>
+                      </a:solidFill>
+                      <a:prstDash val="solid"/>
+                      <a:round/>
+                      <a:headEnd type="none" w="med" len="med"/>
+                      <a:tailEnd type="none" w="med" len="med"/>
+                    </a:lnB>
+                    <a:lnTlToBr w="12700" cmpd="sng">
+                      <a:noFill/>
+                      <a:prstDash val="solid"/>
+                    </a:lnTlToBr>
+                    <a:lnBlToTr w="12700" cmpd="sng">
+                      <a:noFill/>
+                      <a:prstDash val="solid"/>
+                    </a:lnBlToTr>
+                    <a:noFill/>
+                  </a:tcPr>
+                </a:tc>
+                <a:extLst>
+                  <a:ext uri="{0D108BD9-81ED-4DB2-BD59-A6C34878D82A}">
+                    <a16:rowId xmlns:a16="http://schemas.microsoft.com/office/drawing/2014/main" val="1539208459"/>
+                  </a:ext>
+                </a:extLst>
+              </a:tr>
+              <a:tr h="370840">
+                <a:tc>
+                  <a:txBody>
+                    <a:bodyPr/>
+                    <a:lstStyle/>
+                    <a:p>
+                      <a:pPr algn="ctr"/>
+                      <a:r>
+                        <a:rPr lang="zh-TW" altLang="en-US" sz="2000" b="0">
+                          <a:solidFill>
+                            <a:schemeClr val="tx1"/>
+                          </a:solidFill>
+                        </a:rPr>
+                        <a:t>字串</a:t>
+                      </a:r>
+                      <a:r>
+                        <a:rPr lang="en-US" altLang="zh-TW" sz="2000" b="0">
+                          <a:solidFill>
+                            <a:schemeClr val="tx1"/>
+                          </a:solidFill>
+                        </a:rPr>
+                        <a:t>(string)</a:t>
+                      </a:r>
+                      <a:endParaRPr lang="zh-TW" altLang="en-US" sz="2000" b="0">
+                        <a:solidFill>
+                          <a:schemeClr val="tx1"/>
+                        </a:solidFill>
+                      </a:endParaRPr>
+                    </a:p>
+                  </a:txBody>
+                  <a:tcPr anchor="ctr">
+                    <a:lnL w="12700" cap="flat" cmpd="sng" algn="ctr">
+                      <a:solidFill>
+                        <a:schemeClr val="tx1"/>
+                      </a:solidFill>
+                      <a:prstDash val="solid"/>
+                      <a:round/>
+                      <a:headEnd type="none" w="med" len="med"/>
+                      <a:tailEnd type="none" w="med" len="med"/>
+                    </a:lnL>
+                    <a:lnR w="12700" cap="flat" cmpd="sng" algn="ctr">
+                      <a:solidFill>
+                        <a:schemeClr val="tx1"/>
+                      </a:solidFill>
+                      <a:prstDash val="solid"/>
+                      <a:round/>
+                      <a:headEnd type="none" w="med" len="med"/>
+                      <a:tailEnd type="none" w="med" len="med"/>
+                    </a:lnR>
+                    <a:lnT w="12700" cap="flat" cmpd="sng" algn="ctr">
+                      <a:solidFill>
+                        <a:schemeClr val="tx1"/>
+                      </a:solidFill>
+                      <a:prstDash val="solid"/>
+                      <a:round/>
+                      <a:headEnd type="none" w="med" len="med"/>
+                      <a:tailEnd type="none" w="med" len="med"/>
+                    </a:lnT>
+                    <a:lnB w="12700" cap="flat" cmpd="sng" algn="ctr">
+                      <a:solidFill>
+                        <a:schemeClr val="tx1"/>
+                      </a:solidFill>
+                      <a:prstDash val="solid"/>
+                      <a:round/>
+                      <a:headEnd type="none" w="med" len="med"/>
+                      <a:tailEnd type="none" w="med" len="med"/>
+                    </a:lnB>
+                    <a:lnTlToBr w="12700" cmpd="sng">
+                      <a:noFill/>
+                      <a:prstDash val="solid"/>
+                    </a:lnTlToBr>
+                    <a:lnBlToTr w="12700" cmpd="sng">
+                      <a:noFill/>
+                      <a:prstDash val="solid"/>
+                    </a:lnBlToTr>
+                    <a:noFill/>
+                  </a:tcPr>
+                </a:tc>
+                <a:tc>
+                  <a:txBody>
+                    <a:bodyPr/>
+                    <a:lstStyle/>
+                    <a:p>
+                      <a:pPr algn="ctr"/>
+                      <a:r>
+                        <a:rPr lang="en-US" altLang="zh-TW" sz="2000" b="0">
+                          <a:solidFill>
+                            <a:srgbClr val="FFFF00"/>
+                          </a:solidFill>
+                        </a:rPr>
+                        <a:t>java.lang.String</a:t>
+                      </a:r>
+                      <a:endParaRPr lang="zh-TW" altLang="en-US" sz="2000" b="0">
+                        <a:solidFill>
+                          <a:srgbClr val="FFFF00"/>
+                        </a:solidFill>
+                      </a:endParaRPr>
+                    </a:p>
+                  </a:txBody>
+                  <a:tcPr anchor="ctr">
+                    <a:lnL w="12700" cap="flat" cmpd="sng" algn="ctr">
+                      <a:solidFill>
+                        <a:schemeClr val="tx1"/>
+                      </a:solidFill>
+                      <a:prstDash val="solid"/>
+                      <a:round/>
+                      <a:headEnd type="none" w="med" len="med"/>
+                      <a:tailEnd type="none" w="med" len="med"/>
+                    </a:lnL>
+                    <a:lnR w="12700" cap="flat" cmpd="sng" algn="ctr">
+                      <a:solidFill>
+                        <a:schemeClr val="tx1"/>
+                      </a:solidFill>
+                      <a:prstDash val="solid"/>
+                      <a:round/>
+                      <a:headEnd type="none" w="med" len="med"/>
+                      <a:tailEnd type="none" w="med" len="med"/>
+                    </a:lnR>
+                    <a:lnT w="12700" cap="flat" cmpd="sng" algn="ctr">
+                      <a:solidFill>
+                        <a:schemeClr val="tx1"/>
+                      </a:solidFill>
+                      <a:prstDash val="solid"/>
+                      <a:round/>
+                      <a:headEnd type="none" w="med" len="med"/>
+                      <a:tailEnd type="none" w="med" len="med"/>
+                    </a:lnT>
+                    <a:lnB w="12700" cap="flat" cmpd="sng" algn="ctr">
+                      <a:solidFill>
+                        <a:schemeClr val="tx1"/>
+                      </a:solidFill>
+                      <a:prstDash val="solid"/>
+                      <a:round/>
+                      <a:headEnd type="none" w="med" len="med"/>
+                      <a:tailEnd type="none" w="med" len="med"/>
+                    </a:lnB>
+                    <a:lnTlToBr w="12700" cmpd="sng">
+                      <a:noFill/>
+                      <a:prstDash val="solid"/>
+                    </a:lnTlToBr>
+                    <a:lnBlToTr w="12700" cmpd="sng">
+                      <a:noFill/>
+                      <a:prstDash val="solid"/>
+                    </a:lnBlToTr>
+                    <a:noFill/>
+                  </a:tcPr>
+                </a:tc>
+                <a:tc>
+                  <a:txBody>
+                    <a:bodyPr/>
+                    <a:lstStyle/>
+                    <a:p>
+                      <a:pPr algn="ctr"/>
+                      <a:r>
+                        <a:rPr lang="en-US" altLang="zh-TW" b="0">
+                          <a:solidFill>
+                            <a:schemeClr val="tx1"/>
+                          </a:solidFill>
+                        </a:rPr>
+                        <a:t>SNBT </a:t>
+                      </a:r>
+                      <a:r>
+                        <a:rPr lang="zh-TW" altLang="en-US" b="0">
+                          <a:solidFill>
+                            <a:schemeClr val="tx1"/>
+                          </a:solidFill>
+                        </a:rPr>
+                        <a:t>中可使用</a:t>
+                      </a:r>
+                      <a:endParaRPr lang="en-US" altLang="zh-TW" b="0">
+                        <a:solidFill>
+                          <a:schemeClr val="tx1"/>
+                        </a:solidFill>
+                      </a:endParaRPr>
+                    </a:p>
+                    <a:p>
+                      <a:pPr algn="ctr"/>
+                      <a:r>
+                        <a:rPr lang="zh-TW" altLang="en-US" b="0">
+                          <a:solidFill>
+                            <a:schemeClr val="tx1"/>
+                          </a:solidFill>
+                        </a:rPr>
+                        <a:t>一對</a:t>
+                      </a:r>
+                      <a:r>
+                        <a:rPr lang="zh-TW" altLang="en-US" b="0">
+                          <a:solidFill>
+                            <a:srgbClr val="92D050"/>
+                          </a:solidFill>
+                        </a:rPr>
+                        <a:t>單引號</a:t>
+                      </a:r>
+                      <a:r>
+                        <a:rPr lang="en-US" altLang="zh-TW" b="0">
+                          <a:solidFill>
+                            <a:srgbClr val="92D050"/>
+                          </a:solidFill>
+                        </a:rPr>
+                        <a:t>('')</a:t>
+                      </a:r>
+                      <a:r>
+                        <a:rPr lang="zh-TW" altLang="en-US" b="0">
+                          <a:solidFill>
+                            <a:schemeClr val="tx1"/>
+                          </a:solidFill>
+                        </a:rPr>
+                        <a:t>表示字串</a:t>
+                      </a:r>
+                      <a:endParaRPr lang="en-US" altLang="zh-TW" b="0">
+                        <a:solidFill>
+                          <a:schemeClr val="tx1"/>
+                        </a:solidFill>
+                      </a:endParaRPr>
+                    </a:p>
+                    <a:p>
+                      <a:pPr algn="ctr"/>
+                      <a:r>
+                        <a:rPr lang="zh-TW" altLang="en-US" b="0">
+                          <a:solidFill>
+                            <a:schemeClr val="tx1"/>
+                          </a:solidFill>
+                        </a:rPr>
+                        <a:t>如 </a:t>
+                      </a:r>
+                      <a:r>
+                        <a:rPr lang="en-US" altLang="zh-TW" b="0">
+                          <a:solidFill>
+                            <a:srgbClr val="FFFF00"/>
+                          </a:solidFill>
+                        </a:rPr>
+                        <a:t>'</a:t>
+                      </a:r>
+                      <a:r>
+                        <a:rPr lang="en-US" altLang="zh-TW" b="0">
+                          <a:solidFill>
+                            <a:srgbClr val="FFC000"/>
+                          </a:solidFill>
+                        </a:rPr>
+                        <a:t>tyic</a:t>
+                      </a:r>
+                      <a:r>
+                        <a:rPr lang="en-US" altLang="zh-TW" b="0">
+                          <a:solidFill>
+                            <a:srgbClr val="FFFF00"/>
+                          </a:solidFill>
+                        </a:rPr>
+                        <a:t>'</a:t>
+                      </a:r>
+                      <a:r>
+                        <a:rPr lang="zh-TW" altLang="en-US" b="0">
+                          <a:solidFill>
+                            <a:schemeClr val="tx1"/>
+                          </a:solidFill>
+                        </a:rPr>
+                        <a:t>、</a:t>
+                      </a:r>
+                      <a:r>
+                        <a:rPr lang="en-US" altLang="zh-TW" b="0">
+                          <a:solidFill>
+                            <a:srgbClr val="FFFF00"/>
+                          </a:solidFill>
+                        </a:rPr>
+                        <a:t>"</a:t>
+                      </a:r>
+                      <a:r>
+                        <a:rPr lang="en-US" altLang="zh-TW" b="0">
+                          <a:solidFill>
+                            <a:srgbClr val="FFC000"/>
+                          </a:solidFill>
+                        </a:rPr>
+                        <a:t>tysh</a:t>
+                      </a:r>
+                      <a:r>
+                        <a:rPr lang="en-US" altLang="zh-TW" b="0">
+                          <a:solidFill>
+                            <a:srgbClr val="FFFF00"/>
+                          </a:solidFill>
+                        </a:rPr>
+                        <a:t>"</a:t>
+                      </a:r>
+                      <a:endParaRPr lang="zh-TW" altLang="en-US" b="0">
+                        <a:solidFill>
+                          <a:srgbClr val="FFFF00"/>
+                        </a:solidFill>
+                      </a:endParaRPr>
+                    </a:p>
+                  </a:txBody>
+                  <a:tcPr anchor="ctr">
+                    <a:lnL w="12700" cap="flat" cmpd="sng" algn="ctr">
+                      <a:solidFill>
+                        <a:schemeClr val="tx1"/>
+                      </a:solidFill>
+                      <a:prstDash val="solid"/>
+                      <a:round/>
+                      <a:headEnd type="none" w="med" len="med"/>
+                      <a:tailEnd type="none" w="med" len="med"/>
+                    </a:lnL>
+                    <a:lnR w="12700" cap="flat" cmpd="sng" algn="ctr">
+                      <a:solidFill>
+                        <a:schemeClr val="tx1"/>
+                      </a:solidFill>
+                      <a:prstDash val="solid"/>
+                      <a:round/>
+                      <a:headEnd type="none" w="med" len="med"/>
+                      <a:tailEnd type="none" w="med" len="med"/>
+                    </a:lnR>
+                    <a:lnT w="12700" cap="flat" cmpd="sng" algn="ctr">
+                      <a:solidFill>
+                        <a:schemeClr val="tx1"/>
+                      </a:solidFill>
+                      <a:prstDash val="solid"/>
+                      <a:round/>
+                      <a:headEnd type="none" w="med" len="med"/>
+                      <a:tailEnd type="none" w="med" len="med"/>
+                    </a:lnT>
+                    <a:lnB w="12700" cap="flat" cmpd="sng" algn="ctr">
+                      <a:solidFill>
+                        <a:schemeClr val="tx1"/>
+                      </a:solidFill>
+                      <a:prstDash val="solid"/>
+                      <a:round/>
+                      <a:headEnd type="none" w="med" len="med"/>
+                      <a:tailEnd type="none" w="med" len="med"/>
+                    </a:lnB>
+                    <a:lnTlToBr w="12700" cmpd="sng">
+                      <a:noFill/>
+                      <a:prstDash val="solid"/>
+                    </a:lnTlToBr>
+                    <a:lnBlToTr w="12700" cmpd="sng">
+                      <a:noFill/>
+                      <a:prstDash val="solid"/>
+                    </a:lnBlToTr>
+                    <a:noFill/>
+                  </a:tcPr>
+                </a:tc>
+                <a:extLst>
+                  <a:ext uri="{0D108BD9-81ED-4DB2-BD59-A6C34878D82A}">
+                    <a16:rowId xmlns:a16="http://schemas.microsoft.com/office/drawing/2014/main" val="743897607"/>
+                  </a:ext>
+                </a:extLst>
+              </a:tr>
+            </a:tbl>
+          </a:graphicData>
+        </a:graphic>
+      </p:graphicFrame>
+    </p:spTree>
+    <p:extLst>
+      <p:ext uri="{BB962C8B-B14F-4D97-AF65-F5344CB8AC3E}">
+        <p14:creationId xmlns:p14="http://schemas.microsoft.com/office/powerpoint/2010/main" val="1466620913"/>
+      </p:ext>
+    </p:extLst>
+  </p:cSld>
+  <p:clrMapOvr>
+    <a:masterClrMapping/>
+  </p:clrMapOvr>
+  <p:transition spd="slow">
+    <p:push dir="u"/>
+  </p:transition>
+</p:sld>
+</file>
+
+<file path=ppt/slides/slide4.xml><?xml version="1.0" encoding="utf-8"?>
+<p:sld xmlns:a="http://schemas.openxmlformats.org/drawingml/2006/main" xmlns:r="http://schemas.openxmlformats.org/officeDocument/2006/relationships" xmlns:p="http://schemas.openxmlformats.org/presentationml/2006/main">
+  <p:cSld>
+    <p:spTree>
+      <p:nvGrpSpPr>
+        <p:cNvPr id="1" name=""/>
+        <p:cNvGrpSpPr/>
+        <p:nvPr/>
+      </p:nvGrpSpPr>
+      <p:grpSpPr>
+        <a:xfrm>
+          <a:off x="0" y="0"/>
+          <a:ext cx="0" cy="0"/>
+          <a:chOff x="0" y="0"/>
+          <a:chExt cx="0" cy="0"/>
+        </a:xfrm>
+      </p:grpSpPr>
+      <p:sp>
+        <p:nvSpPr>
+          <p:cNvPr id="2" name="標題 1">
+            <a:extLst>
+              <a:ext uri="{FF2B5EF4-FFF2-40B4-BE49-F238E27FC236}">
+                <a16:creationId xmlns:a16="http://schemas.microsoft.com/office/drawing/2014/main" id="{445318C3-5469-4DB1-8D60-ED282868B772}"/>
+              </a:ext>
+            </a:extLst>
+          </p:cNvPr>
+          <p:cNvSpPr>
+            <a:spLocks noGrp="1"/>
+          </p:cNvSpPr>
+          <p:nvPr>
+            <p:ph type="title"/>
+          </p:nvPr>
+        </p:nvSpPr>
+        <p:spPr>
+          <a:xfrm>
+            <a:off x="838200" y="0"/>
+            <a:ext cx="10515600" cy="1325563"/>
+          </a:xfrm>
+        </p:spPr>
+        <p:txBody>
+          <a:bodyPr/>
+          <a:lstStyle/>
+          <a:p>
+            <a:r>
+              <a:rPr lang="en-US" altLang="zh-TW"/>
+              <a:t>SNBT</a:t>
+            </a:r>
+            <a:endParaRPr lang="zh-TW" altLang="en-US"/>
+          </a:p>
+        </p:txBody>
+      </p:sp>
+      <p:graphicFrame>
+        <p:nvGraphicFramePr>
+          <p:cNvPr id="4" name="內容版面配置區 3">
+            <a:extLst>
+              <a:ext uri="{FF2B5EF4-FFF2-40B4-BE49-F238E27FC236}">
+                <a16:creationId xmlns:a16="http://schemas.microsoft.com/office/drawing/2014/main" id="{8D634131-9296-4B0A-BEBA-4EA2BE2555B9}"/>
+              </a:ext>
+            </a:extLst>
+          </p:cNvPr>
+          <p:cNvGraphicFramePr>
+            <a:graphicFrameLocks noGrp="1"/>
+          </p:cNvGraphicFramePr>
+          <p:nvPr>
+            <p:ph idx="1"/>
+            <p:extLst>
+              <p:ext uri="{D42A27DB-BD31-4B8C-83A1-F6EECF244321}">
+                <p14:modId xmlns:p14="http://schemas.microsoft.com/office/powerpoint/2010/main" val="1819913602"/>
+              </p:ext>
+            </p:extLst>
+          </p:nvPr>
+        </p:nvGraphicFramePr>
+        <p:xfrm>
+          <a:off x="201137" y="1174957"/>
+          <a:ext cx="11789727" cy="5090160"/>
+        </p:xfrm>
+        <a:graphic>
+          <a:graphicData uri="http://schemas.openxmlformats.org/drawingml/2006/table">
+            <a:tbl>
+              <a:tblPr firstRow="1" bandRow="1">
+                <a:tableStyleId>{5C22544A-7EE6-4342-B048-85BDC9FD1C3A}</a:tableStyleId>
+              </a:tblPr>
+              <a:tblGrid>
+                <a:gridCol w="3268980">
+                  <a:extLst>
+                    <a:ext uri="{9D8B030D-6E8A-4147-A177-3AD203B41FA5}">
+                      <a16:colId xmlns:a16="http://schemas.microsoft.com/office/drawing/2014/main" val="1514405358"/>
+                    </a:ext>
+                  </a:extLst>
+                </a:gridCol>
+                <a:gridCol w="3535680">
+                  <a:extLst>
+                    <a:ext uri="{9D8B030D-6E8A-4147-A177-3AD203B41FA5}">
+                      <a16:colId xmlns:a16="http://schemas.microsoft.com/office/drawing/2014/main" val="1653096678"/>
+                    </a:ext>
+                  </a:extLst>
+                </a:gridCol>
+                <a:gridCol w="4985067">
+                  <a:extLst>
+                    <a:ext uri="{9D8B030D-6E8A-4147-A177-3AD203B41FA5}">
+                      <a16:colId xmlns:a16="http://schemas.microsoft.com/office/drawing/2014/main" val="57916902"/>
+                    </a:ext>
+                  </a:extLst>
+                </a:gridCol>
+              </a:tblGrid>
+              <a:tr h="370840">
+                <a:tc>
+                  <a:txBody>
+                    <a:bodyPr/>
+                    <a:lstStyle/>
+                    <a:p>
+                      <a:pPr algn="ctr"/>
+                      <a:r>
+                        <a:rPr lang="en-US" altLang="zh-TW" sz="2800" b="0">
+                          <a:solidFill>
+                            <a:schemeClr val="tx1"/>
+                          </a:solidFill>
+                        </a:rPr>
+                        <a:t>SNBT</a:t>
+                      </a:r>
+                      <a:r>
+                        <a:rPr lang="zh-TW" altLang="en-US" sz="2800" b="0">
+                          <a:solidFill>
+                            <a:schemeClr val="tx1"/>
+                          </a:solidFill>
+                        </a:rPr>
+                        <a:t> 資料型別</a:t>
+                      </a:r>
+                    </a:p>
+                  </a:txBody>
+                  <a:tcPr anchor="ctr">
+                    <a:lnL w="12700" cap="flat" cmpd="sng" algn="ctr">
+                      <a:solidFill>
+                        <a:schemeClr val="tx1"/>
+                      </a:solidFill>
+                      <a:prstDash val="solid"/>
+                      <a:round/>
+                      <a:headEnd type="none" w="med" len="med"/>
+                      <a:tailEnd type="none" w="med" len="med"/>
+                    </a:lnL>
+                    <a:lnR w="12700" cap="flat" cmpd="sng" algn="ctr">
+                      <a:solidFill>
+                        <a:schemeClr val="tx1"/>
+                      </a:solidFill>
+                      <a:prstDash val="solid"/>
+                      <a:round/>
+                      <a:headEnd type="none" w="med" len="med"/>
+                      <a:tailEnd type="none" w="med" len="med"/>
+                    </a:lnR>
+                    <a:lnT w="12700" cap="flat" cmpd="sng" algn="ctr">
+                      <a:solidFill>
+                        <a:schemeClr val="tx1"/>
+                      </a:solidFill>
+                      <a:prstDash val="solid"/>
+                      <a:round/>
+                      <a:headEnd type="none" w="med" len="med"/>
+                      <a:tailEnd type="none" w="med" len="med"/>
+                    </a:lnT>
+                    <a:lnB w="12700" cap="flat" cmpd="sng" algn="ctr">
+                      <a:solidFill>
+                        <a:schemeClr val="tx1"/>
+                      </a:solidFill>
+                      <a:prstDash val="solid"/>
+                      <a:round/>
+                      <a:headEnd type="none" w="med" len="med"/>
+                      <a:tailEnd type="none" w="med" len="med"/>
+                    </a:lnB>
+                    <a:lnTlToBr w="12700" cmpd="sng">
+                      <a:noFill/>
+                      <a:prstDash val="solid"/>
+                    </a:lnTlToBr>
+                    <a:lnBlToTr w="12700" cmpd="sng">
+                      <a:noFill/>
+                      <a:prstDash val="solid"/>
+                    </a:lnBlToTr>
+                    <a:noFill/>
+                  </a:tcPr>
+                </a:tc>
+                <a:tc>
+                  <a:txBody>
+                    <a:bodyPr/>
+                    <a:lstStyle/>
+                    <a:p>
+                      <a:pPr algn="ctr"/>
+                      <a:r>
+                        <a:rPr lang="en-US" altLang="zh-TW" sz="2800" b="0">
+                          <a:solidFill>
+                            <a:schemeClr val="tx1"/>
+                          </a:solidFill>
+                        </a:rPr>
+                        <a:t>Java </a:t>
+                      </a:r>
+                      <a:r>
+                        <a:rPr lang="zh-TW" altLang="en-US" sz="2800" b="0">
+                          <a:solidFill>
+                            <a:schemeClr val="tx1"/>
+                          </a:solidFill>
+                        </a:rPr>
+                        <a:t>資料型別</a:t>
+                      </a:r>
+                    </a:p>
+                  </a:txBody>
+                  <a:tcPr anchor="ctr">
+                    <a:lnL w="12700" cap="flat" cmpd="sng" algn="ctr">
+                      <a:solidFill>
+                        <a:schemeClr val="tx1"/>
+                      </a:solidFill>
+                      <a:prstDash val="solid"/>
+                      <a:round/>
+                      <a:headEnd type="none" w="med" len="med"/>
+                      <a:tailEnd type="none" w="med" len="med"/>
+                    </a:lnL>
+                    <a:lnR w="12700" cap="flat" cmpd="sng" algn="ctr">
+                      <a:solidFill>
+                        <a:schemeClr val="tx1"/>
+                      </a:solidFill>
+                      <a:prstDash val="solid"/>
+                      <a:round/>
+                      <a:headEnd type="none" w="med" len="med"/>
+                      <a:tailEnd type="none" w="med" len="med"/>
+                    </a:lnR>
+                    <a:lnT w="12700" cap="flat" cmpd="sng" algn="ctr">
+                      <a:solidFill>
+                        <a:schemeClr val="tx1"/>
+                      </a:solidFill>
+                      <a:prstDash val="solid"/>
+                      <a:round/>
+                      <a:headEnd type="none" w="med" len="med"/>
+                      <a:tailEnd type="none" w="med" len="med"/>
+                    </a:lnT>
+                    <a:lnB w="12700" cap="flat" cmpd="sng" algn="ctr">
+                      <a:solidFill>
+                        <a:schemeClr val="tx1"/>
+                      </a:solidFill>
+                      <a:prstDash val="solid"/>
+                      <a:round/>
+                      <a:headEnd type="none" w="med" len="med"/>
+                      <a:tailEnd type="none" w="med" len="med"/>
+                    </a:lnB>
+                    <a:lnTlToBr w="12700" cmpd="sng">
+                      <a:noFill/>
+                      <a:prstDash val="solid"/>
+                    </a:lnTlToBr>
+                    <a:lnBlToTr w="12700" cmpd="sng">
+                      <a:noFill/>
+                      <a:prstDash val="solid"/>
+                    </a:lnBlToTr>
+                    <a:noFill/>
+                  </a:tcPr>
+                </a:tc>
+                <a:tc>
+                  <a:txBody>
+                    <a:bodyPr/>
+                    <a:lstStyle/>
+                    <a:p>
+                      <a:pPr algn="ctr"/>
+                      <a:r>
+                        <a:rPr lang="zh-TW" altLang="en-US" sz="2800" b="0">
+                          <a:solidFill>
+                            <a:schemeClr val="tx1"/>
+                          </a:solidFill>
+                        </a:rPr>
+                        <a:t>備註</a:t>
+                      </a:r>
+                    </a:p>
+                  </a:txBody>
+                  <a:tcPr anchor="ctr">
+                    <a:lnL w="12700" cap="flat" cmpd="sng" algn="ctr">
+                      <a:solidFill>
+                        <a:schemeClr val="tx1"/>
+                      </a:solidFill>
+                      <a:prstDash val="solid"/>
+                      <a:round/>
+                      <a:headEnd type="none" w="med" len="med"/>
+                      <a:tailEnd type="none" w="med" len="med"/>
+                    </a:lnL>
+                    <a:lnR w="12700" cap="flat" cmpd="sng" algn="ctr">
+                      <a:solidFill>
+                        <a:schemeClr val="tx1"/>
+                      </a:solidFill>
+                      <a:prstDash val="solid"/>
+                      <a:round/>
+                      <a:headEnd type="none" w="med" len="med"/>
+                      <a:tailEnd type="none" w="med" len="med"/>
+                    </a:lnR>
+                    <a:lnT w="12700" cap="flat" cmpd="sng" algn="ctr">
+                      <a:solidFill>
+                        <a:schemeClr val="tx1"/>
+                      </a:solidFill>
+                      <a:prstDash val="solid"/>
+                      <a:round/>
+                      <a:headEnd type="none" w="med" len="med"/>
+                      <a:tailEnd type="none" w="med" len="med"/>
+                    </a:lnT>
+                    <a:lnB w="12700" cap="flat" cmpd="sng" algn="ctr">
+                      <a:solidFill>
+                        <a:schemeClr val="tx1"/>
+                      </a:solidFill>
+                      <a:prstDash val="solid"/>
+                      <a:round/>
+                      <a:headEnd type="none" w="med" len="med"/>
+                      <a:tailEnd type="none" w="med" len="med"/>
+                    </a:lnB>
+                    <a:lnTlToBr w="12700" cmpd="sng">
+                      <a:noFill/>
+                      <a:prstDash val="solid"/>
+                    </a:lnTlToBr>
+                    <a:lnBlToTr w="12700" cmpd="sng">
+                      <a:noFill/>
+                      <a:prstDash val="solid"/>
+                    </a:lnBlToTr>
+                    <a:noFill/>
+                  </a:tcPr>
+                </a:tc>
+                <a:extLst>
+                  <a:ext uri="{0D108BD9-81ED-4DB2-BD59-A6C34878D82A}">
+                    <a16:rowId xmlns:a16="http://schemas.microsoft.com/office/drawing/2014/main" val="255868112"/>
+                  </a:ext>
+                </a:extLst>
+              </a:tr>
+              <a:tr h="370840">
+                <a:tc>
+                  <a:txBody>
+                    <a:bodyPr/>
+                    <a:lstStyle/>
+                    <a:p>
+                      <a:pPr algn="ctr"/>
+                      <a:r>
+                        <a:rPr lang="zh-TW" altLang="en-US" sz="2000" b="0">
+                          <a:solidFill>
+                            <a:schemeClr val="tx1"/>
+                          </a:solidFill>
+                        </a:rPr>
+                        <a:t>位元組陣列</a:t>
+                      </a:r>
+                      <a:r>
+                        <a:rPr lang="en-US" altLang="zh-TW" sz="2000" b="0">
+                          <a:solidFill>
+                            <a:schemeClr val="tx1"/>
+                          </a:solidFill>
+                        </a:rPr>
+                        <a:t>(byte array)</a:t>
+                      </a:r>
+                      <a:endParaRPr lang="zh-TW" altLang="en-US" sz="2000" b="0">
+                        <a:solidFill>
+                          <a:schemeClr val="tx1"/>
+                        </a:solidFill>
+                      </a:endParaRPr>
+                    </a:p>
+                  </a:txBody>
+                  <a:tcPr anchor="ctr">
+                    <a:lnL w="12700" cap="flat" cmpd="sng" algn="ctr">
+                      <a:solidFill>
+                        <a:schemeClr val="tx1"/>
+                      </a:solidFill>
+                      <a:prstDash val="solid"/>
+                      <a:round/>
+                      <a:headEnd type="none" w="med" len="med"/>
+                      <a:tailEnd type="none" w="med" len="med"/>
+                    </a:lnL>
+                    <a:lnR w="12700" cap="flat" cmpd="sng" algn="ctr">
+                      <a:solidFill>
+                        <a:schemeClr val="tx1"/>
+                      </a:solidFill>
+                      <a:prstDash val="solid"/>
+                      <a:round/>
+                      <a:headEnd type="none" w="med" len="med"/>
+                      <a:tailEnd type="none" w="med" len="med"/>
+                    </a:lnR>
+                    <a:lnT w="12700" cap="flat" cmpd="sng" algn="ctr">
+                      <a:solidFill>
+                        <a:schemeClr val="tx1"/>
+                      </a:solidFill>
+                      <a:prstDash val="solid"/>
+                      <a:round/>
+                      <a:headEnd type="none" w="med" len="med"/>
+                      <a:tailEnd type="none" w="med" len="med"/>
+                    </a:lnT>
+                    <a:lnB w="12700" cap="flat" cmpd="sng" algn="ctr">
+                      <a:solidFill>
+                        <a:schemeClr val="tx1"/>
+                      </a:solidFill>
+                      <a:prstDash val="solid"/>
+                      <a:round/>
+                      <a:headEnd type="none" w="med" len="med"/>
+                      <a:tailEnd type="none" w="med" len="med"/>
+                    </a:lnB>
+                    <a:lnTlToBr w="12700" cmpd="sng">
+                      <a:noFill/>
+                      <a:prstDash val="solid"/>
+                    </a:lnTlToBr>
+                    <a:lnBlToTr w="12700" cmpd="sng">
+                      <a:noFill/>
+                      <a:prstDash val="solid"/>
+                    </a:lnBlToTr>
+                    <a:noFill/>
+                  </a:tcPr>
+                </a:tc>
+                <a:tc>
+                  <a:txBody>
+                    <a:bodyPr/>
+                    <a:lstStyle/>
+                    <a:p>
+                      <a:pPr algn="ctr"/>
+                      <a:r>
+                        <a:rPr lang="en-US" altLang="zh-TW" sz="2000" b="0">
+                          <a:solidFill>
+                            <a:srgbClr val="CF8E6D"/>
+                          </a:solidFill>
+                        </a:rPr>
+                        <a:t>byte</a:t>
+                      </a:r>
+                      <a:r>
+                        <a:rPr lang="en-US" altLang="zh-TW" sz="2000" b="0">
+                          <a:solidFill>
+                            <a:srgbClr val="00B0F0"/>
+                          </a:solidFill>
+                        </a:rPr>
+                        <a:t>[]</a:t>
+                      </a:r>
+                      <a:endParaRPr lang="zh-TW" altLang="en-US" sz="2000" b="0">
+                        <a:solidFill>
+                          <a:srgbClr val="00B0F0"/>
+                        </a:solidFill>
+                      </a:endParaRPr>
+                    </a:p>
+                  </a:txBody>
+                  <a:tcPr anchor="ctr">
+                    <a:lnL w="12700" cap="flat" cmpd="sng" algn="ctr">
+                      <a:solidFill>
+                        <a:schemeClr val="tx1"/>
+                      </a:solidFill>
+                      <a:prstDash val="solid"/>
+                      <a:round/>
+                      <a:headEnd type="none" w="med" len="med"/>
+                      <a:tailEnd type="none" w="med" len="med"/>
+                    </a:lnL>
+                    <a:lnR w="12700" cap="flat" cmpd="sng" algn="ctr">
+                      <a:solidFill>
+                        <a:schemeClr val="tx1"/>
+                      </a:solidFill>
+                      <a:prstDash val="solid"/>
+                      <a:round/>
+                      <a:headEnd type="none" w="med" len="med"/>
+                      <a:tailEnd type="none" w="med" len="med"/>
+                    </a:lnR>
+                    <a:lnT w="12700" cap="flat" cmpd="sng" algn="ctr">
+                      <a:solidFill>
+                        <a:schemeClr val="tx1"/>
+                      </a:solidFill>
+                      <a:prstDash val="solid"/>
+                      <a:round/>
+                      <a:headEnd type="none" w="med" len="med"/>
+                      <a:tailEnd type="none" w="med" len="med"/>
+                    </a:lnT>
+                    <a:lnB w="12700" cap="flat" cmpd="sng" algn="ctr">
+                      <a:solidFill>
+                        <a:schemeClr val="tx1"/>
+                      </a:solidFill>
+                      <a:prstDash val="solid"/>
+                      <a:round/>
+                      <a:headEnd type="none" w="med" len="med"/>
+                      <a:tailEnd type="none" w="med" len="med"/>
+                    </a:lnB>
+                    <a:lnTlToBr w="12700" cmpd="sng">
+                      <a:noFill/>
+                      <a:prstDash val="solid"/>
+                    </a:lnTlToBr>
+                    <a:lnBlToTr w="12700" cmpd="sng">
+                      <a:noFill/>
+                      <a:prstDash val="solid"/>
+                    </a:lnBlToTr>
+                    <a:noFill/>
+                  </a:tcPr>
+                </a:tc>
+                <a:tc>
+                  <a:txBody>
+                    <a:bodyPr/>
+                    <a:lstStyle/>
+                    <a:p>
+                      <a:pPr algn="ctr"/>
+                      <a:r>
+                        <a:rPr lang="en-US" altLang="zh-TW" b="0">
+                          <a:solidFill>
+                            <a:schemeClr val="tx1"/>
+                          </a:solidFill>
+                        </a:rPr>
+                        <a:t>SNBT </a:t>
+                      </a:r>
+                      <a:r>
+                        <a:rPr lang="zh-TW" altLang="en-US" b="0">
+                          <a:solidFill>
+                            <a:schemeClr val="tx1"/>
+                          </a:solidFill>
+                        </a:rPr>
+                        <a:t>使用 </a:t>
+                      </a:r>
+                      <a:r>
+                        <a:rPr lang="en-US" altLang="zh-TW" b="0">
+                          <a:solidFill>
+                            <a:srgbClr val="FFFF00"/>
+                          </a:solidFill>
+                        </a:rPr>
+                        <a:t>[</a:t>
+                      </a:r>
+                      <a:r>
+                        <a:rPr lang="en-US" altLang="zh-TW" b="0">
+                          <a:solidFill>
+                            <a:srgbClr val="FF5D5D"/>
+                          </a:solidFill>
+                        </a:rPr>
+                        <a:t>B</a:t>
+                      </a:r>
+                      <a:r>
+                        <a:rPr lang="en-US" altLang="zh-TW" b="0">
+                          <a:solidFill>
+                            <a:srgbClr val="FFFF00"/>
+                          </a:solidFill>
+                        </a:rPr>
+                        <a:t>;</a:t>
+                      </a:r>
+                      <a:r>
+                        <a:rPr lang="en-US" altLang="zh-TW" b="0">
+                          <a:solidFill>
+                            <a:srgbClr val="FFC000"/>
+                          </a:solidFill>
+                        </a:rPr>
+                        <a:t>byte1</a:t>
+                      </a:r>
+                      <a:r>
+                        <a:rPr lang="en-US" altLang="zh-TW" b="0">
+                          <a:solidFill>
+                            <a:srgbClr val="FFFF00"/>
+                          </a:solidFill>
+                        </a:rPr>
+                        <a:t>,</a:t>
+                      </a:r>
+                      <a:r>
+                        <a:rPr lang="en-US" altLang="zh-TW" b="0">
+                          <a:solidFill>
+                            <a:srgbClr val="FFC000"/>
+                          </a:solidFill>
+                        </a:rPr>
+                        <a:t>byte2</a:t>
+                      </a:r>
+                      <a:r>
+                        <a:rPr lang="en-US" altLang="zh-TW" b="0">
+                          <a:solidFill>
+                            <a:srgbClr val="FFFF00"/>
+                          </a:solidFill>
+                        </a:rPr>
+                        <a:t>,</a:t>
+                      </a:r>
+                      <a:r>
+                        <a:rPr lang="en-US" altLang="zh-TW" b="0">
+                          <a:solidFill>
+                            <a:srgbClr val="FFC000"/>
+                          </a:solidFill>
+                        </a:rPr>
+                        <a:t>...</a:t>
+                      </a:r>
+                      <a:r>
+                        <a:rPr lang="en-US" altLang="zh-TW" b="0">
+                          <a:solidFill>
+                            <a:srgbClr val="FFFF00"/>
+                          </a:solidFill>
+                        </a:rPr>
+                        <a:t>]</a:t>
+                      </a:r>
+                      <a:r>
+                        <a:rPr lang="en-US" altLang="zh-TW" b="0">
+                          <a:solidFill>
+                            <a:srgbClr val="92D050"/>
+                          </a:solidFill>
+                        </a:rPr>
+                        <a:t> </a:t>
+                      </a:r>
+                      <a:r>
+                        <a:rPr lang="zh-TW" altLang="en-US" b="0">
+                          <a:solidFill>
+                            <a:schemeClr val="tx1"/>
+                          </a:solidFill>
+                        </a:rPr>
+                        <a:t>表示</a:t>
+                      </a:r>
+                      <a:endParaRPr lang="en-US" altLang="zh-TW" b="0">
+                        <a:solidFill>
+                          <a:schemeClr val="tx1"/>
+                        </a:solidFill>
+                      </a:endParaRPr>
+                    </a:p>
+                    <a:p>
+                      <a:pPr algn="ctr"/>
+                      <a:r>
+                        <a:rPr lang="zh-TW" altLang="en-US" b="0">
+                          <a:solidFill>
+                            <a:schemeClr val="tx1"/>
+                          </a:solidFill>
+                        </a:rPr>
+                        <a:t>如 </a:t>
+                      </a:r>
+                      <a:r>
+                        <a:rPr lang="en-US" altLang="zh-TW" b="0">
+                          <a:solidFill>
+                            <a:srgbClr val="FFFF00"/>
+                          </a:solidFill>
+                        </a:rPr>
+                        <a:t>[</a:t>
+                      </a:r>
+                      <a:r>
+                        <a:rPr lang="en-US" altLang="zh-TW" b="0">
+                          <a:solidFill>
+                            <a:srgbClr val="FF5D5D"/>
+                          </a:solidFill>
+                        </a:rPr>
+                        <a:t>B</a:t>
+                      </a:r>
+                      <a:r>
+                        <a:rPr lang="en-US" altLang="zh-TW" b="0">
+                          <a:solidFill>
+                            <a:srgbClr val="FFFF00"/>
+                          </a:solidFill>
+                        </a:rPr>
+                        <a:t>;</a:t>
+                      </a:r>
+                      <a:r>
+                        <a:rPr lang="en-US" altLang="zh-TW" b="0">
+                          <a:solidFill>
+                            <a:srgbClr val="FFC000"/>
+                          </a:solidFill>
+                        </a:rPr>
+                        <a:t>-10</a:t>
+                      </a:r>
+                      <a:r>
+                        <a:rPr lang="en-US" altLang="zh-TW" b="0">
+                          <a:solidFill>
+                            <a:srgbClr val="FF5D5D"/>
+                          </a:solidFill>
+                        </a:rPr>
+                        <a:t>b</a:t>
+                      </a:r>
+                      <a:r>
+                        <a:rPr lang="en-US" altLang="zh-TW" b="0">
+                          <a:solidFill>
+                            <a:srgbClr val="FFFF00"/>
+                          </a:solidFill>
+                        </a:rPr>
+                        <a:t>,</a:t>
+                      </a:r>
+                      <a:r>
+                        <a:rPr lang="en-US" altLang="zh-TW" b="0">
+                          <a:solidFill>
+                            <a:srgbClr val="FFC000"/>
+                          </a:solidFill>
+                        </a:rPr>
+                        <a:t>false</a:t>
+                      </a:r>
+                      <a:r>
+                        <a:rPr lang="en-US" altLang="zh-TW" b="0">
+                          <a:solidFill>
+                            <a:srgbClr val="FFFF00"/>
+                          </a:solidFill>
+                        </a:rPr>
+                        <a:t>,</a:t>
+                      </a:r>
+                      <a:r>
+                        <a:rPr lang="en-US" altLang="zh-TW" b="0">
+                          <a:solidFill>
+                            <a:srgbClr val="FFC000"/>
+                          </a:solidFill>
+                        </a:rPr>
+                        <a:t>true</a:t>
+                      </a:r>
+                      <a:r>
+                        <a:rPr lang="en-US" altLang="zh-TW" b="0">
+                          <a:solidFill>
+                            <a:srgbClr val="FFFF00"/>
+                          </a:solidFill>
+                        </a:rPr>
+                        <a:t>]</a:t>
+                      </a:r>
+                      <a:endParaRPr lang="zh-TW" altLang="en-US" b="0">
+                        <a:solidFill>
+                          <a:srgbClr val="FFFF00"/>
+                        </a:solidFill>
+                      </a:endParaRPr>
+                    </a:p>
+                  </a:txBody>
+                  <a:tcPr anchor="ctr">
+                    <a:lnL w="12700" cap="flat" cmpd="sng" algn="ctr">
+                      <a:solidFill>
+                        <a:schemeClr val="tx1"/>
+                      </a:solidFill>
+                      <a:prstDash val="solid"/>
+                      <a:round/>
+                      <a:headEnd type="none" w="med" len="med"/>
+                      <a:tailEnd type="none" w="med" len="med"/>
+                    </a:lnL>
+                    <a:lnR w="12700" cap="flat" cmpd="sng" algn="ctr">
+                      <a:solidFill>
+                        <a:schemeClr val="tx1"/>
+                      </a:solidFill>
+                      <a:prstDash val="solid"/>
+                      <a:round/>
+                      <a:headEnd type="none" w="med" len="med"/>
+                      <a:tailEnd type="none" w="med" len="med"/>
+                    </a:lnR>
+                    <a:lnT w="12700" cap="flat" cmpd="sng" algn="ctr">
+                      <a:solidFill>
+                        <a:schemeClr val="tx1"/>
+                      </a:solidFill>
+                      <a:prstDash val="solid"/>
+                      <a:round/>
+                      <a:headEnd type="none" w="med" len="med"/>
+                      <a:tailEnd type="none" w="med" len="med"/>
+                    </a:lnT>
+                    <a:lnB w="12700" cap="flat" cmpd="sng" algn="ctr">
+                      <a:solidFill>
+                        <a:schemeClr val="tx1"/>
+                      </a:solidFill>
+                      <a:prstDash val="solid"/>
+                      <a:round/>
+                      <a:headEnd type="none" w="med" len="med"/>
+                      <a:tailEnd type="none" w="med" len="med"/>
+                    </a:lnB>
+                    <a:lnTlToBr w="12700" cmpd="sng">
+                      <a:noFill/>
+                      <a:prstDash val="solid"/>
+                    </a:lnTlToBr>
+                    <a:lnBlToTr w="12700" cmpd="sng">
+                      <a:noFill/>
+                      <a:prstDash val="solid"/>
+                    </a:lnBlToTr>
+                    <a:noFill/>
+                  </a:tcPr>
+                </a:tc>
+                <a:extLst>
+                  <a:ext uri="{0D108BD9-81ED-4DB2-BD59-A6C34878D82A}">
+                    <a16:rowId xmlns:a16="http://schemas.microsoft.com/office/drawing/2014/main" val="185083846"/>
+                  </a:ext>
+                </a:extLst>
+              </a:tr>
+              <a:tr h="370840">
+                <a:tc>
+                  <a:txBody>
+                    <a:bodyPr/>
+                    <a:lstStyle/>
+                    <a:p>
+                      <a:pPr algn="ctr"/>
+                      <a:r>
+                        <a:rPr lang="zh-TW" altLang="en-US" sz="2000" b="0">
+                          <a:solidFill>
+                            <a:schemeClr val="tx1"/>
+                          </a:solidFill>
+                        </a:rPr>
+                        <a:t>整數陣列</a:t>
+                      </a:r>
+                      <a:r>
+                        <a:rPr lang="en-US" altLang="zh-TW" sz="2000" b="0">
+                          <a:solidFill>
+                            <a:schemeClr val="tx1"/>
+                          </a:solidFill>
+                        </a:rPr>
+                        <a:t>(int array)</a:t>
+                      </a:r>
+                      <a:endParaRPr lang="zh-TW" altLang="en-US" sz="2000" b="0">
+                        <a:solidFill>
+                          <a:schemeClr val="tx1"/>
+                        </a:solidFill>
+                      </a:endParaRPr>
+                    </a:p>
+                  </a:txBody>
+                  <a:tcPr anchor="ctr">
+                    <a:lnL w="12700" cap="flat" cmpd="sng" algn="ctr">
+                      <a:solidFill>
+                        <a:schemeClr val="tx1"/>
+                      </a:solidFill>
+                      <a:prstDash val="solid"/>
+                      <a:round/>
+                      <a:headEnd type="none" w="med" len="med"/>
+                      <a:tailEnd type="none" w="med" len="med"/>
+                    </a:lnL>
+                    <a:lnR w="12700" cap="flat" cmpd="sng" algn="ctr">
+                      <a:solidFill>
+                        <a:schemeClr val="tx1"/>
+                      </a:solidFill>
+                      <a:prstDash val="solid"/>
+                      <a:round/>
+                      <a:headEnd type="none" w="med" len="med"/>
+                      <a:tailEnd type="none" w="med" len="med"/>
+                    </a:lnR>
+                    <a:lnT w="12700" cap="flat" cmpd="sng" algn="ctr">
+                      <a:solidFill>
+                        <a:schemeClr val="tx1"/>
+                      </a:solidFill>
+                      <a:prstDash val="solid"/>
+                      <a:round/>
+                      <a:headEnd type="none" w="med" len="med"/>
+                      <a:tailEnd type="none" w="med" len="med"/>
+                    </a:lnT>
+                    <a:lnB w="12700" cap="flat" cmpd="sng" algn="ctr">
+                      <a:solidFill>
+                        <a:schemeClr val="tx1"/>
+                      </a:solidFill>
+                      <a:prstDash val="solid"/>
+                      <a:round/>
+                      <a:headEnd type="none" w="med" len="med"/>
+                      <a:tailEnd type="none" w="med" len="med"/>
+                    </a:lnB>
+                    <a:lnTlToBr w="12700" cmpd="sng">
+                      <a:noFill/>
+                      <a:prstDash val="solid"/>
+                    </a:lnTlToBr>
+                    <a:lnBlToTr w="12700" cmpd="sng">
+                      <a:noFill/>
+                      <a:prstDash val="solid"/>
+                    </a:lnBlToTr>
+                    <a:noFill/>
+                  </a:tcPr>
+                </a:tc>
+                <a:tc>
+                  <a:txBody>
+                    <a:bodyPr/>
+                    <a:lstStyle/>
+                    <a:p>
+                      <a:pPr algn="ctr"/>
+                      <a:r>
+                        <a:rPr lang="en-US" altLang="zh-TW" sz="2000" b="0">
+                          <a:solidFill>
+                            <a:srgbClr val="CF8E6D"/>
+                          </a:solidFill>
+                        </a:rPr>
+                        <a:t>int</a:t>
+                      </a:r>
+                      <a:r>
+                        <a:rPr lang="en-US" altLang="zh-TW" sz="2000" b="0">
+                          <a:solidFill>
+                            <a:srgbClr val="00B0F0"/>
+                          </a:solidFill>
+                        </a:rPr>
+                        <a:t>[]</a:t>
+                      </a:r>
+                      <a:endParaRPr lang="zh-TW" altLang="en-US" sz="2000" b="0">
+                        <a:solidFill>
+                          <a:srgbClr val="00B0F0"/>
+                        </a:solidFill>
+                      </a:endParaRPr>
+                    </a:p>
+                  </a:txBody>
+                  <a:tcPr anchor="ctr">
+                    <a:lnL w="12700" cap="flat" cmpd="sng" algn="ctr">
+                      <a:solidFill>
+                        <a:schemeClr val="tx1"/>
+                      </a:solidFill>
+                      <a:prstDash val="solid"/>
+                      <a:round/>
+                      <a:headEnd type="none" w="med" len="med"/>
+                      <a:tailEnd type="none" w="med" len="med"/>
+                    </a:lnL>
+                    <a:lnR w="12700" cap="flat" cmpd="sng" algn="ctr">
+                      <a:solidFill>
+                        <a:schemeClr val="tx1"/>
+                      </a:solidFill>
+                      <a:prstDash val="solid"/>
+                      <a:round/>
+                      <a:headEnd type="none" w="med" len="med"/>
+                      <a:tailEnd type="none" w="med" len="med"/>
+                    </a:lnR>
+                    <a:lnT w="12700" cap="flat" cmpd="sng" algn="ctr">
+                      <a:solidFill>
+                        <a:schemeClr val="tx1"/>
+                      </a:solidFill>
+                      <a:prstDash val="solid"/>
+                      <a:round/>
+                      <a:headEnd type="none" w="med" len="med"/>
+                      <a:tailEnd type="none" w="med" len="med"/>
+                    </a:lnT>
+                    <a:lnB w="12700" cap="flat" cmpd="sng" algn="ctr">
+                      <a:solidFill>
+                        <a:schemeClr val="tx1"/>
+                      </a:solidFill>
+                      <a:prstDash val="solid"/>
+                      <a:round/>
+                      <a:headEnd type="none" w="med" len="med"/>
+                      <a:tailEnd type="none" w="med" len="med"/>
+                    </a:lnB>
+                    <a:lnTlToBr w="12700" cmpd="sng">
+                      <a:noFill/>
+                      <a:prstDash val="solid"/>
+                    </a:lnTlToBr>
+                    <a:lnBlToTr w="12700" cmpd="sng">
+                      <a:noFill/>
+                      <a:prstDash val="solid"/>
+                    </a:lnBlToTr>
+                    <a:noFill/>
+                  </a:tcPr>
+                </a:tc>
+                <a:tc>
+                  <a:txBody>
+                    <a:bodyPr/>
+                    <a:lstStyle/>
+                    <a:p>
+                      <a:pPr algn="ctr"/>
+                      <a:r>
+                        <a:rPr lang="en-US" altLang="zh-TW" b="0">
+                          <a:solidFill>
+                            <a:schemeClr val="tx1"/>
+                          </a:solidFill>
+                        </a:rPr>
+                        <a:t>SNBT </a:t>
+                      </a:r>
+                      <a:r>
+                        <a:rPr lang="zh-TW" altLang="en-US" b="0">
+                          <a:solidFill>
+                            <a:schemeClr val="tx1"/>
+                          </a:solidFill>
+                        </a:rPr>
+                        <a:t>使用 </a:t>
+                      </a:r>
+                      <a:r>
+                        <a:rPr lang="en-US" altLang="zh-TW" b="0">
+                          <a:solidFill>
+                            <a:srgbClr val="FFFF00"/>
+                          </a:solidFill>
+                        </a:rPr>
+                        <a:t>[</a:t>
+                      </a:r>
+                      <a:r>
+                        <a:rPr lang="en-US" altLang="zh-TW" b="0">
+                          <a:solidFill>
+                            <a:srgbClr val="FF5D5D"/>
+                          </a:solidFill>
+                        </a:rPr>
+                        <a:t>I</a:t>
+                      </a:r>
+                      <a:r>
+                        <a:rPr lang="en-US" altLang="zh-TW" b="0">
+                          <a:solidFill>
+                            <a:srgbClr val="FFFF00"/>
+                          </a:solidFill>
+                        </a:rPr>
+                        <a:t>;</a:t>
+                      </a:r>
+                      <a:r>
+                        <a:rPr lang="en-US" altLang="zh-TW" b="0">
+                          <a:solidFill>
+                            <a:srgbClr val="FFC000"/>
+                          </a:solidFill>
+                        </a:rPr>
+                        <a:t>int1</a:t>
+                      </a:r>
+                      <a:r>
+                        <a:rPr lang="en-US" altLang="zh-TW" b="0">
+                          <a:solidFill>
+                            <a:srgbClr val="FFFF00"/>
+                          </a:solidFill>
+                        </a:rPr>
+                        <a:t>,</a:t>
+                      </a:r>
+                      <a:r>
+                        <a:rPr lang="en-US" altLang="zh-TW" b="0">
+                          <a:solidFill>
+                            <a:srgbClr val="FFC000"/>
+                          </a:solidFill>
+                        </a:rPr>
+                        <a:t>int2</a:t>
+                      </a:r>
+                      <a:r>
+                        <a:rPr lang="en-US" altLang="zh-TW" b="0">
+                          <a:solidFill>
+                            <a:srgbClr val="FFFF00"/>
+                          </a:solidFill>
+                        </a:rPr>
+                        <a:t>,</a:t>
+                      </a:r>
+                      <a:r>
+                        <a:rPr lang="en-US" altLang="zh-TW" b="0">
+                          <a:solidFill>
+                            <a:srgbClr val="FFC000"/>
+                          </a:solidFill>
+                        </a:rPr>
+                        <a:t>...</a:t>
+                      </a:r>
+                      <a:r>
+                        <a:rPr lang="en-US" altLang="zh-TW" b="0">
+                          <a:solidFill>
+                            <a:srgbClr val="FFFF00"/>
+                          </a:solidFill>
+                        </a:rPr>
+                        <a:t>]</a:t>
+                      </a:r>
+                      <a:r>
+                        <a:rPr lang="en-US" altLang="zh-TW" b="0">
+                          <a:solidFill>
+                            <a:srgbClr val="92D050"/>
+                          </a:solidFill>
+                        </a:rPr>
+                        <a:t> </a:t>
+                      </a:r>
+                      <a:r>
+                        <a:rPr lang="zh-TW" altLang="en-US" b="0">
+                          <a:solidFill>
+                            <a:schemeClr val="tx1"/>
+                          </a:solidFill>
+                        </a:rPr>
+                        <a:t>表示</a:t>
+                      </a:r>
+                      <a:endParaRPr lang="en-US" altLang="zh-TW" b="0">
+                        <a:solidFill>
+                          <a:schemeClr val="tx1"/>
+                        </a:solidFill>
+                      </a:endParaRPr>
+                    </a:p>
+                    <a:p>
+                      <a:pPr algn="ctr"/>
+                      <a:r>
+                        <a:rPr lang="zh-TW" altLang="en-US" b="0">
+                          <a:solidFill>
+                            <a:schemeClr val="tx1"/>
+                          </a:solidFill>
+                        </a:rPr>
+                        <a:t>如 </a:t>
+                      </a:r>
+                      <a:r>
+                        <a:rPr lang="en-US" altLang="zh-TW" b="0">
+                          <a:solidFill>
+                            <a:srgbClr val="FFFF00"/>
+                          </a:solidFill>
+                        </a:rPr>
+                        <a:t>[</a:t>
+                      </a:r>
+                      <a:r>
+                        <a:rPr lang="en-US" altLang="zh-TW" b="0">
+                          <a:solidFill>
+                            <a:srgbClr val="FF5D5D"/>
+                          </a:solidFill>
+                        </a:rPr>
+                        <a:t>I</a:t>
+                      </a:r>
+                      <a:r>
+                        <a:rPr lang="en-US" altLang="zh-TW" b="0">
+                          <a:solidFill>
+                            <a:srgbClr val="FFFF00"/>
+                          </a:solidFill>
+                        </a:rPr>
+                        <a:t>;</a:t>
+                      </a:r>
+                      <a:r>
+                        <a:rPr lang="en-US" altLang="zh-TW" b="0">
+                          <a:solidFill>
+                            <a:srgbClr val="FFC000"/>
+                          </a:solidFill>
+                        </a:rPr>
+                        <a:t>1111</a:t>
+                      </a:r>
+                      <a:r>
+                        <a:rPr lang="en-US" altLang="zh-TW" b="0">
+                          <a:solidFill>
+                            <a:srgbClr val="FFFF00"/>
+                          </a:solidFill>
+                        </a:rPr>
+                        <a:t>,</a:t>
+                      </a:r>
+                      <a:r>
+                        <a:rPr lang="en-US" altLang="zh-TW" b="0">
+                          <a:solidFill>
+                            <a:srgbClr val="FFC000"/>
+                          </a:solidFill>
+                        </a:rPr>
+                        <a:t>10</a:t>
+                      </a:r>
+                      <a:r>
+                        <a:rPr lang="en-US" altLang="zh-TW" b="0">
+                          <a:solidFill>
+                            <a:srgbClr val="FFFF00"/>
+                          </a:solidFill>
+                        </a:rPr>
+                        <a:t>,</a:t>
+                      </a:r>
+                      <a:r>
+                        <a:rPr lang="en-US" altLang="zh-TW" b="0">
+                          <a:solidFill>
+                            <a:srgbClr val="FFC000"/>
+                          </a:solidFill>
+                        </a:rPr>
+                        <a:t>-5</a:t>
+                      </a:r>
+                      <a:r>
+                        <a:rPr lang="en-US" altLang="zh-TW" b="0">
+                          <a:solidFill>
+                            <a:srgbClr val="FFFF00"/>
+                          </a:solidFill>
+                        </a:rPr>
+                        <a:t>]</a:t>
+                      </a:r>
+                      <a:endParaRPr lang="zh-TW" altLang="en-US" b="0">
+                        <a:solidFill>
+                          <a:srgbClr val="FFFF00"/>
+                        </a:solidFill>
+                      </a:endParaRPr>
+                    </a:p>
+                  </a:txBody>
+                  <a:tcPr anchor="ctr">
+                    <a:lnL w="12700" cap="flat" cmpd="sng" algn="ctr">
+                      <a:solidFill>
+                        <a:schemeClr val="tx1"/>
+                      </a:solidFill>
+                      <a:prstDash val="solid"/>
+                      <a:round/>
+                      <a:headEnd type="none" w="med" len="med"/>
+                      <a:tailEnd type="none" w="med" len="med"/>
+                    </a:lnL>
+                    <a:lnR w="12700" cap="flat" cmpd="sng" algn="ctr">
+                      <a:solidFill>
+                        <a:schemeClr val="tx1"/>
+                      </a:solidFill>
+                      <a:prstDash val="solid"/>
+                      <a:round/>
+                      <a:headEnd type="none" w="med" len="med"/>
+                      <a:tailEnd type="none" w="med" len="med"/>
+                    </a:lnR>
+                    <a:lnT w="12700" cap="flat" cmpd="sng" algn="ctr">
+                      <a:solidFill>
+                        <a:schemeClr val="tx1"/>
+                      </a:solidFill>
+                      <a:prstDash val="solid"/>
+                      <a:round/>
+                      <a:headEnd type="none" w="med" len="med"/>
+                      <a:tailEnd type="none" w="med" len="med"/>
+                    </a:lnT>
+                    <a:lnB w="12700" cap="flat" cmpd="sng" algn="ctr">
+                      <a:solidFill>
+                        <a:schemeClr val="tx1"/>
+                      </a:solidFill>
+                      <a:prstDash val="solid"/>
+                      <a:round/>
+                      <a:headEnd type="none" w="med" len="med"/>
+                      <a:tailEnd type="none" w="med" len="med"/>
+                    </a:lnB>
+                    <a:lnTlToBr w="12700" cmpd="sng">
+                      <a:noFill/>
+                      <a:prstDash val="solid"/>
+                    </a:lnTlToBr>
+                    <a:lnBlToTr w="12700" cmpd="sng">
+                      <a:noFill/>
+                      <a:prstDash val="solid"/>
+                    </a:lnBlToTr>
+                    <a:noFill/>
+                  </a:tcPr>
+                </a:tc>
+                <a:extLst>
+                  <a:ext uri="{0D108BD9-81ED-4DB2-BD59-A6C34878D82A}">
+                    <a16:rowId xmlns:a16="http://schemas.microsoft.com/office/drawing/2014/main" val="4132771160"/>
+                  </a:ext>
+                </a:extLst>
+              </a:tr>
+              <a:tr h="370840">
+                <a:tc>
+                  <a:txBody>
+                    <a:bodyPr/>
+                    <a:lstStyle/>
+                    <a:p>
+                      <a:pPr algn="ctr"/>
+                      <a:r>
+                        <a:rPr lang="zh-TW" altLang="en-US" sz="2000" b="0">
+                          <a:solidFill>
+                            <a:schemeClr val="tx1"/>
+                          </a:solidFill>
+                        </a:rPr>
+                        <a:t>長整數陣列</a:t>
+                      </a:r>
+                      <a:r>
+                        <a:rPr lang="en-US" altLang="zh-TW" sz="2000" b="0">
+                          <a:solidFill>
+                            <a:schemeClr val="tx1"/>
+                          </a:solidFill>
+                        </a:rPr>
+                        <a:t>(long array)</a:t>
+                      </a:r>
+                      <a:endParaRPr lang="zh-TW" altLang="en-US" sz="2000" b="0">
+                        <a:solidFill>
+                          <a:schemeClr val="tx1"/>
+                        </a:solidFill>
+                      </a:endParaRPr>
+                    </a:p>
+                  </a:txBody>
+                  <a:tcPr anchor="ctr">
+                    <a:lnL w="12700" cap="flat" cmpd="sng" algn="ctr">
+                      <a:solidFill>
+                        <a:schemeClr val="tx1"/>
+                      </a:solidFill>
+                      <a:prstDash val="solid"/>
+                      <a:round/>
+                      <a:headEnd type="none" w="med" len="med"/>
+                      <a:tailEnd type="none" w="med" len="med"/>
+                    </a:lnL>
+                    <a:lnR w="12700" cap="flat" cmpd="sng" algn="ctr">
+                      <a:solidFill>
+                        <a:schemeClr val="tx1"/>
+                      </a:solidFill>
+                      <a:prstDash val="solid"/>
+                      <a:round/>
+                      <a:headEnd type="none" w="med" len="med"/>
+                      <a:tailEnd type="none" w="med" len="med"/>
+                    </a:lnR>
+                    <a:lnT w="12700" cap="flat" cmpd="sng" algn="ctr">
+                      <a:solidFill>
+                        <a:schemeClr val="tx1"/>
+                      </a:solidFill>
+                      <a:prstDash val="solid"/>
+                      <a:round/>
+                      <a:headEnd type="none" w="med" len="med"/>
+                      <a:tailEnd type="none" w="med" len="med"/>
+                    </a:lnT>
+                    <a:lnB w="12700" cap="flat" cmpd="sng" algn="ctr">
+                      <a:solidFill>
+                        <a:schemeClr val="tx1"/>
+                      </a:solidFill>
+                      <a:prstDash val="solid"/>
+                      <a:round/>
+                      <a:headEnd type="none" w="med" len="med"/>
+                      <a:tailEnd type="none" w="med" len="med"/>
+                    </a:lnB>
+                    <a:lnTlToBr w="12700" cmpd="sng">
+                      <a:noFill/>
+                      <a:prstDash val="solid"/>
+                    </a:lnTlToBr>
+                    <a:lnBlToTr w="12700" cmpd="sng">
+                      <a:noFill/>
+                      <a:prstDash val="solid"/>
+                    </a:lnBlToTr>
+                    <a:noFill/>
+                  </a:tcPr>
+                </a:tc>
+                <a:tc>
+                  <a:txBody>
+                    <a:bodyPr/>
+                    <a:lstStyle/>
+                    <a:p>
+                      <a:pPr algn="ctr"/>
+                      <a:r>
+                        <a:rPr lang="en-US" altLang="zh-TW" sz="2000" b="0">
+                          <a:solidFill>
+                            <a:srgbClr val="CF8E6D"/>
+                          </a:solidFill>
+                        </a:rPr>
+                        <a:t>long</a:t>
+                      </a:r>
+                      <a:r>
+                        <a:rPr lang="en-US" altLang="zh-TW" sz="2000" b="0">
+                          <a:solidFill>
+                            <a:srgbClr val="00B0F0"/>
+                          </a:solidFill>
+                        </a:rPr>
+                        <a:t>[]</a:t>
+                      </a:r>
+                      <a:endParaRPr lang="zh-TW" altLang="en-US" sz="2000" b="0">
+                        <a:solidFill>
+                          <a:srgbClr val="00B0F0"/>
+                        </a:solidFill>
+                      </a:endParaRPr>
+                    </a:p>
+                  </a:txBody>
+                  <a:tcPr anchor="ctr">
+                    <a:lnL w="12700" cap="flat" cmpd="sng" algn="ctr">
+                      <a:solidFill>
+                        <a:schemeClr val="tx1"/>
+                      </a:solidFill>
+                      <a:prstDash val="solid"/>
+                      <a:round/>
+                      <a:headEnd type="none" w="med" len="med"/>
+                      <a:tailEnd type="none" w="med" len="med"/>
+                    </a:lnL>
+                    <a:lnR w="12700" cap="flat" cmpd="sng" algn="ctr">
+                      <a:solidFill>
+                        <a:schemeClr val="tx1"/>
+                      </a:solidFill>
+                      <a:prstDash val="solid"/>
+                      <a:round/>
+                      <a:headEnd type="none" w="med" len="med"/>
+                      <a:tailEnd type="none" w="med" len="med"/>
+                    </a:lnR>
+                    <a:lnT w="12700" cap="flat" cmpd="sng" algn="ctr">
+                      <a:solidFill>
+                        <a:schemeClr val="tx1"/>
+                      </a:solidFill>
+                      <a:prstDash val="solid"/>
+                      <a:round/>
+                      <a:headEnd type="none" w="med" len="med"/>
+                      <a:tailEnd type="none" w="med" len="med"/>
+                    </a:lnT>
+                    <a:lnB w="12700" cap="flat" cmpd="sng" algn="ctr">
+                      <a:solidFill>
+                        <a:schemeClr val="tx1"/>
+                      </a:solidFill>
+                      <a:prstDash val="solid"/>
+                      <a:round/>
+                      <a:headEnd type="none" w="med" len="med"/>
+                      <a:tailEnd type="none" w="med" len="med"/>
+                    </a:lnB>
+                    <a:lnTlToBr w="12700" cmpd="sng">
+                      <a:noFill/>
+                      <a:prstDash val="solid"/>
+                    </a:lnTlToBr>
+                    <a:lnBlToTr w="12700" cmpd="sng">
+                      <a:noFill/>
+                      <a:prstDash val="solid"/>
+                    </a:lnBlToTr>
+                    <a:noFill/>
+                  </a:tcPr>
+                </a:tc>
+                <a:tc>
+                  <a:txBody>
+                    <a:bodyPr/>
+                    <a:lstStyle/>
+                    <a:p>
+                      <a:pPr algn="ctr"/>
+                      <a:r>
+                        <a:rPr lang="en-US" altLang="zh-TW" b="0">
+                          <a:solidFill>
+                            <a:schemeClr val="tx1"/>
+                          </a:solidFill>
+                        </a:rPr>
+                        <a:t>SNBT </a:t>
+                      </a:r>
+                      <a:r>
+                        <a:rPr lang="zh-TW" altLang="en-US" b="0">
+                          <a:solidFill>
+                            <a:schemeClr val="tx1"/>
+                          </a:solidFill>
+                        </a:rPr>
+                        <a:t>使用 </a:t>
+                      </a:r>
+                      <a:r>
+                        <a:rPr lang="en-US" altLang="zh-TW" b="0">
+                          <a:solidFill>
+                            <a:srgbClr val="FFFF00"/>
+                          </a:solidFill>
+                        </a:rPr>
+                        <a:t>[</a:t>
+                      </a:r>
+                      <a:r>
+                        <a:rPr lang="en-US" altLang="zh-TW" b="0">
+                          <a:solidFill>
+                            <a:srgbClr val="FF5D5D"/>
+                          </a:solidFill>
+                        </a:rPr>
+                        <a:t>L</a:t>
+                      </a:r>
+                      <a:r>
+                        <a:rPr lang="en-US" altLang="zh-TW" b="0">
+                          <a:solidFill>
+                            <a:srgbClr val="FFFF00"/>
+                          </a:solidFill>
+                        </a:rPr>
+                        <a:t>;</a:t>
+                      </a:r>
+                      <a:r>
+                        <a:rPr lang="en-US" altLang="zh-TW" b="0">
+                          <a:solidFill>
+                            <a:srgbClr val="FFC000"/>
+                          </a:solidFill>
+                        </a:rPr>
+                        <a:t>long1</a:t>
+                      </a:r>
+                      <a:r>
+                        <a:rPr lang="en-US" altLang="zh-TW" b="0">
+                          <a:solidFill>
+                            <a:srgbClr val="FFFF00"/>
+                          </a:solidFill>
+                        </a:rPr>
+                        <a:t>,</a:t>
+                      </a:r>
+                      <a:r>
+                        <a:rPr lang="en-US" altLang="zh-TW" b="0">
+                          <a:solidFill>
+                            <a:srgbClr val="FFC000"/>
+                          </a:solidFill>
+                        </a:rPr>
+                        <a:t>long2</a:t>
+                      </a:r>
+                      <a:r>
+                        <a:rPr lang="en-US" altLang="zh-TW" b="0">
+                          <a:solidFill>
+                            <a:srgbClr val="FFFF00"/>
+                          </a:solidFill>
+                        </a:rPr>
+                        <a:t>,</a:t>
+                      </a:r>
+                      <a:r>
+                        <a:rPr lang="en-US" altLang="zh-TW" b="0">
+                          <a:solidFill>
+                            <a:srgbClr val="FFC000"/>
+                          </a:solidFill>
+                        </a:rPr>
+                        <a:t>...</a:t>
+                      </a:r>
+                      <a:r>
+                        <a:rPr lang="en-US" altLang="zh-TW" b="0">
+                          <a:solidFill>
+                            <a:srgbClr val="FFFF00"/>
+                          </a:solidFill>
+                        </a:rPr>
+                        <a:t>]</a:t>
+                      </a:r>
+                      <a:r>
+                        <a:rPr lang="en-US" altLang="zh-TW" b="0">
+                          <a:solidFill>
+                            <a:srgbClr val="92D050"/>
+                          </a:solidFill>
+                        </a:rPr>
+                        <a:t> </a:t>
+                      </a:r>
+                      <a:r>
+                        <a:rPr lang="zh-TW" altLang="en-US" b="0">
+                          <a:solidFill>
+                            <a:schemeClr val="tx1"/>
+                          </a:solidFill>
+                        </a:rPr>
+                        <a:t>表示</a:t>
+                      </a:r>
+                      <a:endParaRPr lang="en-US" altLang="zh-TW" b="0">
+                        <a:solidFill>
+                          <a:schemeClr val="tx1"/>
+                        </a:solidFill>
+                      </a:endParaRPr>
+                    </a:p>
+                    <a:p>
+                      <a:pPr algn="ctr"/>
+                      <a:r>
+                        <a:rPr lang="zh-TW" altLang="en-US" b="0">
+                          <a:solidFill>
+                            <a:schemeClr val="tx1"/>
+                          </a:solidFill>
+                        </a:rPr>
+                        <a:t>如 </a:t>
+                      </a:r>
+                      <a:r>
+                        <a:rPr lang="en-US" altLang="zh-TW" b="0">
+                          <a:solidFill>
+                            <a:srgbClr val="FFFF00"/>
+                          </a:solidFill>
+                        </a:rPr>
+                        <a:t>[</a:t>
+                      </a:r>
+                      <a:r>
+                        <a:rPr lang="en-US" altLang="zh-TW" b="0">
+                          <a:solidFill>
+                            <a:srgbClr val="FF5D5D"/>
+                          </a:solidFill>
+                        </a:rPr>
+                        <a:t>L</a:t>
+                      </a:r>
+                      <a:r>
+                        <a:rPr lang="en-US" altLang="zh-TW" b="0">
+                          <a:solidFill>
+                            <a:srgbClr val="FFFF00"/>
+                          </a:solidFill>
+                        </a:rPr>
+                        <a:t>;</a:t>
+                      </a:r>
+                      <a:r>
+                        <a:rPr lang="en-US" altLang="zh-TW" b="0">
+                          <a:solidFill>
+                            <a:srgbClr val="FFC000"/>
+                          </a:solidFill>
+                        </a:rPr>
+                        <a:t>1314</a:t>
+                      </a:r>
+                      <a:r>
+                        <a:rPr lang="en-US" altLang="zh-TW" b="0">
+                          <a:solidFill>
+                            <a:srgbClr val="FFFF00"/>
+                          </a:solidFill>
+                        </a:rPr>
+                        <a:t>,</a:t>
+                      </a:r>
+                      <a:r>
+                        <a:rPr lang="en-US" altLang="zh-TW" b="0">
+                          <a:solidFill>
+                            <a:srgbClr val="FFC000"/>
+                          </a:solidFill>
+                        </a:rPr>
+                        <a:t>-520</a:t>
+                      </a:r>
+                      <a:r>
+                        <a:rPr lang="en-US" altLang="zh-TW" b="0">
+                          <a:solidFill>
+                            <a:srgbClr val="FFFF00"/>
+                          </a:solidFill>
+                        </a:rPr>
+                        <a:t>,</a:t>
+                      </a:r>
+                      <a:r>
+                        <a:rPr lang="en-US" altLang="zh-TW" b="0">
+                          <a:solidFill>
+                            <a:srgbClr val="FFC000"/>
+                          </a:solidFill>
+                        </a:rPr>
+                        <a:t>888</a:t>
+                      </a:r>
+                      <a:r>
+                        <a:rPr lang="en-US" altLang="zh-TW" b="0">
+                          <a:solidFill>
+                            <a:srgbClr val="FFFF00"/>
+                          </a:solidFill>
+                        </a:rPr>
+                        <a:t>]</a:t>
+                      </a:r>
+                      <a:endParaRPr lang="zh-TW" altLang="en-US" b="0">
+                        <a:solidFill>
+                          <a:srgbClr val="FFFF00"/>
+                        </a:solidFill>
+                      </a:endParaRPr>
+                    </a:p>
+                  </a:txBody>
+                  <a:tcPr anchor="ctr">
+                    <a:lnL w="12700" cap="flat" cmpd="sng" algn="ctr">
+                      <a:solidFill>
+                        <a:schemeClr val="tx1"/>
+                      </a:solidFill>
+                      <a:prstDash val="solid"/>
+                      <a:round/>
+                      <a:headEnd type="none" w="med" len="med"/>
+                      <a:tailEnd type="none" w="med" len="med"/>
+                    </a:lnL>
+                    <a:lnR w="12700" cap="flat" cmpd="sng" algn="ctr">
+                      <a:solidFill>
+                        <a:schemeClr val="tx1"/>
+                      </a:solidFill>
+                      <a:prstDash val="solid"/>
+                      <a:round/>
+                      <a:headEnd type="none" w="med" len="med"/>
+                      <a:tailEnd type="none" w="med" len="med"/>
+                    </a:lnR>
+                    <a:lnT w="12700" cap="flat" cmpd="sng" algn="ctr">
+                      <a:solidFill>
+                        <a:schemeClr val="tx1"/>
+                      </a:solidFill>
+                      <a:prstDash val="solid"/>
+                      <a:round/>
+                      <a:headEnd type="none" w="med" len="med"/>
+                      <a:tailEnd type="none" w="med" len="med"/>
+                    </a:lnT>
+                    <a:lnB w="12700" cap="flat" cmpd="sng" algn="ctr">
+                      <a:solidFill>
+                        <a:schemeClr val="tx1"/>
+                      </a:solidFill>
+                      <a:prstDash val="solid"/>
+                      <a:round/>
+                      <a:headEnd type="none" w="med" len="med"/>
+                      <a:tailEnd type="none" w="med" len="med"/>
+                    </a:lnB>
+                    <a:lnTlToBr w="12700" cmpd="sng">
+                      <a:noFill/>
+                      <a:prstDash val="solid"/>
+                    </a:lnTlToBr>
+                    <a:lnBlToTr w="12700" cmpd="sng">
+                      <a:noFill/>
+                      <a:prstDash val="solid"/>
+                    </a:lnBlToTr>
+                    <a:noFill/>
+                  </a:tcPr>
+                </a:tc>
+                <a:extLst>
+                  <a:ext uri="{0D108BD9-81ED-4DB2-BD59-A6C34878D82A}">
+                    <a16:rowId xmlns:a16="http://schemas.microsoft.com/office/drawing/2014/main" val="2267775277"/>
+                  </a:ext>
+                </a:extLst>
+              </a:tr>
+              <a:tr h="370840">
+                <a:tc>
+                  <a:txBody>
+                    <a:bodyPr/>
+                    <a:lstStyle/>
+                    <a:p>
+                      <a:pPr algn="ctr"/>
+                      <a:r>
+                        <a:rPr lang="zh-TW" altLang="en-US" sz="2000" b="0">
+                          <a:solidFill>
+                            <a:schemeClr val="tx1"/>
+                          </a:solidFill>
+                        </a:rPr>
+                        <a:t>串列</a:t>
+                      </a:r>
+                      <a:r>
+                        <a:rPr lang="en-US" altLang="zh-TW" sz="2000" b="0">
+                          <a:solidFill>
+                            <a:schemeClr val="tx1"/>
+                          </a:solidFill>
+                        </a:rPr>
+                        <a:t>(list)</a:t>
+                      </a:r>
+                      <a:endParaRPr lang="zh-TW" altLang="en-US" sz="2000" b="0">
+                        <a:solidFill>
+                          <a:schemeClr val="tx1"/>
+                        </a:solidFill>
+                      </a:endParaRPr>
+                    </a:p>
+                  </a:txBody>
+                  <a:tcPr anchor="ctr">
+                    <a:lnL w="12700" cap="flat" cmpd="sng" algn="ctr">
+                      <a:solidFill>
+                        <a:schemeClr val="tx1"/>
+                      </a:solidFill>
+                      <a:prstDash val="solid"/>
+                      <a:round/>
+                      <a:headEnd type="none" w="med" len="med"/>
+                      <a:tailEnd type="none" w="med" len="med"/>
+                    </a:lnL>
+                    <a:lnR w="12700" cap="flat" cmpd="sng" algn="ctr">
+                      <a:solidFill>
+                        <a:schemeClr val="tx1"/>
+                      </a:solidFill>
+                      <a:prstDash val="solid"/>
+                      <a:round/>
+                      <a:headEnd type="none" w="med" len="med"/>
+                      <a:tailEnd type="none" w="med" len="med"/>
+                    </a:lnR>
+                    <a:lnT w="12700" cap="flat" cmpd="sng" algn="ctr">
+                      <a:solidFill>
+                        <a:schemeClr val="tx1"/>
+                      </a:solidFill>
+                      <a:prstDash val="solid"/>
+                      <a:round/>
+                      <a:headEnd type="none" w="med" len="med"/>
+                      <a:tailEnd type="none" w="med" len="med"/>
+                    </a:lnT>
+                    <a:lnB w="12700" cap="flat" cmpd="sng" algn="ctr">
+                      <a:solidFill>
+                        <a:schemeClr val="tx1"/>
+                      </a:solidFill>
+                      <a:prstDash val="solid"/>
+                      <a:round/>
+                      <a:headEnd type="none" w="med" len="med"/>
+                      <a:tailEnd type="none" w="med" len="med"/>
+                    </a:lnB>
+                    <a:lnTlToBr w="12700" cmpd="sng">
+                      <a:noFill/>
+                      <a:prstDash val="solid"/>
+                    </a:lnTlToBr>
+                    <a:lnBlToTr w="12700" cmpd="sng">
+                      <a:noFill/>
+                      <a:prstDash val="solid"/>
+                    </a:lnBlToTr>
+                    <a:noFill/>
+                  </a:tcPr>
+                </a:tc>
+                <a:tc>
+                  <a:txBody>
+                    <a:bodyPr/>
+                    <a:lstStyle/>
+                    <a:p>
+                      <a:pPr algn="ctr"/>
+                      <a:r>
+                        <a:rPr lang="en-US" altLang="zh-TW" sz="2000" b="0">
+                          <a:solidFill>
+                            <a:srgbClr val="FFFF00"/>
+                          </a:solidFill>
+                        </a:rPr>
+                        <a:t>java.util.List</a:t>
+                      </a:r>
+                      <a:r>
+                        <a:rPr lang="en-US" altLang="zh-TW" sz="2000" b="0">
+                          <a:solidFill>
+                            <a:srgbClr val="00B0F0"/>
+                          </a:solidFill>
+                        </a:rPr>
+                        <a:t>&lt;</a:t>
+                      </a:r>
+                      <a:r>
+                        <a:rPr lang="en-US" altLang="zh-TW" sz="2000" b="0">
+                          <a:solidFill>
+                            <a:srgbClr val="FFC000"/>
+                          </a:solidFill>
+                        </a:rPr>
+                        <a:t>T</a:t>
+                      </a:r>
+                      <a:r>
+                        <a:rPr lang="en-US" altLang="zh-TW" sz="2000" b="0">
+                          <a:solidFill>
+                            <a:srgbClr val="00B0F0"/>
+                          </a:solidFill>
+                        </a:rPr>
+                        <a:t>&gt;</a:t>
+                      </a:r>
+                      <a:endParaRPr lang="zh-TW" altLang="en-US" sz="2000" b="0">
+                        <a:solidFill>
+                          <a:srgbClr val="00B0F0"/>
+                        </a:solidFill>
+                      </a:endParaRPr>
+                    </a:p>
+                  </a:txBody>
+                  <a:tcPr anchor="ctr">
+                    <a:lnL w="12700" cap="flat" cmpd="sng" algn="ctr">
+                      <a:solidFill>
+                        <a:schemeClr val="tx1"/>
+                      </a:solidFill>
+                      <a:prstDash val="solid"/>
+                      <a:round/>
+                      <a:headEnd type="none" w="med" len="med"/>
+                      <a:tailEnd type="none" w="med" len="med"/>
+                    </a:lnL>
+                    <a:lnR w="12700" cap="flat" cmpd="sng" algn="ctr">
+                      <a:solidFill>
+                        <a:schemeClr val="tx1"/>
+                      </a:solidFill>
+                      <a:prstDash val="solid"/>
+                      <a:round/>
+                      <a:headEnd type="none" w="med" len="med"/>
+                      <a:tailEnd type="none" w="med" len="med"/>
+                    </a:lnR>
+                    <a:lnT w="12700" cap="flat" cmpd="sng" algn="ctr">
+                      <a:solidFill>
+                        <a:schemeClr val="tx1"/>
+                      </a:solidFill>
+                      <a:prstDash val="solid"/>
+                      <a:round/>
+                      <a:headEnd type="none" w="med" len="med"/>
+                      <a:tailEnd type="none" w="med" len="med"/>
+                    </a:lnT>
+                    <a:lnB w="12700" cap="flat" cmpd="sng" algn="ctr">
+                      <a:solidFill>
+                        <a:schemeClr val="tx1"/>
+                      </a:solidFill>
+                      <a:prstDash val="solid"/>
+                      <a:round/>
+                      <a:headEnd type="none" w="med" len="med"/>
+                      <a:tailEnd type="none" w="med" len="med"/>
+                    </a:lnB>
+                    <a:lnTlToBr w="12700" cmpd="sng">
+                      <a:noFill/>
+                      <a:prstDash val="solid"/>
+                    </a:lnTlToBr>
+                    <a:lnBlToTr w="12700" cmpd="sng">
+                      <a:noFill/>
+                      <a:prstDash val="solid"/>
+                    </a:lnBlToTr>
+                    <a:noFill/>
+                  </a:tcPr>
+                </a:tc>
+                <a:tc>
+                  <a:txBody>
+                    <a:bodyPr/>
+                    <a:lstStyle/>
+                    <a:p>
+                      <a:pPr marL="0" marR="0" lvl="0" indent="0" algn="ctr" defTabSz="914400" rtl="0" eaLnBrk="1" fontAlgn="auto" latinLnBrk="0" hangingPunct="1">
+                        <a:lnSpc>
+                          <a:spcPct val="100000"/>
+                        </a:lnSpc>
+                        <a:spcBef>
+                          <a:spcPts val="0"/>
+                        </a:spcBef>
+                        <a:spcAft>
+                          <a:spcPts val="0"/>
+                        </a:spcAft>
+                        <a:buClrTx/>
+                        <a:buSzTx/>
+                        <a:buFontTx/>
+                        <a:buNone/>
+                        <a:tabLst/>
+                        <a:defRPr/>
+                      </a:pPr>
+                      <a:r>
+                        <a:rPr lang="en-US" altLang="zh-TW" b="0">
+                          <a:solidFill>
+                            <a:schemeClr val="tx1"/>
+                          </a:solidFill>
+                        </a:rPr>
+                        <a:t>SNBT </a:t>
+                      </a:r>
+                      <a:r>
+                        <a:rPr lang="zh-TW" altLang="en-US" b="0">
+                          <a:solidFill>
+                            <a:schemeClr val="tx1"/>
+                          </a:solidFill>
+                        </a:rPr>
+                        <a:t>使用 </a:t>
+                      </a:r>
+                      <a:r>
+                        <a:rPr lang="en-US" altLang="zh-TW" b="0">
+                          <a:solidFill>
+                            <a:srgbClr val="FFFF00"/>
+                          </a:solidFill>
+                        </a:rPr>
+                        <a:t>[</a:t>
+                      </a:r>
+                      <a:r>
+                        <a:rPr lang="en-US" altLang="zh-TW" b="0">
+                          <a:solidFill>
+                            <a:srgbClr val="FFC000"/>
+                          </a:solidFill>
+                        </a:rPr>
+                        <a:t>element1</a:t>
+                      </a:r>
+                      <a:r>
+                        <a:rPr lang="en-US" altLang="zh-TW" b="0">
+                          <a:solidFill>
+                            <a:srgbClr val="FFFF00"/>
+                          </a:solidFill>
+                        </a:rPr>
+                        <a:t>,</a:t>
+                      </a:r>
+                      <a:r>
+                        <a:rPr lang="en-US" altLang="zh-TW" b="0">
+                          <a:solidFill>
+                            <a:srgbClr val="FFC000"/>
+                          </a:solidFill>
+                        </a:rPr>
+                        <a:t>element2</a:t>
+                      </a:r>
+                      <a:r>
+                        <a:rPr lang="en-US" altLang="zh-TW" b="0">
+                          <a:solidFill>
+                            <a:srgbClr val="FFFF00"/>
+                          </a:solidFill>
+                        </a:rPr>
+                        <a:t>,</a:t>
+                      </a:r>
+                      <a:r>
+                        <a:rPr lang="en-US" altLang="zh-TW" b="0">
+                          <a:solidFill>
+                            <a:srgbClr val="FFC000"/>
+                          </a:solidFill>
+                        </a:rPr>
+                        <a:t>...</a:t>
+                      </a:r>
+                      <a:r>
+                        <a:rPr lang="en-US" altLang="zh-TW" b="0">
+                          <a:solidFill>
+                            <a:srgbClr val="FFFF00"/>
+                          </a:solidFill>
+                        </a:rPr>
+                        <a:t>]</a:t>
+                      </a:r>
+                      <a:r>
+                        <a:rPr lang="en-US" altLang="zh-TW" b="0">
+                          <a:solidFill>
+                            <a:srgbClr val="92D050"/>
+                          </a:solidFill>
+                        </a:rPr>
+                        <a:t> </a:t>
+                      </a:r>
+                      <a:r>
+                        <a:rPr lang="zh-TW" altLang="en-US" b="0">
+                          <a:solidFill>
+                            <a:schemeClr val="tx1"/>
+                          </a:solidFill>
+                        </a:rPr>
+                        <a:t>表示</a:t>
+                      </a:r>
+                      <a:endParaRPr lang="en-US" altLang="zh-TW" b="0">
+                        <a:solidFill>
+                          <a:schemeClr val="tx1"/>
+                        </a:solidFill>
+                      </a:endParaRPr>
+                    </a:p>
+                    <a:p>
+                      <a:pPr marL="0" marR="0" lvl="0" indent="0" algn="ctr" defTabSz="914400" rtl="0" eaLnBrk="1" fontAlgn="auto" latinLnBrk="0" hangingPunct="1">
+                        <a:lnSpc>
+                          <a:spcPct val="100000"/>
+                        </a:lnSpc>
+                        <a:spcBef>
+                          <a:spcPts val="0"/>
+                        </a:spcBef>
+                        <a:spcAft>
+                          <a:spcPts val="0"/>
+                        </a:spcAft>
+                        <a:buClrTx/>
+                        <a:buSzTx/>
+                        <a:buFontTx/>
+                        <a:buNone/>
+                        <a:tabLst/>
+                        <a:defRPr/>
+                      </a:pPr>
+                      <a:r>
+                        <a:rPr lang="zh-TW" altLang="en-US" b="0">
+                          <a:solidFill>
+                            <a:schemeClr val="tx1"/>
+                          </a:solidFill>
+                        </a:rPr>
+                        <a:t>如 </a:t>
+                      </a:r>
+                      <a:r>
+                        <a:rPr lang="en-US" altLang="zh-TW" b="0">
+                          <a:solidFill>
+                            <a:srgbClr val="FFFF00"/>
+                          </a:solidFill>
+                        </a:rPr>
+                        <a:t>[</a:t>
+                      </a:r>
+                      <a:r>
+                        <a:rPr lang="en-US" altLang="zh-TW" b="0">
+                          <a:solidFill>
+                            <a:srgbClr val="FFC000"/>
+                          </a:solidFill>
+                        </a:rPr>
+                        <a:t>1</a:t>
+                      </a:r>
+                      <a:r>
+                        <a:rPr lang="en-US" altLang="zh-TW" b="0">
+                          <a:solidFill>
+                            <a:srgbClr val="FF5D5D"/>
+                          </a:solidFill>
+                        </a:rPr>
+                        <a:t>b</a:t>
+                      </a:r>
+                      <a:r>
+                        <a:rPr lang="en-US" altLang="zh-TW" b="0">
+                          <a:solidFill>
+                            <a:srgbClr val="FFFF00"/>
+                          </a:solidFill>
+                        </a:rPr>
+                        <a:t>,</a:t>
+                      </a:r>
+                      <a:r>
+                        <a:rPr lang="en-US" altLang="zh-TW" b="0">
+                          <a:solidFill>
+                            <a:srgbClr val="FFC000"/>
+                          </a:solidFill>
+                        </a:rPr>
+                        <a:t>true</a:t>
+                      </a:r>
+                      <a:r>
+                        <a:rPr lang="en-US" altLang="zh-TW" b="0">
+                          <a:solidFill>
+                            <a:srgbClr val="FFFF00"/>
+                          </a:solidFill>
+                        </a:rPr>
+                        <a:t>,</a:t>
+                      </a:r>
+                      <a:r>
+                        <a:rPr lang="en-US" altLang="zh-TW" b="0">
+                          <a:solidFill>
+                            <a:srgbClr val="FFC000"/>
+                          </a:solidFill>
+                        </a:rPr>
+                        <a:t>false</a:t>
+                      </a:r>
+                      <a:r>
+                        <a:rPr lang="en-US" altLang="zh-TW" b="0">
+                          <a:solidFill>
+                            <a:srgbClr val="FFFF00"/>
+                          </a:solidFill>
+                        </a:rPr>
+                        <a:t>]</a:t>
+                      </a:r>
+                    </a:p>
+                    <a:p>
+                      <a:pPr marL="0" marR="0" lvl="0" indent="0" algn="ctr" defTabSz="914400" rtl="0" eaLnBrk="1" fontAlgn="auto" latinLnBrk="0" hangingPunct="1">
+                        <a:lnSpc>
+                          <a:spcPct val="100000"/>
+                        </a:lnSpc>
+                        <a:spcBef>
+                          <a:spcPts val="0"/>
+                        </a:spcBef>
+                        <a:spcAft>
+                          <a:spcPts val="0"/>
+                        </a:spcAft>
+                        <a:buClrTx/>
+                        <a:buSzTx/>
+                        <a:buFontTx/>
+                        <a:buNone/>
+                        <a:tabLst/>
+                        <a:defRPr/>
+                      </a:pPr>
+                      <a:r>
+                        <a:rPr lang="zh-TW" altLang="en-US" b="0">
+                          <a:solidFill>
+                            <a:schemeClr val="tx1"/>
+                          </a:solidFill>
+                        </a:rPr>
+                        <a:t>串列中所有元素的型別需相同</a:t>
+                      </a:r>
+                      <a:endParaRPr lang="en-US" altLang="zh-TW" b="0">
+                        <a:solidFill>
+                          <a:schemeClr val="tx1"/>
+                        </a:solidFill>
+                      </a:endParaRPr>
+                    </a:p>
+                    <a:p>
+                      <a:pPr marL="0" marR="0" lvl="0" indent="0" algn="ctr" defTabSz="914400" rtl="0" eaLnBrk="1" fontAlgn="auto" latinLnBrk="0" hangingPunct="1">
+                        <a:lnSpc>
+                          <a:spcPct val="100000"/>
+                        </a:lnSpc>
+                        <a:spcBef>
+                          <a:spcPts val="0"/>
+                        </a:spcBef>
+                        <a:spcAft>
+                          <a:spcPts val="0"/>
+                        </a:spcAft>
+                        <a:buClrTx/>
+                        <a:buSzTx/>
+                        <a:buFontTx/>
+                        <a:buNone/>
+                        <a:tabLst/>
+                        <a:defRPr/>
+                      </a:pPr>
+                      <a:r>
+                        <a:rPr lang="zh-TW" altLang="en-US" b="0">
+                          <a:solidFill>
+                            <a:schemeClr val="tx1"/>
+                          </a:solidFill>
+                        </a:rPr>
+                        <a:t>須注意此與上方的任何陣列不相等</a:t>
+                      </a:r>
+                      <a:endParaRPr lang="en-US" altLang="zh-TW" b="0">
+                        <a:solidFill>
+                          <a:schemeClr val="tx1"/>
+                        </a:solidFill>
+                      </a:endParaRPr>
+                    </a:p>
+                  </a:txBody>
+                  <a:tcPr anchor="ctr">
+                    <a:lnL w="12700" cap="flat" cmpd="sng" algn="ctr">
+                      <a:solidFill>
+                        <a:schemeClr val="tx1"/>
+                      </a:solidFill>
+                      <a:prstDash val="solid"/>
+                      <a:round/>
+                      <a:headEnd type="none" w="med" len="med"/>
+                      <a:tailEnd type="none" w="med" len="med"/>
+                    </a:lnL>
+                    <a:lnR w="12700" cap="flat" cmpd="sng" algn="ctr">
+                      <a:solidFill>
+                        <a:schemeClr val="tx1"/>
+                      </a:solidFill>
+                      <a:prstDash val="solid"/>
+                      <a:round/>
+                      <a:headEnd type="none" w="med" len="med"/>
+                      <a:tailEnd type="none" w="med" len="med"/>
+                    </a:lnR>
+                    <a:lnT w="12700" cap="flat" cmpd="sng" algn="ctr">
+                      <a:solidFill>
+                        <a:schemeClr val="tx1"/>
+                      </a:solidFill>
+                      <a:prstDash val="solid"/>
+                      <a:round/>
+                      <a:headEnd type="none" w="med" len="med"/>
+                      <a:tailEnd type="none" w="med" len="med"/>
+                    </a:lnT>
+                    <a:lnB w="12700" cap="flat" cmpd="sng" algn="ctr">
+                      <a:solidFill>
+                        <a:schemeClr val="tx1"/>
+                      </a:solidFill>
+                      <a:prstDash val="solid"/>
+                      <a:round/>
+                      <a:headEnd type="none" w="med" len="med"/>
+                      <a:tailEnd type="none" w="med" len="med"/>
+                    </a:lnB>
+                    <a:lnTlToBr w="12700" cmpd="sng">
+                      <a:noFill/>
+                      <a:prstDash val="solid"/>
+                    </a:lnTlToBr>
+                    <a:lnBlToTr w="12700" cmpd="sng">
+                      <a:noFill/>
+                      <a:prstDash val="solid"/>
+                    </a:lnBlToTr>
+                    <a:noFill/>
+                  </a:tcPr>
+                </a:tc>
+                <a:extLst>
+                  <a:ext uri="{0D108BD9-81ED-4DB2-BD59-A6C34878D82A}">
+                    <a16:rowId xmlns:a16="http://schemas.microsoft.com/office/drawing/2014/main" val="3202164988"/>
+                  </a:ext>
+                </a:extLst>
+              </a:tr>
+              <a:tr h="370840">
+                <a:tc>
+                  <a:txBody>
+                    <a:bodyPr/>
+                    <a:lstStyle/>
+                    <a:p>
+                      <a:pPr algn="ctr"/>
+                      <a:r>
+                        <a:rPr lang="zh-TW" altLang="en-US" sz="2000" b="0">
+                          <a:solidFill>
+                            <a:schemeClr val="tx1"/>
+                          </a:solidFill>
+                        </a:rPr>
+                        <a:t>複合資料</a:t>
+                      </a:r>
+                      <a:r>
+                        <a:rPr lang="en-US" altLang="zh-TW" sz="2000" b="0">
+                          <a:solidFill>
+                            <a:schemeClr val="tx1"/>
+                          </a:solidFill>
+                        </a:rPr>
+                        <a:t>(compound)</a:t>
+                      </a:r>
+                      <a:endParaRPr lang="zh-TW" altLang="en-US" sz="2000" b="0">
+                        <a:solidFill>
+                          <a:schemeClr val="tx1"/>
+                        </a:solidFill>
+                      </a:endParaRPr>
+                    </a:p>
+                  </a:txBody>
+                  <a:tcPr anchor="ctr">
+                    <a:lnL w="12700" cap="flat" cmpd="sng" algn="ctr">
+                      <a:solidFill>
+                        <a:schemeClr val="tx1"/>
+                      </a:solidFill>
+                      <a:prstDash val="solid"/>
+                      <a:round/>
+                      <a:headEnd type="none" w="med" len="med"/>
+                      <a:tailEnd type="none" w="med" len="med"/>
+                    </a:lnL>
+                    <a:lnR w="12700" cap="flat" cmpd="sng" algn="ctr">
+                      <a:solidFill>
+                        <a:schemeClr val="tx1"/>
+                      </a:solidFill>
+                      <a:prstDash val="solid"/>
+                      <a:round/>
+                      <a:headEnd type="none" w="med" len="med"/>
+                      <a:tailEnd type="none" w="med" len="med"/>
+                    </a:lnR>
+                    <a:lnT w="12700" cap="flat" cmpd="sng" algn="ctr">
+                      <a:solidFill>
+                        <a:schemeClr val="tx1"/>
+                      </a:solidFill>
+                      <a:prstDash val="solid"/>
+                      <a:round/>
+                      <a:headEnd type="none" w="med" len="med"/>
+                      <a:tailEnd type="none" w="med" len="med"/>
+                    </a:lnT>
+                    <a:lnB w="12700" cap="flat" cmpd="sng" algn="ctr">
+                      <a:solidFill>
+                        <a:schemeClr val="tx1"/>
+                      </a:solidFill>
+                      <a:prstDash val="solid"/>
+                      <a:round/>
+                      <a:headEnd type="none" w="med" len="med"/>
+                      <a:tailEnd type="none" w="med" len="med"/>
+                    </a:lnB>
+                    <a:lnTlToBr w="12700" cmpd="sng">
+                      <a:noFill/>
+                      <a:prstDash val="solid"/>
+                    </a:lnTlToBr>
+                    <a:lnBlToTr w="12700" cmpd="sng">
+                      <a:noFill/>
+                      <a:prstDash val="solid"/>
+                    </a:lnBlToTr>
+                    <a:noFill/>
+                  </a:tcPr>
+                </a:tc>
+                <a:tc>
+                  <a:txBody>
+                    <a:bodyPr/>
+                    <a:lstStyle/>
+                    <a:p>
+                      <a:pPr algn="ctr"/>
+                      <a:r>
+                        <a:rPr lang="en-US" altLang="zh-TW" sz="2000" b="0">
+                          <a:solidFill>
+                            <a:srgbClr val="FFFF00"/>
+                          </a:solidFill>
+                        </a:rPr>
+                        <a:t>java.util.Map</a:t>
+                      </a:r>
+                      <a:r>
+                        <a:rPr lang="en-US" altLang="zh-TW" sz="2000" b="0">
+                          <a:solidFill>
+                            <a:srgbClr val="00B0F0"/>
+                          </a:solidFill>
+                        </a:rPr>
+                        <a:t>&lt;</a:t>
+                      </a:r>
+                      <a:r>
+                        <a:rPr lang="en-US" altLang="zh-TW" sz="2000" b="0">
+                          <a:solidFill>
+                            <a:srgbClr val="FFFF00"/>
+                          </a:solidFill>
+                        </a:rPr>
+                        <a:t>String</a:t>
+                      </a:r>
+                      <a:r>
+                        <a:rPr lang="en-US" altLang="zh-TW" sz="2000" b="0">
+                          <a:solidFill>
+                            <a:srgbClr val="00B0F0"/>
+                          </a:solidFill>
+                        </a:rPr>
+                        <a:t>,</a:t>
+                      </a:r>
+                      <a:r>
+                        <a:rPr lang="en-US" altLang="zh-TW" sz="2000" b="0">
+                          <a:solidFill>
+                            <a:srgbClr val="FFC000"/>
+                          </a:solidFill>
+                        </a:rPr>
+                        <a:t>?</a:t>
+                      </a:r>
+                      <a:r>
+                        <a:rPr lang="en-US" altLang="zh-TW" sz="2000" b="0">
+                          <a:solidFill>
+                            <a:srgbClr val="00B0F0"/>
+                          </a:solidFill>
+                        </a:rPr>
+                        <a:t>&gt;</a:t>
+                      </a:r>
+                      <a:endParaRPr lang="zh-TW" altLang="en-US" sz="2000" b="0">
+                        <a:solidFill>
+                          <a:srgbClr val="00B0F0"/>
+                        </a:solidFill>
+                      </a:endParaRPr>
+                    </a:p>
+                  </a:txBody>
+                  <a:tcPr anchor="ctr">
+                    <a:lnL w="12700" cap="flat" cmpd="sng" algn="ctr">
+                      <a:solidFill>
+                        <a:schemeClr val="tx1"/>
+                      </a:solidFill>
+                      <a:prstDash val="solid"/>
+                      <a:round/>
+                      <a:headEnd type="none" w="med" len="med"/>
+                      <a:tailEnd type="none" w="med" len="med"/>
+                    </a:lnL>
+                    <a:lnR w="12700" cap="flat" cmpd="sng" algn="ctr">
+                      <a:solidFill>
+                        <a:schemeClr val="tx1"/>
+                      </a:solidFill>
+                      <a:prstDash val="solid"/>
+                      <a:round/>
+                      <a:headEnd type="none" w="med" len="med"/>
+                      <a:tailEnd type="none" w="med" len="med"/>
+                    </a:lnR>
+                    <a:lnT w="12700" cap="flat" cmpd="sng" algn="ctr">
+                      <a:solidFill>
+                        <a:schemeClr val="tx1"/>
+                      </a:solidFill>
+                      <a:prstDash val="solid"/>
+                      <a:round/>
+                      <a:headEnd type="none" w="med" len="med"/>
+                      <a:tailEnd type="none" w="med" len="med"/>
+                    </a:lnT>
+                    <a:lnB w="12700" cap="flat" cmpd="sng" algn="ctr">
+                      <a:solidFill>
+                        <a:schemeClr val="tx1"/>
+                      </a:solidFill>
+                      <a:prstDash val="solid"/>
+                      <a:round/>
+                      <a:headEnd type="none" w="med" len="med"/>
+                      <a:tailEnd type="none" w="med" len="med"/>
+                    </a:lnB>
+                    <a:lnTlToBr w="12700" cmpd="sng">
+                      <a:noFill/>
+                      <a:prstDash val="solid"/>
+                    </a:lnTlToBr>
+                    <a:lnBlToTr w="12700" cmpd="sng">
+                      <a:noFill/>
+                      <a:prstDash val="solid"/>
+                    </a:lnBlToTr>
+                    <a:noFill/>
+                  </a:tcPr>
+                </a:tc>
+                <a:tc>
+                  <a:txBody>
+                    <a:bodyPr/>
+                    <a:lstStyle/>
+                    <a:p>
+                      <a:pPr marL="0" marR="0" lvl="0" indent="0" algn="ctr" defTabSz="914400" rtl="0" eaLnBrk="1" fontAlgn="auto" latinLnBrk="0" hangingPunct="1">
+                        <a:lnSpc>
+                          <a:spcPct val="100000"/>
+                        </a:lnSpc>
+                        <a:spcBef>
+                          <a:spcPts val="0"/>
+                        </a:spcBef>
+                        <a:spcAft>
+                          <a:spcPts val="0"/>
+                        </a:spcAft>
+                        <a:buClrTx/>
+                        <a:buSzTx/>
+                        <a:buFontTx/>
+                        <a:buNone/>
+                        <a:tabLst/>
+                        <a:defRPr/>
+                      </a:pPr>
+                      <a:r>
+                        <a:rPr lang="en-US" altLang="zh-TW" b="0">
+                          <a:solidFill>
+                            <a:schemeClr val="tx1"/>
+                          </a:solidFill>
+                        </a:rPr>
+                        <a:t>SNBT </a:t>
+                      </a:r>
+                      <a:r>
+                        <a:rPr lang="zh-TW" altLang="en-US" b="0">
+                          <a:solidFill>
+                            <a:schemeClr val="tx1"/>
+                          </a:solidFill>
+                        </a:rPr>
+                        <a:t>使用</a:t>
+                      </a:r>
+                      <a:endParaRPr lang="en-US" altLang="zh-TW" b="0">
+                        <a:solidFill>
+                          <a:schemeClr val="tx1"/>
+                        </a:solidFill>
+                      </a:endParaRPr>
+                    </a:p>
+                    <a:p>
+                      <a:pPr marL="0" marR="0" lvl="0" indent="0" algn="ctr" defTabSz="914400" rtl="0" eaLnBrk="1" fontAlgn="auto" latinLnBrk="0" hangingPunct="1">
+                        <a:lnSpc>
+                          <a:spcPct val="100000"/>
+                        </a:lnSpc>
+                        <a:spcBef>
+                          <a:spcPts val="0"/>
+                        </a:spcBef>
+                        <a:spcAft>
+                          <a:spcPts val="0"/>
+                        </a:spcAft>
+                        <a:buClrTx/>
+                        <a:buSzTx/>
+                        <a:buFontTx/>
+                        <a:buNone/>
+                        <a:tabLst/>
+                        <a:defRPr/>
+                      </a:pPr>
+                      <a:r>
+                        <a:rPr lang="en-US" altLang="zh-TW" b="0">
+                          <a:solidFill>
+                            <a:srgbClr val="FFFF00"/>
+                          </a:solidFill>
+                        </a:rPr>
+                        <a:t>{</a:t>
+                      </a:r>
+                      <a:r>
+                        <a:rPr lang="en-US" altLang="zh-TW" b="0">
+                          <a:solidFill>
+                            <a:srgbClr val="00B0F0"/>
+                          </a:solidFill>
+                        </a:rPr>
+                        <a:t>key1</a:t>
+                      </a:r>
+                      <a:r>
+                        <a:rPr lang="en-US" altLang="zh-TW" b="0">
+                          <a:solidFill>
+                            <a:srgbClr val="FFFF00"/>
+                          </a:solidFill>
+                        </a:rPr>
+                        <a:t>:</a:t>
+                      </a:r>
+                      <a:r>
+                        <a:rPr lang="en-US" altLang="zh-TW" b="0">
+                          <a:solidFill>
+                            <a:srgbClr val="FFC000"/>
+                          </a:solidFill>
+                        </a:rPr>
+                        <a:t>value1</a:t>
+                      </a:r>
+                      <a:r>
+                        <a:rPr lang="en-US" altLang="zh-TW" b="0">
+                          <a:solidFill>
+                            <a:srgbClr val="FFFF00"/>
+                          </a:solidFill>
+                        </a:rPr>
+                        <a:t>,</a:t>
+                      </a:r>
+                      <a:r>
+                        <a:rPr lang="en-US" altLang="zh-TW" b="0">
+                          <a:solidFill>
+                            <a:srgbClr val="00B0F0"/>
+                          </a:solidFill>
+                        </a:rPr>
+                        <a:t>key2</a:t>
+                      </a:r>
+                      <a:r>
+                        <a:rPr lang="en-US" altLang="zh-TW" b="0">
+                          <a:solidFill>
+                            <a:srgbClr val="FFFF00"/>
+                          </a:solidFill>
+                        </a:rPr>
+                        <a:t>:</a:t>
+                      </a:r>
+                      <a:r>
+                        <a:rPr lang="en-US" altLang="zh-TW" b="0">
+                          <a:solidFill>
+                            <a:srgbClr val="FFC000"/>
+                          </a:solidFill>
+                        </a:rPr>
+                        <a:t>value2</a:t>
+                      </a:r>
+                      <a:r>
+                        <a:rPr lang="en-US" altLang="zh-TW" b="0">
+                          <a:solidFill>
+                            <a:srgbClr val="FFFF00"/>
+                          </a:solidFill>
+                        </a:rPr>
+                        <a:t>}</a:t>
+                      </a:r>
+                      <a:r>
+                        <a:rPr lang="en-US" altLang="zh-TW" b="0">
+                          <a:solidFill>
+                            <a:srgbClr val="92D050"/>
+                          </a:solidFill>
+                        </a:rPr>
+                        <a:t> </a:t>
+                      </a:r>
+                      <a:r>
+                        <a:rPr lang="zh-TW" altLang="en-US" b="0">
+                          <a:solidFill>
+                            <a:schemeClr val="tx1"/>
+                          </a:solidFill>
+                        </a:rPr>
+                        <a:t>表示</a:t>
+                      </a:r>
+                      <a:endParaRPr lang="en-US" altLang="zh-TW" b="0">
+                        <a:solidFill>
+                          <a:schemeClr val="tx1"/>
+                        </a:solidFill>
+                      </a:endParaRPr>
+                    </a:p>
+                    <a:p>
+                      <a:pPr marL="0" marR="0" lvl="0" indent="0" algn="ctr" defTabSz="914400" rtl="0" eaLnBrk="1" fontAlgn="auto" latinLnBrk="0" hangingPunct="1">
+                        <a:lnSpc>
+                          <a:spcPct val="100000"/>
+                        </a:lnSpc>
+                        <a:spcBef>
+                          <a:spcPts val="0"/>
+                        </a:spcBef>
+                        <a:spcAft>
+                          <a:spcPts val="0"/>
+                        </a:spcAft>
+                        <a:buClrTx/>
+                        <a:buSzTx/>
+                        <a:buFontTx/>
+                        <a:buNone/>
+                        <a:tabLst/>
+                        <a:defRPr/>
+                      </a:pPr>
+                      <a:r>
+                        <a:rPr lang="zh-TW" altLang="en-US" b="0">
+                          <a:solidFill>
+                            <a:schemeClr val="tx1"/>
+                          </a:solidFill>
+                        </a:rPr>
+                        <a:t>鍵類似於字串，但可不加引號</a:t>
+                      </a:r>
+                      <a:endParaRPr lang="en-US" altLang="zh-TW" b="0">
+                        <a:solidFill>
+                          <a:schemeClr val="tx1"/>
+                        </a:solidFill>
+                      </a:endParaRPr>
+                    </a:p>
+                    <a:p>
+                      <a:pPr marL="0" marR="0" lvl="0" indent="0" algn="ctr" defTabSz="914400" rtl="0" eaLnBrk="1" fontAlgn="auto" latinLnBrk="0" hangingPunct="1">
+                        <a:lnSpc>
+                          <a:spcPct val="100000"/>
+                        </a:lnSpc>
+                        <a:spcBef>
+                          <a:spcPts val="0"/>
+                        </a:spcBef>
+                        <a:spcAft>
+                          <a:spcPts val="0"/>
+                        </a:spcAft>
+                        <a:buClrTx/>
+                        <a:buSzTx/>
+                        <a:buFontTx/>
+                        <a:buNone/>
+                        <a:tabLst/>
+                        <a:defRPr/>
+                      </a:pPr>
+                      <a:r>
+                        <a:rPr lang="zh-TW" altLang="en-US" b="0">
+                          <a:solidFill>
+                            <a:schemeClr val="tx1"/>
+                          </a:solidFill>
+                        </a:rPr>
+                        <a:t>值可以為任意型別</a:t>
+                      </a:r>
+                      <a:endParaRPr lang="en-US" altLang="zh-TW" b="0">
+                        <a:solidFill>
+                          <a:schemeClr val="tx1"/>
+                        </a:solidFill>
+                      </a:endParaRPr>
+                    </a:p>
+                    <a:p>
+                      <a:pPr marL="0" marR="0" lvl="0" indent="0" algn="ctr" defTabSz="914400" rtl="0" eaLnBrk="1" fontAlgn="auto" latinLnBrk="0" hangingPunct="1">
+                        <a:lnSpc>
+                          <a:spcPct val="100000"/>
+                        </a:lnSpc>
+                        <a:spcBef>
+                          <a:spcPts val="0"/>
+                        </a:spcBef>
+                        <a:spcAft>
+                          <a:spcPts val="0"/>
+                        </a:spcAft>
+                        <a:buClrTx/>
+                        <a:buSzTx/>
+                        <a:buFontTx/>
+                        <a:buNone/>
+                        <a:tabLst/>
+                        <a:defRPr/>
+                      </a:pPr>
+                      <a:r>
+                        <a:rPr lang="zh-TW" altLang="en-US" b="0">
+                          <a:solidFill>
+                            <a:schemeClr val="tx1"/>
+                          </a:solidFill>
+                        </a:rPr>
+                        <a:t>如 </a:t>
+                      </a:r>
+                      <a:r>
+                        <a:rPr lang="en-US" altLang="zh-TW" b="0">
+                          <a:solidFill>
+                            <a:srgbClr val="FFFF00"/>
+                          </a:solidFill>
+                        </a:rPr>
+                        <a:t>{</a:t>
+                      </a:r>
+                      <a:r>
+                        <a:rPr lang="en-US" altLang="zh-TW" b="0">
+                          <a:solidFill>
+                            <a:srgbClr val="00B0F0"/>
+                          </a:solidFill>
+                        </a:rPr>
+                        <a:t>School</a:t>
+                      </a:r>
+                      <a:r>
+                        <a:rPr lang="en-US" altLang="zh-TW" b="0">
+                          <a:solidFill>
+                            <a:srgbClr val="FFFF00"/>
+                          </a:solidFill>
+                        </a:rPr>
+                        <a:t>:'</a:t>
+                      </a:r>
+                      <a:r>
+                        <a:rPr lang="en-US" altLang="zh-TW" b="0">
+                          <a:solidFill>
+                            <a:srgbClr val="FFC000"/>
+                          </a:solidFill>
+                        </a:rPr>
+                        <a:t>TYSH</a:t>
+                      </a:r>
+                      <a:r>
+                        <a:rPr lang="en-US" altLang="zh-TW" b="0">
+                          <a:solidFill>
+                            <a:srgbClr val="FFFF00"/>
+                          </a:solidFill>
+                        </a:rPr>
+                        <a:t>',"</a:t>
+                      </a:r>
+                      <a:r>
+                        <a:rPr lang="en-US" altLang="zh-TW" b="0">
+                          <a:solidFill>
+                            <a:srgbClr val="00B0F0"/>
+                          </a:solidFill>
+                        </a:rPr>
+                        <a:t>Since</a:t>
+                      </a:r>
+                      <a:r>
+                        <a:rPr lang="en-US" altLang="zh-TW" b="0">
+                          <a:solidFill>
+                            <a:srgbClr val="FFFF00"/>
+                          </a:solidFill>
+                        </a:rPr>
+                        <a:t>":</a:t>
+                      </a:r>
+                      <a:r>
+                        <a:rPr lang="en-US" altLang="zh-TW" b="0">
+                          <a:solidFill>
+                            <a:srgbClr val="FFC000"/>
+                          </a:solidFill>
+                        </a:rPr>
+                        <a:t>1941</a:t>
+                      </a:r>
+                      <a:r>
+                        <a:rPr lang="en-US" altLang="zh-TW" b="0">
+                          <a:solidFill>
+                            <a:srgbClr val="FF5D5D"/>
+                          </a:solidFill>
+                        </a:rPr>
+                        <a:t>S</a:t>
+                      </a:r>
+                      <a:r>
+                        <a:rPr lang="en-US" altLang="zh-TW" b="0">
+                          <a:solidFill>
+                            <a:srgbClr val="FFFF00"/>
+                          </a:solidFill>
+                        </a:rPr>
+                        <a:t>}</a:t>
+                      </a:r>
+                    </a:p>
+                  </a:txBody>
+                  <a:tcPr anchor="ctr">
+                    <a:lnL w="12700" cap="flat" cmpd="sng" algn="ctr">
+                      <a:solidFill>
+                        <a:schemeClr val="tx1"/>
+                      </a:solidFill>
+                      <a:prstDash val="solid"/>
+                      <a:round/>
+                      <a:headEnd type="none" w="med" len="med"/>
+                      <a:tailEnd type="none" w="med" len="med"/>
+                    </a:lnL>
+                    <a:lnR w="12700" cap="flat" cmpd="sng" algn="ctr">
+                      <a:solidFill>
+                        <a:schemeClr val="tx1"/>
+                      </a:solidFill>
+                      <a:prstDash val="solid"/>
+                      <a:round/>
+                      <a:headEnd type="none" w="med" len="med"/>
+                      <a:tailEnd type="none" w="med" len="med"/>
+                    </a:lnR>
+                    <a:lnT w="12700" cap="flat" cmpd="sng" algn="ctr">
+                      <a:solidFill>
+                        <a:schemeClr val="tx1"/>
+                      </a:solidFill>
+                      <a:prstDash val="solid"/>
+                      <a:round/>
+                      <a:headEnd type="none" w="med" len="med"/>
+                      <a:tailEnd type="none" w="med" len="med"/>
+                    </a:lnT>
+                    <a:lnB w="12700" cap="flat" cmpd="sng" algn="ctr">
+                      <a:solidFill>
+                        <a:schemeClr val="tx1"/>
+                      </a:solidFill>
+                      <a:prstDash val="solid"/>
+                      <a:round/>
+                      <a:headEnd type="none" w="med" len="med"/>
+                      <a:tailEnd type="none" w="med" len="med"/>
+                    </a:lnB>
+                    <a:lnTlToBr w="12700" cmpd="sng">
+                      <a:noFill/>
+                      <a:prstDash val="solid"/>
+                    </a:lnTlToBr>
+                    <a:lnBlToTr w="12700" cmpd="sng">
+                      <a:noFill/>
+                      <a:prstDash val="solid"/>
+                    </a:lnBlToTr>
+                    <a:noFill/>
+                  </a:tcPr>
+                </a:tc>
+                <a:extLst>
+                  <a:ext uri="{0D108BD9-81ED-4DB2-BD59-A6C34878D82A}">
+                    <a16:rowId xmlns:a16="http://schemas.microsoft.com/office/drawing/2014/main" val="2455447004"/>
+                  </a:ext>
+                </a:extLst>
+              </a:tr>
+            </a:tbl>
+          </a:graphicData>
+        </a:graphic>
+      </p:graphicFrame>
+    </p:spTree>
+    <p:extLst>
+      <p:ext uri="{BB962C8B-B14F-4D97-AF65-F5344CB8AC3E}">
+        <p14:creationId xmlns:p14="http://schemas.microsoft.com/office/powerpoint/2010/main" val="1477691154"/>
+      </p:ext>
+    </p:extLst>
+  </p:cSld>
+  <p:clrMapOvr>
+    <a:masterClrMapping/>
+  </p:clrMapOvr>
+  <p:transition spd="slow">
+    <p:push dir="u"/>
+  </p:transition>
+</p:sld>
+</file>
+
+<file path=ppt/slides/slide5.xml><?xml version="1.0" encoding="utf-8"?>
+<p:sld xmlns:a="http://schemas.openxmlformats.org/drawingml/2006/main" xmlns:r="http://schemas.openxmlformats.org/officeDocument/2006/relationships" xmlns:p="http://schemas.openxmlformats.org/presentationml/2006/main">
+  <p:cSld>
+    <p:spTree>
+      <p:nvGrpSpPr>
+        <p:cNvPr id="1" name=""/>
+        <p:cNvGrpSpPr/>
+        <p:nvPr/>
+      </p:nvGrpSpPr>
+      <p:grpSpPr>
+        <a:xfrm>
+          <a:off x="0" y="0"/>
+          <a:ext cx="0" cy="0"/>
+          <a:chOff x="0" y="0"/>
+          <a:chExt cx="0" cy="0"/>
+        </a:xfrm>
+      </p:grpSpPr>
+      <p:sp>
+        <p:nvSpPr>
+          <p:cNvPr id="2" name="標題 1">
+            <a:extLst>
+              <a:ext uri="{FF2B5EF4-FFF2-40B4-BE49-F238E27FC236}">
+                <a16:creationId xmlns:a16="http://schemas.microsoft.com/office/drawing/2014/main" id="{8F43C205-1C37-488D-83B7-8756AD94A78F}"/>
+              </a:ext>
+            </a:extLst>
+          </p:cNvPr>
+          <p:cNvSpPr>
+            <a:spLocks noGrp="1"/>
+          </p:cNvSpPr>
+          <p:nvPr>
+            <p:ph type="title"/>
+          </p:nvPr>
+        </p:nvSpPr>
         <p:spPr/>
         <p:txBody>
           <a:bodyPr/>
           <a:lstStyle/>
           <a:p>
+            <a:r>
+              <a:rPr lang="en-US" altLang="zh-TW"/>
+              <a:t>SNBT</a:t>
+            </a:r>
             <a:endParaRPr lang="zh-TW" altLang="en-US"/>
           </a:p>
         </p:txBody>
@@ -2095,7 +7398,884 @@
           <p:cNvPr id="3" name="內容版面配置區 2">
             <a:extLst>
               <a:ext uri="{FF2B5EF4-FFF2-40B4-BE49-F238E27FC236}">
-                <a16:creationId xmlns:a16="http://schemas.microsoft.com/office/drawing/2014/main" id="{A31D6302-F778-48B1-86F8-F1789B39CD54}"/>
+                <a16:creationId xmlns:a16="http://schemas.microsoft.com/office/drawing/2014/main" id="{588C580B-7005-4B95-9D84-CE4905A647CE}"/>
+              </a:ext>
+            </a:extLst>
+          </p:cNvPr>
+          <p:cNvSpPr>
+            <a:spLocks noGrp="1"/>
+          </p:cNvSpPr>
+          <p:nvPr>
+            <p:ph idx="1"/>
+          </p:nvPr>
+        </p:nvSpPr>
+        <p:spPr>
+          <a:xfrm>
+            <a:off x="838200" y="1825625"/>
+            <a:ext cx="10515600" cy="505199"/>
+          </a:xfrm>
+        </p:spPr>
+        <p:txBody>
+          <a:bodyPr/>
+          <a:lstStyle/>
+          <a:p>
+            <a:r>
+              <a:rPr lang="en-US" altLang="zh-TW">
+                <a:solidFill>
+                  <a:srgbClr val="00B0F0"/>
+                </a:solidFill>
+              </a:rPr>
+              <a:t>SNBT</a:t>
+            </a:r>
+            <a:r>
+              <a:rPr lang="en-US" altLang="zh-TW"/>
+              <a:t> </a:t>
+            </a:r>
+            <a:r>
+              <a:rPr lang="zh-TW" altLang="en-US"/>
+              <a:t>範例如下：</a:t>
+            </a:r>
+          </a:p>
+        </p:txBody>
+      </p:sp>
+      <p:grpSp>
+        <p:nvGrpSpPr>
+          <p:cNvPr id="16" name="群組 15">
+            <a:extLst>
+              <a:ext uri="{FF2B5EF4-FFF2-40B4-BE49-F238E27FC236}">
+                <a16:creationId xmlns:a16="http://schemas.microsoft.com/office/drawing/2014/main" id="{3B27C76B-07A4-4A78-AE81-9A14A0FDB028}"/>
+              </a:ext>
+            </a:extLst>
+          </p:cNvPr>
+          <p:cNvGrpSpPr/>
+          <p:nvPr/>
+        </p:nvGrpSpPr>
+        <p:grpSpPr>
+          <a:xfrm>
+            <a:off x="838199" y="2786125"/>
+            <a:ext cx="10515599" cy="2677656"/>
+            <a:chOff x="838199" y="2813020"/>
+            <a:chExt cx="10515599" cy="2677656"/>
+          </a:xfrm>
+        </p:grpSpPr>
+        <p:sp>
+          <p:nvSpPr>
+            <p:cNvPr id="13" name="文字方塊 12">
+              <a:extLst>
+                <a:ext uri="{FF2B5EF4-FFF2-40B4-BE49-F238E27FC236}">
+                  <a16:creationId xmlns:a16="http://schemas.microsoft.com/office/drawing/2014/main" id="{638DD7BF-2D62-4B2F-9689-9A14D383598A}"/>
+                </a:ext>
+              </a:extLst>
+            </p:cNvPr>
+            <p:cNvSpPr txBox="1"/>
+            <p:nvPr/>
+          </p:nvSpPr>
+          <p:spPr>
+            <a:xfrm>
+              <a:off x="838199" y="2813020"/>
+              <a:ext cx="10515599" cy="2677656"/>
+            </a:xfrm>
+            <a:prstGeom prst="rect">
+              <a:avLst/>
+            </a:prstGeom>
+            <a:solidFill>
+              <a:srgbClr val="1E1F22"/>
+            </a:solidFill>
+          </p:spPr>
+          <p:txBody>
+            <a:bodyPr wrap="square">
+              <a:spAutoFit/>
+            </a:bodyPr>
+            <a:lstStyle/>
+            <a:p>
+              <a:r>
+                <a:rPr lang="zh-TW" altLang="en-US" sz="2400">
+                  <a:solidFill>
+                    <a:srgbClr val="FFFF00"/>
+                  </a:solidFill>
+                </a:rPr>
+                <a:t>{</a:t>
+              </a:r>
+              <a:r>
+                <a:rPr lang="zh-TW" altLang="en-US" sz="2400">
+                  <a:solidFill>
+                    <a:srgbClr val="00B0F0"/>
+                  </a:solidFill>
+                </a:rPr>
+                <a:t>lit_total_time</a:t>
+              </a:r>
+              <a:r>
+                <a:rPr lang="zh-TW" altLang="en-US" sz="2400">
+                  <a:solidFill>
+                    <a:srgbClr val="FFFF00"/>
+                  </a:solidFill>
+                </a:rPr>
+                <a:t>: </a:t>
+              </a:r>
+              <a:r>
+                <a:rPr lang="zh-TW" altLang="en-US" sz="2400">
+                  <a:solidFill>
+                    <a:srgbClr val="FFC000"/>
+                  </a:solidFill>
+                </a:rPr>
+                <a:t>1600</a:t>
+              </a:r>
+              <a:r>
+                <a:rPr lang="zh-TW" altLang="en-US" sz="2400">
+                  <a:solidFill>
+                    <a:srgbClr val="FF5D5D"/>
+                  </a:solidFill>
+                </a:rPr>
+                <a:t>s</a:t>
+              </a:r>
+              <a:r>
+                <a:rPr lang="zh-TW" altLang="en-US" sz="2400">
+                  <a:solidFill>
+                    <a:srgbClr val="FFFF00"/>
+                  </a:solidFill>
+                </a:rPr>
+                <a:t>, </a:t>
+              </a:r>
+              <a:r>
+                <a:rPr lang="zh-TW" altLang="en-US" sz="2400">
+                  <a:solidFill>
+                    <a:srgbClr val="00B0F0"/>
+                  </a:solidFill>
+                </a:rPr>
+                <a:t>cooking_time_spent</a:t>
+              </a:r>
+              <a:r>
+                <a:rPr lang="zh-TW" altLang="en-US" sz="2400">
+                  <a:solidFill>
+                    <a:srgbClr val="FFFF00"/>
+                  </a:solidFill>
+                </a:rPr>
+                <a:t>: </a:t>
+              </a:r>
+              <a:r>
+                <a:rPr lang="zh-TW" altLang="en-US" sz="2400">
+                  <a:solidFill>
+                    <a:srgbClr val="FFC000"/>
+                  </a:solidFill>
+                </a:rPr>
+                <a:t>159</a:t>
+              </a:r>
+              <a:r>
+                <a:rPr lang="zh-TW" altLang="en-US" sz="2400">
+                  <a:solidFill>
+                    <a:srgbClr val="FF5D5D"/>
+                  </a:solidFill>
+                </a:rPr>
+                <a:t>s</a:t>
+              </a:r>
+              <a:r>
+                <a:rPr lang="zh-TW" altLang="en-US" sz="2400">
+                  <a:solidFill>
+                    <a:srgbClr val="FFFF00"/>
+                  </a:solidFill>
+                </a:rPr>
+                <a:t>, </a:t>
+              </a:r>
+              <a:r>
+                <a:rPr lang="zh-TW" altLang="en-US" sz="2400">
+                  <a:solidFill>
+                    <a:srgbClr val="00B0F0"/>
+                  </a:solidFill>
+                </a:rPr>
+                <a:t>x</a:t>
+              </a:r>
+              <a:r>
+                <a:rPr lang="zh-TW" altLang="en-US" sz="2400">
+                  <a:solidFill>
+                    <a:srgbClr val="FFFF00"/>
+                  </a:solidFill>
+                </a:rPr>
+                <a:t>: </a:t>
+              </a:r>
+              <a:r>
+                <a:rPr lang="zh-TW" altLang="en-US" sz="2400">
+                  <a:solidFill>
+                    <a:srgbClr val="FFC000"/>
+                  </a:solidFill>
+                </a:rPr>
+                <a:t>-1530</a:t>
+              </a:r>
+              <a:r>
+                <a:rPr lang="zh-TW" altLang="en-US" sz="2400">
+                  <a:solidFill>
+                    <a:srgbClr val="FFFF00"/>
+                  </a:solidFill>
+                </a:rPr>
+                <a:t>, </a:t>
+              </a:r>
+              <a:r>
+                <a:rPr lang="zh-TW" altLang="en-US" sz="2400">
+                  <a:solidFill>
+                    <a:srgbClr val="00B0F0"/>
+                  </a:solidFill>
+                </a:rPr>
+                <a:t>y</a:t>
+              </a:r>
+              <a:r>
+                <a:rPr lang="zh-TW" altLang="en-US" sz="2400">
+                  <a:solidFill>
+                    <a:srgbClr val="FFFF00"/>
+                  </a:solidFill>
+                </a:rPr>
+                <a:t>: </a:t>
+              </a:r>
+              <a:r>
+                <a:rPr lang="zh-TW" altLang="en-US" sz="2400">
+                  <a:solidFill>
+                    <a:srgbClr val="FFC000"/>
+                  </a:solidFill>
+                </a:rPr>
+                <a:t>79</a:t>
+              </a:r>
+              <a:r>
+                <a:rPr lang="zh-TW" altLang="en-US" sz="2400">
+                  <a:solidFill>
+                    <a:srgbClr val="FFFF00"/>
+                  </a:solidFill>
+                </a:rPr>
+                <a:t>, </a:t>
+              </a:r>
+              <a:r>
+                <a:rPr lang="zh-TW" altLang="en-US" sz="2400">
+                  <a:solidFill>
+                    <a:srgbClr val="00B0F0"/>
+                  </a:solidFill>
+                </a:rPr>
+                <a:t>z</a:t>
+              </a:r>
+              <a:r>
+                <a:rPr lang="zh-TW" altLang="en-US" sz="2400">
+                  <a:solidFill>
+                    <a:srgbClr val="FFFF00"/>
+                  </a:solidFill>
+                </a:rPr>
+                <a:t>: </a:t>
+              </a:r>
+              <a:r>
+                <a:rPr lang="zh-TW" altLang="en-US" sz="2400">
+                  <a:solidFill>
+                    <a:srgbClr val="FFC000"/>
+                  </a:solidFill>
+                </a:rPr>
+                <a:t>-2005</a:t>
+              </a:r>
+              <a:r>
+                <a:rPr lang="zh-TW" altLang="en-US" sz="2400">
+                  <a:solidFill>
+                    <a:srgbClr val="FFFF00"/>
+                  </a:solidFill>
+                </a:rPr>
+                <a:t>, </a:t>
+              </a:r>
+              <a:r>
+                <a:rPr lang="zh-TW" altLang="en-US" sz="2400">
+                  <a:solidFill>
+                    <a:srgbClr val="00B0F0"/>
+                  </a:solidFill>
+                </a:rPr>
+                <a:t>cooking_total_time</a:t>
+              </a:r>
+              <a:r>
+                <a:rPr lang="zh-TW" altLang="en-US" sz="2400">
+                  <a:solidFill>
+                    <a:srgbClr val="FFFF00"/>
+                  </a:solidFill>
+                </a:rPr>
+                <a:t>: </a:t>
+              </a:r>
+              <a:r>
+                <a:rPr lang="zh-TW" altLang="en-US" sz="2400">
+                  <a:solidFill>
+                    <a:srgbClr val="FFC000"/>
+                  </a:solidFill>
+                </a:rPr>
+                <a:t>200</a:t>
+              </a:r>
+              <a:r>
+                <a:rPr lang="zh-TW" altLang="en-US" sz="2400">
+                  <a:solidFill>
+                    <a:srgbClr val="FF5D5D"/>
+                  </a:solidFill>
+                </a:rPr>
+                <a:t>s</a:t>
+              </a:r>
+              <a:r>
+                <a:rPr lang="zh-TW" altLang="en-US" sz="2400">
+                  <a:solidFill>
+                    <a:srgbClr val="FFFF00"/>
+                  </a:solidFill>
+                </a:rPr>
+                <a:t>, </a:t>
+              </a:r>
+              <a:r>
+                <a:rPr lang="zh-TW" altLang="en-US" sz="2400">
+                  <a:solidFill>
+                    <a:srgbClr val="00B0F0"/>
+                  </a:solidFill>
+                </a:rPr>
+                <a:t>Items</a:t>
+              </a:r>
+              <a:r>
+                <a:rPr lang="zh-TW" altLang="en-US" sz="2400">
+                  <a:solidFill>
+                    <a:srgbClr val="FFFF00"/>
+                  </a:solidFill>
+                </a:rPr>
+                <a:t>: [{</a:t>
+              </a:r>
+              <a:r>
+                <a:rPr lang="zh-TW" altLang="en-US" sz="2400">
+                  <a:solidFill>
+                    <a:srgbClr val="00B0F0"/>
+                  </a:solidFill>
+                </a:rPr>
+                <a:t>count</a:t>
+              </a:r>
+              <a:r>
+                <a:rPr lang="zh-TW" altLang="en-US" sz="2400">
+                  <a:solidFill>
+                    <a:srgbClr val="FFFF00"/>
+                  </a:solidFill>
+                </a:rPr>
+                <a:t>: </a:t>
+              </a:r>
+              <a:r>
+                <a:rPr lang="zh-TW" altLang="en-US" sz="2400">
+                  <a:solidFill>
+                    <a:srgbClr val="FFC000"/>
+                  </a:solidFill>
+                </a:rPr>
+                <a:t>62</a:t>
+              </a:r>
+              <a:r>
+                <a:rPr lang="zh-TW" altLang="en-US" sz="2400">
+                  <a:solidFill>
+                    <a:srgbClr val="FFFF00"/>
+                  </a:solidFill>
+                </a:rPr>
+                <a:t>, </a:t>
+              </a:r>
+              <a:r>
+                <a:rPr lang="zh-TW" altLang="en-US" sz="2400">
+                  <a:solidFill>
+                    <a:srgbClr val="00B0F0"/>
+                  </a:solidFill>
+                </a:rPr>
+                <a:t>Slot</a:t>
+              </a:r>
+              <a:r>
+                <a:rPr lang="zh-TW" altLang="en-US" sz="2400">
+                  <a:solidFill>
+                    <a:srgbClr val="FFFF00"/>
+                  </a:solidFill>
+                </a:rPr>
+                <a:t>: </a:t>
+              </a:r>
+              <a:r>
+                <a:rPr lang="zh-TW" altLang="en-US" sz="2400">
+                  <a:solidFill>
+                    <a:srgbClr val="FFC000"/>
+                  </a:solidFill>
+                </a:rPr>
+                <a:t>0</a:t>
+              </a:r>
+              <a:r>
+                <a:rPr lang="zh-TW" altLang="en-US" sz="2400">
+                  <a:solidFill>
+                    <a:srgbClr val="FF5D5D"/>
+                  </a:solidFill>
+                </a:rPr>
+                <a:t>b</a:t>
+              </a:r>
+              <a:r>
+                <a:rPr lang="zh-TW" altLang="en-US" sz="2400">
+                  <a:solidFill>
+                    <a:srgbClr val="FFFF00"/>
+                  </a:solidFill>
+                </a:rPr>
+                <a:t>, </a:t>
+              </a:r>
+              <a:r>
+                <a:rPr lang="zh-TW" altLang="en-US" sz="2400">
+                  <a:solidFill>
+                    <a:srgbClr val="00B0F0"/>
+                  </a:solidFill>
+                </a:rPr>
+                <a:t>id</a:t>
+              </a:r>
+              <a:r>
+                <a:rPr lang="zh-TW" altLang="en-US" sz="2400">
+                  <a:solidFill>
+                    <a:srgbClr val="FFFF00"/>
+                  </a:solidFill>
+                </a:rPr>
+                <a:t>: "</a:t>
+              </a:r>
+              <a:r>
+                <a:rPr lang="zh-TW" altLang="en-US" sz="2400">
+                  <a:solidFill>
+                    <a:srgbClr val="FFC000"/>
+                  </a:solidFill>
+                </a:rPr>
+                <a:t>minecraft:raw_iron</a:t>
+              </a:r>
+              <a:r>
+                <a:rPr lang="zh-TW" altLang="en-US" sz="2400">
+                  <a:solidFill>
+                    <a:srgbClr val="FFFF00"/>
+                  </a:solidFill>
+                </a:rPr>
+                <a:t>"}, {</a:t>
+              </a:r>
+              <a:r>
+                <a:rPr lang="zh-TW" altLang="en-US" sz="2400">
+                  <a:solidFill>
+                    <a:srgbClr val="00B0F0"/>
+                  </a:solidFill>
+                </a:rPr>
+                <a:t>count</a:t>
+              </a:r>
+              <a:r>
+                <a:rPr lang="zh-TW" altLang="en-US" sz="2400">
+                  <a:solidFill>
+                    <a:srgbClr val="FFFF00"/>
+                  </a:solidFill>
+                </a:rPr>
+                <a:t>: </a:t>
+              </a:r>
+              <a:r>
+                <a:rPr lang="zh-TW" altLang="en-US" sz="2400">
+                  <a:solidFill>
+                    <a:srgbClr val="FFC000"/>
+                  </a:solidFill>
+                </a:rPr>
+                <a:t>63</a:t>
+              </a:r>
+              <a:r>
+                <a:rPr lang="zh-TW" altLang="en-US" sz="2400">
+                  <a:solidFill>
+                    <a:srgbClr val="FFFF00"/>
+                  </a:solidFill>
+                </a:rPr>
+                <a:t>, </a:t>
+              </a:r>
+              <a:r>
+                <a:rPr lang="zh-TW" altLang="en-US" sz="2400">
+                  <a:solidFill>
+                    <a:srgbClr val="00B0F0"/>
+                  </a:solidFill>
+                </a:rPr>
+                <a:t>Slot</a:t>
+              </a:r>
+              <a:r>
+                <a:rPr lang="zh-TW" altLang="en-US" sz="2400">
+                  <a:solidFill>
+                    <a:srgbClr val="FFFF00"/>
+                  </a:solidFill>
+                </a:rPr>
+                <a:t>: </a:t>
+              </a:r>
+              <a:r>
+                <a:rPr lang="zh-TW" altLang="en-US" sz="2400">
+                  <a:solidFill>
+                    <a:srgbClr val="FFC000"/>
+                  </a:solidFill>
+                </a:rPr>
+                <a:t>1</a:t>
+              </a:r>
+              <a:r>
+                <a:rPr lang="zh-TW" altLang="en-US" sz="2400">
+                  <a:solidFill>
+                    <a:srgbClr val="FF5D5D"/>
+                  </a:solidFill>
+                </a:rPr>
+                <a:t>b</a:t>
+              </a:r>
+              <a:r>
+                <a:rPr lang="zh-TW" altLang="en-US" sz="2400">
+                  <a:solidFill>
+                    <a:srgbClr val="FFFF00"/>
+                  </a:solidFill>
+                </a:rPr>
+                <a:t>, </a:t>
+              </a:r>
+              <a:r>
+                <a:rPr lang="zh-TW" altLang="en-US" sz="2400">
+                  <a:solidFill>
+                    <a:srgbClr val="00B0F0"/>
+                  </a:solidFill>
+                </a:rPr>
+                <a:t>id</a:t>
+              </a:r>
+              <a:r>
+                <a:rPr lang="zh-TW" altLang="en-US" sz="2400">
+                  <a:solidFill>
+                    <a:srgbClr val="FFFF00"/>
+                  </a:solidFill>
+                </a:rPr>
+                <a:t>: "</a:t>
+              </a:r>
+              <a:r>
+                <a:rPr lang="zh-TW" altLang="en-US" sz="2400">
+                  <a:solidFill>
+                    <a:srgbClr val="FFC000"/>
+                  </a:solidFill>
+                </a:rPr>
+                <a:t>minecraft:coal</a:t>
+              </a:r>
+              <a:r>
+                <a:rPr lang="zh-TW" altLang="en-US" sz="2400">
+                  <a:solidFill>
+                    <a:srgbClr val="FFFF00"/>
+                  </a:solidFill>
+                </a:rPr>
+                <a:t>"}, {</a:t>
+              </a:r>
+              <a:r>
+                <a:rPr lang="zh-TW" altLang="en-US" sz="2400">
+                  <a:solidFill>
+                    <a:srgbClr val="00B0F0"/>
+                  </a:solidFill>
+                </a:rPr>
+                <a:t>count</a:t>
+              </a:r>
+              <a:r>
+                <a:rPr lang="zh-TW" altLang="en-US" sz="2400">
+                  <a:solidFill>
+                    <a:srgbClr val="FFFF00"/>
+                  </a:solidFill>
+                </a:rPr>
+                <a:t>: </a:t>
+              </a:r>
+              <a:r>
+                <a:rPr lang="zh-TW" altLang="en-US" sz="2400">
+                  <a:solidFill>
+                    <a:srgbClr val="FFC000"/>
+                  </a:solidFill>
+                </a:rPr>
+                <a:t>2</a:t>
+              </a:r>
+              <a:r>
+                <a:rPr lang="zh-TW" altLang="en-US" sz="2400">
+                  <a:solidFill>
+                    <a:srgbClr val="FFFF00"/>
+                  </a:solidFill>
+                </a:rPr>
+                <a:t>, </a:t>
+              </a:r>
+              <a:r>
+                <a:rPr lang="zh-TW" altLang="en-US" sz="2400">
+                  <a:solidFill>
+                    <a:srgbClr val="00B0F0"/>
+                  </a:solidFill>
+                </a:rPr>
+                <a:t>Slot</a:t>
+              </a:r>
+              <a:r>
+                <a:rPr lang="zh-TW" altLang="en-US" sz="2400">
+                  <a:solidFill>
+                    <a:srgbClr val="FFFF00"/>
+                  </a:solidFill>
+                </a:rPr>
+                <a:t>: </a:t>
+              </a:r>
+              <a:r>
+                <a:rPr lang="zh-TW" altLang="en-US" sz="2400">
+                  <a:solidFill>
+                    <a:srgbClr val="FFC000"/>
+                  </a:solidFill>
+                </a:rPr>
+                <a:t>2</a:t>
+              </a:r>
+              <a:r>
+                <a:rPr lang="zh-TW" altLang="en-US" sz="2400">
+                  <a:solidFill>
+                    <a:srgbClr val="FF5D5D"/>
+                  </a:solidFill>
+                </a:rPr>
+                <a:t>b</a:t>
+              </a:r>
+              <a:r>
+                <a:rPr lang="zh-TW" altLang="en-US" sz="2400">
+                  <a:solidFill>
+                    <a:srgbClr val="FFFF00"/>
+                  </a:solidFill>
+                </a:rPr>
+                <a:t>, </a:t>
+              </a:r>
+              <a:r>
+                <a:rPr lang="zh-TW" altLang="en-US" sz="2400">
+                  <a:solidFill>
+                    <a:srgbClr val="00B0F0"/>
+                  </a:solidFill>
+                </a:rPr>
+                <a:t>id</a:t>
+              </a:r>
+              <a:r>
+                <a:rPr lang="zh-TW" altLang="en-US" sz="2400">
+                  <a:solidFill>
+                    <a:srgbClr val="FFFF00"/>
+                  </a:solidFill>
+                </a:rPr>
+                <a:t>: "</a:t>
+              </a:r>
+              <a:r>
+                <a:rPr lang="zh-TW" altLang="en-US" sz="2400">
+                  <a:solidFill>
+                    <a:srgbClr val="FFC000"/>
+                  </a:solidFill>
+                </a:rPr>
+                <a:t>minecraft:iron_ingot</a:t>
+              </a:r>
+              <a:r>
+                <a:rPr lang="zh-TW" altLang="en-US" sz="2400">
+                  <a:solidFill>
+                    <a:srgbClr val="FFFF00"/>
+                  </a:solidFill>
+                </a:rPr>
+                <a:t>"}], </a:t>
+              </a:r>
+              <a:r>
+                <a:rPr lang="zh-TW" altLang="en-US" sz="2400">
+                  <a:solidFill>
+                    <a:srgbClr val="00B0F0"/>
+                  </a:solidFill>
+                </a:rPr>
+                <a:t>id</a:t>
+              </a:r>
+              <a:r>
+                <a:rPr lang="zh-TW" altLang="en-US" sz="2400">
+                  <a:solidFill>
+                    <a:srgbClr val="FFFF00"/>
+                  </a:solidFill>
+                </a:rPr>
+                <a:t>: "</a:t>
+              </a:r>
+              <a:r>
+                <a:rPr lang="zh-TW" altLang="en-US" sz="2400">
+                  <a:solidFill>
+                    <a:srgbClr val="FFC000"/>
+                  </a:solidFill>
+                </a:rPr>
+                <a:t>minecraft:furnace</a:t>
+              </a:r>
+              <a:r>
+                <a:rPr lang="zh-TW" altLang="en-US" sz="2400">
+                  <a:solidFill>
+                    <a:srgbClr val="FFFF00"/>
+                  </a:solidFill>
+                </a:rPr>
+                <a:t>", </a:t>
+              </a:r>
+              <a:r>
+                <a:rPr lang="zh-TW" altLang="en-US" sz="2400">
+                  <a:solidFill>
+                    <a:srgbClr val="00B0F0"/>
+                  </a:solidFill>
+                </a:rPr>
+                <a:t>lit_time_remaining</a:t>
+              </a:r>
+              <a:r>
+                <a:rPr lang="zh-TW" altLang="en-US" sz="2400">
+                  <a:solidFill>
+                    <a:srgbClr val="FFFF00"/>
+                  </a:solidFill>
+                </a:rPr>
+                <a:t>: </a:t>
+              </a:r>
+              <a:r>
+                <a:rPr lang="zh-TW" altLang="en-US" sz="2400">
+                  <a:solidFill>
+                    <a:srgbClr val="FFC000"/>
+                  </a:solidFill>
+                </a:rPr>
+                <a:t>1042</a:t>
+              </a:r>
+              <a:r>
+                <a:rPr lang="zh-TW" altLang="en-US" sz="2400">
+                  <a:solidFill>
+                    <a:srgbClr val="FF5D5D"/>
+                  </a:solidFill>
+                </a:rPr>
+                <a:t>s</a:t>
+              </a:r>
+              <a:r>
+                <a:rPr lang="zh-TW" altLang="en-US" sz="2400">
+                  <a:solidFill>
+                    <a:srgbClr val="FFFF00"/>
+                  </a:solidFill>
+                </a:rPr>
+                <a:t>, </a:t>
+              </a:r>
+              <a:r>
+                <a:rPr lang="zh-TW" altLang="en-US" sz="2400">
+                  <a:solidFill>
+                    <a:srgbClr val="00B0F0"/>
+                  </a:solidFill>
+                </a:rPr>
+                <a:t>RecipesUsed</a:t>
+              </a:r>
+              <a:r>
+                <a:rPr lang="zh-TW" altLang="en-US" sz="2400">
+                  <a:solidFill>
+                    <a:srgbClr val="FFFF00"/>
+                  </a:solidFill>
+                </a:rPr>
+                <a:t>: {"</a:t>
+              </a:r>
+              <a:r>
+                <a:rPr lang="zh-TW" altLang="en-US" sz="2400">
+                  <a:solidFill>
+                    <a:srgbClr val="FFC000"/>
+                  </a:solidFill>
+                </a:rPr>
+                <a:t>minecraft:iron_ingot_from_smelting_raw_iron</a:t>
+              </a:r>
+              <a:r>
+                <a:rPr lang="zh-TW" altLang="en-US" sz="2400">
+                  <a:solidFill>
+                    <a:srgbClr val="FFFF00"/>
+                  </a:solidFill>
+                </a:rPr>
+                <a:t>": </a:t>
+              </a:r>
+              <a:r>
+                <a:rPr lang="zh-TW" altLang="en-US" sz="2400">
+                  <a:solidFill>
+                    <a:srgbClr val="FFC000"/>
+                  </a:solidFill>
+                </a:rPr>
+                <a:t>2</a:t>
+              </a:r>
+              <a:r>
+                <a:rPr lang="zh-TW" altLang="en-US" sz="2400">
+                  <a:solidFill>
+                    <a:srgbClr val="FFFF00"/>
+                  </a:solidFill>
+                </a:rPr>
+                <a:t>}}</a:t>
+              </a:r>
+            </a:p>
+          </p:txBody>
+        </p:sp>
+        <p:sp>
+          <p:nvSpPr>
+            <p:cNvPr id="15" name="文字方塊 14">
+              <a:extLst>
+                <a:ext uri="{FF2B5EF4-FFF2-40B4-BE49-F238E27FC236}">
+                  <a16:creationId xmlns:a16="http://schemas.microsoft.com/office/drawing/2014/main" id="{C7D6610A-4731-4289-8804-8A8B04963DE8}"/>
+                </a:ext>
+              </a:extLst>
+            </p:cNvPr>
+            <p:cNvSpPr txBox="1"/>
+            <p:nvPr/>
+          </p:nvSpPr>
+          <p:spPr>
+            <a:xfrm>
+              <a:off x="10662583" y="5121344"/>
+              <a:ext cx="691215" cy="369332"/>
+            </a:xfrm>
+            <a:prstGeom prst="rect">
+              <a:avLst/>
+            </a:prstGeom>
+            <a:noFill/>
+          </p:spPr>
+          <p:txBody>
+            <a:bodyPr wrap="none" rtlCol="0">
+              <a:spAutoFit/>
+            </a:bodyPr>
+            <a:lstStyle/>
+            <a:p>
+              <a:pPr algn="r"/>
+              <a:r>
+                <a:rPr lang="en-US" altLang="zh-TW">
+                  <a:solidFill>
+                    <a:schemeClr val="accent2"/>
+                  </a:solidFill>
+                </a:rPr>
+                <a:t>snbt</a:t>
+              </a:r>
+              <a:endParaRPr lang="zh-TW" altLang="en-US">
+                <a:solidFill>
+                  <a:schemeClr val="accent2"/>
+                </a:solidFill>
+              </a:endParaRPr>
+            </a:p>
+          </p:txBody>
+        </p:sp>
+      </p:grpSp>
+    </p:spTree>
+    <p:extLst>
+      <p:ext uri="{BB962C8B-B14F-4D97-AF65-F5344CB8AC3E}">
+        <p14:creationId xmlns:p14="http://schemas.microsoft.com/office/powerpoint/2010/main" val="2860717255"/>
+      </p:ext>
+    </p:extLst>
+  </p:cSld>
+  <p:clrMapOvr>
+    <a:masterClrMapping/>
+  </p:clrMapOvr>
+  <p:transition spd="slow">
+    <p:push dir="u"/>
+  </p:transition>
+</p:sld>
+</file>
+
+<file path=ppt/slides/slide6.xml><?xml version="1.0" encoding="utf-8"?>
+<p:sld xmlns:a="http://schemas.openxmlformats.org/drawingml/2006/main" xmlns:r="http://schemas.openxmlformats.org/officeDocument/2006/relationships" xmlns:p="http://schemas.openxmlformats.org/presentationml/2006/main">
+  <p:cSld>
+    <p:spTree>
+      <p:nvGrpSpPr>
+        <p:cNvPr id="1" name=""/>
+        <p:cNvGrpSpPr/>
+        <p:nvPr/>
+      </p:nvGrpSpPr>
+      <p:grpSpPr>
+        <a:xfrm>
+          <a:off x="0" y="0"/>
+          <a:ext cx="0" cy="0"/>
+          <a:chOff x="0" y="0"/>
+          <a:chExt cx="0" cy="0"/>
+        </a:xfrm>
+      </p:grpSpPr>
+      <p:sp>
+        <p:nvSpPr>
+          <p:cNvPr id="2" name="標題 1">
+            <a:extLst>
+              <a:ext uri="{FF2B5EF4-FFF2-40B4-BE49-F238E27FC236}">
+                <a16:creationId xmlns:a16="http://schemas.microsoft.com/office/drawing/2014/main" id="{2FF908D6-8D5D-4023-B38D-DBD5295F29B8}"/>
+              </a:ext>
+            </a:extLst>
+          </p:cNvPr>
+          <p:cNvSpPr>
+            <a:spLocks noGrp="1"/>
+          </p:cNvSpPr>
+          <p:nvPr>
+            <p:ph type="title"/>
+          </p:nvPr>
+        </p:nvSpPr>
+        <p:spPr/>
+        <p:txBody>
+          <a:bodyPr/>
+          <a:lstStyle/>
+          <a:p>
+            <a:r>
+              <a:rPr lang="zh-TW" altLang="en-US"/>
+              <a:t>物品堆疊元件</a:t>
+            </a:r>
+          </a:p>
+        </p:txBody>
+      </p:sp>
+      <p:sp>
+        <p:nvSpPr>
+          <p:cNvPr id="3" name="內容版面配置區 2">
+            <a:extLst>
+              <a:ext uri="{FF2B5EF4-FFF2-40B4-BE49-F238E27FC236}">
+                <a16:creationId xmlns:a16="http://schemas.microsoft.com/office/drawing/2014/main" id="{6C17B5BD-7FA5-4D7F-B31E-F9662C0CDE58}"/>
               </a:ext>
             </a:extLst>
           </p:cNvPr>
@@ -2111,6 +8291,59 @@
           <a:bodyPr/>
           <a:lstStyle/>
           <a:p>
+            <a:r>
+              <a:rPr lang="zh-TW" altLang="en-US">
+                <a:solidFill>
+                  <a:srgbClr val="00B0F0"/>
+                </a:solidFill>
+              </a:rPr>
+              <a:t>物品堆疊元件</a:t>
+            </a:r>
+            <a:r>
+              <a:rPr lang="en-US" altLang="zh-TW">
+                <a:solidFill>
+                  <a:srgbClr val="00B0F0"/>
+                </a:solidFill>
+              </a:rPr>
+              <a:t>(item stack component</a:t>
+            </a:r>
+            <a:r>
+              <a:rPr lang="zh-TW" altLang="en-US">
+                <a:solidFill>
+                  <a:srgbClr val="00B0F0"/>
+                </a:solidFill>
+              </a:rPr>
+              <a:t>、</a:t>
+            </a:r>
+            <a:r>
+              <a:rPr lang="en-US" altLang="zh-TW">
+                <a:solidFill>
+                  <a:srgbClr val="00B0F0"/>
+                </a:solidFill>
+              </a:rPr>
+              <a:t>data component)</a:t>
+            </a:r>
+          </a:p>
+          <a:p>
+            <a:r>
+              <a:rPr lang="zh-TW" altLang="en-US"/>
+              <a:t>是用於儲存</a:t>
+            </a:r>
+            <a:r>
+              <a:rPr lang="zh-TW" altLang="en-US">
+                <a:solidFill>
+                  <a:srgbClr val="00B0F0"/>
+                </a:solidFill>
+              </a:rPr>
+              <a:t>物品堆疊</a:t>
+            </a:r>
+            <a:r>
+              <a:rPr lang="zh-TW" altLang="en-US"/>
+              <a:t>的資料</a:t>
+            </a:r>
+            <a:endParaRPr lang="en-US" altLang="zh-TW"/>
+          </a:p>
+          <a:p>
             <a:endParaRPr lang="zh-TW" altLang="en-US"/>
           </a:p>
         </p:txBody>
@@ -2118,7 +8351,249 @@
     </p:spTree>
     <p:extLst>
       <p:ext uri="{BB962C8B-B14F-4D97-AF65-F5344CB8AC3E}">
-        <p14:creationId xmlns:p14="http://schemas.microsoft.com/office/powerpoint/2010/main" val="1466620913"/>
+        <p14:creationId xmlns:p14="http://schemas.microsoft.com/office/powerpoint/2010/main" val="4140937679"/>
+      </p:ext>
+    </p:extLst>
+  </p:cSld>
+  <p:clrMapOvr>
+    <a:masterClrMapping/>
+  </p:clrMapOvr>
+  <p:transition spd="slow">
+    <p:push dir="u"/>
+  </p:transition>
+</p:sld>
+</file>
+
+<file path=ppt/slides/slide7.xml><?xml version="1.0" encoding="utf-8"?>
+<p:sld xmlns:a="http://schemas.openxmlformats.org/drawingml/2006/main" xmlns:r="http://schemas.openxmlformats.org/officeDocument/2006/relationships" xmlns:p="http://schemas.openxmlformats.org/presentationml/2006/main">
+  <p:cSld>
+    <p:spTree>
+      <p:nvGrpSpPr>
+        <p:cNvPr id="1" name=""/>
+        <p:cNvGrpSpPr/>
+        <p:nvPr/>
+      </p:nvGrpSpPr>
+      <p:grpSpPr>
+        <a:xfrm>
+          <a:off x="0" y="0"/>
+          <a:ext cx="0" cy="0"/>
+          <a:chOff x="0" y="0"/>
+          <a:chExt cx="0" cy="0"/>
+        </a:xfrm>
+      </p:grpSpPr>
+      <p:sp>
+        <p:nvSpPr>
+          <p:cNvPr id="2" name="標題 1">
+            <a:extLst>
+              <a:ext uri="{FF2B5EF4-FFF2-40B4-BE49-F238E27FC236}">
+                <a16:creationId xmlns:a16="http://schemas.microsoft.com/office/drawing/2014/main" id="{CDFBE34E-6AB9-4F62-B404-FBDD8C616B0B}"/>
+              </a:ext>
+            </a:extLst>
+          </p:cNvPr>
+          <p:cNvSpPr>
+            <a:spLocks noGrp="1"/>
+          </p:cNvSpPr>
+          <p:nvPr>
+            <p:ph type="title"/>
+          </p:nvPr>
+        </p:nvSpPr>
+        <p:spPr/>
+        <p:txBody>
+          <a:bodyPr/>
+          <a:lstStyle/>
+          <a:p>
+            <a:r>
+              <a:rPr lang="zh-TW" altLang="en-US"/>
+              <a:t>方塊實體</a:t>
+            </a:r>
+          </a:p>
+        </p:txBody>
+      </p:sp>
+      <p:sp>
+        <p:nvSpPr>
+          <p:cNvPr id="3" name="內容版面配置區 2">
+            <a:extLst>
+              <a:ext uri="{FF2B5EF4-FFF2-40B4-BE49-F238E27FC236}">
+                <a16:creationId xmlns:a16="http://schemas.microsoft.com/office/drawing/2014/main" id="{CDD2CEB2-73A5-4690-AED7-53AEFC9B1D18}"/>
+              </a:ext>
+            </a:extLst>
+          </p:cNvPr>
+          <p:cNvSpPr>
+            <a:spLocks noGrp="1"/>
+          </p:cNvSpPr>
+          <p:nvPr>
+            <p:ph idx="1"/>
+          </p:nvPr>
+        </p:nvSpPr>
+        <p:spPr/>
+        <p:txBody>
+          <a:bodyPr/>
+          <a:lstStyle/>
+          <a:p>
+            <a:r>
+              <a:rPr lang="zh-TW" altLang="en-US">
+                <a:solidFill>
+                  <a:srgbClr val="00B0F0"/>
+                </a:solidFill>
+              </a:rPr>
+              <a:t>方塊實體</a:t>
+            </a:r>
+            <a:r>
+              <a:rPr lang="en-US" altLang="zh-TW">
+                <a:solidFill>
+                  <a:srgbClr val="00B0F0"/>
+                </a:solidFill>
+              </a:rPr>
+              <a:t>(block entity</a:t>
+            </a:r>
+            <a:r>
+              <a:rPr lang="zh-TW" altLang="en-US">
+                <a:solidFill>
+                  <a:srgbClr val="00B0F0"/>
+                </a:solidFill>
+              </a:rPr>
+              <a:t>、</a:t>
+            </a:r>
+            <a:r>
+              <a:rPr lang="en-US" altLang="zh-TW">
+                <a:solidFill>
+                  <a:srgbClr val="00B0F0"/>
+                </a:solidFill>
+              </a:rPr>
+              <a:t>tile entity)</a:t>
+            </a:r>
+          </a:p>
+          <a:p>
+            <a:r>
+              <a:rPr lang="zh-TW" altLang="en-US"/>
+              <a:t>是用於儲存</a:t>
+            </a:r>
+            <a:r>
+              <a:rPr lang="zh-TW" altLang="en-US">
+                <a:solidFill>
+                  <a:srgbClr val="00B0F0"/>
+                </a:solidFill>
+              </a:rPr>
+              <a:t>方塊狀態</a:t>
+            </a:r>
+            <a:r>
+              <a:rPr lang="zh-TW" altLang="en-US"/>
+              <a:t>之外的任意資料</a:t>
+            </a:r>
+            <a:endParaRPr lang="en-US" altLang="zh-TW"/>
+          </a:p>
+          <a:p>
+            <a:r>
+              <a:rPr lang="zh-TW" altLang="en-US"/>
+              <a:t>並且</a:t>
+            </a:r>
+            <a:r>
+              <a:rPr lang="zh-TW" altLang="en-US">
+                <a:solidFill>
+                  <a:srgbClr val="00B0F0"/>
+                </a:solidFill>
+              </a:rPr>
+              <a:t>每刻</a:t>
+            </a:r>
+            <a:r>
+              <a:rPr lang="en-US" altLang="zh-TW">
+                <a:solidFill>
+                  <a:srgbClr val="00B0F0"/>
+                </a:solidFill>
+              </a:rPr>
+              <a:t>(tick</a:t>
+            </a:r>
+            <a:r>
+              <a:rPr lang="zh-TW" altLang="en-US">
+                <a:solidFill>
+                  <a:srgbClr val="00B0F0"/>
+                </a:solidFill>
+              </a:rPr>
+              <a:t>，</a:t>
+            </a:r>
+            <a:r>
+              <a:rPr lang="en-US" altLang="zh-TW">
+                <a:solidFill>
+                  <a:srgbClr val="FFFF00"/>
+                </a:solidFill>
+              </a:rPr>
+              <a:t>20</a:t>
+            </a:r>
+            <a:r>
+              <a:rPr lang="zh-TW" altLang="en-US">
+                <a:solidFill>
+                  <a:srgbClr val="FFFF00"/>
+                </a:solidFill>
+              </a:rPr>
+              <a:t> 刻 </a:t>
+            </a:r>
+            <a:r>
+              <a:rPr lang="en-US" altLang="zh-TW">
+                <a:solidFill>
+                  <a:srgbClr val="FFFF00"/>
+                </a:solidFill>
+              </a:rPr>
+              <a:t>= 1 </a:t>
+            </a:r>
+            <a:r>
+              <a:rPr lang="zh-TW" altLang="en-US">
+                <a:solidFill>
+                  <a:srgbClr val="FFFF00"/>
+                </a:solidFill>
+              </a:rPr>
+              <a:t>秒</a:t>
+            </a:r>
+            <a:r>
+              <a:rPr lang="en-US" altLang="zh-TW">
+                <a:solidFill>
+                  <a:srgbClr val="00B0F0"/>
+                </a:solidFill>
+              </a:rPr>
+              <a:t>)</a:t>
+            </a:r>
+            <a:r>
+              <a:rPr lang="zh-TW" altLang="en-US"/>
+              <a:t>皆會更新</a:t>
+            </a:r>
+            <a:endParaRPr lang="en-US" altLang="zh-TW"/>
+          </a:p>
+          <a:p>
+            <a:r>
+              <a:rPr lang="zh-TW" altLang="en-US"/>
+              <a:t>因此常用於一些能存放東西的容器，如</a:t>
+            </a:r>
+            <a:r>
+              <a:rPr lang="zh-TW" altLang="en-US">
+                <a:solidFill>
+                  <a:srgbClr val="92D050"/>
+                </a:solidFill>
+              </a:rPr>
+              <a:t>儲物箱</a:t>
+            </a:r>
+            <a:r>
+              <a:rPr lang="zh-TW" altLang="en-US"/>
+              <a:t>、</a:t>
+            </a:r>
+            <a:r>
+              <a:rPr lang="zh-TW" altLang="en-US">
+                <a:solidFill>
+                  <a:srgbClr val="92D050"/>
+                </a:solidFill>
+              </a:rPr>
+              <a:t>熔爐</a:t>
+            </a:r>
+            <a:r>
+              <a:rPr lang="zh-TW" altLang="en-US"/>
+              <a:t>等</a:t>
+            </a:r>
+            <a:endParaRPr lang="en-US" altLang="zh-TW"/>
+          </a:p>
+        </p:txBody>
+      </p:sp>
+    </p:spTree>
+    <p:extLst>
+      <p:ext uri="{BB962C8B-B14F-4D97-AF65-F5344CB8AC3E}">
+        <p14:creationId xmlns:p14="http://schemas.microsoft.com/office/powerpoint/2010/main" val="1934697200"/>
       </p:ext>
     </p:extLst>
   </p:cSld>

--- a/ppt/54_Java 專案：NBT.pptx
+++ b/ppt/54_Java 專案：NBT.pptx
@@ -11,7 +11,10 @@
     <p:sldId id="259" r:id="rId5"/>
     <p:sldId id="261" r:id="rId6"/>
     <p:sldId id="262" r:id="rId7"/>
-    <p:sldId id="260" r:id="rId8"/>
+    <p:sldId id="263" r:id="rId8"/>
+    <p:sldId id="264" r:id="rId9"/>
+    <p:sldId id="260" r:id="rId10"/>
+    <p:sldId id="265" r:id="rId11"/>
   </p:sldIdLst>
   <p:sldSz cx="12192000" cy="6858000"/>
   <p:notesSz cx="6858000" cy="9144000"/>
@@ -1897,6 +1900,92 @@
 </p:sld>
 </file>
 
+<file path=ppt/slides/slide10.xml><?xml version="1.0" encoding="utf-8"?>
+<p:sld xmlns:a="http://schemas.openxmlformats.org/drawingml/2006/main" xmlns:r="http://schemas.openxmlformats.org/officeDocument/2006/relationships" xmlns:p="http://schemas.openxmlformats.org/presentationml/2006/main">
+  <p:cSld>
+    <p:spTree>
+      <p:nvGrpSpPr>
+        <p:cNvPr id="1" name=""/>
+        <p:cNvGrpSpPr/>
+        <p:nvPr/>
+      </p:nvGrpSpPr>
+      <p:grpSpPr>
+        <a:xfrm>
+          <a:off x="0" y="0"/>
+          <a:ext cx="0" cy="0"/>
+          <a:chOff x="0" y="0"/>
+          <a:chExt cx="0" cy="0"/>
+        </a:xfrm>
+      </p:grpSpPr>
+      <p:sp>
+        <p:nvSpPr>
+          <p:cNvPr id="2" name="標題 1">
+            <a:extLst>
+              <a:ext uri="{FF2B5EF4-FFF2-40B4-BE49-F238E27FC236}">
+                <a16:creationId xmlns:a16="http://schemas.microsoft.com/office/drawing/2014/main" id="{EA6D5692-94C8-4AF8-A9D4-7AEEF6E8C043}"/>
+              </a:ext>
+            </a:extLst>
+          </p:cNvPr>
+          <p:cNvSpPr>
+            <a:spLocks noGrp="1"/>
+          </p:cNvSpPr>
+          <p:nvPr>
+            <p:ph type="title"/>
+          </p:nvPr>
+        </p:nvSpPr>
+        <p:spPr/>
+        <p:txBody>
+          <a:bodyPr/>
+          <a:lstStyle/>
+          <a:p>
+            <a:r>
+              <a:rPr lang="zh-TW" altLang="en-US"/>
+              <a:t>方塊實體</a:t>
+            </a:r>
+          </a:p>
+        </p:txBody>
+      </p:sp>
+      <p:sp>
+        <p:nvSpPr>
+          <p:cNvPr id="3" name="內容版面配置區 2">
+            <a:extLst>
+              <a:ext uri="{FF2B5EF4-FFF2-40B4-BE49-F238E27FC236}">
+                <a16:creationId xmlns:a16="http://schemas.microsoft.com/office/drawing/2014/main" id="{D236EE14-1ADD-4DC0-8A1D-7DD21C8DB477}"/>
+              </a:ext>
+            </a:extLst>
+          </p:cNvPr>
+          <p:cNvSpPr>
+            <a:spLocks noGrp="1"/>
+          </p:cNvSpPr>
+          <p:nvPr>
+            <p:ph idx="1"/>
+          </p:nvPr>
+        </p:nvSpPr>
+        <p:spPr/>
+        <p:txBody>
+          <a:bodyPr/>
+          <a:lstStyle/>
+          <a:p>
+            <a:endParaRPr lang="zh-TW" altLang="en-US"/>
+          </a:p>
+        </p:txBody>
+      </p:sp>
+    </p:spTree>
+    <p:extLst>
+      <p:ext uri="{BB962C8B-B14F-4D97-AF65-F5344CB8AC3E}">
+        <p14:creationId xmlns:p14="http://schemas.microsoft.com/office/powerpoint/2010/main" val="1710234084"/>
+      </p:ext>
+    </p:extLst>
+  </p:cSld>
+  <p:clrMapOvr>
+    <a:masterClrMapping/>
+  </p:clrMapOvr>
+  <p:transition spd="slow">
+    <p:push dir="u"/>
+  </p:transition>
+</p:sld>
+</file>
+
 <file path=ppt/slides/slide2.xml><?xml version="1.0" encoding="utf-8"?>
 <p:sld xmlns:a="http://schemas.openxmlformats.org/drawingml/2006/main" xmlns:r="http://schemas.openxmlformats.org/officeDocument/2006/relationships" xmlns:p="http://schemas.openxmlformats.org/presentationml/2006/main">
   <p:cSld>
@@ -2044,7 +2133,7 @@
                   <a:srgbClr val="00B0F0"/>
                 </a:solidFill>
               </a:rPr>
-              <a:t>SNBT</a:t>
+              <a:t>NBT</a:t>
             </a:r>
             <a:r>
               <a:rPr lang="en-US" altLang="zh-TW"/>
@@ -2100,6 +2189,37 @@
             <a:r>
               <a:rPr lang="zh-TW" altLang="en-US"/>
               <a:t>對應</a:t>
+            </a:r>
+            <a:endParaRPr lang="en-US" altLang="zh-TW"/>
+          </a:p>
+          <a:p>
+            <a:r>
+              <a:rPr lang="en-US" altLang="zh-TW">
+                <a:solidFill>
+                  <a:srgbClr val="00B0F0"/>
+                </a:solidFill>
+              </a:rPr>
+              <a:t>SNBT</a:t>
+            </a:r>
+            <a:r>
+              <a:rPr lang="en-US" altLang="zh-TW"/>
+              <a:t> </a:t>
+            </a:r>
+            <a:r>
+              <a:rPr lang="zh-TW" altLang="en-US"/>
+              <a:t>的寫法也與 </a:t>
+            </a:r>
+            <a:r>
+              <a:rPr lang="en-US" altLang="zh-TW">
+                <a:solidFill>
+                  <a:srgbClr val="00B0F0"/>
+                </a:solidFill>
+              </a:rPr>
+              <a:t>JSON</a:t>
+            </a:r>
+            <a:r>
+              <a:rPr lang="zh-TW" altLang="en-US"/>
+              <a:t> 非常相似</a:t>
             </a:r>
             <a:endParaRPr lang="en-US" altLang="zh-TW"/>
           </a:p>
@@ -2188,7 +2308,7 @@
             <p:ph idx="1"/>
             <p:extLst>
               <p:ext uri="{D42A27DB-BD31-4B8C-83A1-F6EECF244321}">
-                <p14:modId xmlns:p14="http://schemas.microsoft.com/office/powerpoint/2010/main" val="3953331489"/>
+                <p14:modId xmlns:p14="http://schemas.microsoft.com/office/powerpoint/2010/main" val="3964478589"/>
               </p:ext>
             </p:extLst>
           </p:nvPr>
@@ -2239,7 +2359,7 @@
                             <a:schemeClr val="tx1"/>
                           </a:solidFill>
                         </a:rPr>
-                        <a:t>SNBT</a:t>
+                        <a:t>NBT</a:t>
                       </a:r>
                       <a:r>
                         <a:rPr lang="zh-TW" altLang="en-US" sz="2800" b="0">
@@ -4758,7 +4878,7 @@
             <p:ph idx="1"/>
             <p:extLst>
               <p:ext uri="{D42A27DB-BD31-4B8C-83A1-F6EECF244321}">
-                <p14:modId xmlns:p14="http://schemas.microsoft.com/office/powerpoint/2010/main" val="1819913602"/>
+                <p14:modId xmlns:p14="http://schemas.microsoft.com/office/powerpoint/2010/main" val="1992653899"/>
               </p:ext>
             </p:extLst>
           </p:nvPr>
@@ -4809,7 +4929,7 @@
                             <a:schemeClr val="tx1"/>
                           </a:solidFill>
                         </a:rPr>
-                        <a:t>SNBT</a:t>
+                        <a:t>NBT</a:t>
                       </a:r>
                       <a:r>
                         <a:rPr lang="zh-TW" altLang="en-US" sz="2800" b="0">
@@ -7077,7 +7197,7 @@
                             <a:srgbClr val="FFFF00"/>
                           </a:solidFill>
                         </a:rPr>
-                        <a:t>}</a:t>
+                        <a:t>,...}</a:t>
                       </a:r>
                       <a:r>
                         <a:rPr lang="en-US" altLang="zh-TW" b="0">
@@ -8286,9 +8406,16 @@
             <p:ph idx="1"/>
           </p:nvPr>
         </p:nvSpPr>
-        <p:spPr/>
+        <p:spPr>
+          <a:xfrm>
+            <a:off x="838200" y="1610752"/>
+            <a:ext cx="10515600" cy="4637648"/>
+          </a:xfrm>
+        </p:spPr>
         <p:txBody>
-          <a:bodyPr/>
+          <a:bodyPr>
+            <a:normAutofit/>
+          </a:bodyPr>
           <a:lstStyle/>
           <a:p>
             <a:r>
@@ -8339,12 +8466,456 @@
             </a:r>
             <a:r>
               <a:rPr lang="zh-TW" altLang="en-US"/>
-              <a:t>的資料</a:t>
+              <a:t>固定</a:t>
+            </a:r>
+            <a:r>
+              <a:rPr lang="en-US" altLang="zh-TW"/>
+              <a:t>(</a:t>
+            </a:r>
+            <a:r>
+              <a:rPr lang="zh-TW" altLang="en-US"/>
+              <a:t>已知</a:t>
+            </a:r>
+            <a:r>
+              <a:rPr lang="en-US" altLang="zh-TW"/>
+              <a:t>)</a:t>
+            </a:r>
+            <a:r>
+              <a:rPr lang="zh-TW" altLang="en-US"/>
+              <a:t>會有的額外資料</a:t>
             </a:r>
             <a:endParaRPr lang="en-US" altLang="zh-TW"/>
           </a:p>
           <a:p>
-            <a:endParaRPr lang="zh-TW" altLang="en-US"/>
+            <a:r>
+              <a:rPr lang="zh-TW" altLang="en-US"/>
+              <a:t>如</a:t>
+            </a:r>
+            <a:r>
+              <a:rPr lang="zh-TW" altLang="en-US">
+                <a:solidFill>
+                  <a:srgbClr val="92D050"/>
+                </a:solidFill>
+              </a:rPr>
+              <a:t>界伏盒</a:t>
+            </a:r>
+            <a:r>
+              <a:rPr lang="zh-TW" altLang="en-US"/>
+              <a:t>內的</a:t>
+            </a:r>
+            <a:r>
+              <a:rPr lang="zh-TW" altLang="en-US">
+                <a:solidFill>
+                  <a:srgbClr val="00B0F0"/>
+                </a:solidFill>
+              </a:rPr>
+              <a:t>物品</a:t>
+            </a:r>
+            <a:r>
+              <a:rPr lang="zh-TW" altLang="en-US"/>
+              <a:t>、</a:t>
+            </a:r>
+            <a:r>
+              <a:rPr lang="zh-TW" altLang="en-US">
+                <a:solidFill>
+                  <a:srgbClr val="00B0F0"/>
+                </a:solidFill>
+              </a:rPr>
+              <a:t>耐久度</a:t>
+            </a:r>
+            <a:r>
+              <a:rPr lang="zh-TW" altLang="en-US"/>
+              <a:t>、</a:t>
+            </a:r>
+            <a:r>
+              <a:rPr lang="zh-TW" altLang="en-US">
+                <a:solidFill>
+                  <a:srgbClr val="00B0F0"/>
+                </a:solidFill>
+              </a:rPr>
+              <a:t>最大耐久度</a:t>
+            </a:r>
+            <a:r>
+              <a:rPr lang="zh-TW" altLang="en-US"/>
+              <a:t>、其餘自訂資料等</a:t>
+            </a:r>
+            <a:endParaRPr lang="en-US" altLang="zh-TW"/>
+          </a:p>
+          <a:p>
+            <a:r>
+              <a:rPr lang="zh-TW" altLang="en-US">
+                <a:solidFill>
+                  <a:srgbClr val="00B0F0"/>
+                </a:solidFill>
+              </a:rPr>
+              <a:t>物品堆疊元件</a:t>
+            </a:r>
+            <a:r>
+              <a:rPr lang="zh-TW" altLang="en-US"/>
+              <a:t>為</a:t>
+            </a:r>
+            <a:r>
+              <a:rPr lang="zh-TW" altLang="en-US">
+                <a:solidFill>
+                  <a:srgbClr val="00B0F0"/>
+                </a:solidFill>
+              </a:rPr>
+              <a:t>鍵值映射</a:t>
+            </a:r>
+            <a:endParaRPr lang="en-US" altLang="zh-TW">
+              <a:solidFill>
+                <a:srgbClr val="00B0F0"/>
+              </a:solidFill>
+            </a:endParaRPr>
+          </a:p>
+          <a:p>
+            <a:r>
+              <a:rPr lang="zh-TW" altLang="en-US"/>
+              <a:t>且</a:t>
+            </a:r>
+            <a:r>
+              <a:rPr lang="zh-TW" altLang="en-US">
+                <a:solidFill>
+                  <a:srgbClr val="00B0F0"/>
+                </a:solidFill>
+              </a:rPr>
+              <a:t>鍵</a:t>
+            </a:r>
+            <a:r>
+              <a:rPr lang="zh-TW" altLang="en-US"/>
+              <a:t>需要被</a:t>
+            </a:r>
+            <a:r>
+              <a:rPr lang="zh-TW" altLang="en-US">
+                <a:solidFill>
+                  <a:srgbClr val="FFC000"/>
+                </a:solidFill>
+              </a:rPr>
+              <a:t>註冊</a:t>
+            </a:r>
+            <a:r>
+              <a:rPr lang="zh-TW" altLang="en-US"/>
+              <a:t>，</a:t>
+            </a:r>
+            <a:r>
+              <a:rPr lang="zh-TW" altLang="en-US">
+                <a:solidFill>
+                  <a:srgbClr val="00B0F0"/>
+                </a:solidFill>
+              </a:rPr>
+              <a:t>值</a:t>
+            </a:r>
+            <a:r>
+              <a:rPr lang="zh-TW" altLang="en-US"/>
+              <a:t>則為符合指定</a:t>
+            </a:r>
+            <a:r>
+              <a:rPr lang="zh-TW" altLang="en-US">
+                <a:solidFill>
+                  <a:srgbClr val="00B0F0"/>
+                </a:solidFill>
+              </a:rPr>
+              <a:t>資料型別</a:t>
+            </a:r>
+            <a:r>
+              <a:rPr lang="zh-TW" altLang="en-US"/>
+              <a:t>的任意值</a:t>
+            </a:r>
+            <a:endParaRPr lang="en-US" altLang="zh-TW"/>
+          </a:p>
+          <a:p>
+            <a:r>
+              <a:rPr lang="zh-TW" altLang="en-US">
+                <a:solidFill>
+                  <a:srgbClr val="00B0F0"/>
+                </a:solidFill>
+              </a:rPr>
+              <a:t>物品堆疊元件</a:t>
+            </a:r>
+            <a:r>
+              <a:rPr lang="zh-TW" altLang="en-US"/>
+              <a:t>的</a:t>
+            </a:r>
+            <a:r>
+              <a:rPr lang="zh-TW" altLang="en-US">
+                <a:solidFill>
+                  <a:srgbClr val="00B0F0"/>
+                </a:solidFill>
+              </a:rPr>
+              <a:t>字串型式</a:t>
+            </a:r>
+            <a:r>
+              <a:rPr lang="zh-TW" altLang="en-US"/>
+              <a:t>為 </a:t>
+            </a:r>
+            <a:r>
+              <a:rPr lang="en-US" altLang="zh-TW">
+                <a:solidFill>
+                  <a:srgbClr val="FFFF00"/>
+                </a:solidFill>
+              </a:rPr>
+              <a:t>[</a:t>
+            </a:r>
+            <a:r>
+              <a:rPr lang="en-US" altLang="zh-TW">
+                <a:solidFill>
+                  <a:srgbClr val="00B0F0"/>
+                </a:solidFill>
+              </a:rPr>
+              <a:t>key1</a:t>
+            </a:r>
+            <a:r>
+              <a:rPr lang="en-US" altLang="zh-TW">
+                <a:solidFill>
+                  <a:srgbClr val="FFFF00"/>
+                </a:solidFill>
+              </a:rPr>
+              <a:t>=</a:t>
+            </a:r>
+            <a:r>
+              <a:rPr lang="en-US" altLang="zh-TW">
+                <a:solidFill>
+                  <a:srgbClr val="FFC000"/>
+                </a:solidFill>
+              </a:rPr>
+              <a:t>value1</a:t>
+            </a:r>
+            <a:r>
+              <a:rPr lang="en-US" altLang="zh-TW">
+                <a:solidFill>
+                  <a:srgbClr val="FFFF00"/>
+                </a:solidFill>
+              </a:rPr>
+              <a:t>,</a:t>
+            </a:r>
+            <a:r>
+              <a:rPr lang="en-US" altLang="zh-TW">
+                <a:solidFill>
+                  <a:srgbClr val="00B0F0"/>
+                </a:solidFill>
+              </a:rPr>
+              <a:t>key2</a:t>
+            </a:r>
+            <a:r>
+              <a:rPr lang="en-US" altLang="zh-TW">
+                <a:solidFill>
+                  <a:srgbClr val="FFFF00"/>
+                </a:solidFill>
+              </a:rPr>
+              <a:t>=</a:t>
+            </a:r>
+            <a:r>
+              <a:rPr lang="en-US" altLang="zh-TW">
+                <a:solidFill>
+                  <a:srgbClr val="FFC000"/>
+                </a:solidFill>
+              </a:rPr>
+              <a:t>value2</a:t>
+            </a:r>
+            <a:r>
+              <a:rPr lang="en-US" altLang="zh-TW">
+                <a:solidFill>
+                  <a:srgbClr val="FFFF00"/>
+                </a:solidFill>
+              </a:rPr>
+              <a:t>,...]</a:t>
+            </a:r>
+          </a:p>
+          <a:p>
+            <a:r>
+              <a:rPr lang="zh-TW" altLang="en-US"/>
+              <a:t>但其最終會被轉換為 </a:t>
+            </a:r>
+            <a:r>
+              <a:rPr lang="en-US" altLang="zh-TW">
+                <a:solidFill>
+                  <a:srgbClr val="00B0F0"/>
+                </a:solidFill>
+              </a:rPr>
+              <a:t>NBT</a:t>
+            </a:r>
+            <a:r>
+              <a:rPr lang="en-US" altLang="zh-TW"/>
+              <a:t> </a:t>
+            </a:r>
+            <a:r>
+              <a:rPr lang="zh-TW" altLang="en-US"/>
+              <a:t>的</a:t>
+            </a:r>
+            <a:r>
+              <a:rPr lang="zh-TW" altLang="en-US">
+                <a:solidFill>
+                  <a:srgbClr val="00B0F0"/>
+                </a:solidFill>
+              </a:rPr>
+              <a:t>複合資料</a:t>
+            </a:r>
+            <a:endParaRPr lang="en-US" altLang="zh-TW">
+              <a:solidFill>
+                <a:srgbClr val="00B0F0"/>
+              </a:solidFill>
+            </a:endParaRPr>
+          </a:p>
+          <a:p>
+            <a:r>
+              <a:rPr lang="zh-TW" altLang="en-US"/>
+              <a:t>以</a:t>
+            </a:r>
+            <a:r>
+              <a:rPr lang="zh-TW" altLang="en-US">
+                <a:solidFill>
+                  <a:srgbClr val="00B0F0"/>
+                </a:solidFill>
+              </a:rPr>
+              <a:t> </a:t>
+            </a:r>
+            <a:r>
+              <a:rPr lang="en-US" altLang="zh-TW">
+                <a:solidFill>
+                  <a:srgbClr val="00B0F0"/>
+                </a:solidFill>
+              </a:rPr>
+              <a:t>SNBT</a:t>
+            </a:r>
+            <a:r>
+              <a:rPr lang="en-US" altLang="zh-TW"/>
+              <a:t> </a:t>
+            </a:r>
+            <a:r>
+              <a:rPr lang="zh-TW" altLang="en-US"/>
+              <a:t>表示為 </a:t>
+            </a:r>
+            <a:r>
+              <a:rPr lang="en-US" altLang="zh-TW">
+                <a:solidFill>
+                  <a:srgbClr val="FFFF00"/>
+                </a:solidFill>
+              </a:rPr>
+              <a:t>{</a:t>
+            </a:r>
+            <a:r>
+              <a:rPr lang="en-US" altLang="zh-TW">
+                <a:solidFill>
+                  <a:srgbClr val="00B0F0"/>
+                </a:solidFill>
+              </a:rPr>
+              <a:t>key1</a:t>
+            </a:r>
+            <a:r>
+              <a:rPr lang="en-US" altLang="zh-TW">
+                <a:solidFill>
+                  <a:srgbClr val="FFFF00"/>
+                </a:solidFill>
+              </a:rPr>
+              <a:t>:</a:t>
+            </a:r>
+            <a:r>
+              <a:rPr lang="en-US" altLang="zh-TW">
+                <a:solidFill>
+                  <a:srgbClr val="FFC000"/>
+                </a:solidFill>
+              </a:rPr>
+              <a:t>value1</a:t>
+            </a:r>
+            <a:r>
+              <a:rPr lang="en-US" altLang="zh-TW">
+                <a:solidFill>
+                  <a:srgbClr val="FFFF00"/>
+                </a:solidFill>
+              </a:rPr>
+              <a:t>,</a:t>
+            </a:r>
+            <a:r>
+              <a:rPr lang="en-US" altLang="zh-TW">
+                <a:solidFill>
+                  <a:srgbClr val="00B0F0"/>
+                </a:solidFill>
+              </a:rPr>
+              <a:t>key2</a:t>
+            </a:r>
+            <a:r>
+              <a:rPr lang="en-US" altLang="zh-TW">
+                <a:solidFill>
+                  <a:srgbClr val="FFFF00"/>
+                </a:solidFill>
+              </a:rPr>
+              <a:t>:</a:t>
+            </a:r>
+            <a:r>
+              <a:rPr lang="en-US" altLang="zh-TW">
+                <a:solidFill>
+                  <a:srgbClr val="FFC000"/>
+                </a:solidFill>
+              </a:rPr>
+              <a:t>value2</a:t>
+            </a:r>
+            <a:r>
+              <a:rPr lang="en-US" altLang="zh-TW">
+                <a:solidFill>
+                  <a:srgbClr val="FFFF00"/>
+                </a:solidFill>
+              </a:rPr>
+              <a:t>,...}</a:t>
+            </a:r>
+          </a:p>
+          <a:p>
+            <a:r>
+              <a:rPr lang="zh-TW" altLang="en-US">
+                <a:solidFill>
+                  <a:srgbClr val="00B0F0"/>
+                </a:solidFill>
+              </a:rPr>
+              <a:t>物品堆疊元件介面</a:t>
+            </a:r>
+            <a:r>
+              <a:rPr lang="zh-TW" altLang="en-US"/>
+              <a:t>為</a:t>
+            </a:r>
+            <a:r>
+              <a:rPr lang="zh-TW" altLang="en-US">
+                <a:solidFill>
+                  <a:srgbClr val="FFFF00"/>
+                </a:solidFill>
+              </a:rPr>
+              <a:t> </a:t>
+            </a:r>
+            <a:r>
+              <a:rPr lang="en-US" altLang="zh-TW" sz="2400">
+                <a:solidFill>
+                  <a:srgbClr val="FFFF00"/>
+                </a:solidFill>
+              </a:rPr>
+              <a:t>net.minecraft.component.ComponentType</a:t>
+            </a:r>
+            <a:r>
+              <a:rPr lang="en-US" altLang="zh-TW" sz="2400">
+                <a:solidFill>
+                  <a:srgbClr val="00B0F0"/>
+                </a:solidFill>
+              </a:rPr>
+              <a:t>&lt;</a:t>
+            </a:r>
+            <a:r>
+              <a:rPr lang="en-US" altLang="zh-TW" sz="2400">
+                <a:solidFill>
+                  <a:srgbClr val="FFC000"/>
+                </a:solidFill>
+              </a:rPr>
+              <a:t>T</a:t>
+            </a:r>
+            <a:r>
+              <a:rPr lang="en-US" altLang="zh-TW" sz="2400">
+                <a:solidFill>
+                  <a:srgbClr val="00B0F0"/>
+                </a:solidFill>
+              </a:rPr>
+              <a:t>&gt;</a:t>
+            </a:r>
+            <a:endParaRPr lang="en-US" altLang="zh-TW">
+              <a:solidFill>
+                <a:srgbClr val="00B0F0"/>
+              </a:solidFill>
+            </a:endParaRPr>
           </a:p>
         </p:txBody>
       </p:sp>
@@ -8386,7 +8957,7 @@
           <p:cNvPr id="2" name="標題 1">
             <a:extLst>
               <a:ext uri="{FF2B5EF4-FFF2-40B4-BE49-F238E27FC236}">
-                <a16:creationId xmlns:a16="http://schemas.microsoft.com/office/drawing/2014/main" id="{CDFBE34E-6AB9-4F62-B404-FBDD8C616B0B}"/>
+                <a16:creationId xmlns:a16="http://schemas.microsoft.com/office/drawing/2014/main" id="{42C3B6AC-4226-40B5-B661-76E50339131C}"/>
               </a:ext>
             </a:extLst>
           </p:cNvPr>
@@ -8404,7 +8975,7 @@
           <a:p>
             <a:r>
               <a:rPr lang="zh-TW" altLang="en-US"/>
-              <a:t>方塊實體</a:t>
+              <a:t>物品堆疊元件</a:t>
             </a:r>
           </a:p>
         </p:txBody>
@@ -8414,7 +8985,7 @@
           <p:cNvPr id="3" name="內容版面配置區 2">
             <a:extLst>
               <a:ext uri="{FF2B5EF4-FFF2-40B4-BE49-F238E27FC236}">
-                <a16:creationId xmlns:a16="http://schemas.microsoft.com/office/drawing/2014/main" id="{CDD2CEB2-73A5-4690-AED7-53AEFC9B1D18}"/>
+                <a16:creationId xmlns:a16="http://schemas.microsoft.com/office/drawing/2014/main" id="{1CD5E568-A472-4E6A-8152-EF560F9763DC}"/>
               </a:ext>
             </a:extLst>
           </p:cNvPr>
@@ -8431,61 +9002,47 @@
           <a:lstStyle/>
           <a:p>
             <a:r>
+              <a:rPr lang="zh-TW" altLang="en-US"/>
+              <a:t>範例：製作一個物品「</a:t>
+            </a:r>
+            <a:r>
+              <a:rPr lang="en-US" altLang="zh-TW">
+                <a:solidFill>
+                  <a:srgbClr val="92D050"/>
+                </a:solidFill>
+              </a:rPr>
+              <a:t>TNT </a:t>
+            </a:r>
+            <a:r>
               <a:rPr lang="zh-TW" altLang="en-US">
                 <a:solidFill>
-                  <a:srgbClr val="00B0F0"/>
-                </a:solidFill>
-              </a:rPr>
-              <a:t>方塊實體</a:t>
-            </a:r>
-            <a:r>
-              <a:rPr lang="en-US" altLang="zh-TW">
-                <a:solidFill>
-                  <a:srgbClr val="00B0F0"/>
-                </a:solidFill>
-              </a:rPr>
-              <a:t>(block entity</a:t>
-            </a:r>
-            <a:r>
-              <a:rPr lang="zh-TW" altLang="en-US">
-                <a:solidFill>
-                  <a:srgbClr val="00B0F0"/>
-                </a:solidFill>
-              </a:rPr>
-              <a:t>、</a:t>
-            </a:r>
-            <a:r>
-              <a:rPr lang="en-US" altLang="zh-TW">
-                <a:solidFill>
-                  <a:srgbClr val="00B0F0"/>
-                </a:solidFill>
-              </a:rPr>
-              <a:t>tile entity)</a:t>
-            </a:r>
-          </a:p>
-          <a:p>
+                  <a:srgbClr val="92D050"/>
+                </a:solidFill>
+              </a:rPr>
+              <a:t>遙控器</a:t>
+            </a:r>
             <a:r>
               <a:rPr lang="zh-TW" altLang="en-US"/>
-              <a:t>是用於儲存</a:t>
-            </a:r>
-            <a:r>
-              <a:rPr lang="zh-TW" altLang="en-US">
-                <a:solidFill>
-                  <a:srgbClr val="00B0F0"/>
-                </a:solidFill>
-              </a:rPr>
-              <a:t>方塊狀態</a:t>
-            </a:r>
-            <a:r>
-              <a:rPr lang="zh-TW" altLang="en-US"/>
-              <a:t>之外的任意資料</a:t>
+              <a:t>」</a:t>
             </a:r>
             <a:endParaRPr lang="en-US" altLang="zh-TW"/>
           </a:p>
           <a:p>
             <a:r>
               <a:rPr lang="zh-TW" altLang="en-US"/>
-              <a:t>並且</a:t>
+              <a:t>對一個 </a:t>
+            </a:r>
+            <a:r>
+              <a:rPr lang="en-US" altLang="zh-TW">
+                <a:solidFill>
+                  <a:srgbClr val="92D050"/>
+                </a:solidFill>
+              </a:rPr>
+              <a:t>TNT</a:t>
+            </a:r>
+            <a:r>
+              <a:rPr lang="en-US" altLang="zh-TW"/>
+              <a:t> </a:t>
             </a:r>
             <a:r>
               <a:rPr lang="zh-TW" altLang="en-US">
@@ -8493,74 +9050,1886 @@
                   <a:srgbClr val="00B0F0"/>
                 </a:solidFill>
               </a:rPr>
-              <a:t>每刻</a:t>
+              <a:t>方塊</a:t>
+            </a:r>
+            <a:r>
+              <a:rPr lang="zh-TW" altLang="en-US"/>
+              <a:t>右鍵後便會綁定該 </a:t>
             </a:r>
             <a:r>
               <a:rPr lang="en-US" altLang="zh-TW">
                 <a:solidFill>
+                  <a:srgbClr val="92D050"/>
+                </a:solidFill>
+              </a:rPr>
+              <a:t>TNT</a:t>
+            </a:r>
+          </a:p>
+          <a:p>
+            <a:r>
+              <a:rPr lang="zh-TW" altLang="en-US"/>
+              <a:t>再對</a:t>
+            </a:r>
+            <a:r>
+              <a:rPr lang="zh-TW" altLang="en-US">
+                <a:solidFill>
+                  <a:srgbClr val="92D050"/>
+                </a:solidFill>
+              </a:rPr>
+              <a:t>空氣</a:t>
+            </a:r>
+            <a:r>
+              <a:rPr lang="zh-TW" altLang="en-US"/>
+              <a:t>或其他非 </a:t>
+            </a:r>
+            <a:r>
+              <a:rPr lang="en-US" altLang="zh-TW">
+                <a:solidFill>
+                  <a:srgbClr val="92D050"/>
+                </a:solidFill>
+              </a:rPr>
+              <a:t>TNT</a:t>
+            </a:r>
+            <a:r>
+              <a:rPr lang="en-US" altLang="zh-TW"/>
+              <a:t> </a:t>
+            </a:r>
+            <a:r>
+              <a:rPr lang="zh-TW" altLang="en-US">
+                <a:solidFill>
                   <a:srgbClr val="00B0F0"/>
                 </a:solidFill>
               </a:rPr>
-              <a:t>(tick</a:t>
-            </a:r>
-            <a:r>
-              <a:rPr lang="zh-TW" altLang="en-US">
-                <a:solidFill>
-                  <a:srgbClr val="00B0F0"/>
-                </a:solidFill>
-              </a:rPr>
-              <a:t>，</a:t>
-            </a:r>
-            <a:r>
-              <a:rPr lang="en-US" altLang="zh-TW">
-                <a:solidFill>
-                  <a:srgbClr val="FFFF00"/>
-                </a:solidFill>
-              </a:rPr>
-              <a:t>20</a:t>
-            </a:r>
-            <a:r>
-              <a:rPr lang="zh-TW" altLang="en-US">
-                <a:solidFill>
-                  <a:srgbClr val="FFFF00"/>
-                </a:solidFill>
-              </a:rPr>
-              <a:t> 刻 </a:t>
-            </a:r>
-            <a:r>
-              <a:rPr lang="en-US" altLang="zh-TW">
-                <a:solidFill>
-                  <a:srgbClr val="FFFF00"/>
-                </a:solidFill>
-              </a:rPr>
-              <a:t>= 1 </a:t>
-            </a:r>
-            <a:r>
-              <a:rPr lang="zh-TW" altLang="en-US">
-                <a:solidFill>
-                  <a:srgbClr val="FFFF00"/>
-                </a:solidFill>
-              </a:rPr>
-              <a:t>秒</a:t>
-            </a:r>
-            <a:r>
-              <a:rPr lang="en-US" altLang="zh-TW">
-                <a:solidFill>
-                  <a:srgbClr val="00B0F0"/>
-                </a:solidFill>
-              </a:rPr>
-              <a:t>)</a:t>
+              <a:t>方塊</a:t>
             </a:r>
             <a:r>
               <a:rPr lang="zh-TW" altLang="en-US"/>
-              <a:t>皆會更新</a:t>
+              <a:t>右鍵後</a:t>
             </a:r>
             <a:endParaRPr lang="en-US" altLang="zh-TW"/>
           </a:p>
           <a:p>
             <a:r>
               <a:rPr lang="zh-TW" altLang="en-US"/>
-              <a:t>因此常用於一些能存放東西的容器，如</a:t>
+              <a:t>便會點燃之前所綁定的 </a:t>
+            </a:r>
+            <a:r>
+              <a:rPr lang="en-US" altLang="zh-TW">
+                <a:solidFill>
+                  <a:srgbClr val="92D050"/>
+                </a:solidFill>
+              </a:rPr>
+              <a:t>TNT</a:t>
+            </a:r>
+          </a:p>
+          <a:p>
+            <a:endParaRPr lang="en-US" altLang="zh-TW">
+              <a:solidFill>
+                <a:srgbClr val="92D050"/>
+              </a:solidFill>
+            </a:endParaRPr>
+          </a:p>
+          <a:p>
+            <a:r>
+              <a:rPr lang="zh-TW" altLang="en-US"/>
+              <a:t>因 </a:t>
+            </a:r>
+            <a:r>
+              <a:rPr lang="en-US" altLang="zh-TW">
+                <a:solidFill>
+                  <a:srgbClr val="92D050"/>
+                </a:solidFill>
+              </a:rPr>
+              <a:t>TNT </a:t>
+            </a:r>
+            <a:r>
+              <a:rPr lang="zh-TW" altLang="en-US">
+                <a:solidFill>
+                  <a:srgbClr val="92D050"/>
+                </a:solidFill>
+              </a:rPr>
+              <a:t>遙控器</a:t>
+            </a:r>
+            <a:r>
+              <a:rPr lang="zh-TW" altLang="en-US"/>
+              <a:t>需紀錄所綁定的 </a:t>
+            </a:r>
+            <a:r>
+              <a:rPr lang="en-US" altLang="zh-TW">
+                <a:solidFill>
+                  <a:srgbClr val="92D050"/>
+                </a:solidFill>
+              </a:rPr>
+              <a:t>TNT</a:t>
+            </a:r>
+          </a:p>
+          <a:p>
+            <a:r>
+              <a:rPr lang="zh-TW" altLang="en-US"/>
+              <a:t>故需要使 </a:t>
+            </a:r>
+            <a:r>
+              <a:rPr lang="en-US" altLang="zh-TW">
+                <a:solidFill>
+                  <a:srgbClr val="92D050"/>
+                </a:solidFill>
+              </a:rPr>
+              <a:t>TNT </a:t>
+            </a:r>
+            <a:r>
+              <a:rPr lang="zh-TW" altLang="en-US">
+                <a:solidFill>
+                  <a:srgbClr val="92D050"/>
+                </a:solidFill>
+              </a:rPr>
+              <a:t>遙控器</a:t>
+            </a:r>
+            <a:r>
+              <a:rPr lang="zh-TW" altLang="en-US"/>
+              <a:t>有能記錄 </a:t>
+            </a:r>
+            <a:r>
+              <a:rPr lang="en-US" altLang="zh-TW">
+                <a:solidFill>
+                  <a:srgbClr val="92D050"/>
+                </a:solidFill>
+              </a:rPr>
+              <a:t>TNT</a:t>
+            </a:r>
+            <a:r>
+              <a:rPr lang="en-US" altLang="zh-TW"/>
+              <a:t> </a:t>
+            </a:r>
+            <a:r>
+              <a:rPr lang="zh-TW" altLang="en-US">
+                <a:solidFill>
+                  <a:srgbClr val="00B0F0"/>
+                </a:solidFill>
+              </a:rPr>
+              <a:t>座標</a:t>
+            </a:r>
+            <a:r>
+              <a:rPr lang="zh-TW" altLang="en-US"/>
+              <a:t>的</a:t>
+            </a:r>
+            <a:r>
+              <a:rPr lang="zh-TW" altLang="en-US">
+                <a:solidFill>
+                  <a:srgbClr val="00B0F0"/>
+                </a:solidFill>
+              </a:rPr>
+              <a:t>物品堆疊元件</a:t>
+            </a:r>
+          </a:p>
+        </p:txBody>
+      </p:sp>
+    </p:spTree>
+    <p:extLst>
+      <p:ext uri="{BB962C8B-B14F-4D97-AF65-F5344CB8AC3E}">
+        <p14:creationId xmlns:p14="http://schemas.microsoft.com/office/powerpoint/2010/main" val="1919036633"/>
+      </p:ext>
+    </p:extLst>
+  </p:cSld>
+  <p:clrMapOvr>
+    <a:masterClrMapping/>
+  </p:clrMapOvr>
+  <p:transition spd="slow">
+    <p:push dir="u"/>
+  </p:transition>
+</p:sld>
+</file>
+
+<file path=ppt/slides/slide8.xml><?xml version="1.0" encoding="utf-8"?>
+<p:sld xmlns:a="http://schemas.openxmlformats.org/drawingml/2006/main" xmlns:r="http://schemas.openxmlformats.org/officeDocument/2006/relationships" xmlns:p="http://schemas.openxmlformats.org/presentationml/2006/main">
+  <p:cSld>
+    <p:spTree>
+      <p:nvGrpSpPr>
+        <p:cNvPr id="1" name=""/>
+        <p:cNvGrpSpPr/>
+        <p:nvPr/>
+      </p:nvGrpSpPr>
+      <p:grpSpPr>
+        <a:xfrm>
+          <a:off x="0" y="0"/>
+          <a:ext cx="0" cy="0"/>
+          <a:chOff x="0" y="0"/>
+          <a:chExt cx="0" cy="0"/>
+        </a:xfrm>
+      </p:grpSpPr>
+      <p:sp>
+        <p:nvSpPr>
+          <p:cNvPr id="2" name="標題 1">
+            <a:extLst>
+              <a:ext uri="{FF2B5EF4-FFF2-40B4-BE49-F238E27FC236}">
+                <a16:creationId xmlns:a16="http://schemas.microsoft.com/office/drawing/2014/main" id="{3F83BACD-E8A2-4118-8157-52BDFCD7AAD6}"/>
+              </a:ext>
+            </a:extLst>
+          </p:cNvPr>
+          <p:cNvSpPr>
+            <a:spLocks noGrp="1"/>
+          </p:cNvSpPr>
+          <p:nvPr>
+            <p:ph type="title"/>
+          </p:nvPr>
+        </p:nvSpPr>
+        <p:spPr>
+          <a:xfrm>
+            <a:off x="838200" y="2436"/>
+            <a:ext cx="10515600" cy="1325563"/>
+          </a:xfrm>
+        </p:spPr>
+        <p:txBody>
+          <a:bodyPr/>
+          <a:lstStyle/>
+          <a:p>
+            <a:r>
+              <a:rPr lang="zh-TW" altLang="en-US"/>
+              <a:t>物品堆疊元件</a:t>
+            </a:r>
+          </a:p>
+        </p:txBody>
+      </p:sp>
+      <p:sp>
+        <p:nvSpPr>
+          <p:cNvPr id="3" name="內容版面配置區 2">
+            <a:extLst>
+              <a:ext uri="{FF2B5EF4-FFF2-40B4-BE49-F238E27FC236}">
+                <a16:creationId xmlns:a16="http://schemas.microsoft.com/office/drawing/2014/main" id="{ABF7A019-93CE-4313-8461-FE6842FF4000}"/>
+              </a:ext>
+            </a:extLst>
+          </p:cNvPr>
+          <p:cNvSpPr>
+            <a:spLocks noGrp="1"/>
+          </p:cNvSpPr>
+          <p:nvPr>
+            <p:ph idx="1"/>
+          </p:nvPr>
+        </p:nvSpPr>
+        <p:spPr>
+          <a:xfrm>
+            <a:off x="838200" y="969493"/>
+            <a:ext cx="10515600" cy="2033067"/>
+          </a:xfrm>
+        </p:spPr>
+        <p:txBody>
+          <a:bodyPr>
+            <a:normAutofit/>
+          </a:bodyPr>
+          <a:lstStyle/>
+          <a:p>
+            <a:r>
+              <a:rPr lang="en-US" altLang="zh-TW">
+                <a:solidFill>
+                  <a:srgbClr val="FFFF00"/>
+                </a:solidFill>
+              </a:rPr>
+              <a:t>ComponentType</a:t>
+            </a:r>
+            <a:r>
+              <a:rPr lang="en-US" altLang="zh-TW">
+                <a:solidFill>
+                  <a:srgbClr val="00B0F0"/>
+                </a:solidFill>
+              </a:rPr>
+              <a:t>&lt;</a:t>
+            </a:r>
+            <a:r>
+              <a:rPr lang="en-US" altLang="zh-TW">
+                <a:solidFill>
+                  <a:srgbClr val="FFC000"/>
+                </a:solidFill>
+              </a:rPr>
+              <a:t>T</a:t>
+            </a:r>
+            <a:r>
+              <a:rPr lang="en-US" altLang="zh-TW">
+                <a:solidFill>
+                  <a:srgbClr val="00B0F0"/>
+                </a:solidFill>
+              </a:rPr>
+              <a:t>&gt; </a:t>
+            </a:r>
+            <a:r>
+              <a:rPr lang="zh-TW" altLang="en-US">
+                <a:solidFill>
+                  <a:srgbClr val="00B0F0"/>
+                </a:solidFill>
+              </a:rPr>
+              <a:t>建造者</a:t>
+            </a:r>
+            <a:r>
+              <a:rPr lang="zh-TW" altLang="en-US"/>
+              <a:t>由呼叫</a:t>
+            </a:r>
+            <a:r>
+              <a:rPr lang="zh-TW" altLang="en-US">
+                <a:solidFill>
+                  <a:srgbClr val="00B0F0"/>
+                </a:solidFill>
+              </a:rPr>
+              <a:t>靜態方法 </a:t>
+            </a:r>
+            <a:r>
+              <a:rPr lang="en-US" altLang="zh-TW">
+                <a:solidFill>
+                  <a:srgbClr val="00B0F0"/>
+                </a:solidFill>
+              </a:rPr>
+              <a:t>&lt;</a:t>
+            </a:r>
+            <a:r>
+              <a:rPr lang="en-US" altLang="zh-TW">
+                <a:solidFill>
+                  <a:srgbClr val="FFC000"/>
+                </a:solidFill>
+              </a:rPr>
+              <a:t>T</a:t>
+            </a:r>
+            <a:r>
+              <a:rPr lang="en-US" altLang="zh-TW">
+                <a:solidFill>
+                  <a:srgbClr val="00B0F0"/>
+                </a:solidFill>
+              </a:rPr>
+              <a:t>&gt;</a:t>
+            </a:r>
+            <a:r>
+              <a:rPr lang="en-US" altLang="zh-TW">
+                <a:solidFill>
+                  <a:srgbClr val="FFC000"/>
+                </a:solidFill>
+              </a:rPr>
+              <a:t>builder</a:t>
+            </a:r>
+            <a:r>
+              <a:rPr lang="en-US" altLang="zh-TW">
+                <a:solidFill>
+                  <a:srgbClr val="00B0F0"/>
+                </a:solidFill>
+              </a:rPr>
+              <a:t>()</a:t>
+            </a:r>
+            <a:r>
+              <a:rPr lang="en-US" altLang="zh-TW"/>
+              <a:t> </a:t>
+            </a:r>
+            <a:r>
+              <a:rPr lang="zh-TW" altLang="en-US"/>
+              <a:t>取得</a:t>
+            </a:r>
+            <a:endParaRPr lang="en-US" altLang="zh-TW"/>
+          </a:p>
+          <a:p>
+            <a:r>
+              <a:rPr lang="zh-TW" altLang="en-US"/>
+              <a:t>並且需要設定</a:t>
+            </a:r>
+            <a:r>
+              <a:rPr lang="zh-TW" altLang="en-US">
+                <a:solidFill>
+                  <a:srgbClr val="00B0F0"/>
+                </a:solidFill>
+              </a:rPr>
+              <a:t>編解碼器</a:t>
+            </a:r>
+            <a:r>
+              <a:rPr lang="en-US" altLang="zh-TW">
+                <a:solidFill>
+                  <a:srgbClr val="00B0F0"/>
+                </a:solidFill>
+              </a:rPr>
+              <a:t>(codec)</a:t>
+            </a:r>
+          </a:p>
+          <a:p>
+            <a:r>
+              <a:rPr lang="zh-TW" altLang="en-US"/>
+              <a:t>以用於資料</a:t>
+            </a:r>
+            <a:r>
+              <a:rPr lang="zh-TW" altLang="en-US">
+                <a:solidFill>
+                  <a:srgbClr val="00B0F0"/>
+                </a:solidFill>
+              </a:rPr>
+              <a:t>序列化</a:t>
+            </a:r>
+            <a:r>
+              <a:rPr lang="en-US" altLang="zh-TW">
+                <a:solidFill>
+                  <a:srgbClr val="00B0F0"/>
+                </a:solidFill>
+              </a:rPr>
+              <a:t>(serialize)</a:t>
+            </a:r>
+            <a:r>
+              <a:rPr lang="zh-TW" altLang="en-US"/>
+              <a:t>和</a:t>
+            </a:r>
+            <a:r>
+              <a:rPr lang="zh-TW" altLang="en-US">
+                <a:solidFill>
+                  <a:srgbClr val="00B0F0"/>
+                </a:solidFill>
+              </a:rPr>
+              <a:t>反序列化</a:t>
+            </a:r>
+            <a:r>
+              <a:rPr lang="en-US" altLang="zh-TW">
+                <a:solidFill>
+                  <a:srgbClr val="00B0F0"/>
+                </a:solidFill>
+              </a:rPr>
+              <a:t>(deserialize)</a:t>
+            </a:r>
+          </a:p>
+          <a:p>
+            <a:r>
+              <a:rPr lang="zh-TW" altLang="en-US"/>
+              <a:t>大多數</a:t>
+            </a:r>
+            <a:r>
+              <a:rPr lang="zh-TW" altLang="en-US">
+                <a:solidFill>
+                  <a:srgbClr val="00B0F0"/>
+                </a:solidFill>
+              </a:rPr>
+              <a:t>類別</a:t>
+            </a:r>
+            <a:r>
+              <a:rPr lang="zh-TW" altLang="en-US"/>
+              <a:t>中都有</a:t>
+            </a:r>
+            <a:r>
+              <a:rPr lang="zh-TW" altLang="en-US">
+                <a:solidFill>
+                  <a:srgbClr val="00B0F0"/>
+                </a:solidFill>
+              </a:rPr>
+              <a:t>靜態欄位 </a:t>
+            </a:r>
+            <a:r>
+              <a:rPr lang="en-US" altLang="zh-TW">
+                <a:solidFill>
+                  <a:srgbClr val="92D050"/>
+                </a:solidFill>
+              </a:rPr>
+              <a:t>CODEC</a:t>
+            </a:r>
+            <a:r>
+              <a:rPr lang="en-US" altLang="zh-TW"/>
+              <a:t> </a:t>
+            </a:r>
+            <a:r>
+              <a:rPr lang="zh-TW" altLang="en-US"/>
+              <a:t>可供使用</a:t>
+            </a:r>
+            <a:endParaRPr lang="en-US" altLang="zh-TW"/>
+          </a:p>
+        </p:txBody>
+      </p:sp>
+      <p:grpSp>
+        <p:nvGrpSpPr>
+          <p:cNvPr id="8" name="群組 7">
+            <a:extLst>
+              <a:ext uri="{FF2B5EF4-FFF2-40B4-BE49-F238E27FC236}">
+                <a16:creationId xmlns:a16="http://schemas.microsoft.com/office/drawing/2014/main" id="{DA2085FF-E1F2-45EA-8483-4541D4EA46CA}"/>
+              </a:ext>
+            </a:extLst>
+          </p:cNvPr>
+          <p:cNvGrpSpPr/>
+          <p:nvPr/>
+        </p:nvGrpSpPr>
+        <p:grpSpPr>
+          <a:xfrm>
+            <a:off x="838200" y="3002560"/>
+            <a:ext cx="10515600" cy="3539430"/>
+            <a:chOff x="1438157" y="3065314"/>
+            <a:chExt cx="10515600" cy="3539430"/>
+          </a:xfrm>
+        </p:grpSpPr>
+        <p:sp>
+          <p:nvSpPr>
+            <p:cNvPr id="6" name="Rectangle 3">
+              <a:extLst>
+                <a:ext uri="{FF2B5EF4-FFF2-40B4-BE49-F238E27FC236}">
+                  <a16:creationId xmlns:a16="http://schemas.microsoft.com/office/drawing/2014/main" id="{D44CD7C3-BC89-489E-8CEF-3C443EB02FA1}"/>
+                </a:ext>
+              </a:extLst>
+            </p:cNvPr>
+            <p:cNvSpPr>
+              <a:spLocks noChangeArrowheads="1"/>
+            </p:cNvSpPr>
+            <p:nvPr/>
+          </p:nvSpPr>
+          <p:spPr bwMode="auto">
+            <a:xfrm>
+              <a:off x="1438157" y="3065314"/>
+              <a:ext cx="10515600" cy="3539430"/>
+            </a:xfrm>
+            <a:prstGeom prst="rect">
+              <a:avLst/>
+            </a:prstGeom>
+            <a:solidFill>
+              <a:srgbClr val="1E1F22"/>
+            </a:solidFill>
+            <a:ln>
+              <a:noFill/>
+            </a:ln>
+            <a:effectLst/>
+            <a:extLst>
+              <a:ext uri="{91240B29-F687-4F45-9708-019B960494DF}">
+                <a14:hiddenLine xmlns:a14="http://schemas.microsoft.com/office/drawing/2010/main" w="9525">
+                  <a:solidFill>
+                    <a:schemeClr val="tx1"/>
+                  </a:solidFill>
+                  <a:miter lim="800000"/>
+                  <a:headEnd/>
+                  <a:tailEnd/>
+                </a14:hiddenLine>
+              </a:ext>
+              <a:ext uri="{AF507438-7753-43E0-B8FC-AC1667EBCBE1}">
+                <a14:hiddenEffects xmlns:a14="http://schemas.microsoft.com/office/drawing/2010/main">
+                  <a:effectLst>
+                    <a:outerShdw dist="35921" dir="2700000" algn="ctr" rotWithShape="0">
+                      <a:schemeClr val="bg2"/>
+                    </a:outerShdw>
+                  </a:effectLst>
+                </a14:hiddenEffects>
+              </a:ext>
+            </a:extLst>
+          </p:spPr>
+          <p:txBody>
+            <a:bodyPr vert="horz" wrap="square" lIns="91440" tIns="45720" rIns="91440" bIns="45720" numCol="1" anchor="ctr" anchorCtr="0" compatLnSpc="1">
+              <a:prstTxWarp prst="textNoShape">
+                <a:avLst/>
+              </a:prstTxWarp>
+              <a:spAutoFit/>
+            </a:bodyPr>
+            <a:lstStyle/>
+            <a:p>
+              <a:pPr marL="0" marR="0" lvl="0" indent="0" algn="l" defTabSz="914400" rtl="0" eaLnBrk="0" fontAlgn="base" latinLnBrk="0" hangingPunct="0">
+                <a:lnSpc>
+                  <a:spcPct val="100000"/>
+                </a:lnSpc>
+                <a:spcBef>
+                  <a:spcPct val="0"/>
+                </a:spcBef>
+                <a:spcAft>
+                  <a:spcPct val="0"/>
+                </a:spcAft>
+                <a:buClrTx/>
+                <a:buSzTx/>
+                <a:buFontTx/>
+                <a:buNone/>
+                <a:tabLst/>
+              </a:pPr>
+              <a:r>
+                <a:rPr kumimoji="0" lang="zh-TW" altLang="zh-TW" sz="1400" b="0" i="0" u="none" strike="noStrike" cap="none" normalizeH="0" baseline="0">
+                  <a:ln>
+                    <a:noFill/>
+                  </a:ln>
+                  <a:solidFill>
+                    <a:srgbClr val="CF8E6D"/>
+                  </a:solidFill>
+                  <a:effectLst/>
+                  <a:latin typeface="+mj-lt"/>
+                  <a:cs typeface="JetBrains Mono" panose="02000009000000000000" pitchFamily="49" charset="0"/>
+                </a:rPr>
+                <a:t>package </a:t>
+              </a:r>
+              <a:r>
+                <a:rPr kumimoji="0" lang="zh-TW" altLang="zh-TW" sz="1400" b="0" i="0" u="none" strike="noStrike" cap="none" normalizeH="0" baseline="0">
+                  <a:ln>
+                    <a:noFill/>
+                  </a:ln>
+                  <a:solidFill>
+                    <a:srgbClr val="BCBEC4"/>
+                  </a:solidFill>
+                  <a:effectLst/>
+                  <a:latin typeface="+mj-lt"/>
+                  <a:cs typeface="JetBrains Mono" panose="02000009000000000000" pitchFamily="49" charset="0"/>
+                </a:rPr>
+                <a:t>org.tyic.tyicmod;</a:t>
+              </a:r>
+              <a:br>
+                <a:rPr kumimoji="0" lang="zh-TW" altLang="zh-TW" sz="1400" b="0" i="0" u="none" strike="noStrike" cap="none" normalizeH="0" baseline="0">
+                  <a:ln>
+                    <a:noFill/>
+                  </a:ln>
+                  <a:solidFill>
+                    <a:srgbClr val="BCBEC4"/>
+                  </a:solidFill>
+                  <a:effectLst/>
+                  <a:latin typeface="+mj-lt"/>
+                  <a:cs typeface="JetBrains Mono" panose="02000009000000000000" pitchFamily="49" charset="0"/>
+                </a:rPr>
+              </a:br>
+              <a:br>
+                <a:rPr kumimoji="0" lang="zh-TW" altLang="zh-TW" sz="1400" b="0" i="0" u="none" strike="noStrike" cap="none" normalizeH="0" baseline="0">
+                  <a:ln>
+                    <a:noFill/>
+                  </a:ln>
+                  <a:solidFill>
+                    <a:srgbClr val="BCBEC4"/>
+                  </a:solidFill>
+                  <a:effectLst/>
+                  <a:latin typeface="+mj-lt"/>
+                  <a:cs typeface="JetBrains Mono" panose="02000009000000000000" pitchFamily="49" charset="0"/>
+                </a:rPr>
+              </a:br>
+              <a:r>
+                <a:rPr kumimoji="0" lang="zh-TW" altLang="zh-TW" sz="1400" b="0" i="0" u="none" strike="noStrike" cap="none" normalizeH="0" baseline="0">
+                  <a:ln>
+                    <a:noFill/>
+                  </a:ln>
+                  <a:solidFill>
+                    <a:srgbClr val="CF8E6D"/>
+                  </a:solidFill>
+                  <a:effectLst/>
+                  <a:latin typeface="+mj-lt"/>
+                  <a:cs typeface="JetBrains Mono" panose="02000009000000000000" pitchFamily="49" charset="0"/>
+                </a:rPr>
+                <a:t>import </a:t>
+              </a:r>
+              <a:r>
+                <a:rPr kumimoji="0" lang="en-US" altLang="zh-TW" sz="1400" b="0" i="0" u="none" strike="noStrike" cap="none" normalizeH="0" baseline="0">
+                  <a:ln>
+                    <a:noFill/>
+                  </a:ln>
+                  <a:solidFill>
+                    <a:srgbClr val="BCBEC4"/>
+                  </a:solidFill>
+                  <a:effectLst/>
+                  <a:latin typeface="+mj-lt"/>
+                  <a:cs typeface="JetBrains Mono" panose="02000009000000000000" pitchFamily="49" charset="0"/>
+                </a:rPr>
+                <a:t>(...)</a:t>
+              </a:r>
+              <a:br>
+                <a:rPr kumimoji="0" lang="zh-TW" altLang="zh-TW" sz="1400" b="0" i="0" u="none" strike="noStrike" cap="none" normalizeH="0" baseline="0">
+                  <a:ln>
+                    <a:noFill/>
+                  </a:ln>
+                  <a:solidFill>
+                    <a:srgbClr val="BCBEC4"/>
+                  </a:solidFill>
+                  <a:effectLst/>
+                  <a:latin typeface="+mj-lt"/>
+                  <a:cs typeface="JetBrains Mono" panose="02000009000000000000" pitchFamily="49" charset="0"/>
+                </a:rPr>
+              </a:br>
+              <a:br>
+                <a:rPr kumimoji="0" lang="zh-TW" altLang="zh-TW" sz="1400" b="0" i="0" u="none" strike="noStrike" cap="none" normalizeH="0" baseline="0">
+                  <a:ln>
+                    <a:noFill/>
+                  </a:ln>
+                  <a:solidFill>
+                    <a:srgbClr val="BCBEC4"/>
+                  </a:solidFill>
+                  <a:effectLst/>
+                  <a:latin typeface="+mj-lt"/>
+                  <a:cs typeface="JetBrains Mono" panose="02000009000000000000" pitchFamily="49" charset="0"/>
+                </a:rPr>
+              </a:br>
+              <a:r>
+                <a:rPr kumimoji="0" lang="zh-TW" altLang="zh-TW" sz="1400" b="0" i="0" u="none" strike="noStrike" cap="none" normalizeH="0" baseline="0">
+                  <a:ln>
+                    <a:noFill/>
+                  </a:ln>
+                  <a:solidFill>
+                    <a:srgbClr val="CF8E6D"/>
+                  </a:solidFill>
+                  <a:effectLst/>
+                  <a:latin typeface="+mj-lt"/>
+                  <a:cs typeface="JetBrains Mono" panose="02000009000000000000" pitchFamily="49" charset="0"/>
+                </a:rPr>
+                <a:t>public class </a:t>
+              </a:r>
+              <a:r>
+                <a:rPr kumimoji="0" lang="zh-TW" altLang="zh-TW" sz="1400" b="0" i="0" u="none" strike="noStrike" cap="none" normalizeH="0" baseline="0">
+                  <a:ln>
+                    <a:noFill/>
+                  </a:ln>
+                  <a:solidFill>
+                    <a:srgbClr val="BCBEC4"/>
+                  </a:solidFill>
+                  <a:effectLst/>
+                  <a:latin typeface="+mj-lt"/>
+                  <a:cs typeface="JetBrains Mono" panose="02000009000000000000" pitchFamily="49" charset="0"/>
+                </a:rPr>
+                <a:t>ModDataComponentTypes {</a:t>
+              </a:r>
+              <a:br>
+                <a:rPr kumimoji="0" lang="zh-TW" altLang="zh-TW" sz="1400" b="0" i="0" u="none" strike="noStrike" cap="none" normalizeH="0" baseline="0">
+                  <a:ln>
+                    <a:noFill/>
+                  </a:ln>
+                  <a:solidFill>
+                    <a:srgbClr val="BCBEC4"/>
+                  </a:solidFill>
+                  <a:effectLst/>
+                  <a:latin typeface="+mj-lt"/>
+                  <a:cs typeface="JetBrains Mono" panose="02000009000000000000" pitchFamily="49" charset="0"/>
+                </a:rPr>
+              </a:br>
+              <a:r>
+                <a:rPr kumimoji="0" lang="zh-TW" altLang="zh-TW" sz="1400" b="0" i="0" u="none" strike="noStrike" cap="none" normalizeH="0" baseline="0">
+                  <a:ln>
+                    <a:noFill/>
+                  </a:ln>
+                  <a:solidFill>
+                    <a:srgbClr val="BCBEC4"/>
+                  </a:solidFill>
+                  <a:effectLst/>
+                  <a:latin typeface="+mj-lt"/>
+                  <a:cs typeface="JetBrains Mono" panose="02000009000000000000" pitchFamily="49" charset="0"/>
+                </a:rPr>
+                <a:t>    </a:t>
+              </a:r>
+              <a:r>
+                <a:rPr kumimoji="0" lang="zh-TW" altLang="zh-TW" sz="1400" b="0" i="0" u="none" strike="noStrike" cap="none" normalizeH="0" baseline="0">
+                  <a:ln>
+                    <a:noFill/>
+                  </a:ln>
+                  <a:solidFill>
+                    <a:srgbClr val="CF8E6D"/>
+                  </a:solidFill>
+                  <a:effectLst/>
+                  <a:latin typeface="+mj-lt"/>
+                  <a:cs typeface="JetBrains Mono" panose="02000009000000000000" pitchFamily="49" charset="0"/>
+                </a:rPr>
+                <a:t>public static final </a:t>
+              </a:r>
+              <a:r>
+                <a:rPr kumimoji="0" lang="zh-TW" altLang="zh-TW" sz="1400" b="0" i="0" u="none" strike="noStrike" cap="none" normalizeH="0" baseline="0">
+                  <a:ln>
+                    <a:noFill/>
+                  </a:ln>
+                  <a:solidFill>
+                    <a:srgbClr val="BCBEC4"/>
+                  </a:solidFill>
+                  <a:effectLst/>
+                  <a:latin typeface="+mj-lt"/>
+                  <a:cs typeface="JetBrains Mono" panose="02000009000000000000" pitchFamily="49" charset="0"/>
+                </a:rPr>
+                <a:t>ComponentType&lt;BlockPos&gt; </a:t>
+              </a:r>
+              <a:r>
+                <a:rPr kumimoji="0" lang="zh-TW" altLang="zh-TW" sz="1400" b="0" i="1" u="none" strike="noStrike" cap="none" normalizeH="0" baseline="0">
+                  <a:ln>
+                    <a:noFill/>
+                  </a:ln>
+                  <a:solidFill>
+                    <a:srgbClr val="C77DBB"/>
+                  </a:solidFill>
+                  <a:effectLst/>
+                  <a:latin typeface="+mj-lt"/>
+                  <a:cs typeface="JetBrains Mono" panose="02000009000000000000" pitchFamily="49" charset="0"/>
+                </a:rPr>
+                <a:t>BLOCK_POS </a:t>
+              </a:r>
+              <a:r>
+                <a:rPr kumimoji="0" lang="zh-TW" altLang="zh-TW" sz="1400" b="0" i="0" u="none" strike="noStrike" cap="none" normalizeH="0" baseline="0">
+                  <a:ln>
+                    <a:noFill/>
+                  </a:ln>
+                  <a:solidFill>
+                    <a:srgbClr val="BCBEC4"/>
+                  </a:solidFill>
+                  <a:effectLst/>
+                  <a:latin typeface="+mj-lt"/>
+                  <a:cs typeface="JetBrains Mono" panose="02000009000000000000" pitchFamily="49" charset="0"/>
+                </a:rPr>
+                <a:t>= </a:t>
+              </a:r>
+              <a:r>
+                <a:rPr kumimoji="0" lang="zh-TW" altLang="zh-TW" sz="1400" b="0" i="1" u="none" strike="noStrike" cap="none" normalizeH="0" baseline="0">
+                  <a:ln>
+                    <a:noFill/>
+                  </a:ln>
+                  <a:solidFill>
+                    <a:srgbClr val="BCBEC4"/>
+                  </a:solidFill>
+                  <a:effectLst/>
+                  <a:latin typeface="+mj-lt"/>
+                  <a:cs typeface="JetBrains Mono" panose="02000009000000000000" pitchFamily="49" charset="0"/>
+                </a:rPr>
+                <a:t>register</a:t>
+              </a:r>
+              <a:r>
+                <a:rPr kumimoji="0" lang="zh-TW" altLang="zh-TW" sz="1400" b="0" i="0" u="none" strike="noStrike" cap="none" normalizeH="0" baseline="0">
+                  <a:ln>
+                    <a:noFill/>
+                  </a:ln>
+                  <a:solidFill>
+                    <a:srgbClr val="BCBEC4"/>
+                  </a:solidFill>
+                  <a:effectLst/>
+                  <a:latin typeface="+mj-lt"/>
+                  <a:cs typeface="JetBrains Mono" panose="02000009000000000000" pitchFamily="49" charset="0"/>
+                </a:rPr>
+                <a:t>(</a:t>
+              </a:r>
+              <a:r>
+                <a:rPr kumimoji="0" lang="zh-TW" altLang="zh-TW" sz="1400" b="0" i="0" u="none" strike="noStrike" cap="none" normalizeH="0" baseline="0">
+                  <a:ln>
+                    <a:noFill/>
+                  </a:ln>
+                  <a:solidFill>
+                    <a:srgbClr val="6AAB73"/>
+                  </a:solidFill>
+                  <a:effectLst/>
+                  <a:latin typeface="+mj-lt"/>
+                  <a:cs typeface="JetBrains Mono" panose="02000009000000000000" pitchFamily="49" charset="0"/>
+                </a:rPr>
+                <a:t>"block_pos"</a:t>
+              </a:r>
+              <a:r>
+                <a:rPr kumimoji="0" lang="zh-TW" altLang="zh-TW" sz="1400" b="0" i="0" u="none" strike="noStrike" cap="none" normalizeH="0" baseline="0">
+                  <a:ln>
+                    <a:noFill/>
+                  </a:ln>
+                  <a:solidFill>
+                    <a:srgbClr val="BCBEC4"/>
+                  </a:solidFill>
+                  <a:effectLst/>
+                  <a:latin typeface="+mj-lt"/>
+                  <a:cs typeface="JetBrains Mono" panose="02000009000000000000" pitchFamily="49" charset="0"/>
+                </a:rPr>
+                <a:t>, BlockPos.</a:t>
+              </a:r>
+              <a:r>
+                <a:rPr kumimoji="0" lang="zh-TW" altLang="zh-TW" sz="1400" b="0" i="1" u="none" strike="noStrike" cap="none" normalizeH="0" baseline="0">
+                  <a:ln>
+                    <a:noFill/>
+                  </a:ln>
+                  <a:solidFill>
+                    <a:srgbClr val="C77DBB"/>
+                  </a:solidFill>
+                  <a:effectLst/>
+                  <a:latin typeface="+mj-lt"/>
+                  <a:cs typeface="JetBrains Mono" panose="02000009000000000000" pitchFamily="49" charset="0"/>
+                </a:rPr>
+                <a:t>CODEC</a:t>
+              </a:r>
+              <a:r>
+                <a:rPr kumimoji="0" lang="zh-TW" altLang="zh-TW" sz="1400" b="0" i="0" u="none" strike="noStrike" cap="none" normalizeH="0" baseline="0">
+                  <a:ln>
+                    <a:noFill/>
+                  </a:ln>
+                  <a:solidFill>
+                    <a:srgbClr val="BCBEC4"/>
+                  </a:solidFill>
+                  <a:effectLst/>
+                  <a:latin typeface="+mj-lt"/>
+                  <a:cs typeface="JetBrains Mono" panose="02000009000000000000" pitchFamily="49" charset="0"/>
+                </a:rPr>
+                <a:t>);</a:t>
+              </a:r>
+              <a:br>
+                <a:rPr kumimoji="0" lang="zh-TW" altLang="zh-TW" sz="1400" b="0" i="0" u="none" strike="noStrike" cap="none" normalizeH="0" baseline="0">
+                  <a:ln>
+                    <a:noFill/>
+                  </a:ln>
+                  <a:solidFill>
+                    <a:srgbClr val="BCBEC4"/>
+                  </a:solidFill>
+                  <a:effectLst/>
+                  <a:latin typeface="+mj-lt"/>
+                  <a:cs typeface="JetBrains Mono" panose="02000009000000000000" pitchFamily="49" charset="0"/>
+                </a:rPr>
+              </a:br>
+              <a:br>
+                <a:rPr kumimoji="0" lang="zh-TW" altLang="zh-TW" sz="1400" b="0" i="0" u="none" strike="noStrike" cap="none" normalizeH="0" baseline="0">
+                  <a:ln>
+                    <a:noFill/>
+                  </a:ln>
+                  <a:solidFill>
+                    <a:srgbClr val="BCBEC4"/>
+                  </a:solidFill>
+                  <a:effectLst/>
+                  <a:latin typeface="+mj-lt"/>
+                  <a:cs typeface="JetBrains Mono" panose="02000009000000000000" pitchFamily="49" charset="0"/>
+                </a:rPr>
+              </a:br>
+              <a:r>
+                <a:rPr kumimoji="0" lang="zh-TW" altLang="zh-TW" sz="1400" b="0" i="0" u="none" strike="noStrike" cap="none" normalizeH="0" baseline="0">
+                  <a:ln>
+                    <a:noFill/>
+                  </a:ln>
+                  <a:solidFill>
+                    <a:srgbClr val="BCBEC4"/>
+                  </a:solidFill>
+                  <a:effectLst/>
+                  <a:latin typeface="+mj-lt"/>
+                  <a:cs typeface="JetBrains Mono" panose="02000009000000000000" pitchFamily="49" charset="0"/>
+                </a:rPr>
+                <a:t>    </a:t>
+              </a:r>
+              <a:r>
+                <a:rPr kumimoji="0" lang="zh-TW" altLang="zh-TW" sz="1400" b="0" i="0" u="none" strike="noStrike" cap="none" normalizeH="0" baseline="0">
+                  <a:ln>
+                    <a:noFill/>
+                  </a:ln>
+                  <a:solidFill>
+                    <a:srgbClr val="CF8E6D"/>
+                  </a:solidFill>
+                  <a:effectLst/>
+                  <a:latin typeface="+mj-lt"/>
+                  <a:cs typeface="JetBrains Mono" panose="02000009000000000000" pitchFamily="49" charset="0"/>
+                </a:rPr>
+                <a:t>public static </a:t>
+              </a:r>
+              <a:r>
+                <a:rPr kumimoji="0" lang="zh-TW" altLang="zh-TW" sz="1400" b="0" i="0" u="none" strike="noStrike" cap="none" normalizeH="0" baseline="0">
+                  <a:ln>
+                    <a:noFill/>
+                  </a:ln>
+                  <a:solidFill>
+                    <a:srgbClr val="BCBEC4"/>
+                  </a:solidFill>
+                  <a:effectLst/>
+                  <a:latin typeface="+mj-lt"/>
+                  <a:cs typeface="JetBrains Mono" panose="02000009000000000000" pitchFamily="49" charset="0"/>
+                </a:rPr>
+                <a:t>&lt;</a:t>
+              </a:r>
+              <a:r>
+                <a:rPr kumimoji="0" lang="zh-TW" altLang="zh-TW" sz="1400" b="0" i="0" u="none" strike="noStrike" cap="none" normalizeH="0" baseline="0">
+                  <a:ln>
+                    <a:noFill/>
+                  </a:ln>
+                  <a:solidFill>
+                    <a:srgbClr val="16BAAC"/>
+                  </a:solidFill>
+                  <a:effectLst/>
+                  <a:latin typeface="+mj-lt"/>
+                  <a:cs typeface="JetBrains Mono" panose="02000009000000000000" pitchFamily="49" charset="0"/>
+                </a:rPr>
+                <a:t>T</a:t>
+              </a:r>
+              <a:r>
+                <a:rPr kumimoji="0" lang="zh-TW" altLang="zh-TW" sz="1400" b="0" i="0" u="none" strike="noStrike" cap="none" normalizeH="0" baseline="0">
+                  <a:ln>
+                    <a:noFill/>
+                  </a:ln>
+                  <a:solidFill>
+                    <a:srgbClr val="BCBEC4"/>
+                  </a:solidFill>
+                  <a:effectLst/>
+                  <a:latin typeface="+mj-lt"/>
+                  <a:cs typeface="JetBrains Mono" panose="02000009000000000000" pitchFamily="49" charset="0"/>
+                </a:rPr>
+                <a:t>&gt; ComponentType&lt;</a:t>
+              </a:r>
+              <a:r>
+                <a:rPr kumimoji="0" lang="zh-TW" altLang="zh-TW" sz="1400" b="0" i="0" u="none" strike="noStrike" cap="none" normalizeH="0" baseline="0">
+                  <a:ln>
+                    <a:noFill/>
+                  </a:ln>
+                  <a:solidFill>
+                    <a:srgbClr val="16BAAC"/>
+                  </a:solidFill>
+                  <a:effectLst/>
+                  <a:latin typeface="+mj-lt"/>
+                  <a:cs typeface="JetBrains Mono" panose="02000009000000000000" pitchFamily="49" charset="0"/>
+                </a:rPr>
+                <a:t>T</a:t>
+              </a:r>
+              <a:r>
+                <a:rPr kumimoji="0" lang="zh-TW" altLang="zh-TW" sz="1400" b="0" i="0" u="none" strike="noStrike" cap="none" normalizeH="0" baseline="0">
+                  <a:ln>
+                    <a:noFill/>
+                  </a:ln>
+                  <a:solidFill>
+                    <a:srgbClr val="BCBEC4"/>
+                  </a:solidFill>
+                  <a:effectLst/>
+                  <a:latin typeface="+mj-lt"/>
+                  <a:cs typeface="JetBrains Mono" panose="02000009000000000000" pitchFamily="49" charset="0"/>
+                </a:rPr>
+                <a:t>&gt; </a:t>
+              </a:r>
+              <a:r>
+                <a:rPr kumimoji="0" lang="zh-TW" altLang="zh-TW" sz="1400" b="0" i="0" u="none" strike="noStrike" cap="none" normalizeH="0" baseline="0">
+                  <a:ln>
+                    <a:noFill/>
+                  </a:ln>
+                  <a:solidFill>
+                    <a:srgbClr val="56A8F5"/>
+                  </a:solidFill>
+                  <a:effectLst/>
+                  <a:latin typeface="+mj-lt"/>
+                  <a:cs typeface="JetBrains Mono" panose="02000009000000000000" pitchFamily="49" charset="0"/>
+                </a:rPr>
+                <a:t>register</a:t>
+              </a:r>
+              <a:r>
+                <a:rPr kumimoji="0" lang="zh-TW" altLang="zh-TW" sz="1400" b="0" i="0" u="none" strike="noStrike" cap="none" normalizeH="0" baseline="0">
+                  <a:ln>
+                    <a:noFill/>
+                  </a:ln>
+                  <a:solidFill>
+                    <a:srgbClr val="BCBEC4"/>
+                  </a:solidFill>
+                  <a:effectLst/>
+                  <a:latin typeface="+mj-lt"/>
+                  <a:cs typeface="JetBrains Mono" panose="02000009000000000000" pitchFamily="49" charset="0"/>
+                </a:rPr>
+                <a:t>(String id, Codec&lt;</a:t>
+              </a:r>
+              <a:r>
+                <a:rPr kumimoji="0" lang="zh-TW" altLang="zh-TW" sz="1400" b="0" i="0" u="none" strike="noStrike" cap="none" normalizeH="0" baseline="0">
+                  <a:ln>
+                    <a:noFill/>
+                  </a:ln>
+                  <a:solidFill>
+                    <a:srgbClr val="16BAAC"/>
+                  </a:solidFill>
+                  <a:effectLst/>
+                  <a:latin typeface="+mj-lt"/>
+                  <a:cs typeface="JetBrains Mono" panose="02000009000000000000" pitchFamily="49" charset="0"/>
+                </a:rPr>
+                <a:t>T</a:t>
+              </a:r>
+              <a:r>
+                <a:rPr kumimoji="0" lang="zh-TW" altLang="zh-TW" sz="1400" b="0" i="0" u="none" strike="noStrike" cap="none" normalizeH="0" baseline="0">
+                  <a:ln>
+                    <a:noFill/>
+                  </a:ln>
+                  <a:solidFill>
+                    <a:srgbClr val="BCBEC4"/>
+                  </a:solidFill>
+                  <a:effectLst/>
+                  <a:latin typeface="+mj-lt"/>
+                  <a:cs typeface="JetBrains Mono" panose="02000009000000000000" pitchFamily="49" charset="0"/>
+                </a:rPr>
+                <a:t>&gt; codec) {</a:t>
+              </a:r>
+              <a:br>
+                <a:rPr kumimoji="0" lang="zh-TW" altLang="zh-TW" sz="1400" b="0" i="0" u="none" strike="noStrike" cap="none" normalizeH="0" baseline="0">
+                  <a:ln>
+                    <a:noFill/>
+                  </a:ln>
+                  <a:solidFill>
+                    <a:srgbClr val="BCBEC4"/>
+                  </a:solidFill>
+                  <a:effectLst/>
+                  <a:latin typeface="+mj-lt"/>
+                  <a:cs typeface="JetBrains Mono" panose="02000009000000000000" pitchFamily="49" charset="0"/>
+                </a:rPr>
+              </a:br>
+              <a:r>
+                <a:rPr kumimoji="0" lang="zh-TW" altLang="zh-TW" sz="1400" b="0" i="0" u="none" strike="noStrike" cap="none" normalizeH="0" baseline="0">
+                  <a:ln>
+                    <a:noFill/>
+                  </a:ln>
+                  <a:solidFill>
+                    <a:srgbClr val="BCBEC4"/>
+                  </a:solidFill>
+                  <a:effectLst/>
+                  <a:latin typeface="+mj-lt"/>
+                  <a:cs typeface="JetBrains Mono" panose="02000009000000000000" pitchFamily="49" charset="0"/>
+                </a:rPr>
+                <a:t>        </a:t>
+              </a:r>
+              <a:r>
+                <a:rPr kumimoji="0" lang="zh-TW" altLang="zh-TW" sz="1400" b="0" i="0" u="none" strike="noStrike" cap="none" normalizeH="0" baseline="0">
+                  <a:ln>
+                    <a:noFill/>
+                  </a:ln>
+                  <a:solidFill>
+                    <a:srgbClr val="CF8E6D"/>
+                  </a:solidFill>
+                  <a:effectLst/>
+                  <a:latin typeface="+mj-lt"/>
+                  <a:cs typeface="JetBrains Mono" panose="02000009000000000000" pitchFamily="49" charset="0"/>
+                </a:rPr>
+                <a:t>return </a:t>
+              </a:r>
+              <a:r>
+                <a:rPr kumimoji="0" lang="zh-TW" altLang="zh-TW" sz="1400" b="0" i="0" u="none" strike="noStrike" cap="none" normalizeH="0" baseline="0">
+                  <a:ln>
+                    <a:noFill/>
+                  </a:ln>
+                  <a:solidFill>
+                    <a:srgbClr val="BCBEC4"/>
+                  </a:solidFill>
+                  <a:effectLst/>
+                  <a:latin typeface="+mj-lt"/>
+                  <a:cs typeface="JetBrains Mono" panose="02000009000000000000" pitchFamily="49" charset="0"/>
+                </a:rPr>
+                <a:t>Registry.</a:t>
+              </a:r>
+              <a:r>
+                <a:rPr kumimoji="0" lang="zh-TW" altLang="zh-TW" sz="1400" b="0" i="1" u="none" strike="noStrike" cap="none" normalizeH="0" baseline="0">
+                  <a:ln>
+                    <a:noFill/>
+                  </a:ln>
+                  <a:solidFill>
+                    <a:srgbClr val="BCBEC4"/>
+                  </a:solidFill>
+                  <a:effectLst/>
+                  <a:latin typeface="+mj-lt"/>
+                  <a:cs typeface="JetBrains Mono" panose="02000009000000000000" pitchFamily="49" charset="0"/>
+                </a:rPr>
+                <a:t>register</a:t>
+              </a:r>
+              <a:r>
+                <a:rPr kumimoji="0" lang="zh-TW" altLang="zh-TW" sz="1400" b="0" i="0" u="none" strike="noStrike" cap="none" normalizeH="0" baseline="0">
+                  <a:ln>
+                    <a:noFill/>
+                  </a:ln>
+                  <a:solidFill>
+                    <a:srgbClr val="BCBEC4"/>
+                  </a:solidFill>
+                  <a:effectLst/>
+                  <a:latin typeface="+mj-lt"/>
+                  <a:cs typeface="JetBrains Mono" panose="02000009000000000000" pitchFamily="49" charset="0"/>
+                </a:rPr>
+                <a:t>(Registries.</a:t>
+              </a:r>
+              <a:r>
+                <a:rPr kumimoji="0" lang="zh-TW" altLang="zh-TW" sz="1400" b="0" i="1" u="none" strike="noStrike" cap="none" normalizeH="0" baseline="0">
+                  <a:ln>
+                    <a:noFill/>
+                  </a:ln>
+                  <a:solidFill>
+                    <a:srgbClr val="C77DBB"/>
+                  </a:solidFill>
+                  <a:effectLst/>
+                  <a:latin typeface="+mj-lt"/>
+                  <a:cs typeface="JetBrains Mono" panose="02000009000000000000" pitchFamily="49" charset="0"/>
+                </a:rPr>
+                <a:t>DATA_COMPONENT_TYPE</a:t>
+              </a:r>
+              <a:r>
+                <a:rPr kumimoji="0" lang="zh-TW" altLang="zh-TW" sz="1400" b="0" i="0" u="none" strike="noStrike" cap="none" normalizeH="0" baseline="0">
+                  <a:ln>
+                    <a:noFill/>
+                  </a:ln>
+                  <a:solidFill>
+                    <a:srgbClr val="BCBEC4"/>
+                  </a:solidFill>
+                  <a:effectLst/>
+                  <a:latin typeface="+mj-lt"/>
+                  <a:cs typeface="JetBrains Mono" panose="02000009000000000000" pitchFamily="49" charset="0"/>
+                </a:rPr>
+                <a:t>, Identifier.</a:t>
+              </a:r>
+              <a:r>
+                <a:rPr kumimoji="0" lang="zh-TW" altLang="zh-TW" sz="1400" b="0" i="1" u="none" strike="noStrike" cap="none" normalizeH="0" baseline="0">
+                  <a:ln>
+                    <a:noFill/>
+                  </a:ln>
+                  <a:solidFill>
+                    <a:srgbClr val="BCBEC4"/>
+                  </a:solidFill>
+                  <a:effectLst/>
+                  <a:latin typeface="+mj-lt"/>
+                  <a:cs typeface="JetBrains Mono" panose="02000009000000000000" pitchFamily="49" charset="0"/>
+                </a:rPr>
+                <a:t>of</a:t>
+              </a:r>
+              <a:r>
+                <a:rPr kumimoji="0" lang="zh-TW" altLang="zh-TW" sz="1400" b="0" i="0" u="none" strike="noStrike" cap="none" normalizeH="0" baseline="0">
+                  <a:ln>
+                    <a:noFill/>
+                  </a:ln>
+                  <a:solidFill>
+                    <a:srgbClr val="BCBEC4"/>
+                  </a:solidFill>
+                  <a:effectLst/>
+                  <a:latin typeface="+mj-lt"/>
+                  <a:cs typeface="JetBrains Mono" panose="02000009000000000000" pitchFamily="49" charset="0"/>
+                </a:rPr>
+                <a:t>(TyicMod.</a:t>
+              </a:r>
+              <a:r>
+                <a:rPr kumimoji="0" lang="zh-TW" altLang="zh-TW" sz="1400" b="0" i="1" u="none" strike="noStrike" cap="none" normalizeH="0" baseline="0">
+                  <a:ln>
+                    <a:noFill/>
+                  </a:ln>
+                  <a:solidFill>
+                    <a:srgbClr val="C77DBB"/>
+                  </a:solidFill>
+                  <a:effectLst/>
+                  <a:latin typeface="+mj-lt"/>
+                  <a:cs typeface="JetBrains Mono" panose="02000009000000000000" pitchFamily="49" charset="0"/>
+                </a:rPr>
+                <a:t>MOD_ID</a:t>
+              </a:r>
+              <a:r>
+                <a:rPr kumimoji="0" lang="zh-TW" altLang="zh-TW" sz="1400" b="0" i="0" u="none" strike="noStrike" cap="none" normalizeH="0" baseline="0">
+                  <a:ln>
+                    <a:noFill/>
+                  </a:ln>
+                  <a:solidFill>
+                    <a:srgbClr val="BCBEC4"/>
+                  </a:solidFill>
+                  <a:effectLst/>
+                  <a:latin typeface="+mj-lt"/>
+                  <a:cs typeface="JetBrains Mono" panose="02000009000000000000" pitchFamily="49" charset="0"/>
+                </a:rPr>
+                <a:t>, id),</a:t>
+              </a:r>
+              <a:br>
+                <a:rPr kumimoji="0" lang="zh-TW" altLang="zh-TW" sz="1400" b="0" i="0" u="none" strike="noStrike" cap="none" normalizeH="0" baseline="0">
+                  <a:ln>
+                    <a:noFill/>
+                  </a:ln>
+                  <a:solidFill>
+                    <a:srgbClr val="BCBEC4"/>
+                  </a:solidFill>
+                  <a:effectLst/>
+                  <a:latin typeface="+mj-lt"/>
+                  <a:cs typeface="JetBrains Mono" panose="02000009000000000000" pitchFamily="49" charset="0"/>
+                </a:rPr>
+              </a:br>
+              <a:r>
+                <a:rPr kumimoji="0" lang="zh-TW" altLang="zh-TW" sz="1400" b="0" i="0" u="none" strike="noStrike" cap="none" normalizeH="0" baseline="0">
+                  <a:ln>
+                    <a:noFill/>
+                  </a:ln>
+                  <a:solidFill>
+                    <a:srgbClr val="BCBEC4"/>
+                  </a:solidFill>
+                  <a:effectLst/>
+                  <a:latin typeface="+mj-lt"/>
+                  <a:cs typeface="JetBrains Mono" panose="02000009000000000000" pitchFamily="49" charset="0"/>
+                </a:rPr>
+                <a:t>                ComponentType.&lt;</a:t>
+              </a:r>
+              <a:r>
+                <a:rPr kumimoji="0" lang="zh-TW" altLang="zh-TW" sz="1400" b="0" i="0" u="none" strike="noStrike" cap="none" normalizeH="0" baseline="0">
+                  <a:ln>
+                    <a:noFill/>
+                  </a:ln>
+                  <a:solidFill>
+                    <a:srgbClr val="16BAAC"/>
+                  </a:solidFill>
+                  <a:effectLst/>
+                  <a:latin typeface="+mj-lt"/>
+                  <a:cs typeface="JetBrains Mono" panose="02000009000000000000" pitchFamily="49" charset="0"/>
+                </a:rPr>
+                <a:t>T</a:t>
+              </a:r>
+              <a:r>
+                <a:rPr kumimoji="0" lang="zh-TW" altLang="zh-TW" sz="1400" b="0" i="0" u="none" strike="noStrike" cap="none" normalizeH="0" baseline="0">
+                  <a:ln>
+                    <a:noFill/>
+                  </a:ln>
+                  <a:solidFill>
+                    <a:srgbClr val="BCBEC4"/>
+                  </a:solidFill>
+                  <a:effectLst/>
+                  <a:latin typeface="+mj-lt"/>
+                  <a:cs typeface="JetBrains Mono" panose="02000009000000000000" pitchFamily="49" charset="0"/>
+                </a:rPr>
+                <a:t>&gt;</a:t>
+              </a:r>
+              <a:r>
+                <a:rPr kumimoji="0" lang="zh-TW" altLang="zh-TW" sz="1400" b="0" i="1" u="none" strike="noStrike" cap="none" normalizeH="0" baseline="0">
+                  <a:ln>
+                    <a:noFill/>
+                  </a:ln>
+                  <a:solidFill>
+                    <a:srgbClr val="BCBEC4"/>
+                  </a:solidFill>
+                  <a:effectLst/>
+                  <a:latin typeface="+mj-lt"/>
+                  <a:cs typeface="JetBrains Mono" panose="02000009000000000000" pitchFamily="49" charset="0"/>
+                </a:rPr>
+                <a:t>builder</a:t>
+              </a:r>
+              <a:r>
+                <a:rPr kumimoji="0" lang="zh-TW" altLang="zh-TW" sz="1400" b="0" i="0" u="none" strike="noStrike" cap="none" normalizeH="0" baseline="0">
+                  <a:ln>
+                    <a:noFill/>
+                  </a:ln>
+                  <a:solidFill>
+                    <a:srgbClr val="BCBEC4"/>
+                  </a:solidFill>
+                  <a:effectLst/>
+                  <a:latin typeface="+mj-lt"/>
+                  <a:cs typeface="JetBrains Mono" panose="02000009000000000000" pitchFamily="49" charset="0"/>
+                </a:rPr>
+                <a:t>().codec(codec).build());</a:t>
+              </a:r>
+              <a:br>
+                <a:rPr kumimoji="0" lang="zh-TW" altLang="zh-TW" sz="1400" b="0" i="0" u="none" strike="noStrike" cap="none" normalizeH="0" baseline="0">
+                  <a:ln>
+                    <a:noFill/>
+                  </a:ln>
+                  <a:solidFill>
+                    <a:srgbClr val="BCBEC4"/>
+                  </a:solidFill>
+                  <a:effectLst/>
+                  <a:latin typeface="+mj-lt"/>
+                  <a:cs typeface="JetBrains Mono" panose="02000009000000000000" pitchFamily="49" charset="0"/>
+                </a:rPr>
+              </a:br>
+              <a:r>
+                <a:rPr kumimoji="0" lang="zh-TW" altLang="zh-TW" sz="1400" b="0" i="0" u="none" strike="noStrike" cap="none" normalizeH="0" baseline="0">
+                  <a:ln>
+                    <a:noFill/>
+                  </a:ln>
+                  <a:solidFill>
+                    <a:srgbClr val="BCBEC4"/>
+                  </a:solidFill>
+                  <a:effectLst/>
+                  <a:latin typeface="+mj-lt"/>
+                  <a:cs typeface="JetBrains Mono" panose="02000009000000000000" pitchFamily="49" charset="0"/>
+                </a:rPr>
+                <a:t>    }</a:t>
+              </a:r>
+              <a:br>
+                <a:rPr kumimoji="0" lang="zh-TW" altLang="zh-TW" sz="1400" b="0" i="0" u="none" strike="noStrike" cap="none" normalizeH="0" baseline="0">
+                  <a:ln>
+                    <a:noFill/>
+                  </a:ln>
+                  <a:solidFill>
+                    <a:srgbClr val="BCBEC4"/>
+                  </a:solidFill>
+                  <a:effectLst/>
+                  <a:latin typeface="+mj-lt"/>
+                  <a:cs typeface="JetBrains Mono" panose="02000009000000000000" pitchFamily="49" charset="0"/>
+                </a:rPr>
+              </a:br>
+              <a:br>
+                <a:rPr kumimoji="0" lang="zh-TW" altLang="zh-TW" sz="1400" b="0" i="0" u="none" strike="noStrike" cap="none" normalizeH="0" baseline="0">
+                  <a:ln>
+                    <a:noFill/>
+                  </a:ln>
+                  <a:solidFill>
+                    <a:srgbClr val="BCBEC4"/>
+                  </a:solidFill>
+                  <a:effectLst/>
+                  <a:latin typeface="+mj-lt"/>
+                  <a:cs typeface="JetBrains Mono" panose="02000009000000000000" pitchFamily="49" charset="0"/>
+                </a:rPr>
+              </a:br>
+              <a:r>
+                <a:rPr kumimoji="0" lang="zh-TW" altLang="zh-TW" sz="1400" b="0" i="0" u="none" strike="noStrike" cap="none" normalizeH="0" baseline="0">
+                  <a:ln>
+                    <a:noFill/>
+                  </a:ln>
+                  <a:solidFill>
+                    <a:srgbClr val="BCBEC4"/>
+                  </a:solidFill>
+                  <a:effectLst/>
+                  <a:latin typeface="+mj-lt"/>
+                  <a:cs typeface="JetBrains Mono" panose="02000009000000000000" pitchFamily="49" charset="0"/>
+                </a:rPr>
+                <a:t>    </a:t>
+              </a:r>
+              <a:r>
+                <a:rPr kumimoji="0" lang="zh-TW" altLang="zh-TW" sz="1400" b="0" i="0" u="none" strike="noStrike" cap="none" normalizeH="0" baseline="0">
+                  <a:ln>
+                    <a:noFill/>
+                  </a:ln>
+                  <a:solidFill>
+                    <a:srgbClr val="CF8E6D"/>
+                  </a:solidFill>
+                  <a:effectLst/>
+                  <a:latin typeface="+mj-lt"/>
+                  <a:cs typeface="JetBrains Mono" panose="02000009000000000000" pitchFamily="49" charset="0"/>
+                </a:rPr>
+                <a:t>public static void </a:t>
+              </a:r>
+              <a:r>
+                <a:rPr kumimoji="0" lang="zh-TW" altLang="zh-TW" sz="1400" b="0" i="0" u="none" strike="noStrike" cap="none" normalizeH="0" baseline="0">
+                  <a:ln>
+                    <a:noFill/>
+                  </a:ln>
+                  <a:solidFill>
+                    <a:srgbClr val="56A8F5"/>
+                  </a:solidFill>
+                  <a:effectLst/>
+                  <a:latin typeface="+mj-lt"/>
+                  <a:cs typeface="JetBrains Mono" panose="02000009000000000000" pitchFamily="49" charset="0"/>
+                </a:rPr>
+                <a:t>init</a:t>
+              </a:r>
+              <a:r>
+                <a:rPr kumimoji="0" lang="zh-TW" altLang="zh-TW" sz="1400" b="0" i="0" u="none" strike="noStrike" cap="none" normalizeH="0" baseline="0">
+                  <a:ln>
+                    <a:noFill/>
+                  </a:ln>
+                  <a:solidFill>
+                    <a:srgbClr val="BCBEC4"/>
+                  </a:solidFill>
+                  <a:effectLst/>
+                  <a:latin typeface="+mj-lt"/>
+                  <a:cs typeface="JetBrains Mono" panose="02000009000000000000" pitchFamily="49" charset="0"/>
+                </a:rPr>
+                <a:t>() {</a:t>
+              </a:r>
+              <a:br>
+                <a:rPr kumimoji="0" lang="zh-TW" altLang="zh-TW" sz="1400" b="0" i="0" u="none" strike="noStrike" cap="none" normalizeH="0" baseline="0">
+                  <a:ln>
+                    <a:noFill/>
+                  </a:ln>
+                  <a:solidFill>
+                    <a:srgbClr val="BCBEC4"/>
+                  </a:solidFill>
+                  <a:effectLst/>
+                  <a:latin typeface="+mj-lt"/>
+                  <a:cs typeface="JetBrains Mono" panose="02000009000000000000" pitchFamily="49" charset="0"/>
+                </a:rPr>
+              </a:br>
+              <a:r>
+                <a:rPr kumimoji="0" lang="zh-TW" altLang="zh-TW" sz="1400" b="0" i="0" u="none" strike="noStrike" cap="none" normalizeH="0" baseline="0">
+                  <a:ln>
+                    <a:noFill/>
+                  </a:ln>
+                  <a:solidFill>
+                    <a:srgbClr val="BCBEC4"/>
+                  </a:solidFill>
+                  <a:effectLst/>
+                  <a:latin typeface="+mj-lt"/>
+                  <a:cs typeface="JetBrains Mono" panose="02000009000000000000" pitchFamily="49" charset="0"/>
+                </a:rPr>
+                <a:t>        TyicMod.</a:t>
+              </a:r>
+              <a:r>
+                <a:rPr kumimoji="0" lang="zh-TW" altLang="zh-TW" sz="1400" b="0" i="1" u="none" strike="noStrike" cap="none" normalizeH="0" baseline="0">
+                  <a:ln>
+                    <a:noFill/>
+                  </a:ln>
+                  <a:solidFill>
+                    <a:srgbClr val="C77DBB"/>
+                  </a:solidFill>
+                  <a:effectLst/>
+                  <a:latin typeface="+mj-lt"/>
+                  <a:cs typeface="JetBrains Mono" panose="02000009000000000000" pitchFamily="49" charset="0"/>
+                </a:rPr>
+                <a:t>LOGGER</a:t>
+              </a:r>
+              <a:r>
+                <a:rPr kumimoji="0" lang="zh-TW" altLang="zh-TW" sz="1400" b="0" i="0" u="none" strike="noStrike" cap="none" normalizeH="0" baseline="0">
+                  <a:ln>
+                    <a:noFill/>
+                  </a:ln>
+                  <a:solidFill>
+                    <a:srgbClr val="BCBEC4"/>
+                  </a:solidFill>
+                  <a:effectLst/>
+                  <a:latin typeface="+mj-lt"/>
+                  <a:cs typeface="JetBrains Mono" panose="02000009000000000000" pitchFamily="49" charset="0"/>
+                </a:rPr>
+                <a:t>.info(</a:t>
+              </a:r>
+              <a:r>
+                <a:rPr kumimoji="0" lang="zh-TW" altLang="zh-TW" sz="1400" b="0" i="0" u="none" strike="noStrike" cap="none" normalizeH="0" baseline="0">
+                  <a:ln>
+                    <a:noFill/>
+                  </a:ln>
+                  <a:solidFill>
+                    <a:srgbClr val="6AAB73"/>
+                  </a:solidFill>
+                  <a:effectLst/>
+                  <a:latin typeface="+mj-lt"/>
+                  <a:cs typeface="JetBrains Mono" panose="02000009000000000000" pitchFamily="49" charset="0"/>
+                </a:rPr>
+                <a:t>"Registering mod data component types."</a:t>
+              </a:r>
+              <a:r>
+                <a:rPr kumimoji="0" lang="zh-TW" altLang="zh-TW" sz="1400" b="0" i="0" u="none" strike="noStrike" cap="none" normalizeH="0" baseline="0">
+                  <a:ln>
+                    <a:noFill/>
+                  </a:ln>
+                  <a:solidFill>
+                    <a:srgbClr val="BCBEC4"/>
+                  </a:solidFill>
+                  <a:effectLst/>
+                  <a:latin typeface="+mj-lt"/>
+                  <a:cs typeface="JetBrains Mono" panose="02000009000000000000" pitchFamily="49" charset="0"/>
+                </a:rPr>
+                <a:t>);</a:t>
+              </a:r>
+              <a:br>
+                <a:rPr kumimoji="0" lang="zh-TW" altLang="zh-TW" sz="1400" b="0" i="0" u="none" strike="noStrike" cap="none" normalizeH="0" baseline="0">
+                  <a:ln>
+                    <a:noFill/>
+                  </a:ln>
+                  <a:solidFill>
+                    <a:srgbClr val="BCBEC4"/>
+                  </a:solidFill>
+                  <a:effectLst/>
+                  <a:latin typeface="+mj-lt"/>
+                  <a:cs typeface="JetBrains Mono" panose="02000009000000000000" pitchFamily="49" charset="0"/>
+                </a:rPr>
+              </a:br>
+              <a:r>
+                <a:rPr kumimoji="0" lang="zh-TW" altLang="zh-TW" sz="1400" b="0" i="0" u="none" strike="noStrike" cap="none" normalizeH="0" baseline="0">
+                  <a:ln>
+                    <a:noFill/>
+                  </a:ln>
+                  <a:solidFill>
+                    <a:srgbClr val="BCBEC4"/>
+                  </a:solidFill>
+                  <a:effectLst/>
+                  <a:latin typeface="+mj-lt"/>
+                  <a:cs typeface="JetBrains Mono" panose="02000009000000000000" pitchFamily="49" charset="0"/>
+                </a:rPr>
+                <a:t>    }</a:t>
+              </a:r>
+              <a:br>
+                <a:rPr kumimoji="0" lang="zh-TW" altLang="zh-TW" sz="1400" b="0" i="0" u="none" strike="noStrike" cap="none" normalizeH="0" baseline="0">
+                  <a:ln>
+                    <a:noFill/>
+                  </a:ln>
+                  <a:solidFill>
+                    <a:srgbClr val="BCBEC4"/>
+                  </a:solidFill>
+                  <a:effectLst/>
+                  <a:latin typeface="+mj-lt"/>
+                  <a:cs typeface="JetBrains Mono" panose="02000009000000000000" pitchFamily="49" charset="0"/>
+                </a:rPr>
+              </a:br>
+              <a:r>
+                <a:rPr kumimoji="0" lang="zh-TW" altLang="zh-TW" sz="1400" b="0" i="0" u="none" strike="noStrike" cap="none" normalizeH="0" baseline="0">
+                  <a:ln>
+                    <a:noFill/>
+                  </a:ln>
+                  <a:solidFill>
+                    <a:srgbClr val="BCBEC4"/>
+                  </a:solidFill>
+                  <a:effectLst/>
+                  <a:latin typeface="+mj-lt"/>
+                  <a:cs typeface="JetBrains Mono" panose="02000009000000000000" pitchFamily="49" charset="0"/>
+                </a:rPr>
+                <a:t>}</a:t>
+              </a:r>
+              <a:endParaRPr kumimoji="0" lang="zh-TW" altLang="zh-TW" sz="1600" b="0" i="0" u="none" strike="noStrike" cap="none" normalizeH="0" baseline="0">
+                <a:ln>
+                  <a:noFill/>
+                </a:ln>
+                <a:solidFill>
+                  <a:schemeClr val="tx1"/>
+                </a:solidFill>
+                <a:effectLst/>
+                <a:latin typeface="+mj-lt"/>
+              </a:endParaRPr>
+            </a:p>
+          </p:txBody>
+        </p:sp>
+        <p:sp>
+          <p:nvSpPr>
+            <p:cNvPr id="7" name="文字方塊 6">
+              <a:extLst>
+                <a:ext uri="{FF2B5EF4-FFF2-40B4-BE49-F238E27FC236}">
+                  <a16:creationId xmlns:a16="http://schemas.microsoft.com/office/drawing/2014/main" id="{7C7E08C1-2271-43BE-84CA-8F3F1DE1FC37}"/>
+                </a:ext>
+              </a:extLst>
+            </p:cNvPr>
+            <p:cNvSpPr txBox="1"/>
+            <p:nvPr/>
+          </p:nvSpPr>
+          <p:spPr>
+            <a:xfrm>
+              <a:off x="9185049" y="6296967"/>
+              <a:ext cx="2768708" cy="307777"/>
+            </a:xfrm>
+            <a:prstGeom prst="rect">
+              <a:avLst/>
+            </a:prstGeom>
+            <a:noFill/>
+          </p:spPr>
+          <p:txBody>
+            <a:bodyPr wrap="none" rtlCol="0">
+              <a:spAutoFit/>
+            </a:bodyPr>
+            <a:lstStyle/>
+            <a:p>
+              <a:pPr algn="r"/>
+              <a:r>
+                <a:rPr lang="en-US" altLang="zh-TW" sz="1400">
+                  <a:solidFill>
+                    <a:schemeClr val="accent3"/>
+                  </a:solidFill>
+                </a:rPr>
+                <a:t>ModDataComponentTypes.java</a:t>
+              </a:r>
+              <a:endParaRPr lang="zh-TW" altLang="en-US" sz="1400">
+                <a:solidFill>
+                  <a:schemeClr val="accent3"/>
+                </a:solidFill>
+              </a:endParaRPr>
+            </a:p>
+          </p:txBody>
+        </p:sp>
+      </p:grpSp>
+    </p:spTree>
+    <p:extLst>
+      <p:ext uri="{BB962C8B-B14F-4D97-AF65-F5344CB8AC3E}">
+        <p14:creationId xmlns:p14="http://schemas.microsoft.com/office/powerpoint/2010/main" val="4145445210"/>
+      </p:ext>
+    </p:extLst>
+  </p:cSld>
+  <p:clrMapOvr>
+    <a:masterClrMapping/>
+  </p:clrMapOvr>
+  <p:transition spd="slow">
+    <p:push dir="u"/>
+  </p:transition>
+</p:sld>
+</file>
+
+<file path=ppt/slides/slide9.xml><?xml version="1.0" encoding="utf-8"?>
+<p:sld xmlns:a="http://schemas.openxmlformats.org/drawingml/2006/main" xmlns:r="http://schemas.openxmlformats.org/officeDocument/2006/relationships" xmlns:p="http://schemas.openxmlformats.org/presentationml/2006/main">
+  <p:cSld>
+    <p:spTree>
+      <p:nvGrpSpPr>
+        <p:cNvPr id="1" name=""/>
+        <p:cNvGrpSpPr/>
+        <p:nvPr/>
+      </p:nvGrpSpPr>
+      <p:grpSpPr>
+        <a:xfrm>
+          <a:off x="0" y="0"/>
+          <a:ext cx="0" cy="0"/>
+          <a:chOff x="0" y="0"/>
+          <a:chExt cx="0" cy="0"/>
+        </a:xfrm>
+      </p:grpSpPr>
+      <p:sp>
+        <p:nvSpPr>
+          <p:cNvPr id="2" name="標題 1">
+            <a:extLst>
+              <a:ext uri="{FF2B5EF4-FFF2-40B4-BE49-F238E27FC236}">
+                <a16:creationId xmlns:a16="http://schemas.microsoft.com/office/drawing/2014/main" id="{CDFBE34E-6AB9-4F62-B404-FBDD8C616B0B}"/>
+              </a:ext>
+            </a:extLst>
+          </p:cNvPr>
+          <p:cNvSpPr>
+            <a:spLocks noGrp="1"/>
+          </p:cNvSpPr>
+          <p:nvPr>
+            <p:ph type="title"/>
+          </p:nvPr>
+        </p:nvSpPr>
+        <p:spPr>
+          <a:xfrm>
+            <a:off x="838200" y="365125"/>
+            <a:ext cx="10515600" cy="1325563"/>
+          </a:xfrm>
+        </p:spPr>
+        <p:txBody>
+          <a:bodyPr/>
+          <a:lstStyle/>
+          <a:p>
+            <a:r>
+              <a:rPr lang="zh-TW" altLang="en-US"/>
+              <a:t>方塊實體</a:t>
+            </a:r>
+          </a:p>
+        </p:txBody>
+      </p:sp>
+      <p:sp>
+        <p:nvSpPr>
+          <p:cNvPr id="6" name="內容版面配置區 5">
+            <a:extLst>
+              <a:ext uri="{FF2B5EF4-FFF2-40B4-BE49-F238E27FC236}">
+                <a16:creationId xmlns:a16="http://schemas.microsoft.com/office/drawing/2014/main" id="{6B233F88-DADC-40B2-B858-FA1CAF6CE4D1}"/>
+              </a:ext>
+            </a:extLst>
+          </p:cNvPr>
+          <p:cNvSpPr>
+            <a:spLocks noGrp="1"/>
+          </p:cNvSpPr>
+          <p:nvPr>
+            <p:ph idx="1"/>
+          </p:nvPr>
+        </p:nvSpPr>
+        <p:spPr>
+          <a:xfrm>
+            <a:off x="838200" y="1637647"/>
+            <a:ext cx="10515600" cy="4727294"/>
+          </a:xfrm>
+        </p:spPr>
+        <p:txBody>
+          <a:bodyPr>
+            <a:normAutofit/>
+          </a:bodyPr>
+          <a:lstStyle/>
+          <a:p>
+            <a:r>
+              <a:rPr lang="zh-TW" altLang="en-US">
+                <a:solidFill>
+                  <a:srgbClr val="00B0F0"/>
+                </a:solidFill>
+              </a:rPr>
+              <a:t>方塊實體</a:t>
+            </a:r>
+            <a:r>
+              <a:rPr lang="en-US" altLang="zh-TW">
+                <a:solidFill>
+                  <a:srgbClr val="00B0F0"/>
+                </a:solidFill>
+              </a:rPr>
+              <a:t>(block entity</a:t>
+            </a:r>
+            <a:r>
+              <a:rPr lang="zh-TW" altLang="en-US">
+                <a:solidFill>
+                  <a:srgbClr val="00B0F0"/>
+                </a:solidFill>
+              </a:rPr>
+              <a:t>、</a:t>
+            </a:r>
+            <a:r>
+              <a:rPr lang="en-US" altLang="zh-TW">
+                <a:solidFill>
+                  <a:srgbClr val="00B0F0"/>
+                </a:solidFill>
+              </a:rPr>
+              <a:t>tile entity)</a:t>
+            </a:r>
+          </a:p>
+          <a:p>
+            <a:r>
+              <a:rPr lang="zh-TW" altLang="en-US"/>
+              <a:t>是用於儲存</a:t>
+            </a:r>
+            <a:r>
+              <a:rPr lang="zh-TW" altLang="en-US">
+                <a:solidFill>
+                  <a:srgbClr val="00B0F0"/>
+                </a:solidFill>
+              </a:rPr>
+              <a:t>方塊狀態</a:t>
+            </a:r>
+            <a:r>
+              <a:rPr lang="zh-TW" altLang="en-US"/>
+              <a:t>之外的任意資料</a:t>
+            </a:r>
+            <a:endParaRPr lang="en-US" altLang="zh-TW"/>
+          </a:p>
+          <a:p>
+            <a:r>
+              <a:rPr lang="zh-TW" altLang="en-US"/>
+              <a:t>並且每</a:t>
+            </a:r>
+            <a:r>
+              <a:rPr lang="zh-TW" altLang="en-US">
+                <a:solidFill>
+                  <a:srgbClr val="00B0F0"/>
+                </a:solidFill>
+              </a:rPr>
+              <a:t>刻</a:t>
+            </a:r>
+            <a:r>
+              <a:rPr lang="en-US" altLang="zh-TW">
+                <a:solidFill>
+                  <a:srgbClr val="00B0F0"/>
+                </a:solidFill>
+              </a:rPr>
+              <a:t>(tick</a:t>
+            </a:r>
+            <a:r>
+              <a:rPr lang="zh-TW" altLang="en-US">
+                <a:solidFill>
+                  <a:srgbClr val="00B0F0"/>
+                </a:solidFill>
+              </a:rPr>
+              <a:t>，</a:t>
+            </a:r>
+            <a:r>
+              <a:rPr lang="en-US" altLang="zh-TW">
+                <a:solidFill>
+                  <a:srgbClr val="FFFF00"/>
+                </a:solidFill>
+              </a:rPr>
+              <a:t>20</a:t>
+            </a:r>
+            <a:r>
+              <a:rPr lang="zh-TW" altLang="en-US">
+                <a:solidFill>
+                  <a:srgbClr val="FFFF00"/>
+                </a:solidFill>
+              </a:rPr>
+              <a:t> 刻 </a:t>
+            </a:r>
+            <a:r>
+              <a:rPr lang="en-US" altLang="zh-TW">
+                <a:solidFill>
+                  <a:srgbClr val="FFFF00"/>
+                </a:solidFill>
+              </a:rPr>
+              <a:t>= 1 </a:t>
+            </a:r>
+            <a:r>
+              <a:rPr lang="zh-TW" altLang="en-US">
+                <a:solidFill>
+                  <a:srgbClr val="FFFF00"/>
+                </a:solidFill>
+              </a:rPr>
+              <a:t>秒</a:t>
+            </a:r>
+            <a:r>
+              <a:rPr lang="en-US" altLang="zh-TW">
+                <a:solidFill>
+                  <a:srgbClr val="00B0F0"/>
+                </a:solidFill>
+              </a:rPr>
+              <a:t>)</a:t>
+            </a:r>
+            <a:r>
+              <a:rPr lang="zh-TW" altLang="en-US"/>
+              <a:t>皆會更新</a:t>
+            </a:r>
+            <a:endParaRPr lang="en-US" altLang="zh-TW"/>
+          </a:p>
+          <a:p>
+            <a:r>
+              <a:rPr lang="zh-TW" altLang="en-US"/>
+              <a:t>因此常用於一些能存放東西的</a:t>
+            </a:r>
+            <a:r>
+              <a:rPr lang="zh-TW" altLang="en-US">
+                <a:solidFill>
+                  <a:srgbClr val="00B0F0"/>
+                </a:solidFill>
+              </a:rPr>
+              <a:t>方塊</a:t>
+            </a:r>
+            <a:r>
+              <a:rPr lang="zh-TW" altLang="en-US"/>
+              <a:t>，或每</a:t>
+            </a:r>
+            <a:r>
+              <a:rPr lang="zh-TW" altLang="en-US">
+                <a:solidFill>
+                  <a:srgbClr val="00B0F0"/>
+                </a:solidFill>
+              </a:rPr>
+              <a:t>刻</a:t>
+            </a:r>
+            <a:r>
+              <a:rPr lang="zh-TW" altLang="en-US"/>
+              <a:t>都要執行功能的</a:t>
+            </a:r>
+            <a:r>
+              <a:rPr lang="zh-TW" altLang="en-US">
+                <a:solidFill>
+                  <a:srgbClr val="00B0F0"/>
+                </a:solidFill>
+              </a:rPr>
+              <a:t>方塊</a:t>
+            </a:r>
+            <a:endParaRPr lang="en-US" altLang="zh-TW">
+              <a:solidFill>
+                <a:srgbClr val="00B0F0"/>
+              </a:solidFill>
+            </a:endParaRPr>
+          </a:p>
+          <a:p>
+            <a:r>
+              <a:rPr lang="zh-TW" altLang="en-US"/>
+              <a:t>如</a:t>
             </a:r>
             <a:r>
               <a:rPr lang="zh-TW" altLang="en-US">
@@ -8584,9 +10953,151 @@
             </a:r>
             <a:r>
               <a:rPr lang="zh-TW" altLang="en-US"/>
+              <a:t>、</a:t>
+            </a:r>
+            <a:r>
+              <a:rPr lang="zh-TW" altLang="en-US">
+                <a:solidFill>
+                  <a:srgbClr val="92D050"/>
+                </a:solidFill>
+              </a:rPr>
+              <a:t>釀造台</a:t>
+            </a:r>
+            <a:r>
+              <a:rPr lang="zh-TW" altLang="en-US"/>
+              <a:t>、</a:t>
+            </a:r>
+            <a:r>
+              <a:rPr lang="zh-TW" altLang="en-US">
+                <a:solidFill>
+                  <a:srgbClr val="92D050"/>
+                </a:solidFill>
+              </a:rPr>
+              <a:t>日光感應器</a:t>
+            </a:r>
+            <a:r>
+              <a:rPr lang="zh-TW" altLang="en-US"/>
+              <a:t>、</a:t>
+            </a:r>
+            <a:r>
+              <a:rPr lang="zh-TW" altLang="en-US">
+                <a:solidFill>
+                  <a:srgbClr val="92D050"/>
+                </a:solidFill>
+              </a:rPr>
+              <a:t>海靈核心</a:t>
+            </a:r>
+            <a:r>
+              <a:rPr lang="zh-TW" altLang="en-US"/>
               <a:t>等</a:t>
             </a:r>
             <a:endParaRPr lang="en-US" altLang="zh-TW"/>
+          </a:p>
+          <a:p>
+            <a:r>
+              <a:rPr lang="zh-TW" altLang="en-US">
+                <a:solidFill>
+                  <a:srgbClr val="00B0F0"/>
+                </a:solidFill>
+              </a:rPr>
+              <a:t>方塊實體類別</a:t>
+            </a:r>
+            <a:r>
+              <a:rPr lang="zh-TW" altLang="en-US"/>
+              <a:t>為 </a:t>
+            </a:r>
+            <a:r>
+              <a:rPr lang="en-US" altLang="zh-TW">
+                <a:solidFill>
+                  <a:srgbClr val="FFFF00"/>
+                </a:solidFill>
+              </a:rPr>
+              <a:t>net.minecraft.block.entity.BlockEntity</a:t>
+            </a:r>
+          </a:p>
+          <a:p>
+            <a:r>
+              <a:rPr lang="zh-TW" altLang="en-US">
+                <a:solidFill>
+                  <a:srgbClr val="00B0F0"/>
+                </a:solidFill>
+              </a:rPr>
+              <a:t>方塊實體類型類別</a:t>
+            </a:r>
+            <a:r>
+              <a:rPr lang="zh-TW" altLang="en-US"/>
+              <a:t>為</a:t>
+            </a:r>
+            <a:endParaRPr lang="en-US" altLang="zh-TW">
+              <a:solidFill>
+                <a:srgbClr val="00B0F0"/>
+              </a:solidFill>
+            </a:endParaRPr>
+          </a:p>
+          <a:p>
+            <a:r>
+              <a:rPr lang="en-US" altLang="zh-TW">
+                <a:solidFill>
+                  <a:srgbClr val="FFFF00"/>
+                </a:solidFill>
+              </a:rPr>
+              <a:t>net.minecraft.block.entity.BlockEntityType</a:t>
+            </a:r>
+            <a:r>
+              <a:rPr lang="en-US" altLang="zh-TW">
+                <a:solidFill>
+                  <a:srgbClr val="00B0F0"/>
+                </a:solidFill>
+              </a:rPr>
+              <a:t>&lt;</a:t>
+            </a:r>
+            <a:r>
+              <a:rPr lang="en-US" altLang="zh-TW">
+                <a:solidFill>
+                  <a:srgbClr val="FFC000"/>
+                </a:solidFill>
+              </a:rPr>
+              <a:t>T</a:t>
+            </a:r>
+            <a:r>
+              <a:rPr lang="en-US" altLang="zh-TW">
+                <a:solidFill>
+                  <a:srgbClr val="00B0F0"/>
+                </a:solidFill>
+              </a:rPr>
+              <a:t>&gt;</a:t>
+            </a:r>
+          </a:p>
+          <a:p>
+            <a:r>
+              <a:rPr lang="zh-TW" altLang="en-US"/>
+              <a:t>我們需要</a:t>
+            </a:r>
+            <a:r>
+              <a:rPr lang="zh-TW" altLang="en-US">
+                <a:solidFill>
+                  <a:srgbClr val="FFC000"/>
+                </a:solidFill>
+              </a:rPr>
+              <a:t>註冊</a:t>
+            </a:r>
+            <a:r>
+              <a:rPr lang="zh-TW" altLang="en-US"/>
+              <a:t>的是</a:t>
+            </a:r>
+            <a:r>
+              <a:rPr lang="zh-TW" altLang="en-US">
+                <a:solidFill>
+                  <a:srgbClr val="00B0F0"/>
+                </a:solidFill>
+              </a:rPr>
+              <a:t>方塊實體類型</a:t>
+            </a:r>
+            <a:endParaRPr lang="en-US" altLang="zh-TW">
+              <a:solidFill>
+                <a:srgbClr val="00B0F0"/>
+              </a:solidFill>
+            </a:endParaRPr>
           </a:p>
         </p:txBody>
       </p:sp>

--- a/ppt/54_Java 專案：NBT.pptx
+++ b/ppt/54_Java 專案：NBT.pptx
@@ -5,7 +5,7 @@
     <p:sldMasterId id="2147483665" r:id="rId1"/>
   </p:sldMasterIdLst>
   <p:notesMasterIdLst>
-    <p:notesMasterId r:id="rId28"/>
+    <p:notesMasterId r:id="rId30"/>
   </p:notesMasterIdLst>
   <p:sldIdLst>
     <p:sldId id="256" r:id="rId2"/>
@@ -31,9 +31,11 @@
     <p:sldId id="277" r:id="rId22"/>
     <p:sldId id="278" r:id="rId23"/>
     <p:sldId id="279" r:id="rId24"/>
-    <p:sldId id="282" r:id="rId25"/>
-    <p:sldId id="283" r:id="rId26"/>
-    <p:sldId id="285" r:id="rId27"/>
+    <p:sldId id="285" r:id="rId25"/>
+    <p:sldId id="282" r:id="rId26"/>
+    <p:sldId id="283" r:id="rId27"/>
+    <p:sldId id="286" r:id="rId28"/>
+    <p:sldId id="288" r:id="rId29"/>
   </p:sldIdLst>
   <p:sldSz cx="12192000" cy="6858000"/>
   <p:notesSz cx="6858000" cy="9144000"/>
@@ -16927,10 +16929,10 @@
       </p:sp>
       <p:sp>
         <p:nvSpPr>
-          <p:cNvPr id="3" name="內容版面配置區 2">
+          <p:cNvPr id="5" name="內容版面配置區 4">
             <a:extLst>
               <a:ext uri="{FF2B5EF4-FFF2-40B4-BE49-F238E27FC236}">
-                <a16:creationId xmlns:a16="http://schemas.microsoft.com/office/drawing/2014/main" id="{90CFCDB1-E768-4E5F-9483-5BAF24FAF355}"/>
+                <a16:creationId xmlns:a16="http://schemas.microsoft.com/office/drawing/2014/main" id="{E6650E5A-62AF-4208-AEA3-B85A8F11E40B}"/>
               </a:ext>
             </a:extLst>
           </p:cNvPr>
@@ -16943,8 +16945,8 @@
         </p:nvSpPr>
         <p:spPr>
           <a:xfrm>
-            <a:off x="362679" y="887469"/>
-            <a:ext cx="11466642" cy="990270"/>
+            <a:off x="582706" y="915614"/>
+            <a:ext cx="11026588" cy="1358520"/>
           </a:xfrm>
         </p:spPr>
         <p:txBody>
@@ -16954,11 +16956,43 @@
           <a:lstStyle/>
           <a:p>
             <a:r>
-              <a:rPr lang="zh-TW" altLang="en-US"/>
-              <a:t>具有方塊實體的方塊需覆寫 </a:t>
-            </a:r>
-            <a:r>
-              <a:rPr lang="en-US" altLang="zh-TW">
+              <a:rPr lang="zh-TW" altLang="en-US" sz="2400"/>
+              <a:t>具有</a:t>
+            </a:r>
+            <a:r>
+              <a:rPr lang="zh-TW" altLang="en-US" sz="2400">
+                <a:solidFill>
+                  <a:srgbClr val="00B0F0"/>
+                </a:solidFill>
+              </a:rPr>
+              <a:t>方塊實體</a:t>
+            </a:r>
+            <a:r>
+              <a:rPr lang="zh-TW" altLang="en-US" sz="2400"/>
+              <a:t>的</a:t>
+            </a:r>
+            <a:r>
+              <a:rPr lang="zh-TW" altLang="en-US" sz="2400">
+                <a:solidFill>
+                  <a:srgbClr val="00B0F0"/>
+                </a:solidFill>
+              </a:rPr>
+              <a:t>方塊</a:t>
+            </a:r>
+            <a:r>
+              <a:rPr lang="zh-TW" altLang="en-US" sz="2400"/>
+              <a:t>需</a:t>
+            </a:r>
+            <a:r>
+              <a:rPr lang="zh-TW" altLang="en-US" sz="2400">
+                <a:solidFill>
+                  <a:srgbClr val="FFC000"/>
+                </a:solidFill>
+              </a:rPr>
+              <a:t>覆寫 </a:t>
+            </a:r>
+            <a:r>
+              <a:rPr lang="en-US" altLang="zh-TW" sz="2400">
                 <a:solidFill>
                   <a:srgbClr val="FFC000"/>
                 </a:solidFill>
@@ -16966,7 +17000,7 @@
               <a:t>getCodec</a:t>
             </a:r>
             <a:r>
-              <a:rPr lang="en-US" altLang="zh-TW">
+              <a:rPr lang="en-US" altLang="zh-TW" sz="2400">
                 <a:solidFill>
                   <a:srgbClr val="00B0F0"/>
                 </a:solidFill>
@@ -16974,11 +17008,11 @@
               <a:t>()</a:t>
             </a:r>
             <a:r>
-              <a:rPr lang="en-US" altLang="zh-TW"/>
+              <a:rPr lang="en-US" altLang="zh-TW" sz="2400"/>
               <a:t> </a:t>
             </a:r>
             <a:r>
-              <a:rPr lang="zh-TW" altLang="en-US">
+              <a:rPr lang="zh-TW" altLang="en-US" sz="2400">
                 <a:solidFill>
                   <a:srgbClr val="00B0F0"/>
                 </a:solidFill>
@@ -16986,11 +17020,11 @@
               <a:t>方法</a:t>
             </a:r>
             <a:r>
-              <a:rPr lang="zh-TW" altLang="en-US"/>
+              <a:rPr lang="zh-TW" altLang="en-US" sz="2400"/>
               <a:t>，</a:t>
             </a:r>
             <a:r>
-              <a:rPr lang="zh-TW" altLang="en-US">
+              <a:rPr lang="zh-TW" altLang="en-US" sz="2400">
                 <a:solidFill>
                   <a:srgbClr val="FFC000"/>
                 </a:solidFill>
@@ -16998,11 +17032,11 @@
               <a:t>回傳</a:t>
             </a:r>
             <a:r>
-              <a:rPr lang="zh-TW" altLang="en-US"/>
+              <a:rPr lang="zh-TW" altLang="en-US" sz="2400"/>
               <a:t>此</a:t>
             </a:r>
             <a:r>
-              <a:rPr lang="zh-TW" altLang="en-US">
+              <a:rPr lang="zh-TW" altLang="en-US" sz="2400">
                 <a:solidFill>
                   <a:srgbClr val="00B0F0"/>
                 </a:solidFill>
@@ -17010,18 +17044,18 @@
               <a:t>方塊</a:t>
             </a:r>
             <a:r>
-              <a:rPr lang="zh-TW" altLang="en-US"/>
+              <a:rPr lang="zh-TW" altLang="en-US" sz="2400"/>
               <a:t>的</a:t>
             </a:r>
             <a:r>
-              <a:rPr lang="zh-TW" altLang="en-US">
+              <a:rPr lang="zh-TW" altLang="en-US" sz="2400">
                 <a:solidFill>
                   <a:srgbClr val="00B0F0"/>
                 </a:solidFill>
               </a:rPr>
               <a:t>編解碼器</a:t>
             </a:r>
-            <a:endParaRPr lang="en-US" altLang="zh-TW">
+            <a:endParaRPr lang="en-US" altLang="zh-TW" sz="2400">
               <a:solidFill>
                 <a:srgbClr val="00B0F0"/>
               </a:solidFill>
@@ -17029,11 +17063,11 @@
           </a:p>
           <a:p>
             <a:r>
-              <a:rPr lang="zh-TW" altLang="en-US"/>
+              <a:rPr lang="zh-TW" altLang="en-US" sz="2400"/>
               <a:t>可呼叫</a:t>
             </a:r>
             <a:r>
-              <a:rPr lang="zh-TW" altLang="en-US">
+              <a:rPr lang="zh-TW" altLang="en-US" sz="2400">
                 <a:solidFill>
                   <a:srgbClr val="00B0F0"/>
                 </a:solidFill>
@@ -17041,7 +17075,7 @@
               <a:t>靜態方法 </a:t>
             </a:r>
             <a:r>
-              <a:rPr lang="en-US" altLang="zh-TW">
+              <a:rPr lang="en-US" altLang="zh-TW" sz="2400">
                 <a:solidFill>
                   <a:srgbClr val="92D050"/>
                 </a:solidFill>
@@ -17049,11 +17083,11 @@
               <a:t>createCodec</a:t>
             </a:r>
             <a:r>
-              <a:rPr lang="zh-TW" altLang="en-US"/>
+              <a:rPr lang="zh-TW" altLang="en-US" sz="2400"/>
               <a:t> 並</a:t>
             </a:r>
             <a:r>
-              <a:rPr lang="zh-TW" altLang="en-US">
+              <a:rPr lang="zh-TW" altLang="en-US" sz="2400">
                 <a:solidFill>
                   <a:srgbClr val="FFC000"/>
                 </a:solidFill>
@@ -17061,11 +17095,11 @@
               <a:t>傳入</a:t>
             </a:r>
             <a:r>
-              <a:rPr lang="zh-TW" altLang="en-US"/>
+              <a:rPr lang="zh-TW" altLang="en-US" sz="2400"/>
               <a:t>此</a:t>
             </a:r>
             <a:r>
-              <a:rPr lang="zh-TW" altLang="en-US">
+              <a:rPr lang="zh-TW" altLang="en-US" sz="2400">
                 <a:solidFill>
                   <a:srgbClr val="00B0F0"/>
                 </a:solidFill>
@@ -17073,11 +17107,11 @@
               <a:t>方塊建構子</a:t>
             </a:r>
             <a:r>
-              <a:rPr lang="zh-TW" altLang="en-US"/>
+              <a:rPr lang="zh-TW" altLang="en-US" sz="2400"/>
               <a:t>來</a:t>
             </a:r>
             <a:r>
-              <a:rPr lang="zh-TW" altLang="en-US">
+              <a:rPr lang="zh-TW" altLang="en-US" sz="2400">
                 <a:solidFill>
                   <a:srgbClr val="FFC000"/>
                 </a:solidFill>
@@ -17085,13 +17119,137 @@
               <a:t>創建</a:t>
             </a:r>
             <a:r>
-              <a:rPr lang="zh-TW" altLang="en-US">
+              <a:rPr lang="zh-TW" altLang="en-US" sz="2400">
                 <a:solidFill>
                   <a:srgbClr val="00B0F0"/>
                 </a:solidFill>
               </a:rPr>
               <a:t>編解碼器</a:t>
             </a:r>
+            <a:endParaRPr lang="en-US" altLang="zh-TW" sz="2400">
+              <a:solidFill>
+                <a:srgbClr val="00B0F0"/>
+              </a:solidFill>
+            </a:endParaRPr>
+          </a:p>
+          <a:p>
+            <a:r>
+              <a:rPr lang="zh-TW" altLang="en-US" sz="2400"/>
+              <a:t>具有</a:t>
+            </a:r>
+            <a:r>
+              <a:rPr lang="zh-TW" altLang="en-US" sz="2400">
+                <a:solidFill>
+                  <a:srgbClr val="00B0F0"/>
+                </a:solidFill>
+              </a:rPr>
+              <a:t>方塊實體</a:t>
+            </a:r>
+            <a:r>
+              <a:rPr lang="zh-TW" altLang="en-US" sz="2400"/>
+              <a:t>的</a:t>
+            </a:r>
+            <a:r>
+              <a:rPr lang="zh-TW" altLang="en-US" sz="2400">
+                <a:solidFill>
+                  <a:srgbClr val="00B0F0"/>
+                </a:solidFill>
+              </a:rPr>
+              <a:t>方塊</a:t>
+            </a:r>
+            <a:r>
+              <a:rPr lang="zh-TW" altLang="en-US" sz="2400"/>
+              <a:t>需</a:t>
+            </a:r>
+            <a:r>
+              <a:rPr lang="zh-TW" altLang="en-US" sz="2400">
+                <a:solidFill>
+                  <a:srgbClr val="FFC000"/>
+                </a:solidFill>
+              </a:rPr>
+              <a:t>覆寫 </a:t>
+            </a:r>
+            <a:r>
+              <a:rPr lang="en-US" altLang="zh-TW" sz="2400">
+                <a:solidFill>
+                  <a:srgbClr val="FFC000"/>
+                </a:solidFill>
+              </a:rPr>
+              <a:t>getTicker</a:t>
+            </a:r>
+            <a:r>
+              <a:rPr lang="en-US" altLang="zh-TW" sz="2400">
+                <a:solidFill>
+                  <a:srgbClr val="00B0F0"/>
+                </a:solidFill>
+              </a:rPr>
+              <a:t>()</a:t>
+            </a:r>
+            <a:r>
+              <a:rPr lang="en-US" altLang="zh-TW" sz="2400"/>
+              <a:t> </a:t>
+            </a:r>
+            <a:r>
+              <a:rPr lang="zh-TW" altLang="en-US" sz="2400">
+                <a:solidFill>
+                  <a:srgbClr val="00B0F0"/>
+                </a:solidFill>
+              </a:rPr>
+              <a:t>方法</a:t>
+            </a:r>
+            <a:r>
+              <a:rPr lang="zh-TW" altLang="en-US" sz="2400"/>
+              <a:t>，</a:t>
+            </a:r>
+            <a:r>
+              <a:rPr lang="zh-TW" altLang="en-US" sz="2400">
+                <a:solidFill>
+                  <a:srgbClr val="FFC000"/>
+                </a:solidFill>
+              </a:rPr>
+              <a:t>回傳</a:t>
+            </a:r>
+            <a:r>
+              <a:rPr lang="zh-TW" altLang="en-US" sz="2400"/>
+              <a:t>此</a:t>
+            </a:r>
+            <a:r>
+              <a:rPr lang="zh-TW" altLang="en-US" sz="2400">
+                <a:solidFill>
+                  <a:srgbClr val="00B0F0"/>
+                </a:solidFill>
+              </a:rPr>
+              <a:t>方塊</a:t>
+            </a:r>
+            <a:r>
+              <a:rPr lang="zh-TW" altLang="en-US" sz="2400"/>
+              <a:t>的每</a:t>
+            </a:r>
+            <a:r>
+              <a:rPr lang="zh-TW" altLang="en-US" sz="2400">
+                <a:solidFill>
+                  <a:srgbClr val="00B0F0"/>
+                </a:solidFill>
+              </a:rPr>
+              <a:t>刻</a:t>
+            </a:r>
+            <a:r>
+              <a:rPr lang="zh-TW" altLang="en-US" sz="2400"/>
+              <a:t>執行的</a:t>
+            </a:r>
+            <a:r>
+              <a:rPr lang="zh-TW" altLang="en-US" sz="2400">
+                <a:solidFill>
+                  <a:srgbClr val="00B0F0"/>
+                </a:solidFill>
+              </a:rPr>
+              <a:t>函式</a:t>
+            </a:r>
+            <a:endParaRPr lang="en-US" altLang="zh-TW" sz="2400">
+              <a:solidFill>
+                <a:srgbClr val="00B0F0"/>
+              </a:solidFill>
+            </a:endParaRPr>
           </a:p>
         </p:txBody>
       </p:sp>
@@ -17109,10 +17267,10 @@
         </p:nvGrpSpPr>
         <p:grpSpPr>
           <a:xfrm>
-            <a:off x="362679" y="1877739"/>
-            <a:ext cx="11466642" cy="4693796"/>
-            <a:chOff x="362679" y="1877739"/>
-            <a:chExt cx="11466642" cy="4693796"/>
+            <a:off x="582706" y="2284751"/>
+            <a:ext cx="11026588" cy="4459299"/>
+            <a:chOff x="1123025" y="2303842"/>
+            <a:chExt cx="11026588" cy="4459299"/>
           </a:xfrm>
         </p:grpSpPr>
         <p:grpSp>
@@ -17129,10 +17287,10 @@
           </p:nvGrpSpPr>
           <p:grpSpPr>
             <a:xfrm>
-              <a:off x="362679" y="1877739"/>
-              <a:ext cx="11466642" cy="4693593"/>
-              <a:chOff x="2780579" y="1671736"/>
-              <a:chExt cx="11466642" cy="4693593"/>
+              <a:off x="1123025" y="2303842"/>
+              <a:ext cx="11026588" cy="4293483"/>
+              <a:chOff x="3540925" y="2097839"/>
+              <a:chExt cx="11026588" cy="4293483"/>
             </a:xfrm>
           </p:grpSpPr>
           <p:sp>
@@ -17151,8 +17309,8 @@
             </p:nvSpPr>
             <p:spPr bwMode="auto">
               <a:xfrm>
-                <a:off x="2780579" y="1671736"/>
-                <a:ext cx="11466642" cy="4693593"/>
+                <a:off x="3540925" y="2097839"/>
+                <a:ext cx="11026588" cy="4293483"/>
               </a:xfrm>
               <a:prstGeom prst="rect">
                 <a:avLst/>
@@ -17212,7 +17370,7 @@
                   <a:tabLst/>
                 </a:pPr>
                 <a:r>
-                  <a:rPr kumimoji="0" lang="zh-TW" altLang="zh-TW" sz="1150" b="0" i="0" u="none" strike="noStrike" cap="none" normalizeH="0" baseline="0">
+                  <a:rPr kumimoji="0" lang="zh-TW" altLang="zh-TW" sz="1100" b="0" i="0" u="none" strike="noStrike" cap="none" normalizeH="0" baseline="0">
                     <a:ln>
                       <a:noFill/>
                     </a:ln>
@@ -17226,7 +17384,7 @@
                   <a:t>package </a:t>
                 </a:r>
                 <a:r>
-                  <a:rPr kumimoji="0" lang="zh-TW" altLang="zh-TW" sz="1150" b="0" i="0" u="none" strike="noStrike" cap="none" normalizeH="0" baseline="0">
+                  <a:rPr kumimoji="0" lang="zh-TW" altLang="zh-TW" sz="1100" b="0" i="0" u="none" strike="noStrike" cap="none" normalizeH="0" baseline="0">
                     <a:ln>
                       <a:noFill/>
                     </a:ln>
@@ -17240,7 +17398,7 @@
                   <a:t>org.tyic.tyicmod.block;</a:t>
                 </a:r>
                 <a:br>
-                  <a:rPr kumimoji="0" lang="zh-TW" altLang="zh-TW" sz="1150" b="0" i="0" u="none" strike="noStrike" cap="none" normalizeH="0" baseline="0">
+                  <a:rPr kumimoji="0" lang="zh-TW" altLang="zh-TW" sz="1100" b="0" i="0" u="none" strike="noStrike" cap="none" normalizeH="0" baseline="0">
                     <a:ln>
                       <a:noFill/>
                     </a:ln>
@@ -17253,7 +17411,7 @@
                   </a:rPr>
                 </a:br>
                 <a:br>
-                  <a:rPr kumimoji="0" lang="zh-TW" altLang="zh-TW" sz="1150" b="0" i="0" u="none" strike="noStrike" cap="none" normalizeH="0" baseline="0">
+                  <a:rPr kumimoji="0" lang="zh-TW" altLang="zh-TW" sz="1100" b="0" i="0" u="none" strike="noStrike" cap="none" normalizeH="0" baseline="0">
                     <a:ln>
                       <a:noFill/>
                     </a:ln>
@@ -17266,7 +17424,7 @@
                   </a:rPr>
                 </a:br>
                 <a:r>
-                  <a:rPr kumimoji="0" lang="zh-TW" altLang="zh-TW" sz="1150" b="0" i="0" u="none" strike="noStrike" cap="none" normalizeH="0" baseline="0">
+                  <a:rPr kumimoji="0" lang="zh-TW" altLang="zh-TW" sz="1100" b="0" i="0" u="none" strike="noStrike" cap="none" normalizeH="0" baseline="0">
                     <a:ln>
                       <a:noFill/>
                     </a:ln>
@@ -17280,7 +17438,7 @@
                   <a:t>import </a:t>
                 </a:r>
                 <a:r>
-                  <a:rPr lang="en-US" altLang="zh-TW" sz="1150">
+                  <a:rPr lang="en-US" altLang="zh-TW" sz="1100">
                     <a:solidFill>
                       <a:srgbClr val="BCBEC4"/>
                     </a:solidFill>
@@ -17290,7 +17448,7 @@
                   <a:t>(...)</a:t>
                 </a:r>
                 <a:br>
-                  <a:rPr kumimoji="0" lang="zh-TW" altLang="zh-TW" sz="1150" b="0" i="0" u="none" strike="noStrike" cap="none" normalizeH="0" baseline="0">
+                  <a:rPr kumimoji="0" lang="zh-TW" altLang="zh-TW" sz="1100" b="0" i="0" u="none" strike="noStrike" cap="none" normalizeH="0" baseline="0">
                     <a:ln>
                       <a:noFill/>
                     </a:ln>
@@ -17303,7 +17461,7 @@
                   </a:rPr>
                 </a:br>
                 <a:br>
-                  <a:rPr kumimoji="0" lang="zh-TW" altLang="zh-TW" sz="1150" b="0" i="0" u="none" strike="noStrike" cap="none" normalizeH="0" baseline="0">
+                  <a:rPr kumimoji="0" lang="zh-TW" altLang="zh-TW" sz="1100" b="0" i="0" u="none" strike="noStrike" cap="none" normalizeH="0" baseline="0">
                     <a:ln>
                       <a:noFill/>
                     </a:ln>
@@ -17316,7 +17474,7 @@
                   </a:rPr>
                 </a:br>
                 <a:r>
-                  <a:rPr kumimoji="0" lang="zh-TW" altLang="zh-TW" sz="1150" b="0" i="0" u="none" strike="noStrike" cap="none" normalizeH="0" baseline="0">
+                  <a:rPr kumimoji="0" lang="zh-TW" altLang="zh-TW" sz="1100" b="0" i="0" u="none" strike="noStrike" cap="none" normalizeH="0" baseline="0">
                     <a:ln>
                       <a:noFill/>
                     </a:ln>
@@ -17330,7 +17488,7 @@
                   <a:t>public class </a:t>
                 </a:r>
                 <a:r>
-                  <a:rPr kumimoji="0" lang="zh-TW" altLang="zh-TW" sz="1150" b="0" i="0" u="none" strike="noStrike" cap="none" normalizeH="0" baseline="0">
+                  <a:rPr kumimoji="0" lang="zh-TW" altLang="zh-TW" sz="1100" b="0" i="0" u="none" strike="noStrike" cap="none" normalizeH="0" baseline="0">
                     <a:ln>
                       <a:noFill/>
                     </a:ln>
@@ -17344,7 +17502,7 @@
                   <a:t>RedstoneHeaterBlock </a:t>
                 </a:r>
                 <a:r>
-                  <a:rPr kumimoji="0" lang="zh-TW" altLang="zh-TW" sz="1150" b="0" i="0" u="none" strike="noStrike" cap="none" normalizeH="0" baseline="0">
+                  <a:rPr kumimoji="0" lang="zh-TW" altLang="zh-TW" sz="1100" b="0" i="0" u="none" strike="noStrike" cap="none" normalizeH="0" baseline="0">
                     <a:ln>
                       <a:noFill/>
                     </a:ln>
@@ -17358,7 +17516,7 @@
                   <a:t>extends </a:t>
                 </a:r>
                 <a:r>
-                  <a:rPr kumimoji="0" lang="zh-TW" altLang="zh-TW" sz="1150" b="0" i="0" u="none" strike="noStrike" cap="none" normalizeH="0" baseline="0">
+                  <a:rPr kumimoji="0" lang="zh-TW" altLang="zh-TW" sz="1100" b="0" i="0" u="none" strike="noStrike" cap="none" normalizeH="0" baseline="0">
                     <a:ln>
                       <a:noFill/>
                     </a:ln>
@@ -17372,7 +17530,7 @@
                   <a:t>BlockWithEntity {</a:t>
                 </a:r>
                 <a:br>
-                  <a:rPr kumimoji="0" lang="zh-TW" altLang="zh-TW" sz="1150" b="0" i="0" u="none" strike="noStrike" cap="none" normalizeH="0" baseline="0">
+                  <a:rPr kumimoji="0" lang="zh-TW" altLang="zh-TW" sz="1100" b="0" i="0" u="none" strike="noStrike" cap="none" normalizeH="0" baseline="0">
                     <a:ln>
                       <a:noFill/>
                     </a:ln>
@@ -17385,7 +17543,7 @@
                   </a:rPr>
                 </a:br>
                 <a:r>
-                  <a:rPr kumimoji="0" lang="zh-TW" altLang="zh-TW" sz="1150" b="0" i="0" u="none" strike="noStrike" cap="none" normalizeH="0" baseline="0">
+                  <a:rPr kumimoji="0" lang="zh-TW" altLang="zh-TW" sz="1100" b="0" i="0" u="none" strike="noStrike" cap="none" normalizeH="0" baseline="0">
                     <a:ln>
                       <a:noFill/>
                     </a:ln>
@@ -17399,7 +17557,7 @@
                   <a:t>    </a:t>
                 </a:r>
                 <a:r>
-                  <a:rPr kumimoji="0" lang="zh-TW" altLang="zh-TW" sz="1150" b="0" i="0" u="none" strike="noStrike" cap="none" normalizeH="0" baseline="0">
+                  <a:rPr kumimoji="0" lang="zh-TW" altLang="zh-TW" sz="1100" b="0" i="0" u="none" strike="noStrike" cap="none" normalizeH="0" baseline="0">
                     <a:ln>
                       <a:noFill/>
                     </a:ln>
@@ -17413,7 +17571,7 @@
                   <a:t>public static final </a:t>
                 </a:r>
                 <a:r>
-                  <a:rPr kumimoji="0" lang="zh-TW" altLang="zh-TW" sz="1150" b="0" i="0" u="none" strike="noStrike" cap="none" normalizeH="0" baseline="0">
+                  <a:rPr kumimoji="0" lang="zh-TW" altLang="zh-TW" sz="1100" b="0" i="0" u="none" strike="noStrike" cap="none" normalizeH="0" baseline="0">
                     <a:ln>
                       <a:noFill/>
                     </a:ln>
@@ -17427,7 +17585,7 @@
                   <a:t>MapCodec&lt;RedstoneHeaterBlock&gt; </a:t>
                 </a:r>
                 <a:r>
-                  <a:rPr kumimoji="0" lang="zh-TW" altLang="zh-TW" sz="1150" b="0" i="1" u="none" strike="noStrike" cap="none" normalizeH="0" baseline="0">
+                  <a:rPr kumimoji="0" lang="zh-TW" altLang="zh-TW" sz="1100" b="0" i="1" u="none" strike="noStrike" cap="none" normalizeH="0" baseline="0">
                     <a:ln>
                       <a:noFill/>
                     </a:ln>
@@ -17441,7 +17599,7 @@
                   <a:t>CODEC </a:t>
                 </a:r>
                 <a:r>
-                  <a:rPr kumimoji="0" lang="zh-TW" altLang="zh-TW" sz="1150" b="0" i="0" u="none" strike="noStrike" cap="none" normalizeH="0" baseline="0">
+                  <a:rPr kumimoji="0" lang="zh-TW" altLang="zh-TW" sz="1100" b="0" i="0" u="none" strike="noStrike" cap="none" normalizeH="0" baseline="0">
                     <a:ln>
                       <a:noFill/>
                     </a:ln>
@@ -17455,7 +17613,7 @@
                   <a:t>= </a:t>
                 </a:r>
                 <a:r>
-                  <a:rPr kumimoji="0" lang="zh-TW" altLang="zh-TW" sz="1150" b="0" i="1" u="none" strike="noStrike" cap="none" normalizeH="0" baseline="0">
+                  <a:rPr kumimoji="0" lang="zh-TW" altLang="zh-TW" sz="1100" b="0" i="1" u="none" strike="noStrike" cap="none" normalizeH="0" baseline="0">
                     <a:ln>
                       <a:noFill/>
                     </a:ln>
@@ -17469,7 +17627,7 @@
                   <a:t>createCodec</a:t>
                 </a:r>
                 <a:r>
-                  <a:rPr kumimoji="0" lang="zh-TW" altLang="zh-TW" sz="1150" b="0" i="0" u="none" strike="noStrike" cap="none" normalizeH="0" baseline="0">
+                  <a:rPr kumimoji="0" lang="zh-TW" altLang="zh-TW" sz="1100" b="0" i="0" u="none" strike="noStrike" cap="none" normalizeH="0" baseline="0">
                     <a:ln>
                       <a:noFill/>
                     </a:ln>
@@ -17483,7 +17641,7 @@
                   <a:t>(RedstoneHeaterBlock::</a:t>
                 </a:r>
                 <a:r>
-                  <a:rPr kumimoji="0" lang="zh-TW" altLang="zh-TW" sz="1150" b="0" i="0" u="none" strike="noStrike" cap="none" normalizeH="0" baseline="0">
+                  <a:rPr kumimoji="0" lang="zh-TW" altLang="zh-TW" sz="1100" b="0" i="0" u="none" strike="noStrike" cap="none" normalizeH="0" baseline="0">
                     <a:ln>
                       <a:noFill/>
                     </a:ln>
@@ -17497,7 +17655,7 @@
                   <a:t>new</a:t>
                 </a:r>
                 <a:r>
-                  <a:rPr kumimoji="0" lang="zh-TW" altLang="zh-TW" sz="1150" b="0" i="0" u="none" strike="noStrike" cap="none" normalizeH="0" baseline="0">
+                  <a:rPr kumimoji="0" lang="zh-TW" altLang="zh-TW" sz="1100" b="0" i="0" u="none" strike="noStrike" cap="none" normalizeH="0" baseline="0">
                     <a:ln>
                       <a:noFill/>
                     </a:ln>
@@ -17511,7 +17669,7 @@
                   <a:t>);</a:t>
                 </a:r>
                 <a:br>
-                  <a:rPr kumimoji="0" lang="zh-TW" altLang="zh-TW" sz="1150" b="0" i="0" u="none" strike="noStrike" cap="none" normalizeH="0" baseline="0">
+                  <a:rPr kumimoji="0" lang="zh-TW" altLang="zh-TW" sz="1100" b="0" i="0" u="none" strike="noStrike" cap="none" normalizeH="0" baseline="0">
                     <a:ln>
                       <a:noFill/>
                     </a:ln>
@@ -17524,7 +17682,7 @@
                   </a:rPr>
                 </a:br>
                 <a:br>
-                  <a:rPr kumimoji="0" lang="zh-TW" altLang="zh-TW" sz="1150" b="0" i="0" u="none" strike="noStrike" cap="none" normalizeH="0" baseline="0">
+                  <a:rPr kumimoji="0" lang="zh-TW" altLang="zh-TW" sz="1100" b="0" i="0" u="none" strike="noStrike" cap="none" normalizeH="0" baseline="0">
                     <a:ln>
                       <a:noFill/>
                     </a:ln>
@@ -17537,7 +17695,7 @@
                   </a:rPr>
                 </a:br>
                 <a:r>
-                  <a:rPr kumimoji="0" lang="zh-TW" altLang="zh-TW" sz="1150" b="0" i="0" u="none" strike="noStrike" cap="none" normalizeH="0" baseline="0">
+                  <a:rPr kumimoji="0" lang="zh-TW" altLang="zh-TW" sz="1100" b="0" i="0" u="none" strike="noStrike" cap="none" normalizeH="0" baseline="0">
                     <a:ln>
                       <a:noFill/>
                     </a:ln>
@@ -17551,7 +17709,7 @@
                   <a:t>    </a:t>
                 </a:r>
                 <a:r>
-                  <a:rPr kumimoji="0" lang="zh-TW" altLang="zh-TW" sz="1150" b="0" i="0" u="none" strike="noStrike" cap="none" normalizeH="0" baseline="0">
+                  <a:rPr kumimoji="0" lang="zh-TW" altLang="zh-TW" sz="1100" b="0" i="0" u="none" strike="noStrike" cap="none" normalizeH="0" baseline="0">
                     <a:ln>
                       <a:noFill/>
                     </a:ln>
@@ -17565,7 +17723,7 @@
                   <a:t>public </a:t>
                 </a:r>
                 <a:r>
-                  <a:rPr kumimoji="0" lang="zh-TW" altLang="zh-TW" sz="1150" b="0" i="0" u="none" strike="noStrike" cap="none" normalizeH="0" baseline="0">
+                  <a:rPr kumimoji="0" lang="zh-TW" altLang="zh-TW" sz="1100" b="0" i="0" u="none" strike="noStrike" cap="none" normalizeH="0" baseline="0">
                     <a:ln>
                       <a:noFill/>
                     </a:ln>
@@ -17579,7 +17737,7 @@
                   <a:t>RedstoneHeaterBlock</a:t>
                 </a:r>
                 <a:r>
-                  <a:rPr kumimoji="0" lang="zh-TW" altLang="zh-TW" sz="1150" b="0" i="0" u="none" strike="noStrike" cap="none" normalizeH="0" baseline="0">
+                  <a:rPr kumimoji="0" lang="zh-TW" altLang="zh-TW" sz="1100" b="0" i="0" u="none" strike="noStrike" cap="none" normalizeH="0" baseline="0">
                     <a:ln>
                       <a:noFill/>
                     </a:ln>
@@ -17593,7 +17751,7 @@
                   <a:t>(Settings settings) {</a:t>
                 </a:r>
                 <a:br>
-                  <a:rPr kumimoji="0" lang="zh-TW" altLang="zh-TW" sz="1150" b="0" i="0" u="none" strike="noStrike" cap="none" normalizeH="0" baseline="0">
+                  <a:rPr kumimoji="0" lang="zh-TW" altLang="zh-TW" sz="1100" b="0" i="0" u="none" strike="noStrike" cap="none" normalizeH="0" baseline="0">
                     <a:ln>
                       <a:noFill/>
                     </a:ln>
@@ -17606,7 +17764,7 @@
                   </a:rPr>
                 </a:br>
                 <a:r>
-                  <a:rPr kumimoji="0" lang="zh-TW" altLang="zh-TW" sz="1150" b="0" i="0" u="none" strike="noStrike" cap="none" normalizeH="0" baseline="0">
+                  <a:rPr kumimoji="0" lang="zh-TW" altLang="zh-TW" sz="1100" b="0" i="0" u="none" strike="noStrike" cap="none" normalizeH="0" baseline="0">
                     <a:ln>
                       <a:noFill/>
                     </a:ln>
@@ -17620,7 +17778,7 @@
                   <a:t>        </a:t>
                 </a:r>
                 <a:r>
-                  <a:rPr kumimoji="0" lang="zh-TW" altLang="zh-TW" sz="1150" b="0" i="0" u="none" strike="noStrike" cap="none" normalizeH="0" baseline="0">
+                  <a:rPr kumimoji="0" lang="zh-TW" altLang="zh-TW" sz="1100" b="0" i="0" u="none" strike="noStrike" cap="none" normalizeH="0" baseline="0">
                     <a:ln>
                       <a:noFill/>
                     </a:ln>
@@ -17634,7 +17792,7 @@
                   <a:t>super</a:t>
                 </a:r>
                 <a:r>
-                  <a:rPr kumimoji="0" lang="zh-TW" altLang="zh-TW" sz="1150" b="0" i="0" u="none" strike="noStrike" cap="none" normalizeH="0" baseline="0">
+                  <a:rPr kumimoji="0" lang="zh-TW" altLang="zh-TW" sz="1100" b="0" i="0" u="none" strike="noStrike" cap="none" normalizeH="0" baseline="0">
                     <a:ln>
                       <a:noFill/>
                     </a:ln>
@@ -17648,7 +17806,7 @@
                   <a:t>(settings);</a:t>
                 </a:r>
                 <a:br>
-                  <a:rPr kumimoji="0" lang="zh-TW" altLang="zh-TW" sz="1150" b="0" i="0" u="none" strike="noStrike" cap="none" normalizeH="0" baseline="0">
+                  <a:rPr kumimoji="0" lang="zh-TW" altLang="zh-TW" sz="1100" b="0" i="0" u="none" strike="noStrike" cap="none" normalizeH="0" baseline="0">
                     <a:ln>
                       <a:noFill/>
                     </a:ln>
@@ -17661,7 +17819,7 @@
                   </a:rPr>
                 </a:br>
                 <a:r>
-                  <a:rPr kumimoji="0" lang="zh-TW" altLang="zh-TW" sz="1150" b="0" i="0" u="none" strike="noStrike" cap="none" normalizeH="0" baseline="0">
+                  <a:rPr kumimoji="0" lang="zh-TW" altLang="zh-TW" sz="1100" b="0" i="0" u="none" strike="noStrike" cap="none" normalizeH="0" baseline="0">
                     <a:ln>
                       <a:noFill/>
                     </a:ln>
@@ -17675,7 +17833,7 @@
                   <a:t>    }</a:t>
                 </a:r>
                 <a:br>
-                  <a:rPr kumimoji="0" lang="zh-TW" altLang="zh-TW" sz="1150" b="0" i="0" u="none" strike="noStrike" cap="none" normalizeH="0" baseline="0">
+                  <a:rPr kumimoji="0" lang="zh-TW" altLang="zh-TW" sz="1100" b="0" i="0" u="none" strike="noStrike" cap="none" normalizeH="0" baseline="0">
                     <a:ln>
                       <a:noFill/>
                     </a:ln>
@@ -17688,7 +17846,7 @@
                   </a:rPr>
                 </a:br>
                 <a:br>
-                  <a:rPr kumimoji="0" lang="zh-TW" altLang="zh-TW" sz="1150" b="0" i="0" u="none" strike="noStrike" cap="none" normalizeH="0" baseline="0">
+                  <a:rPr kumimoji="0" lang="zh-TW" altLang="zh-TW" sz="1100" b="0" i="0" u="none" strike="noStrike" cap="none" normalizeH="0" baseline="0">
                     <a:ln>
                       <a:noFill/>
                     </a:ln>
@@ -17701,7 +17859,7 @@
                   </a:rPr>
                 </a:br>
                 <a:r>
-                  <a:rPr kumimoji="0" lang="zh-TW" altLang="zh-TW" sz="1150" b="0" i="0" u="none" strike="noStrike" cap="none" normalizeH="0" baseline="0">
+                  <a:rPr kumimoji="0" lang="zh-TW" altLang="zh-TW" sz="1100" b="0" i="0" u="none" strike="noStrike" cap="none" normalizeH="0" baseline="0">
                     <a:ln>
                       <a:noFill/>
                     </a:ln>
@@ -17715,7 +17873,7 @@
                   <a:t>    </a:t>
                 </a:r>
                 <a:r>
-                  <a:rPr kumimoji="0" lang="zh-TW" altLang="zh-TW" sz="1150" b="0" i="0" u="none" strike="noStrike" cap="none" normalizeH="0" baseline="0">
+                  <a:rPr kumimoji="0" lang="zh-TW" altLang="zh-TW" sz="1100" b="0" i="0" u="none" strike="noStrike" cap="none" normalizeH="0" baseline="0">
                     <a:ln>
                       <a:noFill/>
                     </a:ln>
@@ -17729,7 +17887,7 @@
                   <a:t>@Override</a:t>
                 </a:r>
                 <a:br>
-                  <a:rPr kumimoji="0" lang="zh-TW" altLang="zh-TW" sz="1150" b="0" i="0" u="none" strike="noStrike" cap="none" normalizeH="0" baseline="0">
+                  <a:rPr kumimoji="0" lang="zh-TW" altLang="zh-TW" sz="1100" b="0" i="0" u="none" strike="noStrike" cap="none" normalizeH="0" baseline="0">
                     <a:ln>
                       <a:noFill/>
                     </a:ln>
@@ -17742,7 +17900,7 @@
                   </a:rPr>
                 </a:br>
                 <a:r>
-                  <a:rPr kumimoji="0" lang="zh-TW" altLang="zh-TW" sz="1150" b="0" i="0" u="none" strike="noStrike" cap="none" normalizeH="0" baseline="0">
+                  <a:rPr kumimoji="0" lang="zh-TW" altLang="zh-TW" sz="1100" b="0" i="0" u="none" strike="noStrike" cap="none" normalizeH="0" baseline="0">
                     <a:ln>
                       <a:noFill/>
                     </a:ln>
@@ -17756,7 +17914,7 @@
                   <a:t>    </a:t>
                 </a:r>
                 <a:r>
-                  <a:rPr kumimoji="0" lang="zh-TW" altLang="zh-TW" sz="1150" b="0" i="0" u="none" strike="noStrike" cap="none" normalizeH="0" baseline="0">
+                  <a:rPr kumimoji="0" lang="zh-TW" altLang="zh-TW" sz="1100" b="0" i="0" u="none" strike="noStrike" cap="none" normalizeH="0" baseline="0">
                     <a:ln>
                       <a:noFill/>
                     </a:ln>
@@ -17770,7 +17928,7 @@
                   <a:t>protected </a:t>
                 </a:r>
                 <a:r>
-                  <a:rPr kumimoji="0" lang="zh-TW" altLang="zh-TW" sz="1150" b="0" i="0" u="none" strike="noStrike" cap="none" normalizeH="0" baseline="0">
+                  <a:rPr kumimoji="0" lang="zh-TW" altLang="zh-TW" sz="1100" b="0" i="0" u="none" strike="noStrike" cap="none" normalizeH="0" baseline="0">
                     <a:ln>
                       <a:noFill/>
                     </a:ln>
@@ -17784,7 +17942,7 @@
                   <a:t>MapCodec&lt;? </a:t>
                 </a:r>
                 <a:r>
-                  <a:rPr kumimoji="0" lang="zh-TW" altLang="zh-TW" sz="1150" b="0" i="0" u="none" strike="noStrike" cap="none" normalizeH="0" baseline="0">
+                  <a:rPr kumimoji="0" lang="zh-TW" altLang="zh-TW" sz="1100" b="0" i="0" u="none" strike="noStrike" cap="none" normalizeH="0" baseline="0">
                     <a:ln>
                       <a:noFill/>
                     </a:ln>
@@ -17798,7 +17956,7 @@
                   <a:t>extends </a:t>
                 </a:r>
                 <a:r>
-                  <a:rPr kumimoji="0" lang="zh-TW" altLang="zh-TW" sz="1150" b="0" i="0" u="none" strike="noStrike" cap="none" normalizeH="0" baseline="0">
+                  <a:rPr kumimoji="0" lang="zh-TW" altLang="zh-TW" sz="1100" b="0" i="0" u="none" strike="noStrike" cap="none" normalizeH="0" baseline="0">
                     <a:ln>
                       <a:noFill/>
                     </a:ln>
@@ -17812,7 +17970,7 @@
                   <a:t>BlockWithEntity&gt; </a:t>
                 </a:r>
                 <a:r>
-                  <a:rPr kumimoji="0" lang="zh-TW" altLang="zh-TW" sz="1150" b="0" i="0" u="none" strike="noStrike" cap="none" normalizeH="0" baseline="0">
+                  <a:rPr kumimoji="0" lang="zh-TW" altLang="zh-TW" sz="1100" b="0" i="0" u="none" strike="noStrike" cap="none" normalizeH="0" baseline="0">
                     <a:ln>
                       <a:noFill/>
                     </a:ln>
@@ -17826,7 +17984,7 @@
                   <a:t>getCodec</a:t>
                 </a:r>
                 <a:r>
-                  <a:rPr kumimoji="0" lang="zh-TW" altLang="zh-TW" sz="1150" b="0" i="0" u="none" strike="noStrike" cap="none" normalizeH="0" baseline="0">
+                  <a:rPr kumimoji="0" lang="zh-TW" altLang="zh-TW" sz="1100" b="0" i="0" u="none" strike="noStrike" cap="none" normalizeH="0" baseline="0">
                     <a:ln>
                       <a:noFill/>
                     </a:ln>
@@ -17840,7 +17998,7 @@
                   <a:t>() {</a:t>
                 </a:r>
                 <a:br>
-                  <a:rPr kumimoji="0" lang="zh-TW" altLang="zh-TW" sz="1150" b="0" i="0" u="none" strike="noStrike" cap="none" normalizeH="0" baseline="0">
+                  <a:rPr kumimoji="0" lang="zh-TW" altLang="zh-TW" sz="1100" b="0" i="0" u="none" strike="noStrike" cap="none" normalizeH="0" baseline="0">
                     <a:ln>
                       <a:noFill/>
                     </a:ln>
@@ -17853,7 +18011,7 @@
                   </a:rPr>
                 </a:br>
                 <a:r>
-                  <a:rPr kumimoji="0" lang="zh-TW" altLang="zh-TW" sz="1150" b="0" i="0" u="none" strike="noStrike" cap="none" normalizeH="0" baseline="0">
+                  <a:rPr kumimoji="0" lang="zh-TW" altLang="zh-TW" sz="1100" b="0" i="0" u="none" strike="noStrike" cap="none" normalizeH="0" baseline="0">
                     <a:ln>
                       <a:noFill/>
                     </a:ln>
@@ -17867,7 +18025,7 @@
                   <a:t>        </a:t>
                 </a:r>
                 <a:r>
-                  <a:rPr kumimoji="0" lang="zh-TW" altLang="zh-TW" sz="1150" b="0" i="0" u="none" strike="noStrike" cap="none" normalizeH="0" baseline="0">
+                  <a:rPr kumimoji="0" lang="zh-TW" altLang="zh-TW" sz="1100" b="0" i="0" u="none" strike="noStrike" cap="none" normalizeH="0" baseline="0">
                     <a:ln>
                       <a:noFill/>
                     </a:ln>
@@ -17881,7 +18039,7 @@
                   <a:t>return </a:t>
                 </a:r>
                 <a:r>
-                  <a:rPr kumimoji="0" lang="zh-TW" altLang="zh-TW" sz="1150" b="0" i="1" u="none" strike="noStrike" cap="none" normalizeH="0" baseline="0">
+                  <a:rPr kumimoji="0" lang="zh-TW" altLang="zh-TW" sz="1100" b="0" i="1" u="none" strike="noStrike" cap="none" normalizeH="0" baseline="0">
                     <a:ln>
                       <a:noFill/>
                     </a:ln>
@@ -17895,7 +18053,7 @@
                   <a:t>CODEC</a:t>
                 </a:r>
                 <a:r>
-                  <a:rPr kumimoji="0" lang="zh-TW" altLang="zh-TW" sz="1150" b="0" i="0" u="none" strike="noStrike" cap="none" normalizeH="0" baseline="0">
+                  <a:rPr kumimoji="0" lang="zh-TW" altLang="zh-TW" sz="1100" b="0" i="0" u="none" strike="noStrike" cap="none" normalizeH="0" baseline="0">
                     <a:ln>
                       <a:noFill/>
                     </a:ln>
@@ -17909,7 +18067,7 @@
                   <a:t>;</a:t>
                 </a:r>
                 <a:br>
-                  <a:rPr kumimoji="0" lang="zh-TW" altLang="zh-TW" sz="1150" b="0" i="0" u="none" strike="noStrike" cap="none" normalizeH="0" baseline="0">
+                  <a:rPr kumimoji="0" lang="zh-TW" altLang="zh-TW" sz="1100" b="0" i="0" u="none" strike="noStrike" cap="none" normalizeH="0" baseline="0">
                     <a:ln>
                       <a:noFill/>
                     </a:ln>
@@ -17922,7 +18080,7 @@
                   </a:rPr>
                 </a:br>
                 <a:r>
-                  <a:rPr kumimoji="0" lang="zh-TW" altLang="zh-TW" sz="1150" b="0" i="0" u="none" strike="noStrike" cap="none" normalizeH="0" baseline="0">
+                  <a:rPr kumimoji="0" lang="zh-TW" altLang="zh-TW" sz="1100" b="0" i="0" u="none" strike="noStrike" cap="none" normalizeH="0" baseline="0">
                     <a:ln>
                       <a:noFill/>
                     </a:ln>
@@ -17936,7 +18094,7 @@
                   <a:t>    }</a:t>
                 </a:r>
                 <a:br>
-                  <a:rPr kumimoji="0" lang="zh-TW" altLang="zh-TW" sz="1150" b="0" i="0" u="none" strike="noStrike" cap="none" normalizeH="0" baseline="0">
+                  <a:rPr kumimoji="0" lang="zh-TW" altLang="zh-TW" sz="1100" b="0" i="0" u="none" strike="noStrike" cap="none" normalizeH="0" baseline="0">
                     <a:ln>
                       <a:noFill/>
                     </a:ln>
@@ -17949,7 +18107,7 @@
                   </a:rPr>
                 </a:br>
                 <a:br>
-                  <a:rPr kumimoji="0" lang="zh-TW" altLang="zh-TW" sz="1150" b="0" i="0" u="none" strike="noStrike" cap="none" normalizeH="0" baseline="0">
+                  <a:rPr kumimoji="0" lang="zh-TW" altLang="zh-TW" sz="1100" b="0" i="0" u="none" strike="noStrike" cap="none" normalizeH="0" baseline="0">
                     <a:ln>
                       <a:noFill/>
                     </a:ln>
@@ -17962,7 +18120,7 @@
                   </a:rPr>
                 </a:br>
                 <a:r>
-                  <a:rPr kumimoji="0" lang="zh-TW" altLang="zh-TW" sz="1150" b="0" i="0" u="none" strike="noStrike" cap="none" normalizeH="0" baseline="0">
+                  <a:rPr kumimoji="0" lang="zh-TW" altLang="zh-TW" sz="1100" b="0" i="0" u="none" strike="noStrike" cap="none" normalizeH="0" baseline="0">
                     <a:ln>
                       <a:noFill/>
                     </a:ln>
@@ -17976,7 +18134,7 @@
                   <a:t>    </a:t>
                 </a:r>
                 <a:r>
-                  <a:rPr kumimoji="0" lang="zh-TW" altLang="zh-TW" sz="1150" b="0" i="0" u="none" strike="noStrike" cap="none" normalizeH="0" baseline="0">
+                  <a:rPr kumimoji="0" lang="zh-TW" altLang="zh-TW" sz="1100" b="0" i="0" u="none" strike="noStrike" cap="none" normalizeH="0" baseline="0">
                     <a:ln>
                       <a:noFill/>
                     </a:ln>
@@ -17990,7 +18148,7 @@
                   <a:t>@Override</a:t>
                 </a:r>
                 <a:br>
-                  <a:rPr kumimoji="0" lang="zh-TW" altLang="zh-TW" sz="1150" b="0" i="0" u="none" strike="noStrike" cap="none" normalizeH="0" baseline="0">
+                  <a:rPr kumimoji="0" lang="zh-TW" altLang="zh-TW" sz="1100" b="0" i="0" u="none" strike="noStrike" cap="none" normalizeH="0" baseline="0">
                     <a:ln>
                       <a:noFill/>
                     </a:ln>
@@ -18003,7 +18161,7 @@
                   </a:rPr>
                 </a:br>
                 <a:r>
-                  <a:rPr kumimoji="0" lang="zh-TW" altLang="zh-TW" sz="1150" b="0" i="0" u="none" strike="noStrike" cap="none" normalizeH="0" baseline="0">
+                  <a:rPr kumimoji="0" lang="zh-TW" altLang="zh-TW" sz="1100" b="0" i="0" u="none" strike="noStrike" cap="none" normalizeH="0" baseline="0">
                     <a:ln>
                       <a:noFill/>
                     </a:ln>
@@ -18017,7 +18175,7 @@
                   <a:t>    </a:t>
                 </a:r>
                 <a:r>
-                  <a:rPr kumimoji="0" lang="zh-TW" altLang="zh-TW" sz="1150" b="0" i="0" u="none" strike="noStrike" cap="none" normalizeH="0" baseline="0">
+                  <a:rPr kumimoji="0" lang="zh-TW" altLang="zh-TW" sz="1100" b="0" i="0" u="none" strike="noStrike" cap="none" normalizeH="0" baseline="0">
                     <a:ln>
                       <a:noFill/>
                     </a:ln>
@@ -18031,7 +18189,7 @@
                   <a:t>public </a:t>
                 </a:r>
                 <a:r>
-                  <a:rPr kumimoji="0" lang="zh-TW" altLang="zh-TW" sz="1150" b="0" i="0" u="none" strike="noStrike" cap="none" normalizeH="0" baseline="0">
+                  <a:rPr kumimoji="0" lang="zh-TW" altLang="zh-TW" sz="1100" b="0" i="0" u="none" strike="noStrike" cap="none" normalizeH="0" baseline="0">
                     <a:ln>
                       <a:noFill/>
                     </a:ln>
@@ -18045,7 +18203,7 @@
                   <a:t>@Nullable </a:t>
                 </a:r>
                 <a:r>
-                  <a:rPr kumimoji="0" lang="zh-TW" altLang="zh-TW" sz="1150" b="0" i="0" u="none" strike="noStrike" cap="none" normalizeH="0" baseline="0">
+                  <a:rPr kumimoji="0" lang="zh-TW" altLang="zh-TW" sz="1100" b="0" i="0" u="none" strike="noStrike" cap="none" normalizeH="0" baseline="0">
                     <a:ln>
                       <a:noFill/>
                     </a:ln>
@@ -18059,7 +18217,7 @@
                   <a:t>BlockEntity </a:t>
                 </a:r>
                 <a:r>
-                  <a:rPr kumimoji="0" lang="zh-TW" altLang="zh-TW" sz="1150" b="0" i="0" u="none" strike="noStrike" cap="none" normalizeH="0" baseline="0">
+                  <a:rPr kumimoji="0" lang="zh-TW" altLang="zh-TW" sz="1100" b="0" i="0" u="none" strike="noStrike" cap="none" normalizeH="0" baseline="0">
                     <a:ln>
                       <a:noFill/>
                     </a:ln>
@@ -18073,7 +18231,7 @@
                   <a:t>createBlockEntity</a:t>
                 </a:r>
                 <a:r>
-                  <a:rPr kumimoji="0" lang="zh-TW" altLang="zh-TW" sz="1150" b="0" i="0" u="none" strike="noStrike" cap="none" normalizeH="0" baseline="0">
+                  <a:rPr kumimoji="0" lang="zh-TW" altLang="zh-TW" sz="1100" b="0" i="0" u="none" strike="noStrike" cap="none" normalizeH="0" baseline="0">
                     <a:ln>
                       <a:noFill/>
                     </a:ln>
@@ -18087,7 +18245,7 @@
                   <a:t>(BlockPos pos, BlockState state) {</a:t>
                 </a:r>
                 <a:br>
-                  <a:rPr kumimoji="0" lang="zh-TW" altLang="zh-TW" sz="1150" b="0" i="0" u="none" strike="noStrike" cap="none" normalizeH="0" baseline="0">
+                  <a:rPr kumimoji="0" lang="zh-TW" altLang="zh-TW" sz="1100" b="0" i="0" u="none" strike="noStrike" cap="none" normalizeH="0" baseline="0">
                     <a:ln>
                       <a:noFill/>
                     </a:ln>
@@ -18100,7 +18258,7 @@
                   </a:rPr>
                 </a:br>
                 <a:r>
-                  <a:rPr kumimoji="0" lang="zh-TW" altLang="zh-TW" sz="1150" b="0" i="0" u="none" strike="noStrike" cap="none" normalizeH="0" baseline="0">
+                  <a:rPr kumimoji="0" lang="zh-TW" altLang="zh-TW" sz="1100" b="0" i="0" u="none" strike="noStrike" cap="none" normalizeH="0" baseline="0">
                     <a:ln>
                       <a:noFill/>
                     </a:ln>
@@ -18114,7 +18272,7 @@
                   <a:t>        </a:t>
                 </a:r>
                 <a:r>
-                  <a:rPr kumimoji="0" lang="zh-TW" altLang="zh-TW" sz="1150" b="0" i="0" u="none" strike="noStrike" cap="none" normalizeH="0" baseline="0">
+                  <a:rPr kumimoji="0" lang="zh-TW" altLang="zh-TW" sz="1100" b="0" i="0" u="none" strike="noStrike" cap="none" normalizeH="0" baseline="0">
                     <a:ln>
                       <a:noFill/>
                     </a:ln>
@@ -18128,7 +18286,7 @@
                   <a:t>return new </a:t>
                 </a:r>
                 <a:r>
-                  <a:rPr kumimoji="0" lang="zh-TW" altLang="zh-TW" sz="1150" b="0" i="0" u="none" strike="noStrike" cap="none" normalizeH="0" baseline="0">
+                  <a:rPr kumimoji="0" lang="zh-TW" altLang="zh-TW" sz="1100" b="0" i="0" u="none" strike="noStrike" cap="none" normalizeH="0" baseline="0">
                     <a:ln>
                       <a:noFill/>
                     </a:ln>
@@ -18142,7 +18300,7 @@
                   <a:t>RedstoneHeaterBlockEntity(pos, state);</a:t>
                 </a:r>
                 <a:br>
-                  <a:rPr kumimoji="0" lang="zh-TW" altLang="zh-TW" sz="1150" b="0" i="0" u="none" strike="noStrike" cap="none" normalizeH="0" baseline="0">
+                  <a:rPr kumimoji="0" lang="zh-TW" altLang="zh-TW" sz="1100" b="0" i="0" u="none" strike="noStrike" cap="none" normalizeH="0" baseline="0">
                     <a:ln>
                       <a:noFill/>
                     </a:ln>
@@ -18155,7 +18313,7 @@
                   </a:rPr>
                 </a:br>
                 <a:r>
-                  <a:rPr kumimoji="0" lang="zh-TW" altLang="zh-TW" sz="1150" b="0" i="0" u="none" strike="noStrike" cap="none" normalizeH="0" baseline="0">
+                  <a:rPr kumimoji="0" lang="zh-TW" altLang="zh-TW" sz="1100" b="0" i="0" u="none" strike="noStrike" cap="none" normalizeH="0" baseline="0">
                     <a:ln>
                       <a:noFill/>
                     </a:ln>
@@ -18169,7 +18327,7 @@
                   <a:t>    }</a:t>
                 </a:r>
                 <a:br>
-                  <a:rPr kumimoji="0" lang="zh-TW" altLang="zh-TW" sz="1150" b="0" i="0" u="none" strike="noStrike" cap="none" normalizeH="0" baseline="0">
+                  <a:rPr kumimoji="0" lang="zh-TW" altLang="zh-TW" sz="1100" b="0" i="0" u="none" strike="noStrike" cap="none" normalizeH="0" baseline="0">
                     <a:ln>
                       <a:noFill/>
                     </a:ln>
@@ -18182,7 +18340,7 @@
                   </a:rPr>
                 </a:br>
                 <a:br>
-                  <a:rPr kumimoji="0" lang="zh-TW" altLang="zh-TW" sz="1150" b="0" i="0" u="none" strike="noStrike" cap="none" normalizeH="0" baseline="0">
+                  <a:rPr kumimoji="0" lang="zh-TW" altLang="zh-TW" sz="1100" b="0" i="0" u="none" strike="noStrike" cap="none" normalizeH="0" baseline="0">
                     <a:ln>
                       <a:noFill/>
                     </a:ln>
@@ -18195,7 +18353,7 @@
                   </a:rPr>
                 </a:br>
                 <a:r>
-                  <a:rPr kumimoji="0" lang="zh-TW" altLang="zh-TW" sz="1150" b="0" i="0" u="none" strike="noStrike" cap="none" normalizeH="0" baseline="0">
+                  <a:rPr kumimoji="0" lang="zh-TW" altLang="zh-TW" sz="1100" b="0" i="0" u="none" strike="noStrike" cap="none" normalizeH="0" baseline="0">
                     <a:ln>
                       <a:noFill/>
                     </a:ln>
@@ -18209,7 +18367,7 @@
                   <a:t>    </a:t>
                 </a:r>
                 <a:r>
-                  <a:rPr kumimoji="0" lang="zh-TW" altLang="zh-TW" sz="1150" b="0" i="0" u="none" strike="noStrike" cap="none" normalizeH="0" baseline="0">
+                  <a:rPr kumimoji="0" lang="zh-TW" altLang="zh-TW" sz="1100" b="0" i="0" u="none" strike="noStrike" cap="none" normalizeH="0" baseline="0">
                     <a:ln>
                       <a:noFill/>
                     </a:ln>
@@ -18223,7 +18381,7 @@
                   <a:t>@Override</a:t>
                 </a:r>
                 <a:br>
-                  <a:rPr kumimoji="0" lang="zh-TW" altLang="zh-TW" sz="1150" b="0" i="0" u="none" strike="noStrike" cap="none" normalizeH="0" baseline="0">
+                  <a:rPr kumimoji="0" lang="zh-TW" altLang="zh-TW" sz="1100" b="0" i="0" u="none" strike="noStrike" cap="none" normalizeH="0" baseline="0">
                     <a:ln>
                       <a:noFill/>
                     </a:ln>
@@ -18236,7 +18394,7 @@
                   </a:rPr>
                 </a:br>
                 <a:r>
-                  <a:rPr kumimoji="0" lang="zh-TW" altLang="zh-TW" sz="1150" b="0" i="0" u="none" strike="noStrike" cap="none" normalizeH="0" baseline="0">
+                  <a:rPr kumimoji="0" lang="zh-TW" altLang="zh-TW" sz="1100" b="0" i="0" u="none" strike="noStrike" cap="none" normalizeH="0" baseline="0">
                     <a:ln>
                       <a:noFill/>
                     </a:ln>
@@ -18250,7 +18408,7 @@
                   <a:t>    </a:t>
                 </a:r>
                 <a:r>
-                  <a:rPr kumimoji="0" lang="zh-TW" altLang="zh-TW" sz="1150" b="0" i="0" u="none" strike="noStrike" cap="none" normalizeH="0" baseline="0">
+                  <a:rPr kumimoji="0" lang="zh-TW" altLang="zh-TW" sz="1100" b="0" i="0" u="none" strike="noStrike" cap="none" normalizeH="0" baseline="0">
                     <a:ln>
                       <a:noFill/>
                     </a:ln>
@@ -18264,7 +18422,7 @@
                   <a:t>public </a:t>
                 </a:r>
                 <a:r>
-                  <a:rPr kumimoji="0" lang="zh-TW" altLang="zh-TW" sz="1150" b="0" i="0" u="none" strike="noStrike" cap="none" normalizeH="0" baseline="0">
+                  <a:rPr kumimoji="0" lang="zh-TW" altLang="zh-TW" sz="1100" b="0" i="0" u="none" strike="noStrike" cap="none" normalizeH="0" baseline="0">
                     <a:ln>
                       <a:noFill/>
                     </a:ln>
@@ -18278,7 +18436,7 @@
                   <a:t>@Nullable </a:t>
                 </a:r>
                 <a:r>
-                  <a:rPr kumimoji="0" lang="zh-TW" altLang="zh-TW" sz="1150" b="0" i="0" u="none" strike="noStrike" cap="none" normalizeH="0" baseline="0">
+                  <a:rPr kumimoji="0" lang="zh-TW" altLang="zh-TW" sz="1100" b="0" i="0" u="none" strike="noStrike" cap="none" normalizeH="0" baseline="0">
                     <a:ln>
                       <a:noFill/>
                     </a:ln>
@@ -18292,7 +18450,7 @@
                   <a:t>&lt;</a:t>
                 </a:r>
                 <a:r>
-                  <a:rPr kumimoji="0" lang="zh-TW" altLang="zh-TW" sz="1150" b="0" i="0" u="none" strike="noStrike" cap="none" normalizeH="0" baseline="0">
+                  <a:rPr kumimoji="0" lang="zh-TW" altLang="zh-TW" sz="1100" b="0" i="0" u="none" strike="noStrike" cap="none" normalizeH="0" baseline="0">
                     <a:ln>
                       <a:noFill/>
                     </a:ln>
@@ -18306,7 +18464,7 @@
                   <a:t>T </a:t>
                 </a:r>
                 <a:r>
-                  <a:rPr kumimoji="0" lang="zh-TW" altLang="zh-TW" sz="1150" b="0" i="0" u="none" strike="noStrike" cap="none" normalizeH="0" baseline="0">
+                  <a:rPr kumimoji="0" lang="zh-TW" altLang="zh-TW" sz="1100" b="0" i="0" u="none" strike="noStrike" cap="none" normalizeH="0" baseline="0">
                     <a:ln>
                       <a:noFill/>
                     </a:ln>
@@ -18320,7 +18478,7 @@
                   <a:t>extends </a:t>
                 </a:r>
                 <a:r>
-                  <a:rPr kumimoji="0" lang="zh-TW" altLang="zh-TW" sz="1150" b="0" i="0" u="none" strike="noStrike" cap="none" normalizeH="0" baseline="0">
+                  <a:rPr kumimoji="0" lang="zh-TW" altLang="zh-TW" sz="1100" b="0" i="0" u="none" strike="noStrike" cap="none" normalizeH="0" baseline="0">
                     <a:ln>
                       <a:noFill/>
                     </a:ln>
@@ -18334,7 +18492,7 @@
                   <a:t>BlockEntity&gt; BlockEntityTicker&lt;</a:t>
                 </a:r>
                 <a:r>
-                  <a:rPr kumimoji="0" lang="zh-TW" altLang="zh-TW" sz="1150" b="0" i="0" u="none" strike="noStrike" cap="none" normalizeH="0" baseline="0">
+                  <a:rPr kumimoji="0" lang="zh-TW" altLang="zh-TW" sz="1100" b="0" i="0" u="none" strike="noStrike" cap="none" normalizeH="0" baseline="0">
                     <a:ln>
                       <a:noFill/>
                     </a:ln>
@@ -18348,7 +18506,7 @@
                   <a:t>T</a:t>
                 </a:r>
                 <a:r>
-                  <a:rPr kumimoji="0" lang="zh-TW" altLang="zh-TW" sz="1150" b="0" i="0" u="none" strike="noStrike" cap="none" normalizeH="0" baseline="0">
+                  <a:rPr kumimoji="0" lang="zh-TW" altLang="zh-TW" sz="1100" b="0" i="0" u="none" strike="noStrike" cap="none" normalizeH="0" baseline="0">
                     <a:ln>
                       <a:noFill/>
                     </a:ln>
@@ -18362,7 +18520,7 @@
                   <a:t>&gt; </a:t>
                 </a:r>
                 <a:r>
-                  <a:rPr kumimoji="0" lang="zh-TW" altLang="zh-TW" sz="1150" b="0" i="0" u="none" strike="noStrike" cap="none" normalizeH="0" baseline="0">
+                  <a:rPr kumimoji="0" lang="zh-TW" altLang="zh-TW" sz="1100" b="0" i="0" u="none" strike="noStrike" cap="none" normalizeH="0" baseline="0">
                     <a:ln>
                       <a:noFill/>
                     </a:ln>
@@ -18376,7 +18534,7 @@
                   <a:t>getTicker</a:t>
                 </a:r>
                 <a:r>
-                  <a:rPr kumimoji="0" lang="zh-TW" altLang="zh-TW" sz="1150" b="0" i="0" u="none" strike="noStrike" cap="none" normalizeH="0" baseline="0">
+                  <a:rPr kumimoji="0" lang="zh-TW" altLang="zh-TW" sz="1100" b="0" i="0" u="none" strike="noStrike" cap="none" normalizeH="0" baseline="0">
                     <a:ln>
                       <a:noFill/>
                     </a:ln>
@@ -18390,7 +18548,7 @@
                   <a:t>(World world, BlockState state, BlockEntityType&lt;</a:t>
                 </a:r>
                 <a:r>
-                  <a:rPr kumimoji="0" lang="zh-TW" altLang="zh-TW" sz="1150" b="0" i="0" u="none" strike="noStrike" cap="none" normalizeH="0" baseline="0">
+                  <a:rPr kumimoji="0" lang="zh-TW" altLang="zh-TW" sz="1100" b="0" i="0" u="none" strike="noStrike" cap="none" normalizeH="0" baseline="0">
                     <a:ln>
                       <a:noFill/>
                     </a:ln>
@@ -18404,7 +18562,7 @@
                   <a:t>T</a:t>
                 </a:r>
                 <a:r>
-                  <a:rPr kumimoji="0" lang="zh-TW" altLang="zh-TW" sz="1150" b="0" i="0" u="none" strike="noStrike" cap="none" normalizeH="0" baseline="0">
+                  <a:rPr kumimoji="0" lang="zh-TW" altLang="zh-TW" sz="1100" b="0" i="0" u="none" strike="noStrike" cap="none" normalizeH="0" baseline="0">
                     <a:ln>
                       <a:noFill/>
                     </a:ln>
@@ -18418,7 +18576,7 @@
                   <a:t>&gt; type) {</a:t>
                 </a:r>
                 <a:br>
-                  <a:rPr kumimoji="0" lang="zh-TW" altLang="zh-TW" sz="1150" b="0" i="0" u="none" strike="noStrike" cap="none" normalizeH="0" baseline="0">
+                  <a:rPr kumimoji="0" lang="zh-TW" altLang="zh-TW" sz="1100" b="0" i="0" u="none" strike="noStrike" cap="none" normalizeH="0" baseline="0">
                     <a:ln>
                       <a:noFill/>
                     </a:ln>
@@ -18431,7 +18589,7 @@
                   </a:rPr>
                 </a:br>
                 <a:r>
-                  <a:rPr kumimoji="0" lang="zh-TW" altLang="zh-TW" sz="1150" b="0" i="0" u="none" strike="noStrike" cap="none" normalizeH="0" baseline="0">
+                  <a:rPr kumimoji="0" lang="zh-TW" altLang="zh-TW" sz="1100" b="0" i="0" u="none" strike="noStrike" cap="none" normalizeH="0" baseline="0">
                     <a:ln>
                       <a:noFill/>
                     </a:ln>
@@ -18445,7 +18603,7 @@
                   <a:t>        </a:t>
                 </a:r>
                 <a:r>
-                  <a:rPr kumimoji="0" lang="zh-TW" altLang="zh-TW" sz="1150" b="0" i="0" u="none" strike="noStrike" cap="none" normalizeH="0" baseline="0">
+                  <a:rPr kumimoji="0" lang="zh-TW" altLang="zh-TW" sz="1100" b="0" i="0" u="none" strike="noStrike" cap="none" normalizeH="0" baseline="0">
                     <a:ln>
                       <a:noFill/>
                     </a:ln>
@@ -18459,7 +18617,7 @@
                   <a:t>return </a:t>
                 </a:r>
                 <a:r>
-                  <a:rPr kumimoji="0" lang="zh-TW" altLang="zh-TW" sz="1150" b="0" i="0" u="none" strike="noStrike" cap="none" normalizeH="0" baseline="0">
+                  <a:rPr kumimoji="0" lang="zh-TW" altLang="zh-TW" sz="1100" b="0" i="0" u="none" strike="noStrike" cap="none" normalizeH="0" baseline="0">
                     <a:ln>
                       <a:noFill/>
                     </a:ln>
@@ -18473,7 +18631,7 @@
                   <a:t>world.isClient() ? </a:t>
                 </a:r>
                 <a:r>
-                  <a:rPr kumimoji="0" lang="zh-TW" altLang="zh-TW" sz="1150" b="0" i="0" u="none" strike="noStrike" cap="none" normalizeH="0" baseline="0">
+                  <a:rPr kumimoji="0" lang="zh-TW" altLang="zh-TW" sz="1100" b="0" i="0" u="none" strike="noStrike" cap="none" normalizeH="0" baseline="0">
                     <a:ln>
                       <a:noFill/>
                     </a:ln>
@@ -18487,7 +18645,7 @@
                   <a:t>null </a:t>
                 </a:r>
                 <a:r>
-                  <a:rPr kumimoji="0" lang="zh-TW" altLang="zh-TW" sz="1150" b="0" i="0" u="none" strike="noStrike" cap="none" normalizeH="0" baseline="0">
+                  <a:rPr kumimoji="0" lang="zh-TW" altLang="zh-TW" sz="1100" b="0" i="0" u="none" strike="noStrike" cap="none" normalizeH="0" baseline="0">
                     <a:ln>
                       <a:noFill/>
                     </a:ln>
@@ -18501,7 +18659,7 @@
                   <a:t>: </a:t>
                 </a:r>
                 <a:r>
-                  <a:rPr kumimoji="0" lang="zh-TW" altLang="zh-TW" sz="1150" b="0" i="1" u="none" strike="noStrike" cap="none" normalizeH="0" baseline="0">
+                  <a:rPr kumimoji="0" lang="zh-TW" altLang="zh-TW" sz="1100" b="0" i="1" u="none" strike="noStrike" cap="none" normalizeH="0" baseline="0">
                     <a:ln>
                       <a:noFill/>
                     </a:ln>
@@ -18515,7 +18673,7 @@
                   <a:t>validateTicker</a:t>
                 </a:r>
                 <a:r>
-                  <a:rPr kumimoji="0" lang="zh-TW" altLang="zh-TW" sz="1150" b="0" i="0" u="none" strike="noStrike" cap="none" normalizeH="0" baseline="0">
+                  <a:rPr kumimoji="0" lang="zh-TW" altLang="zh-TW" sz="1100" b="0" i="0" u="none" strike="noStrike" cap="none" normalizeH="0" baseline="0">
                     <a:ln>
                       <a:noFill/>
                     </a:ln>
@@ -18529,7 +18687,7 @@
                   <a:t>(type, ModBlockEntityTypes.</a:t>
                 </a:r>
                 <a:r>
-                  <a:rPr kumimoji="0" lang="zh-TW" altLang="zh-TW" sz="1150" b="0" i="1" u="none" strike="noStrike" cap="none" normalizeH="0" baseline="0">
+                  <a:rPr kumimoji="0" lang="zh-TW" altLang="zh-TW" sz="1100" b="0" i="1" u="none" strike="noStrike" cap="none" normalizeH="0" baseline="0">
                     <a:ln>
                       <a:noFill/>
                     </a:ln>
@@ -18543,7 +18701,7 @@
                   <a:t>REDSTONE_HEATER</a:t>
                 </a:r>
                 <a:r>
-                  <a:rPr kumimoji="0" lang="zh-TW" altLang="zh-TW" sz="1150" b="0" i="0" u="none" strike="noStrike" cap="none" normalizeH="0" baseline="0">
+                  <a:rPr kumimoji="0" lang="zh-TW" altLang="zh-TW" sz="1100" b="0" i="0" u="none" strike="noStrike" cap="none" normalizeH="0" baseline="0">
                     <a:ln>
                       <a:noFill/>
                     </a:ln>
@@ -18557,7 +18715,7 @@
                   <a:t>, RedstoneHeaterBlockEntity::</a:t>
                 </a:r>
                 <a:r>
-                  <a:rPr kumimoji="0" lang="zh-TW" altLang="zh-TW" sz="1150" b="0" i="1" u="none" strike="noStrike" cap="none" normalizeH="0" baseline="0">
+                  <a:rPr kumimoji="0" lang="zh-TW" altLang="zh-TW" sz="1100" b="0" i="1" u="none" strike="noStrike" cap="none" normalizeH="0" baseline="0">
                     <a:ln>
                       <a:noFill/>
                     </a:ln>
@@ -18571,7 +18729,7 @@
                   <a:t>tick</a:t>
                 </a:r>
                 <a:r>
-                  <a:rPr kumimoji="0" lang="zh-TW" altLang="zh-TW" sz="1150" b="0" i="0" u="none" strike="noStrike" cap="none" normalizeH="0" baseline="0">
+                  <a:rPr kumimoji="0" lang="zh-TW" altLang="zh-TW" sz="1100" b="0" i="0" u="none" strike="noStrike" cap="none" normalizeH="0" baseline="0">
                     <a:ln>
                       <a:noFill/>
                     </a:ln>
@@ -18585,7 +18743,7 @@
                   <a:t>);</a:t>
                 </a:r>
                 <a:br>
-                  <a:rPr kumimoji="0" lang="zh-TW" altLang="zh-TW" sz="1150" b="0" i="0" u="none" strike="noStrike" cap="none" normalizeH="0" baseline="0">
+                  <a:rPr kumimoji="0" lang="zh-TW" altLang="zh-TW" sz="1100" b="0" i="0" u="none" strike="noStrike" cap="none" normalizeH="0" baseline="0">
                     <a:ln>
                       <a:noFill/>
                     </a:ln>
@@ -18598,7 +18756,7 @@
                   </a:rPr>
                 </a:br>
                 <a:r>
-                  <a:rPr kumimoji="0" lang="zh-TW" altLang="zh-TW" sz="1150" b="0" i="0" u="none" strike="noStrike" cap="none" normalizeH="0" baseline="0">
+                  <a:rPr kumimoji="0" lang="zh-TW" altLang="zh-TW" sz="1100" b="0" i="0" u="none" strike="noStrike" cap="none" normalizeH="0" baseline="0">
                     <a:ln>
                       <a:noFill/>
                     </a:ln>
@@ -18611,44 +18769,16 @@
                   </a:rPr>
                   <a:t>    }</a:t>
                 </a:r>
-                <a:endParaRPr kumimoji="0" lang="en-US" altLang="zh-TW" sz="1150" b="0" i="0" u="none" strike="noStrike" cap="none" normalizeH="0" baseline="0">
-                  <a:ln>
-                    <a:noFill/>
-                  </a:ln>
-                  <a:solidFill>
-                    <a:srgbClr val="BCBEC4"/>
-                  </a:solidFill>
-                  <a:effectLst/>
-                  <a:latin typeface="+mj-lt"/>
-                  <a:cs typeface="JetBrains Mono" panose="02000009000000000000" pitchFamily="49" charset="0"/>
-                </a:endParaRPr>
-              </a:p>
-              <a:p>
-                <a:pPr marL="0" marR="0" lvl="0" indent="0" algn="l" defTabSz="914400" rtl="0" eaLnBrk="0" fontAlgn="base" latinLnBrk="0" hangingPunct="0">
-                  <a:lnSpc>
-                    <a:spcPct val="100000"/>
-                  </a:lnSpc>
-                  <a:spcBef>
-                    <a:spcPct val="0"/>
-                  </a:spcBef>
-                  <a:spcAft>
-                    <a:spcPct val="0"/>
-                  </a:spcAft>
-                  <a:buClrTx/>
-                  <a:buSzTx/>
-                  <a:buFontTx/>
-                  <a:buNone/>
-                  <a:tabLst/>
-                </a:pPr>
-                <a:endParaRPr kumimoji="0" lang="zh-TW" altLang="zh-TW" sz="1150" b="0" i="0" u="none" strike="noStrike" cap="none" normalizeH="0" baseline="0">
-                  <a:ln>
-                    <a:noFill/>
-                  </a:ln>
-                  <a:solidFill>
-                    <a:schemeClr val="tx1"/>
-                  </a:solidFill>
-                  <a:effectLst/>
-                  <a:latin typeface="+mj-lt"/>
+                <a:endParaRPr kumimoji="0" lang="en-US" altLang="zh-TW" sz="1100" b="0" i="0" u="none" strike="noStrike" cap="none" normalizeH="0" baseline="0">
+                  <a:ln>
+                    <a:noFill/>
+                  </a:ln>
+                  <a:solidFill>
+                    <a:srgbClr val="BCBEC4"/>
+                  </a:solidFill>
+                  <a:effectLst/>
+                  <a:latin typeface="+mj-lt"/>
+                  <a:cs typeface="JetBrains Mono" panose="02000009000000000000" pitchFamily="49" charset="0"/>
                 </a:endParaRPr>
               </a:p>
             </p:txBody>
@@ -18667,7 +18797,7 @@
             </p:nvSpPr>
             <p:spPr>
               <a:xfrm>
-                <a:off x="11754231" y="6103719"/>
+                <a:off x="12074523" y="6129712"/>
                 <a:ext cx="2492990" cy="261610"/>
               </a:xfrm>
               <a:prstGeom prst="rect">
@@ -18713,8 +18843,8 @@
           </p:nvSpPr>
           <p:spPr>
             <a:xfrm>
-              <a:off x="3729319" y="5985912"/>
-              <a:ext cx="7338731" cy="190501"/>
+              <a:off x="4305452" y="6203308"/>
+              <a:ext cx="7000724" cy="190501"/>
             </a:xfrm>
             <a:prstGeom prst="roundRect">
               <a:avLst/>
@@ -18769,7 +18899,7 @@
           </p:nvSpPr>
           <p:spPr>
             <a:xfrm>
-              <a:off x="3598361" y="6202203"/>
+              <a:off x="4661345" y="6393809"/>
               <a:ext cx="4995278" cy="369332"/>
             </a:xfrm>
             <a:prstGeom prst="rect">
@@ -23977,6 +24107,409 @@
           <p:cNvPr id="2" name="標題 1">
             <a:extLst>
               <a:ext uri="{FF2B5EF4-FFF2-40B4-BE49-F238E27FC236}">
+                <a16:creationId xmlns:a16="http://schemas.microsoft.com/office/drawing/2014/main" id="{173E180B-3D62-45CF-B1D7-AEEF4763A3F8}"/>
+              </a:ext>
+            </a:extLst>
+          </p:cNvPr>
+          <p:cNvSpPr>
+            <a:spLocks noGrp="1"/>
+          </p:cNvSpPr>
+          <p:nvPr>
+            <p:ph type="title"/>
+          </p:nvPr>
+        </p:nvSpPr>
+        <p:spPr>
+          <a:xfrm>
+            <a:off x="838200" y="0"/>
+            <a:ext cx="10515600" cy="1325563"/>
+          </a:xfrm>
+        </p:spPr>
+        <p:txBody>
+          <a:bodyPr/>
+          <a:lstStyle/>
+          <a:p>
+            <a:r>
+              <a:rPr lang="zh-TW" altLang="en-US"/>
+              <a:t>方塊實體</a:t>
+            </a:r>
+          </a:p>
+        </p:txBody>
+      </p:sp>
+      <p:sp>
+        <p:nvSpPr>
+          <p:cNvPr id="9" name="內容版面配置區 8">
+            <a:extLst>
+              <a:ext uri="{FF2B5EF4-FFF2-40B4-BE49-F238E27FC236}">
+                <a16:creationId xmlns:a16="http://schemas.microsoft.com/office/drawing/2014/main" id="{6342412F-4554-48B3-9E82-9E0759C72636}"/>
+              </a:ext>
+            </a:extLst>
+          </p:cNvPr>
+          <p:cNvSpPr>
+            <a:spLocks noGrp="1"/>
+          </p:cNvSpPr>
+          <p:nvPr>
+            <p:ph idx="1"/>
+          </p:nvPr>
+        </p:nvSpPr>
+        <p:spPr>
+          <a:xfrm>
+            <a:off x="699247" y="1143555"/>
+            <a:ext cx="10793506" cy="2166845"/>
+          </a:xfrm>
+        </p:spPr>
+        <p:txBody>
+          <a:bodyPr>
+            <a:normAutofit/>
+          </a:bodyPr>
+          <a:lstStyle/>
+          <a:p>
+            <a:r>
+              <a:rPr lang="zh-TW" altLang="en-US">
+                <a:solidFill>
+                  <a:srgbClr val="00B0F0"/>
+                </a:solidFill>
+              </a:rPr>
+              <a:t>紋理</a:t>
+            </a:r>
+            <a:r>
+              <a:rPr lang="zh-TW" altLang="en-US"/>
+              <a:t> </a:t>
+            </a:r>
+            <a:r>
+              <a:rPr lang="en-US" altLang="zh-TW"/>
+              <a:t>1(</a:t>
+            </a:r>
+            <a:r>
+              <a:rPr lang="zh-TW" altLang="en-US"/>
+              <a:t>左下，</a:t>
+            </a:r>
+            <a:r>
+              <a:rPr lang="en-US" altLang="zh-TW">
+                <a:solidFill>
+                  <a:srgbClr val="92D050"/>
+                </a:solidFill>
+              </a:rPr>
+              <a:t>16x16</a:t>
+            </a:r>
+            <a:r>
+              <a:rPr lang="en-US" altLang="zh-TW"/>
+              <a:t>)</a:t>
+            </a:r>
+            <a:r>
+              <a:rPr lang="zh-TW" altLang="en-US"/>
+              <a:t>：</a:t>
+            </a:r>
+            <a:endParaRPr lang="en-US" altLang="zh-TW"/>
+          </a:p>
+          <a:p>
+            <a:r>
+              <a:rPr lang="en-US" altLang="zh-TW">
+                <a:solidFill>
+                  <a:srgbClr val="92D050"/>
+                </a:solidFill>
+              </a:rPr>
+              <a:t>assets/tyicmod/textures/blcok/redstone_heater_side.png</a:t>
+            </a:r>
+            <a:endParaRPr lang="en-US" altLang="zh-TW"/>
+          </a:p>
+          <a:p>
+            <a:r>
+              <a:rPr lang="zh-TW" altLang="en-US">
+                <a:solidFill>
+                  <a:srgbClr val="00B0F0"/>
+                </a:solidFill>
+              </a:rPr>
+              <a:t>紋理</a:t>
+            </a:r>
+            <a:r>
+              <a:rPr lang="zh-TW" altLang="en-US"/>
+              <a:t> </a:t>
+            </a:r>
+            <a:r>
+              <a:rPr lang="en-US" altLang="zh-TW"/>
+              <a:t>2(</a:t>
+            </a:r>
+            <a:r>
+              <a:rPr lang="zh-TW" altLang="en-US"/>
+              <a:t>右下，</a:t>
+            </a:r>
+            <a:r>
+              <a:rPr lang="en-US" altLang="zh-TW">
+                <a:solidFill>
+                  <a:srgbClr val="92D050"/>
+                </a:solidFill>
+              </a:rPr>
+              <a:t>16x16</a:t>
+            </a:r>
+            <a:r>
+              <a:rPr lang="en-US" altLang="zh-TW"/>
+              <a:t>) </a:t>
+            </a:r>
+            <a:r>
+              <a:rPr lang="zh-TW" altLang="en-US"/>
+              <a:t>：</a:t>
+            </a:r>
+            <a:endParaRPr lang="en-US" altLang="zh-TW"/>
+          </a:p>
+          <a:p>
+            <a:r>
+              <a:rPr lang="en-US" altLang="zh-TW">
+                <a:solidFill>
+                  <a:srgbClr val="92D050"/>
+                </a:solidFill>
+              </a:rPr>
+              <a:t>assets/tyicmod/textures/blcok/redstone_heater_top.png</a:t>
+            </a:r>
+            <a:endParaRPr lang="zh-TW" altLang="en-US"/>
+          </a:p>
+        </p:txBody>
+      </p:sp>
+      <p:grpSp>
+        <p:nvGrpSpPr>
+          <p:cNvPr id="12" name="群組 11">
+            <a:extLst>
+              <a:ext uri="{FF2B5EF4-FFF2-40B4-BE49-F238E27FC236}">
+                <a16:creationId xmlns:a16="http://schemas.microsoft.com/office/drawing/2014/main" id="{33679D54-DBCD-4353-ABC1-5BBD36443FDC}"/>
+              </a:ext>
+            </a:extLst>
+          </p:cNvPr>
+          <p:cNvGrpSpPr/>
+          <p:nvPr/>
+        </p:nvGrpSpPr>
+        <p:grpSpPr>
+          <a:xfrm>
+            <a:off x="2131808" y="3553200"/>
+            <a:ext cx="2816712" cy="2816712"/>
+            <a:chOff x="2131808" y="3723528"/>
+            <a:chExt cx="2816712" cy="2816712"/>
+          </a:xfrm>
+        </p:grpSpPr>
+        <p:pic>
+          <p:nvPicPr>
+            <p:cNvPr id="7" name="圖片 6">
+              <a:extLst>
+                <a:ext uri="{FF2B5EF4-FFF2-40B4-BE49-F238E27FC236}">
+                  <a16:creationId xmlns:a16="http://schemas.microsoft.com/office/drawing/2014/main" id="{59E56C3A-BD00-4A6A-BC6A-335759C03A6C}"/>
+                </a:ext>
+              </a:extLst>
+            </p:cNvPr>
+            <p:cNvPicPr>
+              <a:picLocks noChangeAspect="1"/>
+            </p:cNvPicPr>
+            <p:nvPr/>
+          </p:nvPicPr>
+          <p:blipFill>
+            <a:blip r:embed="rId2">
+              <a:extLst>
+                <a:ext uri="{28A0092B-C50C-407E-A947-70E740481C1C}">
+                  <a14:useLocalDpi xmlns:a14="http://schemas.microsoft.com/office/drawing/2010/main" val="0"/>
+                </a:ext>
+              </a:extLst>
+            </a:blip>
+            <a:stretch>
+              <a:fillRect/>
+            </a:stretch>
+          </p:blipFill>
+          <p:spPr>
+            <a:xfrm>
+              <a:off x="2131808" y="3723528"/>
+              <a:ext cx="2816712" cy="2816712"/>
+            </a:xfrm>
+            <a:prstGeom prst="rect">
+              <a:avLst/>
+            </a:prstGeom>
+            <a:ln>
+              <a:solidFill>
+                <a:schemeClr val="accent1"/>
+              </a:solidFill>
+            </a:ln>
+          </p:spPr>
+        </p:pic>
+        <p:sp>
+          <p:nvSpPr>
+            <p:cNvPr id="10" name="文字方塊 9">
+              <a:extLst>
+                <a:ext uri="{FF2B5EF4-FFF2-40B4-BE49-F238E27FC236}">
+                  <a16:creationId xmlns:a16="http://schemas.microsoft.com/office/drawing/2014/main" id="{3413F4BB-3EE4-44D6-85A7-04EAB9F5A3CF}"/>
+                </a:ext>
+              </a:extLst>
+            </p:cNvPr>
+            <p:cNvSpPr txBox="1"/>
+            <p:nvPr/>
+          </p:nvSpPr>
+          <p:spPr>
+            <a:xfrm>
+              <a:off x="2994138" y="6286324"/>
+              <a:ext cx="1954382" cy="253916"/>
+            </a:xfrm>
+            <a:prstGeom prst="rect">
+              <a:avLst/>
+            </a:prstGeom>
+            <a:noFill/>
+            <a:ln>
+              <a:solidFill>
+                <a:schemeClr val="accent1"/>
+              </a:solidFill>
+            </a:ln>
+          </p:spPr>
+          <p:txBody>
+            <a:bodyPr wrap="none" rtlCol="0">
+              <a:spAutoFit/>
+            </a:bodyPr>
+            <a:lstStyle/>
+            <a:p>
+              <a:pPr algn="r"/>
+              <a:r>
+                <a:rPr lang="en-US" altLang="zh-TW" sz="1050"/>
+                <a:t>redstone_heater_side.png</a:t>
+              </a:r>
+              <a:endParaRPr lang="zh-TW" altLang="en-US" sz="1050"/>
+            </a:p>
+          </p:txBody>
+        </p:sp>
+      </p:grpSp>
+      <p:grpSp>
+        <p:nvGrpSpPr>
+          <p:cNvPr id="13" name="群組 12">
+            <a:extLst>
+              <a:ext uri="{FF2B5EF4-FFF2-40B4-BE49-F238E27FC236}">
+                <a16:creationId xmlns:a16="http://schemas.microsoft.com/office/drawing/2014/main" id="{5CD6C9E0-9CA4-4BB1-80F4-221EBDB477BC}"/>
+              </a:ext>
+            </a:extLst>
+          </p:cNvPr>
+          <p:cNvGrpSpPr/>
+          <p:nvPr/>
+        </p:nvGrpSpPr>
+        <p:grpSpPr>
+          <a:xfrm>
+            <a:off x="7243480" y="3553200"/>
+            <a:ext cx="2816712" cy="2816712"/>
+            <a:chOff x="7243480" y="3723528"/>
+            <a:chExt cx="2816712" cy="2816712"/>
+          </a:xfrm>
+        </p:grpSpPr>
+        <p:pic>
+          <p:nvPicPr>
+            <p:cNvPr id="5" name="圖片 4">
+              <a:extLst>
+                <a:ext uri="{FF2B5EF4-FFF2-40B4-BE49-F238E27FC236}">
+                  <a16:creationId xmlns:a16="http://schemas.microsoft.com/office/drawing/2014/main" id="{B08CF4ED-6348-4E29-BA56-C357F2900EC4}"/>
+                </a:ext>
+              </a:extLst>
+            </p:cNvPr>
+            <p:cNvPicPr>
+              <a:picLocks noChangeAspect="1"/>
+            </p:cNvPicPr>
+            <p:nvPr/>
+          </p:nvPicPr>
+          <p:blipFill>
+            <a:blip r:embed="rId3">
+              <a:extLst>
+                <a:ext uri="{28A0092B-C50C-407E-A947-70E740481C1C}">
+                  <a14:useLocalDpi xmlns:a14="http://schemas.microsoft.com/office/drawing/2010/main" val="0"/>
+                </a:ext>
+              </a:extLst>
+            </a:blip>
+            <a:stretch>
+              <a:fillRect/>
+            </a:stretch>
+          </p:blipFill>
+          <p:spPr>
+            <a:xfrm>
+              <a:off x="7243480" y="3723528"/>
+              <a:ext cx="2816712" cy="2816712"/>
+            </a:xfrm>
+            <a:prstGeom prst="rect">
+              <a:avLst/>
+            </a:prstGeom>
+            <a:ln>
+              <a:solidFill>
+                <a:schemeClr val="accent1"/>
+              </a:solidFill>
+            </a:ln>
+          </p:spPr>
+        </p:pic>
+        <p:sp>
+          <p:nvSpPr>
+            <p:cNvPr id="11" name="文字方塊 10">
+              <a:extLst>
+                <a:ext uri="{FF2B5EF4-FFF2-40B4-BE49-F238E27FC236}">
+                  <a16:creationId xmlns:a16="http://schemas.microsoft.com/office/drawing/2014/main" id="{C1AF8D5A-2E7E-41D6-834C-A557D9B7F718}"/>
+                </a:ext>
+              </a:extLst>
+            </p:cNvPr>
+            <p:cNvSpPr txBox="1"/>
+            <p:nvPr/>
+          </p:nvSpPr>
+          <p:spPr>
+            <a:xfrm>
+              <a:off x="8179548" y="6286324"/>
+              <a:ext cx="1880644" cy="253916"/>
+            </a:xfrm>
+            <a:prstGeom prst="rect">
+              <a:avLst/>
+            </a:prstGeom>
+            <a:noFill/>
+            <a:ln>
+              <a:solidFill>
+                <a:schemeClr val="accent1"/>
+              </a:solidFill>
+            </a:ln>
+          </p:spPr>
+          <p:txBody>
+            <a:bodyPr wrap="none" rtlCol="0">
+              <a:spAutoFit/>
+            </a:bodyPr>
+            <a:lstStyle/>
+            <a:p>
+              <a:pPr algn="r"/>
+              <a:r>
+                <a:rPr lang="en-US" altLang="zh-TW" sz="1050"/>
+                <a:t>redstone_heater_top.png</a:t>
+              </a:r>
+              <a:endParaRPr lang="zh-TW" altLang="en-US" sz="1050"/>
+            </a:p>
+          </p:txBody>
+        </p:sp>
+      </p:grpSp>
+    </p:spTree>
+    <p:extLst>
+      <p:ext uri="{BB962C8B-B14F-4D97-AF65-F5344CB8AC3E}">
+        <p14:creationId xmlns:p14="http://schemas.microsoft.com/office/powerpoint/2010/main" val="2819201781"/>
+      </p:ext>
+    </p:extLst>
+  </p:cSld>
+  <p:clrMapOvr>
+    <a:masterClrMapping/>
+  </p:clrMapOvr>
+  <p:transition>
+    <p:push dir="u"/>
+  </p:transition>
+</p:sld>
+</file>
+
+<file path=ppt/slides/slide25.xml><?xml version="1.0" encoding="utf-8"?>
+<p:sld xmlns:a="http://schemas.openxmlformats.org/drawingml/2006/main" xmlns:r="http://schemas.openxmlformats.org/officeDocument/2006/relationships" xmlns:p="http://schemas.openxmlformats.org/presentationml/2006/main">
+  <p:cSld>
+    <p:spTree>
+      <p:nvGrpSpPr>
+        <p:cNvPr id="1" name=""/>
+        <p:cNvGrpSpPr/>
+        <p:nvPr/>
+      </p:nvGrpSpPr>
+      <p:grpSpPr>
+        <a:xfrm>
+          <a:off x="0" y="0"/>
+          <a:ext cx="0" cy="0"/>
+          <a:chOff x="0" y="0"/>
+          <a:chExt cx="0" cy="0"/>
+        </a:xfrm>
+      </p:grpSpPr>
+      <p:sp>
+        <p:nvSpPr>
+          <p:cNvPr id="2" name="標題 1">
+            <a:extLst>
+              <a:ext uri="{FF2B5EF4-FFF2-40B4-BE49-F238E27FC236}">
                 <a16:creationId xmlns:a16="http://schemas.microsoft.com/office/drawing/2014/main" id="{7C0B5950-AB16-463F-B57B-45A6714EFC88}"/>
               </a:ext>
             </a:extLst>
@@ -24024,7 +24557,7 @@
         <p:spPr>
           <a:xfrm>
             <a:off x="525244" y="1049674"/>
-            <a:ext cx="11141512" cy="2032900"/>
+            <a:ext cx="11141512" cy="2014970"/>
           </a:xfrm>
         </p:spPr>
         <p:txBody>
@@ -24153,7 +24686,7 @@
         </p:nvGrpSpPr>
         <p:grpSpPr>
           <a:xfrm>
-            <a:off x="525244" y="3661568"/>
+            <a:off x="525244" y="3643638"/>
             <a:ext cx="5570756" cy="2062103"/>
             <a:chOff x="503802" y="4467774"/>
             <a:chExt cx="5570756" cy="2062103"/>
@@ -24763,7 +25296,7 @@
         </p:nvGrpSpPr>
         <p:grpSpPr>
           <a:xfrm>
-            <a:off x="6320421" y="3082574"/>
+            <a:off x="6320421" y="3064644"/>
             <a:ext cx="5346335" cy="1569660"/>
             <a:chOff x="6132973" y="4340419"/>
             <a:chExt cx="5346335" cy="1569660"/>
@@ -25207,7 +25740,7 @@
         </p:nvGrpSpPr>
         <p:grpSpPr>
           <a:xfrm>
-            <a:off x="6320421" y="4815730"/>
+            <a:off x="6320421" y="4797800"/>
             <a:ext cx="5346335" cy="1815882"/>
             <a:chOff x="6320421" y="4861110"/>
             <a:chExt cx="5346335" cy="1815882"/>
@@ -25652,7 +26185,7 @@
 </p:sld>
 </file>
 
-<file path=ppt/slides/slide25.xml><?xml version="1.0" encoding="utf-8"?>
+<file path=ppt/slides/slide26.xml><?xml version="1.0" encoding="utf-8"?>
 <p:sld xmlns:a="http://schemas.openxmlformats.org/drawingml/2006/main" xmlns:r="http://schemas.openxmlformats.org/officeDocument/2006/relationships" xmlns:p="http://schemas.openxmlformats.org/presentationml/2006/main">
   <p:cSld>
     <p:spTree>
@@ -26270,7 +26803,7 @@
         </p:nvSpPr>
         <p:spPr>
           <a:xfrm>
-            <a:off x="1349188" y="4037074"/>
+            <a:off x="1349188" y="4055004"/>
             <a:ext cx="9086850" cy="533213"/>
           </a:xfrm>
           <a:prstGeom prst="rect">
@@ -26491,7 +27024,7 @@
         </p:nvGrpSpPr>
         <p:grpSpPr>
           <a:xfrm>
-            <a:off x="1349188" y="4570287"/>
+            <a:off x="1349188" y="4662198"/>
             <a:ext cx="9086850" cy="1754326"/>
             <a:chOff x="122404" y="2723289"/>
             <a:chExt cx="9086850" cy="1754326"/>
@@ -27044,7 +27577,7 @@
 </p:sld>
 </file>
 
-<file path=ppt/slides/slide26.xml><?xml version="1.0" encoding="utf-8"?>
+<file path=ppt/slides/slide27.xml><?xml version="1.0" encoding="utf-8"?>
 <p:sld xmlns:a="http://schemas.openxmlformats.org/drawingml/2006/main" xmlns:r="http://schemas.openxmlformats.org/officeDocument/2006/relationships" xmlns:p="http://schemas.openxmlformats.org/presentationml/2006/main">
   <p:cSld>
     <p:spTree>
@@ -27066,7 +27599,7 @@
           <p:cNvPr id="2" name="標題 1">
             <a:extLst>
               <a:ext uri="{FF2B5EF4-FFF2-40B4-BE49-F238E27FC236}">
-                <a16:creationId xmlns:a16="http://schemas.microsoft.com/office/drawing/2014/main" id="{173E180B-3D62-45CF-B1D7-AEEF4763A3F8}"/>
+                <a16:creationId xmlns:a16="http://schemas.microsoft.com/office/drawing/2014/main" id="{B4C797C6-815A-4F89-A85A-D558366FC2F5}"/>
               </a:ext>
             </a:extLst>
           </p:cNvPr>
@@ -27082,7 +27615,10 @@
           <a:bodyPr/>
           <a:lstStyle/>
           <a:p>
-            <a:endParaRPr lang="zh-TW" altLang="en-US"/>
+            <a:r>
+              <a:rPr lang="zh-TW" altLang="en-US"/>
+              <a:t>實際測試</a:t>
+            </a:r>
           </a:p>
         </p:txBody>
       </p:sp>
@@ -27091,7 +27627,7 @@
           <p:cNvPr id="3" name="內容版面配置區 2">
             <a:extLst>
               <a:ext uri="{FF2B5EF4-FFF2-40B4-BE49-F238E27FC236}">
-                <a16:creationId xmlns:a16="http://schemas.microsoft.com/office/drawing/2014/main" id="{E8EC4DCC-65EB-4DCF-BA7E-0DD35261AE9B}"/>
+                <a16:creationId xmlns:a16="http://schemas.microsoft.com/office/drawing/2014/main" id="{B6E5FF98-D7B5-40CB-8E79-B15F914E9557}"/>
               </a:ext>
             </a:extLst>
           </p:cNvPr>
@@ -27102,19 +27638,163 @@
             <p:ph idx="1"/>
           </p:nvPr>
         </p:nvSpPr>
-        <p:spPr/>
+        <p:spPr>
+          <a:xfrm>
+            <a:off x="838200" y="3192882"/>
+            <a:ext cx="10515600" cy="472236"/>
+          </a:xfrm>
+        </p:spPr>
         <p:txBody>
-          <a:bodyPr/>
+          <a:bodyPr>
+            <a:normAutofit lnSpcReduction="10000"/>
+          </a:bodyPr>
           <a:lstStyle/>
           <a:p>
-            <a:endParaRPr lang="zh-TW" altLang="en-US"/>
+            <a:r>
+              <a:rPr lang="zh-TW" altLang="en-US"/>
+              <a:t>展示影片：</a:t>
+            </a:r>
+            <a:r>
+              <a:rPr lang="en-US" altLang="zh-TW">
+                <a:solidFill>
+                  <a:srgbClr val="FFC000"/>
+                </a:solidFill>
+                <a:hlinkClick r:id="rId2">
+                  <a:extLst>
+                    <a:ext uri="{A12FA001-AC4F-418D-AE19-62706E023703}">
+                      <ahyp:hlinkClr xmlns:ahyp="http://schemas.microsoft.com/office/drawing/2018/hyperlinkcolor" val="tx"/>
+                    </a:ext>
+                  </a:extLst>
+                </a:hlinkClick>
+              </a:rPr>
+              <a:t>https://youtu.be/ua13zahMRCI</a:t>
+            </a:r>
+            <a:endParaRPr lang="zh-TW" altLang="en-US">
+              <a:solidFill>
+                <a:srgbClr val="FFC000"/>
+              </a:solidFill>
+            </a:endParaRPr>
           </a:p>
         </p:txBody>
       </p:sp>
     </p:spTree>
     <p:extLst>
       <p:ext uri="{BB962C8B-B14F-4D97-AF65-F5344CB8AC3E}">
-        <p14:creationId xmlns:p14="http://schemas.microsoft.com/office/powerpoint/2010/main" val="2819201781"/>
+        <p14:creationId xmlns:p14="http://schemas.microsoft.com/office/powerpoint/2010/main" val="974401223"/>
+      </p:ext>
+    </p:extLst>
+  </p:cSld>
+  <p:clrMapOvr>
+    <a:masterClrMapping/>
+  </p:clrMapOvr>
+  <p:transition>
+    <p:push dir="u"/>
+  </p:transition>
+</p:sld>
+</file>
+
+<file path=ppt/slides/slide28.xml><?xml version="1.0" encoding="utf-8"?>
+<p:sld xmlns:a="http://schemas.openxmlformats.org/drawingml/2006/main" xmlns:r="http://schemas.openxmlformats.org/officeDocument/2006/relationships" xmlns:p="http://schemas.openxmlformats.org/presentationml/2006/main">
+  <p:cSld>
+    <p:spTree>
+      <p:nvGrpSpPr>
+        <p:cNvPr id="1" name=""/>
+        <p:cNvGrpSpPr/>
+        <p:nvPr/>
+      </p:nvGrpSpPr>
+      <p:grpSpPr>
+        <a:xfrm>
+          <a:off x="0" y="0"/>
+          <a:ext cx="0" cy="0"/>
+          <a:chOff x="0" y="0"/>
+          <a:chExt cx="0" cy="0"/>
+        </a:xfrm>
+      </p:grpSpPr>
+      <p:sp>
+        <p:nvSpPr>
+          <p:cNvPr id="2" name="標題 1">
+            <a:extLst>
+              <a:ext uri="{FF2B5EF4-FFF2-40B4-BE49-F238E27FC236}">
+                <a16:creationId xmlns:a16="http://schemas.microsoft.com/office/drawing/2014/main" id="{CCC45DFB-6DC1-46DF-93CE-A04ADD772F9B}"/>
+              </a:ext>
+            </a:extLst>
+          </p:cNvPr>
+          <p:cNvSpPr>
+            <a:spLocks noGrp="1"/>
+          </p:cNvSpPr>
+          <p:nvPr>
+            <p:ph type="title"/>
+          </p:nvPr>
+        </p:nvSpPr>
+        <p:spPr/>
+        <p:txBody>
+          <a:bodyPr/>
+          <a:lstStyle/>
+          <a:p>
+            <a:r>
+              <a:rPr lang="zh-TW" altLang="en-US"/>
+              <a:t>成品</a:t>
+            </a:r>
+          </a:p>
+        </p:txBody>
+      </p:sp>
+      <p:sp>
+        <p:nvSpPr>
+          <p:cNvPr id="5" name="內容版面配置區 4">
+            <a:extLst>
+              <a:ext uri="{FF2B5EF4-FFF2-40B4-BE49-F238E27FC236}">
+                <a16:creationId xmlns:a16="http://schemas.microsoft.com/office/drawing/2014/main" id="{E0378161-741A-40C1-8CE9-D9DB1870B8D1}"/>
+              </a:ext>
+            </a:extLst>
+          </p:cNvPr>
+          <p:cNvSpPr>
+            <a:spLocks noGrp="1"/>
+          </p:cNvSpPr>
+          <p:nvPr>
+            <p:ph idx="1"/>
+          </p:nvPr>
+        </p:nvSpPr>
+        <p:spPr>
+          <a:xfrm>
+            <a:off x="838200" y="2962835"/>
+            <a:ext cx="10515600" cy="1144588"/>
+          </a:xfrm>
+        </p:spPr>
+        <p:txBody>
+          <a:bodyPr/>
+          <a:lstStyle/>
+          <a:p>
+            <a:r>
+              <a:rPr lang="en-US" altLang="zh-TW"/>
+              <a:t>Github </a:t>
+            </a:r>
+            <a:r>
+              <a:rPr lang="zh-TW" altLang="en-US"/>
+              <a:t>連結：</a:t>
+            </a:r>
+            <a:endParaRPr lang="en-US" altLang="zh-TW"/>
+          </a:p>
+          <a:p>
+            <a:r>
+              <a:rPr lang="en-US" altLang="zh-TW">
+                <a:solidFill>
+                  <a:srgbClr val="FFC000"/>
+                </a:solidFill>
+              </a:rPr>
+              <a:t>https://github.com/TYSHIC/tyicmod/tree/04_nbt</a:t>
+            </a:r>
+            <a:endParaRPr lang="zh-TW" altLang="en-US">
+              <a:solidFill>
+                <a:srgbClr val="FFC000"/>
+              </a:solidFill>
+            </a:endParaRPr>
+          </a:p>
+        </p:txBody>
+      </p:sp>
+    </p:spTree>
+    <p:extLst>
+      <p:ext uri="{BB962C8B-B14F-4D97-AF65-F5344CB8AC3E}">
+        <p14:creationId xmlns:p14="http://schemas.microsoft.com/office/powerpoint/2010/main" val="475772031"/>
       </p:ext>
     </p:extLst>
   </p:cSld>
@@ -34556,7 +35236,35 @@
                   <a:latin typeface="+mj-lt"/>
                   <a:cs typeface="JetBrains Mono" panose="02000009000000000000" pitchFamily="49" charset="0"/>
                 </a:rPr>
-                <a:t>org.tyic.tyicmod;</a:t>
+                <a:t>org.tyic.tyicmod</a:t>
+              </a:r>
+              <a:r>
+                <a:rPr kumimoji="0" lang="en-US" altLang="zh-TW" sz="1400" b="0" i="0" u="none" strike="noStrike" cap="none" normalizeH="0" baseline="0">
+                  <a:ln>
+                    <a:noFill/>
+                  </a:ln>
+                  <a:solidFill>
+                    <a:srgbClr val="BCBEC4"/>
+                  </a:solidFill>
+                  <a:effectLst/>
+                  <a:latin typeface="+mj-lt"/>
+                  <a:cs typeface="JetBrains Mono" panose="02000009000000000000" pitchFamily="49" charset="0"/>
+                </a:rPr>
+                <a:t>.item</a:t>
+              </a:r>
+              <a:r>
+                <a:rPr kumimoji="0" lang="zh-TW" altLang="zh-TW" sz="1400" b="0" i="0" u="none" strike="noStrike" cap="none" normalizeH="0" baseline="0">
+                  <a:ln>
+                    <a:noFill/>
+                  </a:ln>
+                  <a:solidFill>
+                    <a:srgbClr val="BCBEC4"/>
+                  </a:solidFill>
+                  <a:effectLst/>
+                  <a:latin typeface="+mj-lt"/>
+                  <a:cs typeface="JetBrains Mono" panose="02000009000000000000" pitchFamily="49" charset="0"/>
+                </a:rPr>
+                <a:t>;</a:t>
               </a:r>
               <a:br>
                 <a:rPr kumimoji="0" lang="zh-TW" altLang="zh-TW" sz="1400" b="0" i="0" u="none" strike="noStrike" cap="none" normalizeH="0" baseline="0">

--- a/ppt/54_Java 專案：NBT.pptx
+++ b/ppt/54_Java 專案：NBT.pptx
@@ -224,7 +224,7 @@
           <a:p>
             <a:fld id="{CFD633B1-48C2-4A71-A4E6-954E3ACB493B}" type="datetimeFigureOut">
               <a:rPr lang="zh-TW" altLang="en-US" smtClean="0"/>
-              <a:t>2025/2/28</a:t>
+              <a:t>2025/3/2</a:t>
             </a:fld>
             <a:endParaRPr lang="zh-TW" altLang="en-US"/>
           </a:p>
@@ -27780,6 +27780,13 @@
                 <a:solidFill>
                   <a:srgbClr val="FFC000"/>
                 </a:solidFill>
+                <a:hlinkClick r:id="rId2">
+                  <a:extLst>
+                    <a:ext uri="{A12FA001-AC4F-418D-AE19-62706E023703}">
+                      <ahyp:hlinkClr xmlns:ahyp="http://schemas.microsoft.com/office/drawing/2018/hyperlinkcolor" val="tx"/>
+                    </a:ext>
+                  </a:extLst>
+                </a:hlinkClick>
               </a:rPr>
               <a:t>https://github.com/TYSHIC/tyicmod/tree/04_nbt</a:t>
             </a:r>
